--- a/Homework4/Question6/Initial_Project_Ideas.pptx
+++ b/Homework4/Question6/Initial_Project_Ideas.pptx
@@ -1,15 +1,25 @@
 
 <file path=ppt/presentation.xml><?xml version="1.0" encoding="utf-8"?>
-<p:presentation xmlns:a="http://schemas.openxmlformats.org/drawingml/2006/main" xmlns:r="http://schemas.openxmlformats.org/officeDocument/2006/relationships" xmlns:p="http://schemas.openxmlformats.org/presentationml/2006/main" saveSubsetFonts="1">
+<p:presentation xmlns:a="http://schemas.openxmlformats.org/drawingml/2006/main" xmlns:r="http://schemas.openxmlformats.org/officeDocument/2006/relationships" xmlns:p="http://schemas.openxmlformats.org/presentationml/2006/main">
   <p:sldMasterIdLst>
     <p:sldMasterId id="2147483648" r:id="rId1"/>
   </p:sldMasterIdLst>
+  <p:notesMasterIdLst>
+    <p:notesMasterId r:id="rId7"/>
+  </p:notesMasterIdLst>
   <p:sldIdLst>
-    <p:sldId id="256" r:id="rId2"/>
-    <p:sldId id="257" r:id="rId3"/>
+    <p:sldId id="256" r:id="rId3"/>
+    <p:sldId id="257" r:id="rId4"/>
+    <p:sldId id="259" r:id="rId5"/>
+    <p:sldId id="258" r:id="rId6"/>
+    <p:sldId id="261" r:id="rId8"/>
+    <p:sldId id="260" r:id="rId9"/>
   </p:sldIdLst>
   <p:sldSz cx="12192000" cy="6858000"/>
   <p:notesSz cx="6858000" cy="9144000"/>
+  <p:custDataLst>
+    <p:tags r:id="rId13"/>
+  </p:custDataLst>
   <p:defaultTextStyle>
     <a:defPPr>
       <a:defRPr lang="zh-CN"/>
@@ -108,6 +118,616 @@
 </p:presentation>
 </file>
 
+<file path=ppt/notesMasters/notesMaster1.xml><?xml version="1.0" encoding="utf-8"?>
+<p:notesMaster xmlns:a="http://schemas.openxmlformats.org/drawingml/2006/main" xmlns:r="http://schemas.openxmlformats.org/officeDocument/2006/relationships" xmlns:p="http://schemas.openxmlformats.org/presentationml/2006/main">
+  <p:cSld>
+    <p:bg>
+      <p:bgRef idx="1001">
+        <a:schemeClr val="bg1"/>
+      </p:bgRef>
+    </p:bg>
+    <p:spTree>
+      <p:nvGrpSpPr>
+        <p:cNvPr id="1" name=""/>
+        <p:cNvGrpSpPr/>
+        <p:nvPr/>
+      </p:nvGrpSpPr>
+      <p:grpSpPr>
+        <a:xfrm>
+          <a:off x="0" y="0"/>
+          <a:ext cx="0" cy="0"/>
+          <a:chOff x="0" y="0"/>
+          <a:chExt cx="0" cy="0"/>
+        </a:xfrm>
+      </p:grpSpPr>
+      <p:sp>
+        <p:nvSpPr>
+          <p:cNvPr id="2" name="页眉占位符 1"/>
+          <p:cNvSpPr>
+            <a:spLocks noGrp="1"/>
+          </p:cNvSpPr>
+          <p:nvPr>
+            <p:ph type="hdr" sz="quarter"/>
+          </p:nvPr>
+        </p:nvSpPr>
+        <p:spPr>
+          <a:xfrm>
+            <a:off x="0" y="0"/>
+            <a:ext cx="2971800" cy="458788"/>
+          </a:xfrm>
+          <a:prstGeom prst="rect">
+            <a:avLst/>
+          </a:prstGeom>
+        </p:spPr>
+        <p:txBody>
+          <a:bodyPr vert="horz" lIns="91440" tIns="45720" rIns="91440" bIns="45720" rtlCol="0"/>
+          <a:lstStyle>
+            <a:lvl1pPr algn="l">
+              <a:defRPr sz="1200"/>
+            </a:lvl1pPr>
+          </a:lstStyle>
+          <a:p>
+            <a:endParaRPr lang="zh-CN" altLang="en-US"/>
+          </a:p>
+        </p:txBody>
+      </p:sp>
+      <p:sp>
+        <p:nvSpPr>
+          <p:cNvPr id="3" name="日期占位符 2"/>
+          <p:cNvSpPr>
+            <a:spLocks noGrp="1"/>
+          </p:cNvSpPr>
+          <p:nvPr>
+            <p:ph type="dt" idx="1"/>
+          </p:nvPr>
+        </p:nvSpPr>
+        <p:spPr>
+          <a:xfrm>
+            <a:off x="3884613" y="0"/>
+            <a:ext cx="2971800" cy="458788"/>
+          </a:xfrm>
+          <a:prstGeom prst="rect">
+            <a:avLst/>
+          </a:prstGeom>
+        </p:spPr>
+        <p:txBody>
+          <a:bodyPr vert="horz" lIns="91440" tIns="45720" rIns="91440" bIns="45720" rtlCol="0"/>
+          <a:lstStyle>
+            <a:lvl1pPr algn="r">
+              <a:defRPr sz="1200"/>
+            </a:lvl1pPr>
+          </a:lstStyle>
+          <a:p>
+            <a:fld id="{D2A48B96-639E-45A3-A0BA-2464DFDB1FAA}" type="datetimeFigureOut">
+              <a:rPr lang="zh-CN" altLang="en-US" smtClean="0"/>
+            </a:fld>
+            <a:endParaRPr lang="zh-CN" altLang="en-US"/>
+          </a:p>
+        </p:txBody>
+      </p:sp>
+      <p:sp>
+        <p:nvSpPr>
+          <p:cNvPr id="4" name="幻灯片图像占位符 3"/>
+          <p:cNvSpPr>
+            <a:spLocks noGrp="1" noRot="1" noChangeAspect="1"/>
+          </p:cNvSpPr>
+          <p:nvPr>
+            <p:ph type="sldImg" idx="2"/>
+          </p:nvPr>
+        </p:nvSpPr>
+        <p:spPr>
+          <a:xfrm>
+            <a:off x="685800" y="1143000"/>
+            <a:ext cx="5486400" cy="3086100"/>
+          </a:xfrm>
+          <a:prstGeom prst="rect">
+            <a:avLst/>
+          </a:prstGeom>
+          <a:noFill/>
+          <a:ln w="12700">
+            <a:solidFill>
+              <a:prstClr val="black"/>
+            </a:solidFill>
+          </a:ln>
+        </p:spPr>
+        <p:txBody>
+          <a:bodyPr vert="horz" lIns="91440" tIns="45720" rIns="91440" bIns="45720" rtlCol="0" anchor="ctr"/>
+          <a:lstStyle/>
+          <a:p>
+            <a:endParaRPr lang="zh-CN" altLang="en-US"/>
+          </a:p>
+        </p:txBody>
+      </p:sp>
+      <p:sp>
+        <p:nvSpPr>
+          <p:cNvPr id="5" name="备注占位符 4"/>
+          <p:cNvSpPr>
+            <a:spLocks noGrp="1"/>
+          </p:cNvSpPr>
+          <p:nvPr>
+            <p:ph type="body" sz="quarter" idx="3"/>
+          </p:nvPr>
+        </p:nvSpPr>
+        <p:spPr>
+          <a:xfrm>
+            <a:off x="685800" y="4400550"/>
+            <a:ext cx="5486400" cy="3600450"/>
+          </a:xfrm>
+          <a:prstGeom prst="rect">
+            <a:avLst/>
+          </a:prstGeom>
+        </p:spPr>
+        <p:txBody>
+          <a:bodyPr vert="horz" lIns="91440" tIns="45720" rIns="91440" bIns="45720" rtlCol="0"/>
+          <a:lstStyle/>
+          <a:p>
+            <a:pPr lvl="0"/>
+            <a:r>
+              <a:rPr lang="zh-CN" altLang="en-US" smtClean="0"/>
+              <a:t>单击此处编辑母版文本样式</a:t>
+            </a:r>
+            <a:endParaRPr lang="zh-CN" altLang="en-US" smtClean="0"/>
+          </a:p>
+          <a:p>
+            <a:pPr lvl="1"/>
+            <a:r>
+              <a:rPr lang="zh-CN" altLang="en-US" smtClean="0"/>
+              <a:t>第二级</a:t>
+            </a:r>
+            <a:endParaRPr lang="zh-CN" altLang="en-US" smtClean="0"/>
+          </a:p>
+          <a:p>
+            <a:pPr lvl="2"/>
+            <a:r>
+              <a:rPr lang="zh-CN" altLang="en-US" smtClean="0"/>
+              <a:t>第三级</a:t>
+            </a:r>
+            <a:endParaRPr lang="zh-CN" altLang="en-US" smtClean="0"/>
+          </a:p>
+          <a:p>
+            <a:pPr lvl="3"/>
+            <a:r>
+              <a:rPr lang="zh-CN" altLang="en-US" smtClean="0"/>
+              <a:t>第四级</a:t>
+            </a:r>
+            <a:endParaRPr lang="zh-CN" altLang="en-US" smtClean="0"/>
+          </a:p>
+          <a:p>
+            <a:pPr lvl="4"/>
+            <a:r>
+              <a:rPr lang="zh-CN" altLang="en-US" smtClean="0"/>
+              <a:t>第五级</a:t>
+            </a:r>
+            <a:endParaRPr lang="zh-CN" altLang="en-US"/>
+          </a:p>
+        </p:txBody>
+      </p:sp>
+      <p:sp>
+        <p:nvSpPr>
+          <p:cNvPr id="6" name="页脚占位符 5"/>
+          <p:cNvSpPr>
+            <a:spLocks noGrp="1"/>
+          </p:cNvSpPr>
+          <p:nvPr>
+            <p:ph type="ftr" sz="quarter" idx="4"/>
+          </p:nvPr>
+        </p:nvSpPr>
+        <p:spPr>
+          <a:xfrm>
+            <a:off x="0" y="8685213"/>
+            <a:ext cx="2971800" cy="458787"/>
+          </a:xfrm>
+          <a:prstGeom prst="rect">
+            <a:avLst/>
+          </a:prstGeom>
+        </p:spPr>
+        <p:txBody>
+          <a:bodyPr vert="horz" lIns="91440" tIns="45720" rIns="91440" bIns="45720" rtlCol="0" anchor="b"/>
+          <a:lstStyle>
+            <a:lvl1pPr algn="l">
+              <a:defRPr sz="1200"/>
+            </a:lvl1pPr>
+          </a:lstStyle>
+          <a:p>
+            <a:endParaRPr lang="zh-CN" altLang="en-US"/>
+          </a:p>
+        </p:txBody>
+      </p:sp>
+      <p:sp>
+        <p:nvSpPr>
+          <p:cNvPr id="7" name="灯片编号占位符 6"/>
+          <p:cNvSpPr>
+            <a:spLocks noGrp="1"/>
+          </p:cNvSpPr>
+          <p:nvPr>
+            <p:ph type="sldNum" sz="quarter" idx="5"/>
+          </p:nvPr>
+        </p:nvSpPr>
+        <p:spPr>
+          <a:xfrm>
+            <a:off x="3884613" y="8685213"/>
+            <a:ext cx="2971800" cy="458787"/>
+          </a:xfrm>
+          <a:prstGeom prst="rect">
+            <a:avLst/>
+          </a:prstGeom>
+        </p:spPr>
+        <p:txBody>
+          <a:bodyPr vert="horz" lIns="91440" tIns="45720" rIns="91440" bIns="45720" rtlCol="0" anchor="b"/>
+          <a:lstStyle>
+            <a:lvl1pPr algn="r">
+              <a:defRPr sz="1200"/>
+            </a:lvl1pPr>
+          </a:lstStyle>
+          <a:p>
+            <a:fld id="{A6837353-30EB-4A48-80EB-173D804AEFBD}" type="slidenum">
+              <a:rPr lang="zh-CN" altLang="en-US" smtClean="0"/>
+            </a:fld>
+            <a:endParaRPr lang="zh-CN" altLang="en-US"/>
+          </a:p>
+        </p:txBody>
+      </p:sp>
+    </p:spTree>
+  </p:cSld>
+  <p:clrMap bg1="lt1" tx1="dk1" bg2="lt2" tx2="dk2" accent1="accent1" accent2="accent2" accent3="accent3" accent4="accent4" accent5="accent5" accent6="accent6" hlink="hlink" folHlink="folHlink"/>
+  <p:notesStyle>
+    <a:lvl1pPr marL="0" algn="l" defTabSz="914400" rtl="0" eaLnBrk="1" latinLnBrk="0" hangingPunct="1">
+      <a:defRPr sz="1200" kern="1200">
+        <a:solidFill>
+          <a:schemeClr val="tx1"/>
+        </a:solidFill>
+        <a:latin typeface="+mn-lt"/>
+        <a:ea typeface="+mn-ea"/>
+        <a:cs typeface="+mn-cs"/>
+      </a:defRPr>
+    </a:lvl1pPr>
+    <a:lvl2pPr marL="457200" algn="l" defTabSz="914400" rtl="0" eaLnBrk="1" latinLnBrk="0" hangingPunct="1">
+      <a:defRPr sz="1200" kern="1200">
+        <a:solidFill>
+          <a:schemeClr val="tx1"/>
+        </a:solidFill>
+        <a:latin typeface="+mn-lt"/>
+        <a:ea typeface="+mn-ea"/>
+        <a:cs typeface="+mn-cs"/>
+      </a:defRPr>
+    </a:lvl2pPr>
+    <a:lvl3pPr marL="914400" algn="l" defTabSz="914400" rtl="0" eaLnBrk="1" latinLnBrk="0" hangingPunct="1">
+      <a:defRPr sz="1200" kern="1200">
+        <a:solidFill>
+          <a:schemeClr val="tx1"/>
+        </a:solidFill>
+        <a:latin typeface="+mn-lt"/>
+        <a:ea typeface="+mn-ea"/>
+        <a:cs typeface="+mn-cs"/>
+      </a:defRPr>
+    </a:lvl3pPr>
+    <a:lvl4pPr marL="1371600" algn="l" defTabSz="914400" rtl="0" eaLnBrk="1" latinLnBrk="0" hangingPunct="1">
+      <a:defRPr sz="1200" kern="1200">
+        <a:solidFill>
+          <a:schemeClr val="tx1"/>
+        </a:solidFill>
+        <a:latin typeface="+mn-lt"/>
+        <a:ea typeface="+mn-ea"/>
+        <a:cs typeface="+mn-cs"/>
+      </a:defRPr>
+    </a:lvl4pPr>
+    <a:lvl5pPr marL="1828800" algn="l" defTabSz="914400" rtl="0" eaLnBrk="1" latinLnBrk="0" hangingPunct="1">
+      <a:defRPr sz="1200" kern="1200">
+        <a:solidFill>
+          <a:schemeClr val="tx1"/>
+        </a:solidFill>
+        <a:latin typeface="+mn-lt"/>
+        <a:ea typeface="+mn-ea"/>
+        <a:cs typeface="+mn-cs"/>
+      </a:defRPr>
+    </a:lvl5pPr>
+    <a:lvl6pPr marL="2286000" algn="l" defTabSz="914400" rtl="0" eaLnBrk="1" latinLnBrk="0" hangingPunct="1">
+      <a:defRPr sz="1200" kern="1200">
+        <a:solidFill>
+          <a:schemeClr val="tx1"/>
+        </a:solidFill>
+        <a:latin typeface="+mn-lt"/>
+        <a:ea typeface="+mn-ea"/>
+        <a:cs typeface="+mn-cs"/>
+      </a:defRPr>
+    </a:lvl6pPr>
+    <a:lvl7pPr marL="2743200" algn="l" defTabSz="914400" rtl="0" eaLnBrk="1" latinLnBrk="0" hangingPunct="1">
+      <a:defRPr sz="1200" kern="1200">
+        <a:solidFill>
+          <a:schemeClr val="tx1"/>
+        </a:solidFill>
+        <a:latin typeface="+mn-lt"/>
+        <a:ea typeface="+mn-ea"/>
+        <a:cs typeface="+mn-cs"/>
+      </a:defRPr>
+    </a:lvl7pPr>
+    <a:lvl8pPr marL="3200400" algn="l" defTabSz="914400" rtl="0" eaLnBrk="1" latinLnBrk="0" hangingPunct="1">
+      <a:defRPr sz="1200" kern="1200">
+        <a:solidFill>
+          <a:schemeClr val="tx1"/>
+        </a:solidFill>
+        <a:latin typeface="+mn-lt"/>
+        <a:ea typeface="+mn-ea"/>
+        <a:cs typeface="+mn-cs"/>
+      </a:defRPr>
+    </a:lvl8pPr>
+    <a:lvl9pPr marL="3657600" algn="l" defTabSz="914400" rtl="0" eaLnBrk="1" latinLnBrk="0" hangingPunct="1">
+      <a:defRPr sz="1200" kern="1200">
+        <a:solidFill>
+          <a:schemeClr val="tx1"/>
+        </a:solidFill>
+        <a:latin typeface="+mn-lt"/>
+        <a:ea typeface="+mn-ea"/>
+        <a:cs typeface="+mn-cs"/>
+      </a:defRPr>
+    </a:lvl9pPr>
+  </p:notesStyle>
+</p:notesMaster>
+</file>
+
+<file path=ppt/notesSlides/notesSlide1.xml><?xml version="1.0" encoding="utf-8"?>
+<p:notes xmlns:a="http://schemas.openxmlformats.org/drawingml/2006/main" xmlns:r="http://schemas.openxmlformats.org/officeDocument/2006/relationships" xmlns:p="http://schemas.openxmlformats.org/presentationml/2006/main">
+  <p:cSld>
+    <p:spTree>
+      <p:nvGrpSpPr>
+        <p:cNvPr id="1" name=""/>
+        <p:cNvGrpSpPr/>
+        <p:nvPr/>
+      </p:nvGrpSpPr>
+      <p:grpSpPr/>
+      <p:sp>
+        <p:nvSpPr>
+          <p:cNvPr id="2" name="幻灯片图像占位符 1"/>
+          <p:cNvSpPr/>
+          <p:nvPr>
+            <p:ph type="sldImg" idx="2"/>
+          </p:nvPr>
+        </p:nvSpPr>
+        <p:spPr/>
+      </p:sp>
+      <p:sp>
+        <p:nvSpPr>
+          <p:cNvPr id="3" name="文本占位符 2"/>
+          <p:cNvSpPr/>
+          <p:nvPr>
+            <p:ph type="body" idx="3"/>
+          </p:nvPr>
+        </p:nvSpPr>
+        <p:spPr/>
+        <p:txBody>
+          <a:bodyPr/>
+          <a:p>
+            <a:r>
+              <a:rPr lang="zh-CN" altLang="en-US">
+                <a:sym typeface="+mn-ea"/>
+              </a:rPr>
+              <a:t>ExoPlayer: A powerful, flexible media playback library for Android that supports audio and various streaming formats.</a:t>
+            </a:r>
+            <a:endParaRPr lang="zh-CN" altLang="en-US"/>
+          </a:p>
+          <a:p>
+            <a:r>
+              <a:rPr lang="zh-CN" altLang="en-US">
+                <a:sym typeface="+mn-ea"/>
+              </a:rPr>
+              <a:t>Glide: To efficiently load and display album arts.</a:t>
+            </a:r>
+            <a:endParaRPr lang="zh-CN" altLang="en-US"/>
+          </a:p>
+        </p:txBody>
+      </p:sp>
+    </p:spTree>
+  </p:cSld>
+  <p:clrMapOvr>
+    <a:masterClrMapping/>
+  </p:clrMapOvr>
+</p:notes>
+</file>
+
+<file path=ppt/notesSlides/notesSlide2.xml><?xml version="1.0" encoding="utf-8"?>
+<p:notes xmlns:a="http://schemas.openxmlformats.org/drawingml/2006/main" xmlns:r="http://schemas.openxmlformats.org/officeDocument/2006/relationships" xmlns:p="http://schemas.openxmlformats.org/presentationml/2006/main">
+  <p:cSld>
+    <p:spTree>
+      <p:nvGrpSpPr>
+        <p:cNvPr id="1" name=""/>
+        <p:cNvGrpSpPr/>
+        <p:nvPr/>
+      </p:nvGrpSpPr>
+      <p:grpSpPr/>
+      <p:sp>
+        <p:nvSpPr>
+          <p:cNvPr id="2" name="幻灯片图像占位符 1"/>
+          <p:cNvSpPr/>
+          <p:nvPr>
+            <p:ph type="sldImg" idx="2"/>
+          </p:nvPr>
+        </p:nvSpPr>
+        <p:spPr/>
+      </p:sp>
+      <p:sp>
+        <p:nvSpPr>
+          <p:cNvPr id="3" name="文本占位符 2"/>
+          <p:cNvSpPr/>
+          <p:nvPr>
+            <p:ph type="body" idx="3"/>
+          </p:nvPr>
+        </p:nvSpPr>
+        <p:spPr/>
+        <p:txBody>
+          <a:bodyPr/>
+          <a:p>
+            <a:r>
+              <a:rPr lang="zh-CN" altLang="en-US" b="1">
+                <a:ln w="9525" cmpd="sng">
+                  <a:solidFill>
+                    <a:schemeClr val="accent1"/>
+                  </a:solidFill>
+                  <a:prstDash val="solid"/>
+                </a:ln>
+                <a:solidFill>
+                  <a:srgbClr val="70AD47">
+                    <a:tint val="1000"/>
+                  </a:srgbClr>
+                </a:solidFill>
+                <a:effectLst>
+                  <a:glow rad="38100">
+                    <a:schemeClr val="accent1">
+                      <a:alpha val="40000"/>
+                    </a:schemeClr>
+                  </a:glow>
+                </a:effectLst>
+                <a:sym typeface="+mn-ea"/>
+              </a:rPr>
+              <a:t>Retrofit: To handle API requests for fetching weather data.</a:t>
+            </a:r>
+            <a:endParaRPr lang="zh-CN" altLang="en-US" b="1">
+              <a:ln w="9525" cmpd="sng">
+                <a:solidFill>
+                  <a:schemeClr val="accent1"/>
+                </a:solidFill>
+                <a:prstDash val="solid"/>
+              </a:ln>
+              <a:solidFill>
+                <a:srgbClr val="70AD47">
+                  <a:tint val="1000"/>
+                </a:srgbClr>
+              </a:solidFill>
+              <a:effectLst>
+                <a:glow rad="38100">
+                  <a:schemeClr val="accent1">
+                    <a:alpha val="40000"/>
+                  </a:schemeClr>
+                </a:glow>
+              </a:effectLst>
+            </a:endParaRPr>
+          </a:p>
+          <a:p>
+            <a:r>
+              <a:rPr lang="zh-CN" altLang="en-US" b="1">
+                <a:ln w="9525" cmpd="sng">
+                  <a:solidFill>
+                    <a:schemeClr val="accent1"/>
+                  </a:solidFill>
+                  <a:prstDash val="solid"/>
+                </a:ln>
+                <a:solidFill>
+                  <a:srgbClr val="70AD47">
+                    <a:tint val="1000"/>
+                  </a:srgbClr>
+                </a:solidFill>
+                <a:effectLst>
+                  <a:glow rad="38100">
+                    <a:schemeClr val="accent1">
+                      <a:alpha val="40000"/>
+                    </a:schemeClr>
+                  </a:glow>
+                </a:effectLst>
+                <a:sym typeface="+mn-ea"/>
+              </a:rPr>
+              <a:t>Glide or Picasso: To load and display weather icons or images.</a:t>
+            </a:r>
+            <a:endParaRPr lang="zh-CN" altLang="en-US" b="1">
+              <a:ln w="9525" cmpd="sng">
+                <a:solidFill>
+                  <a:schemeClr val="accent1"/>
+                </a:solidFill>
+                <a:prstDash val="solid"/>
+              </a:ln>
+              <a:solidFill>
+                <a:srgbClr val="70AD47">
+                  <a:tint val="1000"/>
+                </a:srgbClr>
+              </a:solidFill>
+              <a:effectLst>
+                <a:glow rad="38100">
+                  <a:schemeClr val="accent1">
+                    <a:alpha val="40000"/>
+                  </a:schemeClr>
+                </a:glow>
+              </a:effectLst>
+            </a:endParaRPr>
+          </a:p>
+          <a:p>
+            <a:r>
+              <a:rPr lang="zh-CN" altLang="en-US" b="1">
+                <a:ln w="9525" cmpd="sng">
+                  <a:solidFill>
+                    <a:schemeClr val="accent1"/>
+                  </a:solidFill>
+                  <a:prstDash val="solid"/>
+                </a:ln>
+                <a:solidFill>
+                  <a:srgbClr val="70AD47">
+                    <a:tint val="1000"/>
+                  </a:srgbClr>
+                </a:solidFill>
+                <a:effectLst>
+                  <a:glow rad="38100">
+                    <a:schemeClr val="accent1">
+                      <a:alpha val="40000"/>
+                    </a:schemeClr>
+                  </a:glow>
+                </a:effectLst>
+                <a:sym typeface="+mn-ea"/>
+              </a:rPr>
+              <a:t>Moshi or Gson: For JSON parsing of the API responses.</a:t>
+            </a:r>
+            <a:endParaRPr lang="zh-CN" altLang="en-US" b="1">
+              <a:ln w="9525" cmpd="sng">
+                <a:solidFill>
+                  <a:schemeClr val="accent1"/>
+                </a:solidFill>
+                <a:prstDash val="solid"/>
+              </a:ln>
+              <a:solidFill>
+                <a:srgbClr val="70AD47">
+                  <a:tint val="1000"/>
+                </a:srgbClr>
+              </a:solidFill>
+              <a:effectLst>
+                <a:glow rad="38100">
+                  <a:schemeClr val="accent1">
+                    <a:alpha val="40000"/>
+                  </a:schemeClr>
+                </a:glow>
+              </a:effectLst>
+            </a:endParaRPr>
+          </a:p>
+          <a:p>
+            <a:endParaRPr lang="zh-CN" altLang="en-US" b="1">
+              <a:ln w="9525" cmpd="sng">
+                <a:solidFill>
+                  <a:schemeClr val="accent1"/>
+                </a:solidFill>
+                <a:prstDash val="solid"/>
+              </a:ln>
+              <a:solidFill>
+                <a:srgbClr val="70AD47">
+                  <a:tint val="1000"/>
+                </a:srgbClr>
+              </a:solidFill>
+              <a:effectLst>
+                <a:glow rad="38100">
+                  <a:schemeClr val="accent1">
+                    <a:alpha val="40000"/>
+                  </a:schemeClr>
+                </a:glow>
+              </a:effectLst>
+            </a:endParaRPr>
+          </a:p>
+          <a:p>
+            <a:endParaRPr lang="zh-CN" altLang="en-US"/>
+          </a:p>
+        </p:txBody>
+      </p:sp>
+    </p:spTree>
+  </p:cSld>
+  <p:clrMapOvr>
+    <a:masterClrMapping/>
+  </p:clrMapOvr>
+</p:notes>
+</file>
+
 <file path=ppt/slideLayouts/slideLayout1.xml><?xml version="1.0" encoding="utf-8"?>
 <p:sldLayout xmlns:a="http://schemas.openxmlformats.org/drawingml/2006/main" xmlns:r="http://schemas.openxmlformats.org/officeDocument/2006/relationships" xmlns:p="http://schemas.openxmlformats.org/presentationml/2006/main" type="title" preserve="1">
   <p:cSld name="标题幻灯片">
@@ -127,13 +747,7 @@
       </p:grpSpPr>
       <p:sp>
         <p:nvSpPr>
-          <p:cNvPr id="2" name="标题 1">
-            <a:extLst>
-              <a:ext uri="{FF2B5EF4-FFF2-40B4-BE49-F238E27FC236}">
-                <a16:creationId xmlns:a16="http://schemas.microsoft.com/office/drawing/2014/main" id="{D6427733-150E-6AFB-706F-3A526F18DA8B}"/>
-              </a:ext>
-            </a:extLst>
-          </p:cNvPr>
+          <p:cNvPr id="2" name="标题 1"/>
           <p:cNvSpPr>
             <a:spLocks noGrp="1"/>
           </p:cNvSpPr>
@@ -159,18 +773,13 @@
               <a:rPr lang="zh-CN" altLang="en-US"/>
               <a:t>单击此处编辑母版标题样式</a:t>
             </a:r>
-          </a:p>
-        </p:txBody>
-      </p:sp>
-      <p:sp>
-        <p:nvSpPr>
-          <p:cNvPr id="3" name="副标题 2">
-            <a:extLst>
-              <a:ext uri="{FF2B5EF4-FFF2-40B4-BE49-F238E27FC236}">
-                <a16:creationId xmlns:a16="http://schemas.microsoft.com/office/drawing/2014/main" id="{4C9E37B6-74D2-0F7F-1CE8-E9D7C02827AF}"/>
-              </a:ext>
-            </a:extLst>
-          </p:cNvPr>
+            <a:endParaRPr lang="zh-CN" altLang="en-US"/>
+          </a:p>
+        </p:txBody>
+      </p:sp>
+      <p:sp>
+        <p:nvSpPr>
+          <p:cNvPr id="3" name="副标题 2"/>
           <p:cNvSpPr>
             <a:spLocks noGrp="1"/>
           </p:cNvSpPr>
@@ -229,18 +838,13 @@
               <a:rPr lang="zh-CN" altLang="en-US"/>
               <a:t>单击此处编辑母版副标题样式</a:t>
             </a:r>
-          </a:p>
-        </p:txBody>
-      </p:sp>
-      <p:sp>
-        <p:nvSpPr>
-          <p:cNvPr id="4" name="日期占位符 3">
-            <a:extLst>
-              <a:ext uri="{FF2B5EF4-FFF2-40B4-BE49-F238E27FC236}">
-                <a16:creationId xmlns:a16="http://schemas.microsoft.com/office/drawing/2014/main" id="{EF1116EE-73AA-FB4C-9645-DE53E8016378}"/>
-              </a:ext>
-            </a:extLst>
-          </p:cNvPr>
+            <a:endParaRPr lang="zh-CN" altLang="en-US"/>
+          </a:p>
+        </p:txBody>
+      </p:sp>
+      <p:sp>
+        <p:nvSpPr>
+          <p:cNvPr id="4" name="日期占位符 3"/>
           <p:cNvSpPr>
             <a:spLocks noGrp="1"/>
           </p:cNvSpPr>
@@ -255,7 +859,6 @@
           <a:p>
             <a:fld id="{BE4B96D9-44D6-4120-8176-61B5C7CD77D9}" type="datetimeFigureOut">
               <a:rPr lang="zh-CN" altLang="en-US" smtClean="0"/>
-              <a:t>2023/10/19</a:t>
             </a:fld>
             <a:endParaRPr lang="zh-CN" altLang="en-US"/>
           </a:p>
@@ -263,13 +866,7 @@
       </p:sp>
       <p:sp>
         <p:nvSpPr>
-          <p:cNvPr id="5" name="页脚占位符 4">
-            <a:extLst>
-              <a:ext uri="{FF2B5EF4-FFF2-40B4-BE49-F238E27FC236}">
-                <a16:creationId xmlns:a16="http://schemas.microsoft.com/office/drawing/2014/main" id="{A09E9A69-A1E9-71AF-E33C-5FFC8D44927A}"/>
-              </a:ext>
-            </a:extLst>
-          </p:cNvPr>
+          <p:cNvPr id="5" name="页脚占位符 4"/>
           <p:cNvSpPr>
             <a:spLocks noGrp="1"/>
           </p:cNvSpPr>
@@ -288,13 +885,7 @@
       </p:sp>
       <p:sp>
         <p:nvSpPr>
-          <p:cNvPr id="6" name="灯片编号占位符 5">
-            <a:extLst>
-              <a:ext uri="{FF2B5EF4-FFF2-40B4-BE49-F238E27FC236}">
-                <a16:creationId xmlns:a16="http://schemas.microsoft.com/office/drawing/2014/main" id="{8B8CFF39-097A-979F-45D9-C0D5456F4442}"/>
-              </a:ext>
-            </a:extLst>
-          </p:cNvPr>
+          <p:cNvPr id="6" name="灯片编号占位符 5"/>
           <p:cNvSpPr>
             <a:spLocks noGrp="1"/>
           </p:cNvSpPr>
@@ -309,18 +900,12 @@
           <a:p>
             <a:fld id="{AD1B264F-38A8-4E95-9DAF-2CFDC684D3F8}" type="slidenum">
               <a:rPr lang="zh-CN" altLang="en-US" smtClean="0"/>
-              <a:t>‹#›</a:t>
             </a:fld>
             <a:endParaRPr lang="zh-CN" altLang="en-US"/>
           </a:p>
         </p:txBody>
       </p:sp>
     </p:spTree>
-    <p:extLst>
-      <p:ext uri="{BB962C8B-B14F-4D97-AF65-F5344CB8AC3E}">
-        <p14:creationId xmlns:p14="http://schemas.microsoft.com/office/powerpoint/2010/main" val="1186828962"/>
-      </p:ext>
-    </p:extLst>
   </p:cSld>
   <p:clrMapOvr>
     <a:masterClrMapping/>
@@ -347,13 +932,7 @@
       </p:grpSpPr>
       <p:sp>
         <p:nvSpPr>
-          <p:cNvPr id="2" name="标题 1">
-            <a:extLst>
-              <a:ext uri="{FF2B5EF4-FFF2-40B4-BE49-F238E27FC236}">
-                <a16:creationId xmlns:a16="http://schemas.microsoft.com/office/drawing/2014/main" id="{A807C6CF-0A7F-1B6D-ED5F-D8C8EF6945F9}"/>
-              </a:ext>
-            </a:extLst>
-          </p:cNvPr>
+          <p:cNvPr id="2" name="标题 1"/>
           <p:cNvSpPr>
             <a:spLocks noGrp="1"/>
           </p:cNvSpPr>
@@ -370,18 +949,13 @@
               <a:rPr lang="zh-CN" altLang="en-US"/>
               <a:t>单击此处编辑母版标题样式</a:t>
             </a:r>
-          </a:p>
-        </p:txBody>
-      </p:sp>
-      <p:sp>
-        <p:nvSpPr>
-          <p:cNvPr id="3" name="竖排文字占位符 2">
-            <a:extLst>
-              <a:ext uri="{FF2B5EF4-FFF2-40B4-BE49-F238E27FC236}">
-                <a16:creationId xmlns:a16="http://schemas.microsoft.com/office/drawing/2014/main" id="{F3621A4E-116A-43E9-A907-E3D5281034C5}"/>
-              </a:ext>
-            </a:extLst>
-          </p:cNvPr>
+            <a:endParaRPr lang="zh-CN" altLang="en-US"/>
+          </a:p>
+        </p:txBody>
+      </p:sp>
+      <p:sp>
+        <p:nvSpPr>
+          <p:cNvPr id="3" name="竖排文字占位符 2"/>
           <p:cNvSpPr>
             <a:spLocks noGrp="1"/>
           </p:cNvSpPr>
@@ -399,6 +973,7 @@
               <a:rPr lang="zh-CN" altLang="en-US"/>
               <a:t>单击此处编辑母版文本样式</a:t>
             </a:r>
+            <a:endParaRPr lang="zh-CN" altLang="en-US"/>
           </a:p>
           <a:p>
             <a:pPr lvl="1"/>
@@ -406,6 +981,7 @@
               <a:rPr lang="zh-CN" altLang="en-US"/>
               <a:t>二级</a:t>
             </a:r>
+            <a:endParaRPr lang="zh-CN" altLang="en-US"/>
           </a:p>
           <a:p>
             <a:pPr lvl="2"/>
@@ -413,6 +989,7 @@
               <a:rPr lang="zh-CN" altLang="en-US"/>
               <a:t>三级</a:t>
             </a:r>
+            <a:endParaRPr lang="zh-CN" altLang="en-US"/>
           </a:p>
           <a:p>
             <a:pPr lvl="3"/>
@@ -420,6 +997,7 @@
               <a:rPr lang="zh-CN" altLang="en-US"/>
               <a:t>四级</a:t>
             </a:r>
+            <a:endParaRPr lang="zh-CN" altLang="en-US"/>
           </a:p>
           <a:p>
             <a:pPr lvl="4"/>
@@ -427,18 +1005,13 @@
               <a:rPr lang="zh-CN" altLang="en-US"/>
               <a:t>五级</a:t>
             </a:r>
-          </a:p>
-        </p:txBody>
-      </p:sp>
-      <p:sp>
-        <p:nvSpPr>
-          <p:cNvPr id="4" name="日期占位符 3">
-            <a:extLst>
-              <a:ext uri="{FF2B5EF4-FFF2-40B4-BE49-F238E27FC236}">
-                <a16:creationId xmlns:a16="http://schemas.microsoft.com/office/drawing/2014/main" id="{BB36D432-F3AD-AFB8-CBEF-783BD3FF377B}"/>
-              </a:ext>
-            </a:extLst>
-          </p:cNvPr>
+            <a:endParaRPr lang="zh-CN" altLang="en-US"/>
+          </a:p>
+        </p:txBody>
+      </p:sp>
+      <p:sp>
+        <p:nvSpPr>
+          <p:cNvPr id="4" name="日期占位符 3"/>
           <p:cNvSpPr>
             <a:spLocks noGrp="1"/>
           </p:cNvSpPr>
@@ -453,7 +1026,6 @@
           <a:p>
             <a:fld id="{BE4B96D9-44D6-4120-8176-61B5C7CD77D9}" type="datetimeFigureOut">
               <a:rPr lang="zh-CN" altLang="en-US" smtClean="0"/>
-              <a:t>2023/10/19</a:t>
             </a:fld>
             <a:endParaRPr lang="zh-CN" altLang="en-US"/>
           </a:p>
@@ -461,13 +1033,7 @@
       </p:sp>
       <p:sp>
         <p:nvSpPr>
-          <p:cNvPr id="5" name="页脚占位符 4">
-            <a:extLst>
-              <a:ext uri="{FF2B5EF4-FFF2-40B4-BE49-F238E27FC236}">
-                <a16:creationId xmlns:a16="http://schemas.microsoft.com/office/drawing/2014/main" id="{7E8CB14C-0B2B-D7F5-5CD2-94A1F0801B08}"/>
-              </a:ext>
-            </a:extLst>
-          </p:cNvPr>
+          <p:cNvPr id="5" name="页脚占位符 4"/>
           <p:cNvSpPr>
             <a:spLocks noGrp="1"/>
           </p:cNvSpPr>
@@ -486,13 +1052,7 @@
       </p:sp>
       <p:sp>
         <p:nvSpPr>
-          <p:cNvPr id="6" name="灯片编号占位符 5">
-            <a:extLst>
-              <a:ext uri="{FF2B5EF4-FFF2-40B4-BE49-F238E27FC236}">
-                <a16:creationId xmlns:a16="http://schemas.microsoft.com/office/drawing/2014/main" id="{76FA3A1B-4C91-3F8D-3E11-80558343EADF}"/>
-              </a:ext>
-            </a:extLst>
-          </p:cNvPr>
+          <p:cNvPr id="6" name="灯片编号占位符 5"/>
           <p:cNvSpPr>
             <a:spLocks noGrp="1"/>
           </p:cNvSpPr>
@@ -507,18 +1067,12 @@
           <a:p>
             <a:fld id="{AD1B264F-38A8-4E95-9DAF-2CFDC684D3F8}" type="slidenum">
               <a:rPr lang="zh-CN" altLang="en-US" smtClean="0"/>
-              <a:t>‹#›</a:t>
             </a:fld>
             <a:endParaRPr lang="zh-CN" altLang="en-US"/>
           </a:p>
         </p:txBody>
       </p:sp>
     </p:spTree>
-    <p:extLst>
-      <p:ext uri="{BB962C8B-B14F-4D97-AF65-F5344CB8AC3E}">
-        <p14:creationId xmlns:p14="http://schemas.microsoft.com/office/powerpoint/2010/main" val="2824317334"/>
-      </p:ext>
-    </p:extLst>
   </p:cSld>
   <p:clrMapOvr>
     <a:masterClrMapping/>
@@ -545,13 +1099,7 @@
       </p:grpSpPr>
       <p:sp>
         <p:nvSpPr>
-          <p:cNvPr id="2" name="竖排标题 1">
-            <a:extLst>
-              <a:ext uri="{FF2B5EF4-FFF2-40B4-BE49-F238E27FC236}">
-                <a16:creationId xmlns:a16="http://schemas.microsoft.com/office/drawing/2014/main" id="{3291112B-58EF-0609-372F-7B6846E45437}"/>
-              </a:ext>
-            </a:extLst>
-          </p:cNvPr>
+          <p:cNvPr id="2" name="竖排标题 1"/>
           <p:cNvSpPr>
             <a:spLocks noGrp="1"/>
           </p:cNvSpPr>
@@ -573,18 +1121,13 @@
               <a:rPr lang="zh-CN" altLang="en-US"/>
               <a:t>单击此处编辑母版标题样式</a:t>
             </a:r>
-          </a:p>
-        </p:txBody>
-      </p:sp>
-      <p:sp>
-        <p:nvSpPr>
-          <p:cNvPr id="3" name="竖排文字占位符 2">
-            <a:extLst>
-              <a:ext uri="{FF2B5EF4-FFF2-40B4-BE49-F238E27FC236}">
-                <a16:creationId xmlns:a16="http://schemas.microsoft.com/office/drawing/2014/main" id="{CBCA76F9-7D86-5845-9332-D7DDDBE4D3F3}"/>
-              </a:ext>
-            </a:extLst>
-          </p:cNvPr>
+            <a:endParaRPr lang="zh-CN" altLang="en-US"/>
+          </a:p>
+        </p:txBody>
+      </p:sp>
+      <p:sp>
+        <p:nvSpPr>
+          <p:cNvPr id="3" name="竖排文字占位符 2"/>
           <p:cNvSpPr>
             <a:spLocks noGrp="1"/>
           </p:cNvSpPr>
@@ -607,6 +1150,7 @@
               <a:rPr lang="zh-CN" altLang="en-US"/>
               <a:t>单击此处编辑母版文本样式</a:t>
             </a:r>
+            <a:endParaRPr lang="zh-CN" altLang="en-US"/>
           </a:p>
           <a:p>
             <a:pPr lvl="1"/>
@@ -614,6 +1158,7 @@
               <a:rPr lang="zh-CN" altLang="en-US"/>
               <a:t>二级</a:t>
             </a:r>
+            <a:endParaRPr lang="zh-CN" altLang="en-US"/>
           </a:p>
           <a:p>
             <a:pPr lvl="2"/>
@@ -621,6 +1166,7 @@
               <a:rPr lang="zh-CN" altLang="en-US"/>
               <a:t>三级</a:t>
             </a:r>
+            <a:endParaRPr lang="zh-CN" altLang="en-US"/>
           </a:p>
           <a:p>
             <a:pPr lvl="3"/>
@@ -628,6 +1174,7 @@
               <a:rPr lang="zh-CN" altLang="en-US"/>
               <a:t>四级</a:t>
             </a:r>
+            <a:endParaRPr lang="zh-CN" altLang="en-US"/>
           </a:p>
           <a:p>
             <a:pPr lvl="4"/>
@@ -635,18 +1182,13 @@
               <a:rPr lang="zh-CN" altLang="en-US"/>
               <a:t>五级</a:t>
             </a:r>
-          </a:p>
-        </p:txBody>
-      </p:sp>
-      <p:sp>
-        <p:nvSpPr>
-          <p:cNvPr id="4" name="日期占位符 3">
-            <a:extLst>
-              <a:ext uri="{FF2B5EF4-FFF2-40B4-BE49-F238E27FC236}">
-                <a16:creationId xmlns:a16="http://schemas.microsoft.com/office/drawing/2014/main" id="{891EA573-1528-93E5-7E1B-1584CCD68BE1}"/>
-              </a:ext>
-            </a:extLst>
-          </p:cNvPr>
+            <a:endParaRPr lang="zh-CN" altLang="en-US"/>
+          </a:p>
+        </p:txBody>
+      </p:sp>
+      <p:sp>
+        <p:nvSpPr>
+          <p:cNvPr id="4" name="日期占位符 3"/>
           <p:cNvSpPr>
             <a:spLocks noGrp="1"/>
           </p:cNvSpPr>
@@ -661,7 +1203,6 @@
           <a:p>
             <a:fld id="{BE4B96D9-44D6-4120-8176-61B5C7CD77D9}" type="datetimeFigureOut">
               <a:rPr lang="zh-CN" altLang="en-US" smtClean="0"/>
-              <a:t>2023/10/19</a:t>
             </a:fld>
             <a:endParaRPr lang="zh-CN" altLang="en-US"/>
           </a:p>
@@ -669,13 +1210,7 @@
       </p:sp>
       <p:sp>
         <p:nvSpPr>
-          <p:cNvPr id="5" name="页脚占位符 4">
-            <a:extLst>
-              <a:ext uri="{FF2B5EF4-FFF2-40B4-BE49-F238E27FC236}">
-                <a16:creationId xmlns:a16="http://schemas.microsoft.com/office/drawing/2014/main" id="{7607D40D-0D09-67B6-4A83-2B362F683DC2}"/>
-              </a:ext>
-            </a:extLst>
-          </p:cNvPr>
+          <p:cNvPr id="5" name="页脚占位符 4"/>
           <p:cNvSpPr>
             <a:spLocks noGrp="1"/>
           </p:cNvSpPr>
@@ -694,13 +1229,7 @@
       </p:sp>
       <p:sp>
         <p:nvSpPr>
-          <p:cNvPr id="6" name="灯片编号占位符 5">
-            <a:extLst>
-              <a:ext uri="{FF2B5EF4-FFF2-40B4-BE49-F238E27FC236}">
-                <a16:creationId xmlns:a16="http://schemas.microsoft.com/office/drawing/2014/main" id="{95C769DC-94E7-ED0D-E926-9F385ABE0A91}"/>
-              </a:ext>
-            </a:extLst>
-          </p:cNvPr>
+          <p:cNvPr id="6" name="灯片编号占位符 5"/>
           <p:cNvSpPr>
             <a:spLocks noGrp="1"/>
           </p:cNvSpPr>
@@ -715,18 +1244,12 @@
           <a:p>
             <a:fld id="{AD1B264F-38A8-4E95-9DAF-2CFDC684D3F8}" type="slidenum">
               <a:rPr lang="zh-CN" altLang="en-US" smtClean="0"/>
-              <a:t>‹#›</a:t>
             </a:fld>
             <a:endParaRPr lang="zh-CN" altLang="en-US"/>
           </a:p>
         </p:txBody>
       </p:sp>
     </p:spTree>
-    <p:extLst>
-      <p:ext uri="{BB962C8B-B14F-4D97-AF65-F5344CB8AC3E}">
-        <p14:creationId xmlns:p14="http://schemas.microsoft.com/office/powerpoint/2010/main" val="326504680"/>
-      </p:ext>
-    </p:extLst>
   </p:cSld>
   <p:clrMapOvr>
     <a:masterClrMapping/>
@@ -753,13 +1276,7 @@
       </p:grpSpPr>
       <p:sp>
         <p:nvSpPr>
-          <p:cNvPr id="2" name="标题 1">
-            <a:extLst>
-              <a:ext uri="{FF2B5EF4-FFF2-40B4-BE49-F238E27FC236}">
-                <a16:creationId xmlns:a16="http://schemas.microsoft.com/office/drawing/2014/main" id="{079739EF-12B2-8704-7B38-06EB13BD8CBA}"/>
-              </a:ext>
-            </a:extLst>
-          </p:cNvPr>
+          <p:cNvPr id="2" name="标题 1"/>
           <p:cNvSpPr>
             <a:spLocks noGrp="1"/>
           </p:cNvSpPr>
@@ -776,18 +1293,13 @@
               <a:rPr lang="zh-CN" altLang="en-US"/>
               <a:t>单击此处编辑母版标题样式</a:t>
             </a:r>
-          </a:p>
-        </p:txBody>
-      </p:sp>
-      <p:sp>
-        <p:nvSpPr>
-          <p:cNvPr id="3" name="内容占位符 2">
-            <a:extLst>
-              <a:ext uri="{FF2B5EF4-FFF2-40B4-BE49-F238E27FC236}">
-                <a16:creationId xmlns:a16="http://schemas.microsoft.com/office/drawing/2014/main" id="{650D5764-1708-EDFD-1544-F093C229931D}"/>
-              </a:ext>
-            </a:extLst>
-          </p:cNvPr>
+            <a:endParaRPr lang="zh-CN" altLang="en-US"/>
+          </a:p>
+        </p:txBody>
+      </p:sp>
+      <p:sp>
+        <p:nvSpPr>
+          <p:cNvPr id="3" name="内容占位符 2"/>
           <p:cNvSpPr>
             <a:spLocks noGrp="1"/>
           </p:cNvSpPr>
@@ -805,6 +1317,7 @@
               <a:rPr lang="zh-CN" altLang="en-US"/>
               <a:t>单击此处编辑母版文本样式</a:t>
             </a:r>
+            <a:endParaRPr lang="zh-CN" altLang="en-US"/>
           </a:p>
           <a:p>
             <a:pPr lvl="1"/>
@@ -812,6 +1325,7 @@
               <a:rPr lang="zh-CN" altLang="en-US"/>
               <a:t>二级</a:t>
             </a:r>
+            <a:endParaRPr lang="zh-CN" altLang="en-US"/>
           </a:p>
           <a:p>
             <a:pPr lvl="2"/>
@@ -819,6 +1333,7 @@
               <a:rPr lang="zh-CN" altLang="en-US"/>
               <a:t>三级</a:t>
             </a:r>
+            <a:endParaRPr lang="zh-CN" altLang="en-US"/>
           </a:p>
           <a:p>
             <a:pPr lvl="3"/>
@@ -826,6 +1341,7 @@
               <a:rPr lang="zh-CN" altLang="en-US"/>
               <a:t>四级</a:t>
             </a:r>
+            <a:endParaRPr lang="zh-CN" altLang="en-US"/>
           </a:p>
           <a:p>
             <a:pPr lvl="4"/>
@@ -833,18 +1349,13 @@
               <a:rPr lang="zh-CN" altLang="en-US"/>
               <a:t>五级</a:t>
             </a:r>
-          </a:p>
-        </p:txBody>
-      </p:sp>
-      <p:sp>
-        <p:nvSpPr>
-          <p:cNvPr id="4" name="日期占位符 3">
-            <a:extLst>
-              <a:ext uri="{FF2B5EF4-FFF2-40B4-BE49-F238E27FC236}">
-                <a16:creationId xmlns:a16="http://schemas.microsoft.com/office/drawing/2014/main" id="{C1EC940E-7725-FB77-8E50-C0D0D2385031}"/>
-              </a:ext>
-            </a:extLst>
-          </p:cNvPr>
+            <a:endParaRPr lang="zh-CN" altLang="en-US"/>
+          </a:p>
+        </p:txBody>
+      </p:sp>
+      <p:sp>
+        <p:nvSpPr>
+          <p:cNvPr id="4" name="日期占位符 3"/>
           <p:cNvSpPr>
             <a:spLocks noGrp="1"/>
           </p:cNvSpPr>
@@ -859,7 +1370,6 @@
           <a:p>
             <a:fld id="{BE4B96D9-44D6-4120-8176-61B5C7CD77D9}" type="datetimeFigureOut">
               <a:rPr lang="zh-CN" altLang="en-US" smtClean="0"/>
-              <a:t>2023/10/19</a:t>
             </a:fld>
             <a:endParaRPr lang="zh-CN" altLang="en-US"/>
           </a:p>
@@ -867,13 +1377,7 @@
       </p:sp>
       <p:sp>
         <p:nvSpPr>
-          <p:cNvPr id="5" name="页脚占位符 4">
-            <a:extLst>
-              <a:ext uri="{FF2B5EF4-FFF2-40B4-BE49-F238E27FC236}">
-                <a16:creationId xmlns:a16="http://schemas.microsoft.com/office/drawing/2014/main" id="{C31EA0D4-8BC4-3BC2-5228-BCEAE65230B7}"/>
-              </a:ext>
-            </a:extLst>
-          </p:cNvPr>
+          <p:cNvPr id="5" name="页脚占位符 4"/>
           <p:cNvSpPr>
             <a:spLocks noGrp="1"/>
           </p:cNvSpPr>
@@ -892,13 +1396,7 @@
       </p:sp>
       <p:sp>
         <p:nvSpPr>
-          <p:cNvPr id="6" name="灯片编号占位符 5">
-            <a:extLst>
-              <a:ext uri="{FF2B5EF4-FFF2-40B4-BE49-F238E27FC236}">
-                <a16:creationId xmlns:a16="http://schemas.microsoft.com/office/drawing/2014/main" id="{894CE0CC-04B6-83CF-3A9B-56F5F04E6AD9}"/>
-              </a:ext>
-            </a:extLst>
-          </p:cNvPr>
+          <p:cNvPr id="6" name="灯片编号占位符 5"/>
           <p:cNvSpPr>
             <a:spLocks noGrp="1"/>
           </p:cNvSpPr>
@@ -913,18 +1411,12 @@
           <a:p>
             <a:fld id="{AD1B264F-38A8-4E95-9DAF-2CFDC684D3F8}" type="slidenum">
               <a:rPr lang="zh-CN" altLang="en-US" smtClean="0"/>
-              <a:t>‹#›</a:t>
             </a:fld>
             <a:endParaRPr lang="zh-CN" altLang="en-US"/>
           </a:p>
         </p:txBody>
       </p:sp>
     </p:spTree>
-    <p:extLst>
-      <p:ext uri="{BB962C8B-B14F-4D97-AF65-F5344CB8AC3E}">
-        <p14:creationId xmlns:p14="http://schemas.microsoft.com/office/powerpoint/2010/main" val="4123950933"/>
-      </p:ext>
-    </p:extLst>
   </p:cSld>
   <p:clrMapOvr>
     <a:masterClrMapping/>
@@ -951,13 +1443,7 @@
       </p:grpSpPr>
       <p:sp>
         <p:nvSpPr>
-          <p:cNvPr id="2" name="标题 1">
-            <a:extLst>
-              <a:ext uri="{FF2B5EF4-FFF2-40B4-BE49-F238E27FC236}">
-                <a16:creationId xmlns:a16="http://schemas.microsoft.com/office/drawing/2014/main" id="{596CC30F-8DED-4135-F9FA-CBD3DE20AD9D}"/>
-              </a:ext>
-            </a:extLst>
-          </p:cNvPr>
+          <p:cNvPr id="2" name="标题 1"/>
           <p:cNvSpPr>
             <a:spLocks noGrp="1"/>
           </p:cNvSpPr>
@@ -983,18 +1469,13 @@
               <a:rPr lang="zh-CN" altLang="en-US"/>
               <a:t>单击此处编辑母版标题样式</a:t>
             </a:r>
-          </a:p>
-        </p:txBody>
-      </p:sp>
-      <p:sp>
-        <p:nvSpPr>
-          <p:cNvPr id="3" name="文本占位符 2">
-            <a:extLst>
-              <a:ext uri="{FF2B5EF4-FFF2-40B4-BE49-F238E27FC236}">
-                <a16:creationId xmlns:a16="http://schemas.microsoft.com/office/drawing/2014/main" id="{D1173E7D-ED2C-1412-2034-DD12F269D164}"/>
-              </a:ext>
-            </a:extLst>
-          </p:cNvPr>
+            <a:endParaRPr lang="zh-CN" altLang="en-US"/>
+          </a:p>
+        </p:txBody>
+      </p:sp>
+      <p:sp>
+        <p:nvSpPr>
+          <p:cNvPr id="3" name="文本占位符 2"/>
           <p:cNvSpPr>
             <a:spLocks noGrp="1"/>
           </p:cNvSpPr>
@@ -1108,18 +1589,13 @@
               <a:rPr lang="zh-CN" altLang="en-US"/>
               <a:t>单击此处编辑母版文本样式</a:t>
             </a:r>
-          </a:p>
-        </p:txBody>
-      </p:sp>
-      <p:sp>
-        <p:nvSpPr>
-          <p:cNvPr id="4" name="日期占位符 3">
-            <a:extLst>
-              <a:ext uri="{FF2B5EF4-FFF2-40B4-BE49-F238E27FC236}">
-                <a16:creationId xmlns:a16="http://schemas.microsoft.com/office/drawing/2014/main" id="{2CEDC1AB-DD1E-FC01-10B8-B89800AE4A05}"/>
-              </a:ext>
-            </a:extLst>
-          </p:cNvPr>
+            <a:endParaRPr lang="zh-CN" altLang="en-US"/>
+          </a:p>
+        </p:txBody>
+      </p:sp>
+      <p:sp>
+        <p:nvSpPr>
+          <p:cNvPr id="4" name="日期占位符 3"/>
           <p:cNvSpPr>
             <a:spLocks noGrp="1"/>
           </p:cNvSpPr>
@@ -1134,7 +1610,6 @@
           <a:p>
             <a:fld id="{BE4B96D9-44D6-4120-8176-61B5C7CD77D9}" type="datetimeFigureOut">
               <a:rPr lang="zh-CN" altLang="en-US" smtClean="0"/>
-              <a:t>2023/10/19</a:t>
             </a:fld>
             <a:endParaRPr lang="zh-CN" altLang="en-US"/>
           </a:p>
@@ -1142,13 +1617,7 @@
       </p:sp>
       <p:sp>
         <p:nvSpPr>
-          <p:cNvPr id="5" name="页脚占位符 4">
-            <a:extLst>
-              <a:ext uri="{FF2B5EF4-FFF2-40B4-BE49-F238E27FC236}">
-                <a16:creationId xmlns:a16="http://schemas.microsoft.com/office/drawing/2014/main" id="{E378AEC2-8EFF-4BC4-290C-E90BE7599928}"/>
-              </a:ext>
-            </a:extLst>
-          </p:cNvPr>
+          <p:cNvPr id="5" name="页脚占位符 4"/>
           <p:cNvSpPr>
             <a:spLocks noGrp="1"/>
           </p:cNvSpPr>
@@ -1167,13 +1636,7 @@
       </p:sp>
       <p:sp>
         <p:nvSpPr>
-          <p:cNvPr id="6" name="灯片编号占位符 5">
-            <a:extLst>
-              <a:ext uri="{FF2B5EF4-FFF2-40B4-BE49-F238E27FC236}">
-                <a16:creationId xmlns:a16="http://schemas.microsoft.com/office/drawing/2014/main" id="{29B69567-693E-E897-FFCE-5A76767ABC67}"/>
-              </a:ext>
-            </a:extLst>
-          </p:cNvPr>
+          <p:cNvPr id="6" name="灯片编号占位符 5"/>
           <p:cNvSpPr>
             <a:spLocks noGrp="1"/>
           </p:cNvSpPr>
@@ -1188,18 +1651,12 @@
           <a:p>
             <a:fld id="{AD1B264F-38A8-4E95-9DAF-2CFDC684D3F8}" type="slidenum">
               <a:rPr lang="zh-CN" altLang="en-US" smtClean="0"/>
-              <a:t>‹#›</a:t>
             </a:fld>
             <a:endParaRPr lang="zh-CN" altLang="en-US"/>
           </a:p>
         </p:txBody>
       </p:sp>
     </p:spTree>
-    <p:extLst>
-      <p:ext uri="{BB962C8B-B14F-4D97-AF65-F5344CB8AC3E}">
-        <p14:creationId xmlns:p14="http://schemas.microsoft.com/office/powerpoint/2010/main" val="57162444"/>
-      </p:ext>
-    </p:extLst>
   </p:cSld>
   <p:clrMapOvr>
     <a:masterClrMapping/>
@@ -1226,13 +1683,7 @@
       </p:grpSpPr>
       <p:sp>
         <p:nvSpPr>
-          <p:cNvPr id="2" name="标题 1">
-            <a:extLst>
-              <a:ext uri="{FF2B5EF4-FFF2-40B4-BE49-F238E27FC236}">
-                <a16:creationId xmlns:a16="http://schemas.microsoft.com/office/drawing/2014/main" id="{A1913BD4-9CD6-B21C-7D18-7D1255EB9F5C}"/>
-              </a:ext>
-            </a:extLst>
-          </p:cNvPr>
+          <p:cNvPr id="2" name="标题 1"/>
           <p:cNvSpPr>
             <a:spLocks noGrp="1"/>
           </p:cNvSpPr>
@@ -1249,18 +1700,13 @@
               <a:rPr lang="zh-CN" altLang="en-US"/>
               <a:t>单击此处编辑母版标题样式</a:t>
             </a:r>
-          </a:p>
-        </p:txBody>
-      </p:sp>
-      <p:sp>
-        <p:nvSpPr>
-          <p:cNvPr id="3" name="内容占位符 2">
-            <a:extLst>
-              <a:ext uri="{FF2B5EF4-FFF2-40B4-BE49-F238E27FC236}">
-                <a16:creationId xmlns:a16="http://schemas.microsoft.com/office/drawing/2014/main" id="{A2939986-83C9-FB2E-0373-E5F6CE408042}"/>
-              </a:ext>
-            </a:extLst>
-          </p:cNvPr>
+            <a:endParaRPr lang="zh-CN" altLang="en-US"/>
+          </a:p>
+        </p:txBody>
+      </p:sp>
+      <p:sp>
+        <p:nvSpPr>
+          <p:cNvPr id="3" name="内容占位符 2"/>
           <p:cNvSpPr>
             <a:spLocks noGrp="1"/>
           </p:cNvSpPr>
@@ -1283,6 +1729,7 @@
               <a:rPr lang="zh-CN" altLang="en-US"/>
               <a:t>单击此处编辑母版文本样式</a:t>
             </a:r>
+            <a:endParaRPr lang="zh-CN" altLang="en-US"/>
           </a:p>
           <a:p>
             <a:pPr lvl="1"/>
@@ -1290,6 +1737,7 @@
               <a:rPr lang="zh-CN" altLang="en-US"/>
               <a:t>二级</a:t>
             </a:r>
+            <a:endParaRPr lang="zh-CN" altLang="en-US"/>
           </a:p>
           <a:p>
             <a:pPr lvl="2"/>
@@ -1297,6 +1745,7 @@
               <a:rPr lang="zh-CN" altLang="en-US"/>
               <a:t>三级</a:t>
             </a:r>
+            <a:endParaRPr lang="zh-CN" altLang="en-US"/>
           </a:p>
           <a:p>
             <a:pPr lvl="3"/>
@@ -1304,6 +1753,7 @@
               <a:rPr lang="zh-CN" altLang="en-US"/>
               <a:t>四级</a:t>
             </a:r>
+            <a:endParaRPr lang="zh-CN" altLang="en-US"/>
           </a:p>
           <a:p>
             <a:pPr lvl="4"/>
@@ -1311,18 +1761,13 @@
               <a:rPr lang="zh-CN" altLang="en-US"/>
               <a:t>五级</a:t>
             </a:r>
-          </a:p>
-        </p:txBody>
-      </p:sp>
-      <p:sp>
-        <p:nvSpPr>
-          <p:cNvPr id="4" name="内容占位符 3">
-            <a:extLst>
-              <a:ext uri="{FF2B5EF4-FFF2-40B4-BE49-F238E27FC236}">
-                <a16:creationId xmlns:a16="http://schemas.microsoft.com/office/drawing/2014/main" id="{2CBE6556-CBD2-C4C3-94DA-1E253BF4A260}"/>
-              </a:ext>
-            </a:extLst>
-          </p:cNvPr>
+            <a:endParaRPr lang="zh-CN" altLang="en-US"/>
+          </a:p>
+        </p:txBody>
+      </p:sp>
+      <p:sp>
+        <p:nvSpPr>
+          <p:cNvPr id="4" name="内容占位符 3"/>
           <p:cNvSpPr>
             <a:spLocks noGrp="1"/>
           </p:cNvSpPr>
@@ -1345,6 +1790,7 @@
               <a:rPr lang="zh-CN" altLang="en-US"/>
               <a:t>单击此处编辑母版文本样式</a:t>
             </a:r>
+            <a:endParaRPr lang="zh-CN" altLang="en-US"/>
           </a:p>
           <a:p>
             <a:pPr lvl="1"/>
@@ -1352,6 +1798,7 @@
               <a:rPr lang="zh-CN" altLang="en-US"/>
               <a:t>二级</a:t>
             </a:r>
+            <a:endParaRPr lang="zh-CN" altLang="en-US"/>
           </a:p>
           <a:p>
             <a:pPr lvl="2"/>
@@ -1359,6 +1806,7 @@
               <a:rPr lang="zh-CN" altLang="en-US"/>
               <a:t>三级</a:t>
             </a:r>
+            <a:endParaRPr lang="zh-CN" altLang="en-US"/>
           </a:p>
           <a:p>
             <a:pPr lvl="3"/>
@@ -1366,6 +1814,7 @@
               <a:rPr lang="zh-CN" altLang="en-US"/>
               <a:t>四级</a:t>
             </a:r>
+            <a:endParaRPr lang="zh-CN" altLang="en-US"/>
           </a:p>
           <a:p>
             <a:pPr lvl="4"/>
@@ -1373,18 +1822,13 @@
               <a:rPr lang="zh-CN" altLang="en-US"/>
               <a:t>五级</a:t>
             </a:r>
-          </a:p>
-        </p:txBody>
-      </p:sp>
-      <p:sp>
-        <p:nvSpPr>
-          <p:cNvPr id="5" name="日期占位符 4">
-            <a:extLst>
-              <a:ext uri="{FF2B5EF4-FFF2-40B4-BE49-F238E27FC236}">
-                <a16:creationId xmlns:a16="http://schemas.microsoft.com/office/drawing/2014/main" id="{F33BCEE6-CC6B-11FA-03C0-0DB7906E0C81}"/>
-              </a:ext>
-            </a:extLst>
-          </p:cNvPr>
+            <a:endParaRPr lang="zh-CN" altLang="en-US"/>
+          </a:p>
+        </p:txBody>
+      </p:sp>
+      <p:sp>
+        <p:nvSpPr>
+          <p:cNvPr id="5" name="日期占位符 4"/>
           <p:cNvSpPr>
             <a:spLocks noGrp="1"/>
           </p:cNvSpPr>
@@ -1399,7 +1843,6 @@
           <a:p>
             <a:fld id="{BE4B96D9-44D6-4120-8176-61B5C7CD77D9}" type="datetimeFigureOut">
               <a:rPr lang="zh-CN" altLang="en-US" smtClean="0"/>
-              <a:t>2023/10/19</a:t>
             </a:fld>
             <a:endParaRPr lang="zh-CN" altLang="en-US"/>
           </a:p>
@@ -1407,13 +1850,7 @@
       </p:sp>
       <p:sp>
         <p:nvSpPr>
-          <p:cNvPr id="6" name="页脚占位符 5">
-            <a:extLst>
-              <a:ext uri="{FF2B5EF4-FFF2-40B4-BE49-F238E27FC236}">
-                <a16:creationId xmlns:a16="http://schemas.microsoft.com/office/drawing/2014/main" id="{C301341F-DBFE-2C66-ABD5-F26355457EFE}"/>
-              </a:ext>
-            </a:extLst>
-          </p:cNvPr>
+          <p:cNvPr id="6" name="页脚占位符 5"/>
           <p:cNvSpPr>
             <a:spLocks noGrp="1"/>
           </p:cNvSpPr>
@@ -1432,13 +1869,7 @@
       </p:sp>
       <p:sp>
         <p:nvSpPr>
-          <p:cNvPr id="7" name="灯片编号占位符 6">
-            <a:extLst>
-              <a:ext uri="{FF2B5EF4-FFF2-40B4-BE49-F238E27FC236}">
-                <a16:creationId xmlns:a16="http://schemas.microsoft.com/office/drawing/2014/main" id="{BE35F3B8-6242-148F-2413-F0DB1BD33FA6}"/>
-              </a:ext>
-            </a:extLst>
-          </p:cNvPr>
+          <p:cNvPr id="7" name="灯片编号占位符 6"/>
           <p:cNvSpPr>
             <a:spLocks noGrp="1"/>
           </p:cNvSpPr>
@@ -1453,18 +1884,12 @@
           <a:p>
             <a:fld id="{AD1B264F-38A8-4E95-9DAF-2CFDC684D3F8}" type="slidenum">
               <a:rPr lang="zh-CN" altLang="en-US" smtClean="0"/>
-              <a:t>‹#›</a:t>
             </a:fld>
             <a:endParaRPr lang="zh-CN" altLang="en-US"/>
           </a:p>
         </p:txBody>
       </p:sp>
     </p:spTree>
-    <p:extLst>
-      <p:ext uri="{BB962C8B-B14F-4D97-AF65-F5344CB8AC3E}">
-        <p14:creationId xmlns:p14="http://schemas.microsoft.com/office/powerpoint/2010/main" val="1872535273"/>
-      </p:ext>
-    </p:extLst>
   </p:cSld>
   <p:clrMapOvr>
     <a:masterClrMapping/>
@@ -1491,13 +1916,7 @@
       </p:grpSpPr>
       <p:sp>
         <p:nvSpPr>
-          <p:cNvPr id="2" name="标题 1">
-            <a:extLst>
-              <a:ext uri="{FF2B5EF4-FFF2-40B4-BE49-F238E27FC236}">
-                <a16:creationId xmlns:a16="http://schemas.microsoft.com/office/drawing/2014/main" id="{C3C2A060-606B-1DE3-E593-984E7AFCB6D7}"/>
-              </a:ext>
-            </a:extLst>
-          </p:cNvPr>
+          <p:cNvPr id="2" name="标题 1"/>
           <p:cNvSpPr>
             <a:spLocks noGrp="1"/>
           </p:cNvSpPr>
@@ -1519,18 +1938,13 @@
               <a:rPr lang="zh-CN" altLang="en-US"/>
               <a:t>单击此处编辑母版标题样式</a:t>
             </a:r>
-          </a:p>
-        </p:txBody>
-      </p:sp>
-      <p:sp>
-        <p:nvSpPr>
-          <p:cNvPr id="3" name="文本占位符 2">
-            <a:extLst>
-              <a:ext uri="{FF2B5EF4-FFF2-40B4-BE49-F238E27FC236}">
-                <a16:creationId xmlns:a16="http://schemas.microsoft.com/office/drawing/2014/main" id="{1D6021BF-9254-FD7D-8E8F-0B1BEFF7EDE2}"/>
-              </a:ext>
-            </a:extLst>
-          </p:cNvPr>
+            <a:endParaRPr lang="zh-CN" altLang="en-US"/>
+          </a:p>
+        </p:txBody>
+      </p:sp>
+      <p:sp>
+        <p:nvSpPr>
+          <p:cNvPr id="3" name="文本占位符 2"/>
           <p:cNvSpPr>
             <a:spLocks noGrp="1"/>
           </p:cNvSpPr>
@@ -1590,18 +2004,13 @@
               <a:rPr lang="zh-CN" altLang="en-US"/>
               <a:t>单击此处编辑母版文本样式</a:t>
             </a:r>
-          </a:p>
-        </p:txBody>
-      </p:sp>
-      <p:sp>
-        <p:nvSpPr>
-          <p:cNvPr id="4" name="内容占位符 3">
-            <a:extLst>
-              <a:ext uri="{FF2B5EF4-FFF2-40B4-BE49-F238E27FC236}">
-                <a16:creationId xmlns:a16="http://schemas.microsoft.com/office/drawing/2014/main" id="{9D4F3D2F-8792-D8C7-1446-8D4B43C94EC6}"/>
-              </a:ext>
-            </a:extLst>
-          </p:cNvPr>
+            <a:endParaRPr lang="zh-CN" altLang="en-US"/>
+          </a:p>
+        </p:txBody>
+      </p:sp>
+      <p:sp>
+        <p:nvSpPr>
+          <p:cNvPr id="4" name="内容占位符 3"/>
           <p:cNvSpPr>
             <a:spLocks noGrp="1"/>
           </p:cNvSpPr>
@@ -1624,6 +2033,7 @@
               <a:rPr lang="zh-CN" altLang="en-US"/>
               <a:t>单击此处编辑母版文本样式</a:t>
             </a:r>
+            <a:endParaRPr lang="zh-CN" altLang="en-US"/>
           </a:p>
           <a:p>
             <a:pPr lvl="1"/>
@@ -1631,6 +2041,7 @@
               <a:rPr lang="zh-CN" altLang="en-US"/>
               <a:t>二级</a:t>
             </a:r>
+            <a:endParaRPr lang="zh-CN" altLang="en-US"/>
           </a:p>
           <a:p>
             <a:pPr lvl="2"/>
@@ -1638,6 +2049,7 @@
               <a:rPr lang="zh-CN" altLang="en-US"/>
               <a:t>三级</a:t>
             </a:r>
+            <a:endParaRPr lang="zh-CN" altLang="en-US"/>
           </a:p>
           <a:p>
             <a:pPr lvl="3"/>
@@ -1645,6 +2057,7 @@
               <a:rPr lang="zh-CN" altLang="en-US"/>
               <a:t>四级</a:t>
             </a:r>
+            <a:endParaRPr lang="zh-CN" altLang="en-US"/>
           </a:p>
           <a:p>
             <a:pPr lvl="4"/>
@@ -1652,18 +2065,13 @@
               <a:rPr lang="zh-CN" altLang="en-US"/>
               <a:t>五级</a:t>
             </a:r>
-          </a:p>
-        </p:txBody>
-      </p:sp>
-      <p:sp>
-        <p:nvSpPr>
-          <p:cNvPr id="5" name="文本占位符 4">
-            <a:extLst>
-              <a:ext uri="{FF2B5EF4-FFF2-40B4-BE49-F238E27FC236}">
-                <a16:creationId xmlns:a16="http://schemas.microsoft.com/office/drawing/2014/main" id="{045EEE98-3023-F3D9-920F-056932D2DB88}"/>
-              </a:ext>
-            </a:extLst>
-          </p:cNvPr>
+            <a:endParaRPr lang="zh-CN" altLang="en-US"/>
+          </a:p>
+        </p:txBody>
+      </p:sp>
+      <p:sp>
+        <p:nvSpPr>
+          <p:cNvPr id="5" name="文本占位符 4"/>
           <p:cNvSpPr>
             <a:spLocks noGrp="1"/>
           </p:cNvSpPr>
@@ -1723,18 +2131,13 @@
               <a:rPr lang="zh-CN" altLang="en-US"/>
               <a:t>单击此处编辑母版文本样式</a:t>
             </a:r>
-          </a:p>
-        </p:txBody>
-      </p:sp>
-      <p:sp>
-        <p:nvSpPr>
-          <p:cNvPr id="6" name="内容占位符 5">
-            <a:extLst>
-              <a:ext uri="{FF2B5EF4-FFF2-40B4-BE49-F238E27FC236}">
-                <a16:creationId xmlns:a16="http://schemas.microsoft.com/office/drawing/2014/main" id="{D46854E9-F2C0-C938-D4D8-0C6CFFAE66A7}"/>
-              </a:ext>
-            </a:extLst>
-          </p:cNvPr>
+            <a:endParaRPr lang="zh-CN" altLang="en-US"/>
+          </a:p>
+        </p:txBody>
+      </p:sp>
+      <p:sp>
+        <p:nvSpPr>
+          <p:cNvPr id="6" name="内容占位符 5"/>
           <p:cNvSpPr>
             <a:spLocks noGrp="1"/>
           </p:cNvSpPr>
@@ -1757,6 +2160,7 @@
               <a:rPr lang="zh-CN" altLang="en-US"/>
               <a:t>单击此处编辑母版文本样式</a:t>
             </a:r>
+            <a:endParaRPr lang="zh-CN" altLang="en-US"/>
           </a:p>
           <a:p>
             <a:pPr lvl="1"/>
@@ -1764,6 +2168,7 @@
               <a:rPr lang="zh-CN" altLang="en-US"/>
               <a:t>二级</a:t>
             </a:r>
+            <a:endParaRPr lang="zh-CN" altLang="en-US"/>
           </a:p>
           <a:p>
             <a:pPr lvl="2"/>
@@ -1771,6 +2176,7 @@
               <a:rPr lang="zh-CN" altLang="en-US"/>
               <a:t>三级</a:t>
             </a:r>
+            <a:endParaRPr lang="zh-CN" altLang="en-US"/>
           </a:p>
           <a:p>
             <a:pPr lvl="3"/>
@@ -1778,6 +2184,7 @@
               <a:rPr lang="zh-CN" altLang="en-US"/>
               <a:t>四级</a:t>
             </a:r>
+            <a:endParaRPr lang="zh-CN" altLang="en-US"/>
           </a:p>
           <a:p>
             <a:pPr lvl="4"/>
@@ -1785,18 +2192,13 @@
               <a:rPr lang="zh-CN" altLang="en-US"/>
               <a:t>五级</a:t>
             </a:r>
-          </a:p>
-        </p:txBody>
-      </p:sp>
-      <p:sp>
-        <p:nvSpPr>
-          <p:cNvPr id="7" name="日期占位符 6">
-            <a:extLst>
-              <a:ext uri="{FF2B5EF4-FFF2-40B4-BE49-F238E27FC236}">
-                <a16:creationId xmlns:a16="http://schemas.microsoft.com/office/drawing/2014/main" id="{C82A3F15-6E1C-2247-35D1-92C20E57DE7C}"/>
-              </a:ext>
-            </a:extLst>
-          </p:cNvPr>
+            <a:endParaRPr lang="zh-CN" altLang="en-US"/>
+          </a:p>
+        </p:txBody>
+      </p:sp>
+      <p:sp>
+        <p:nvSpPr>
+          <p:cNvPr id="7" name="日期占位符 6"/>
           <p:cNvSpPr>
             <a:spLocks noGrp="1"/>
           </p:cNvSpPr>
@@ -1811,7 +2213,6 @@
           <a:p>
             <a:fld id="{BE4B96D9-44D6-4120-8176-61B5C7CD77D9}" type="datetimeFigureOut">
               <a:rPr lang="zh-CN" altLang="en-US" smtClean="0"/>
-              <a:t>2023/10/19</a:t>
             </a:fld>
             <a:endParaRPr lang="zh-CN" altLang="en-US"/>
           </a:p>
@@ -1819,13 +2220,7 @@
       </p:sp>
       <p:sp>
         <p:nvSpPr>
-          <p:cNvPr id="8" name="页脚占位符 7">
-            <a:extLst>
-              <a:ext uri="{FF2B5EF4-FFF2-40B4-BE49-F238E27FC236}">
-                <a16:creationId xmlns:a16="http://schemas.microsoft.com/office/drawing/2014/main" id="{CD54B84D-010E-E405-9ED4-02840FE7BE99}"/>
-              </a:ext>
-            </a:extLst>
-          </p:cNvPr>
+          <p:cNvPr id="8" name="页脚占位符 7"/>
           <p:cNvSpPr>
             <a:spLocks noGrp="1"/>
           </p:cNvSpPr>
@@ -1844,13 +2239,7 @@
       </p:sp>
       <p:sp>
         <p:nvSpPr>
-          <p:cNvPr id="9" name="灯片编号占位符 8">
-            <a:extLst>
-              <a:ext uri="{FF2B5EF4-FFF2-40B4-BE49-F238E27FC236}">
-                <a16:creationId xmlns:a16="http://schemas.microsoft.com/office/drawing/2014/main" id="{40821B84-8D3F-653D-D45D-5DA31AA0B826}"/>
-              </a:ext>
-            </a:extLst>
-          </p:cNvPr>
+          <p:cNvPr id="9" name="灯片编号占位符 8"/>
           <p:cNvSpPr>
             <a:spLocks noGrp="1"/>
           </p:cNvSpPr>
@@ -1865,18 +2254,12 @@
           <a:p>
             <a:fld id="{AD1B264F-38A8-4E95-9DAF-2CFDC684D3F8}" type="slidenum">
               <a:rPr lang="zh-CN" altLang="en-US" smtClean="0"/>
-              <a:t>‹#›</a:t>
             </a:fld>
             <a:endParaRPr lang="zh-CN" altLang="en-US"/>
           </a:p>
         </p:txBody>
       </p:sp>
     </p:spTree>
-    <p:extLst>
-      <p:ext uri="{BB962C8B-B14F-4D97-AF65-F5344CB8AC3E}">
-        <p14:creationId xmlns:p14="http://schemas.microsoft.com/office/powerpoint/2010/main" val="2135079509"/>
-      </p:ext>
-    </p:extLst>
   </p:cSld>
   <p:clrMapOvr>
     <a:masterClrMapping/>
@@ -1903,13 +2286,7 @@
       </p:grpSpPr>
       <p:sp>
         <p:nvSpPr>
-          <p:cNvPr id="2" name="标题 1">
-            <a:extLst>
-              <a:ext uri="{FF2B5EF4-FFF2-40B4-BE49-F238E27FC236}">
-                <a16:creationId xmlns:a16="http://schemas.microsoft.com/office/drawing/2014/main" id="{1784BA03-D04F-CBC3-D7E0-33C845D95DFD}"/>
-              </a:ext>
-            </a:extLst>
-          </p:cNvPr>
+          <p:cNvPr id="2" name="标题 1"/>
           <p:cNvSpPr>
             <a:spLocks noGrp="1"/>
           </p:cNvSpPr>
@@ -1926,18 +2303,13 @@
               <a:rPr lang="zh-CN" altLang="en-US"/>
               <a:t>单击此处编辑母版标题样式</a:t>
             </a:r>
-          </a:p>
-        </p:txBody>
-      </p:sp>
-      <p:sp>
-        <p:nvSpPr>
-          <p:cNvPr id="3" name="日期占位符 2">
-            <a:extLst>
-              <a:ext uri="{FF2B5EF4-FFF2-40B4-BE49-F238E27FC236}">
-                <a16:creationId xmlns:a16="http://schemas.microsoft.com/office/drawing/2014/main" id="{D42F2408-6CE9-C67B-62D4-8094763F779B}"/>
-              </a:ext>
-            </a:extLst>
-          </p:cNvPr>
+            <a:endParaRPr lang="zh-CN" altLang="en-US"/>
+          </a:p>
+        </p:txBody>
+      </p:sp>
+      <p:sp>
+        <p:nvSpPr>
+          <p:cNvPr id="3" name="日期占位符 2"/>
           <p:cNvSpPr>
             <a:spLocks noGrp="1"/>
           </p:cNvSpPr>
@@ -1952,7 +2324,6 @@
           <a:p>
             <a:fld id="{BE4B96D9-44D6-4120-8176-61B5C7CD77D9}" type="datetimeFigureOut">
               <a:rPr lang="zh-CN" altLang="en-US" smtClean="0"/>
-              <a:t>2023/10/19</a:t>
             </a:fld>
             <a:endParaRPr lang="zh-CN" altLang="en-US"/>
           </a:p>
@@ -1960,13 +2331,7 @@
       </p:sp>
       <p:sp>
         <p:nvSpPr>
-          <p:cNvPr id="4" name="页脚占位符 3">
-            <a:extLst>
-              <a:ext uri="{FF2B5EF4-FFF2-40B4-BE49-F238E27FC236}">
-                <a16:creationId xmlns:a16="http://schemas.microsoft.com/office/drawing/2014/main" id="{654D5D85-1207-FBAF-F78A-40DCFD664440}"/>
-              </a:ext>
-            </a:extLst>
-          </p:cNvPr>
+          <p:cNvPr id="4" name="页脚占位符 3"/>
           <p:cNvSpPr>
             <a:spLocks noGrp="1"/>
           </p:cNvSpPr>
@@ -1985,13 +2350,7 @@
       </p:sp>
       <p:sp>
         <p:nvSpPr>
-          <p:cNvPr id="5" name="灯片编号占位符 4">
-            <a:extLst>
-              <a:ext uri="{FF2B5EF4-FFF2-40B4-BE49-F238E27FC236}">
-                <a16:creationId xmlns:a16="http://schemas.microsoft.com/office/drawing/2014/main" id="{D7E88D75-E398-E8BD-233B-89288F429EE0}"/>
-              </a:ext>
-            </a:extLst>
-          </p:cNvPr>
+          <p:cNvPr id="5" name="灯片编号占位符 4"/>
           <p:cNvSpPr>
             <a:spLocks noGrp="1"/>
           </p:cNvSpPr>
@@ -2006,18 +2365,12 @@
           <a:p>
             <a:fld id="{AD1B264F-38A8-4E95-9DAF-2CFDC684D3F8}" type="slidenum">
               <a:rPr lang="zh-CN" altLang="en-US" smtClean="0"/>
-              <a:t>‹#›</a:t>
             </a:fld>
             <a:endParaRPr lang="zh-CN" altLang="en-US"/>
           </a:p>
         </p:txBody>
       </p:sp>
     </p:spTree>
-    <p:extLst>
-      <p:ext uri="{BB962C8B-B14F-4D97-AF65-F5344CB8AC3E}">
-        <p14:creationId xmlns:p14="http://schemas.microsoft.com/office/powerpoint/2010/main" val="3639107347"/>
-      </p:ext>
-    </p:extLst>
   </p:cSld>
   <p:clrMapOvr>
     <a:masterClrMapping/>
@@ -2044,13 +2397,7 @@
       </p:grpSpPr>
       <p:sp>
         <p:nvSpPr>
-          <p:cNvPr id="2" name="日期占位符 1">
-            <a:extLst>
-              <a:ext uri="{FF2B5EF4-FFF2-40B4-BE49-F238E27FC236}">
-                <a16:creationId xmlns:a16="http://schemas.microsoft.com/office/drawing/2014/main" id="{FDCF726D-2053-FDA3-9572-622787F2B13B}"/>
-              </a:ext>
-            </a:extLst>
-          </p:cNvPr>
+          <p:cNvPr id="2" name="日期占位符 1"/>
           <p:cNvSpPr>
             <a:spLocks noGrp="1"/>
           </p:cNvSpPr>
@@ -2065,7 +2412,6 @@
           <a:p>
             <a:fld id="{BE4B96D9-44D6-4120-8176-61B5C7CD77D9}" type="datetimeFigureOut">
               <a:rPr lang="zh-CN" altLang="en-US" smtClean="0"/>
-              <a:t>2023/10/19</a:t>
             </a:fld>
             <a:endParaRPr lang="zh-CN" altLang="en-US"/>
           </a:p>
@@ -2073,13 +2419,7 @@
       </p:sp>
       <p:sp>
         <p:nvSpPr>
-          <p:cNvPr id="3" name="页脚占位符 2">
-            <a:extLst>
-              <a:ext uri="{FF2B5EF4-FFF2-40B4-BE49-F238E27FC236}">
-                <a16:creationId xmlns:a16="http://schemas.microsoft.com/office/drawing/2014/main" id="{1D145DA1-34DC-E820-2294-E3C47D7600A2}"/>
-              </a:ext>
-            </a:extLst>
-          </p:cNvPr>
+          <p:cNvPr id="3" name="页脚占位符 2"/>
           <p:cNvSpPr>
             <a:spLocks noGrp="1"/>
           </p:cNvSpPr>
@@ -2098,13 +2438,7 @@
       </p:sp>
       <p:sp>
         <p:nvSpPr>
-          <p:cNvPr id="4" name="灯片编号占位符 3">
-            <a:extLst>
-              <a:ext uri="{FF2B5EF4-FFF2-40B4-BE49-F238E27FC236}">
-                <a16:creationId xmlns:a16="http://schemas.microsoft.com/office/drawing/2014/main" id="{4B083FB0-EA29-30E2-3428-8F4C98A30EC5}"/>
-              </a:ext>
-            </a:extLst>
-          </p:cNvPr>
+          <p:cNvPr id="4" name="灯片编号占位符 3"/>
           <p:cNvSpPr>
             <a:spLocks noGrp="1"/>
           </p:cNvSpPr>
@@ -2119,18 +2453,12 @@
           <a:p>
             <a:fld id="{AD1B264F-38A8-4E95-9DAF-2CFDC684D3F8}" type="slidenum">
               <a:rPr lang="zh-CN" altLang="en-US" smtClean="0"/>
-              <a:t>‹#›</a:t>
             </a:fld>
             <a:endParaRPr lang="zh-CN" altLang="en-US"/>
           </a:p>
         </p:txBody>
       </p:sp>
     </p:spTree>
-    <p:extLst>
-      <p:ext uri="{BB962C8B-B14F-4D97-AF65-F5344CB8AC3E}">
-        <p14:creationId xmlns:p14="http://schemas.microsoft.com/office/powerpoint/2010/main" val="1904711762"/>
-      </p:ext>
-    </p:extLst>
   </p:cSld>
   <p:clrMapOvr>
     <a:masterClrMapping/>
@@ -2157,13 +2485,7 @@
       </p:grpSpPr>
       <p:sp>
         <p:nvSpPr>
-          <p:cNvPr id="2" name="标题 1">
-            <a:extLst>
-              <a:ext uri="{FF2B5EF4-FFF2-40B4-BE49-F238E27FC236}">
-                <a16:creationId xmlns:a16="http://schemas.microsoft.com/office/drawing/2014/main" id="{AD55690C-8E5F-7E20-AF2D-91FD8E9261A4}"/>
-              </a:ext>
-            </a:extLst>
-          </p:cNvPr>
+          <p:cNvPr id="2" name="标题 1"/>
           <p:cNvSpPr>
             <a:spLocks noGrp="1"/>
           </p:cNvSpPr>
@@ -2189,18 +2511,13 @@
               <a:rPr lang="zh-CN" altLang="en-US"/>
               <a:t>单击此处编辑母版标题样式</a:t>
             </a:r>
-          </a:p>
-        </p:txBody>
-      </p:sp>
-      <p:sp>
-        <p:nvSpPr>
-          <p:cNvPr id="3" name="内容占位符 2">
-            <a:extLst>
-              <a:ext uri="{FF2B5EF4-FFF2-40B4-BE49-F238E27FC236}">
-                <a16:creationId xmlns:a16="http://schemas.microsoft.com/office/drawing/2014/main" id="{6BD2FE57-D1B9-04DD-C2EE-64AB53FD3C18}"/>
-              </a:ext>
-            </a:extLst>
-          </p:cNvPr>
+            <a:endParaRPr lang="zh-CN" altLang="en-US"/>
+          </a:p>
+        </p:txBody>
+      </p:sp>
+      <p:sp>
+        <p:nvSpPr>
+          <p:cNvPr id="3" name="内容占位符 2"/>
           <p:cNvSpPr>
             <a:spLocks noGrp="1"/>
           </p:cNvSpPr>
@@ -2251,6 +2568,7 @@
               <a:rPr lang="zh-CN" altLang="en-US"/>
               <a:t>单击此处编辑母版文本样式</a:t>
             </a:r>
+            <a:endParaRPr lang="zh-CN" altLang="en-US"/>
           </a:p>
           <a:p>
             <a:pPr lvl="1"/>
@@ -2258,6 +2576,7 @@
               <a:rPr lang="zh-CN" altLang="en-US"/>
               <a:t>二级</a:t>
             </a:r>
+            <a:endParaRPr lang="zh-CN" altLang="en-US"/>
           </a:p>
           <a:p>
             <a:pPr lvl="2"/>
@@ -2265,6 +2584,7 @@
               <a:rPr lang="zh-CN" altLang="en-US"/>
               <a:t>三级</a:t>
             </a:r>
+            <a:endParaRPr lang="zh-CN" altLang="en-US"/>
           </a:p>
           <a:p>
             <a:pPr lvl="3"/>
@@ -2272,6 +2592,7 @@
               <a:rPr lang="zh-CN" altLang="en-US"/>
               <a:t>四级</a:t>
             </a:r>
+            <a:endParaRPr lang="zh-CN" altLang="en-US"/>
           </a:p>
           <a:p>
             <a:pPr lvl="4"/>
@@ -2279,18 +2600,13 @@
               <a:rPr lang="zh-CN" altLang="en-US"/>
               <a:t>五级</a:t>
             </a:r>
-          </a:p>
-        </p:txBody>
-      </p:sp>
-      <p:sp>
-        <p:nvSpPr>
-          <p:cNvPr id="4" name="文本占位符 3">
-            <a:extLst>
-              <a:ext uri="{FF2B5EF4-FFF2-40B4-BE49-F238E27FC236}">
-                <a16:creationId xmlns:a16="http://schemas.microsoft.com/office/drawing/2014/main" id="{36CD4A1C-F038-EF48-8AAF-AAA23AAFBDAF}"/>
-              </a:ext>
-            </a:extLst>
-          </p:cNvPr>
+            <a:endParaRPr lang="zh-CN" altLang="en-US"/>
+          </a:p>
+        </p:txBody>
+      </p:sp>
+      <p:sp>
+        <p:nvSpPr>
+          <p:cNvPr id="4" name="文本占位符 3"/>
           <p:cNvSpPr>
             <a:spLocks noGrp="1"/>
           </p:cNvSpPr>
@@ -2350,18 +2666,13 @@
               <a:rPr lang="zh-CN" altLang="en-US"/>
               <a:t>单击此处编辑母版文本样式</a:t>
             </a:r>
-          </a:p>
-        </p:txBody>
-      </p:sp>
-      <p:sp>
-        <p:nvSpPr>
-          <p:cNvPr id="5" name="日期占位符 4">
-            <a:extLst>
-              <a:ext uri="{FF2B5EF4-FFF2-40B4-BE49-F238E27FC236}">
-                <a16:creationId xmlns:a16="http://schemas.microsoft.com/office/drawing/2014/main" id="{6AB3962B-06FA-E59D-5496-4A054C3AD05D}"/>
-              </a:ext>
-            </a:extLst>
-          </p:cNvPr>
+            <a:endParaRPr lang="zh-CN" altLang="en-US"/>
+          </a:p>
+        </p:txBody>
+      </p:sp>
+      <p:sp>
+        <p:nvSpPr>
+          <p:cNvPr id="5" name="日期占位符 4"/>
           <p:cNvSpPr>
             <a:spLocks noGrp="1"/>
           </p:cNvSpPr>
@@ -2376,7 +2687,6 @@
           <a:p>
             <a:fld id="{BE4B96D9-44D6-4120-8176-61B5C7CD77D9}" type="datetimeFigureOut">
               <a:rPr lang="zh-CN" altLang="en-US" smtClean="0"/>
-              <a:t>2023/10/19</a:t>
             </a:fld>
             <a:endParaRPr lang="zh-CN" altLang="en-US"/>
           </a:p>
@@ -2384,13 +2694,7 @@
       </p:sp>
       <p:sp>
         <p:nvSpPr>
-          <p:cNvPr id="6" name="页脚占位符 5">
-            <a:extLst>
-              <a:ext uri="{FF2B5EF4-FFF2-40B4-BE49-F238E27FC236}">
-                <a16:creationId xmlns:a16="http://schemas.microsoft.com/office/drawing/2014/main" id="{16048E97-7FFE-6568-9723-7DDEEC62C928}"/>
-              </a:ext>
-            </a:extLst>
-          </p:cNvPr>
+          <p:cNvPr id="6" name="页脚占位符 5"/>
           <p:cNvSpPr>
             <a:spLocks noGrp="1"/>
           </p:cNvSpPr>
@@ -2409,13 +2713,7 @@
       </p:sp>
       <p:sp>
         <p:nvSpPr>
-          <p:cNvPr id="7" name="灯片编号占位符 6">
-            <a:extLst>
-              <a:ext uri="{FF2B5EF4-FFF2-40B4-BE49-F238E27FC236}">
-                <a16:creationId xmlns:a16="http://schemas.microsoft.com/office/drawing/2014/main" id="{E9C480FB-3101-AC08-5EBF-1FA73416633D}"/>
-              </a:ext>
-            </a:extLst>
-          </p:cNvPr>
+          <p:cNvPr id="7" name="灯片编号占位符 6"/>
           <p:cNvSpPr>
             <a:spLocks noGrp="1"/>
           </p:cNvSpPr>
@@ -2430,18 +2728,12 @@
           <a:p>
             <a:fld id="{AD1B264F-38A8-4E95-9DAF-2CFDC684D3F8}" type="slidenum">
               <a:rPr lang="zh-CN" altLang="en-US" smtClean="0"/>
-              <a:t>‹#›</a:t>
             </a:fld>
             <a:endParaRPr lang="zh-CN" altLang="en-US"/>
           </a:p>
         </p:txBody>
       </p:sp>
     </p:spTree>
-    <p:extLst>
-      <p:ext uri="{BB962C8B-B14F-4D97-AF65-F5344CB8AC3E}">
-        <p14:creationId xmlns:p14="http://schemas.microsoft.com/office/powerpoint/2010/main" val="3895417667"/>
-      </p:ext>
-    </p:extLst>
   </p:cSld>
   <p:clrMapOvr>
     <a:masterClrMapping/>
@@ -2468,13 +2760,7 @@
       </p:grpSpPr>
       <p:sp>
         <p:nvSpPr>
-          <p:cNvPr id="2" name="标题 1">
-            <a:extLst>
-              <a:ext uri="{FF2B5EF4-FFF2-40B4-BE49-F238E27FC236}">
-                <a16:creationId xmlns:a16="http://schemas.microsoft.com/office/drawing/2014/main" id="{4D520C4D-718F-B292-3E85-4F614DF62637}"/>
-              </a:ext>
-            </a:extLst>
-          </p:cNvPr>
+          <p:cNvPr id="2" name="标题 1"/>
           <p:cNvSpPr>
             <a:spLocks noGrp="1"/>
           </p:cNvSpPr>
@@ -2500,18 +2786,13 @@
               <a:rPr lang="zh-CN" altLang="en-US"/>
               <a:t>单击此处编辑母版标题样式</a:t>
             </a:r>
-          </a:p>
-        </p:txBody>
-      </p:sp>
-      <p:sp>
-        <p:nvSpPr>
-          <p:cNvPr id="3" name="图片占位符 2">
-            <a:extLst>
-              <a:ext uri="{FF2B5EF4-FFF2-40B4-BE49-F238E27FC236}">
-                <a16:creationId xmlns:a16="http://schemas.microsoft.com/office/drawing/2014/main" id="{B7D9276E-05DC-1EDF-C0B5-5BD4E6A55ED9}"/>
-              </a:ext>
-            </a:extLst>
-          </p:cNvPr>
+            <a:endParaRPr lang="zh-CN" altLang="en-US"/>
+          </a:p>
+        </p:txBody>
+      </p:sp>
+      <p:sp>
+        <p:nvSpPr>
+          <p:cNvPr id="3" name="图片占位符 2"/>
           <p:cNvSpPr>
             <a:spLocks noGrp="1"/>
           </p:cNvSpPr>
@@ -2570,18 +2851,13 @@
               <a:rPr lang="zh-CN" altLang="en-US"/>
               <a:t>单击图标添加图片</a:t>
             </a:r>
-          </a:p>
-        </p:txBody>
-      </p:sp>
-      <p:sp>
-        <p:nvSpPr>
-          <p:cNvPr id="4" name="文本占位符 3">
-            <a:extLst>
-              <a:ext uri="{FF2B5EF4-FFF2-40B4-BE49-F238E27FC236}">
-                <a16:creationId xmlns:a16="http://schemas.microsoft.com/office/drawing/2014/main" id="{7A8F29C2-42AA-4890-5782-056EFA09489A}"/>
-              </a:ext>
-            </a:extLst>
-          </p:cNvPr>
+            <a:endParaRPr lang="zh-CN" altLang="en-US"/>
+          </a:p>
+        </p:txBody>
+      </p:sp>
+      <p:sp>
+        <p:nvSpPr>
+          <p:cNvPr id="4" name="文本占位符 3"/>
           <p:cNvSpPr>
             <a:spLocks noGrp="1"/>
           </p:cNvSpPr>
@@ -2641,18 +2917,13 @@
               <a:rPr lang="zh-CN" altLang="en-US"/>
               <a:t>单击此处编辑母版文本样式</a:t>
             </a:r>
-          </a:p>
-        </p:txBody>
-      </p:sp>
-      <p:sp>
-        <p:nvSpPr>
-          <p:cNvPr id="5" name="日期占位符 4">
-            <a:extLst>
-              <a:ext uri="{FF2B5EF4-FFF2-40B4-BE49-F238E27FC236}">
-                <a16:creationId xmlns:a16="http://schemas.microsoft.com/office/drawing/2014/main" id="{9263B1CE-8D55-3951-77D0-3C8EDFC6CD1A}"/>
-              </a:ext>
-            </a:extLst>
-          </p:cNvPr>
+            <a:endParaRPr lang="zh-CN" altLang="en-US"/>
+          </a:p>
+        </p:txBody>
+      </p:sp>
+      <p:sp>
+        <p:nvSpPr>
+          <p:cNvPr id="5" name="日期占位符 4"/>
           <p:cNvSpPr>
             <a:spLocks noGrp="1"/>
           </p:cNvSpPr>
@@ -2667,7 +2938,6 @@
           <a:p>
             <a:fld id="{BE4B96D9-44D6-4120-8176-61B5C7CD77D9}" type="datetimeFigureOut">
               <a:rPr lang="zh-CN" altLang="en-US" smtClean="0"/>
-              <a:t>2023/10/19</a:t>
             </a:fld>
             <a:endParaRPr lang="zh-CN" altLang="en-US"/>
           </a:p>
@@ -2675,13 +2945,7 @@
       </p:sp>
       <p:sp>
         <p:nvSpPr>
-          <p:cNvPr id="6" name="页脚占位符 5">
-            <a:extLst>
-              <a:ext uri="{FF2B5EF4-FFF2-40B4-BE49-F238E27FC236}">
-                <a16:creationId xmlns:a16="http://schemas.microsoft.com/office/drawing/2014/main" id="{E5FF9B3D-962A-206D-1033-2FC7F7DCE611}"/>
-              </a:ext>
-            </a:extLst>
-          </p:cNvPr>
+          <p:cNvPr id="6" name="页脚占位符 5"/>
           <p:cNvSpPr>
             <a:spLocks noGrp="1"/>
           </p:cNvSpPr>
@@ -2700,13 +2964,7 @@
       </p:sp>
       <p:sp>
         <p:nvSpPr>
-          <p:cNvPr id="7" name="灯片编号占位符 6">
-            <a:extLst>
-              <a:ext uri="{FF2B5EF4-FFF2-40B4-BE49-F238E27FC236}">
-                <a16:creationId xmlns:a16="http://schemas.microsoft.com/office/drawing/2014/main" id="{4575C297-DFB1-D3D8-2D48-24D02A90EC6D}"/>
-              </a:ext>
-            </a:extLst>
-          </p:cNvPr>
+          <p:cNvPr id="7" name="灯片编号占位符 6"/>
           <p:cNvSpPr>
             <a:spLocks noGrp="1"/>
           </p:cNvSpPr>
@@ -2721,18 +2979,12 @@
           <a:p>
             <a:fld id="{AD1B264F-38A8-4E95-9DAF-2CFDC684D3F8}" type="slidenum">
               <a:rPr lang="zh-CN" altLang="en-US" smtClean="0"/>
-              <a:t>‹#›</a:t>
             </a:fld>
             <a:endParaRPr lang="zh-CN" altLang="en-US"/>
           </a:p>
         </p:txBody>
       </p:sp>
     </p:spTree>
-    <p:extLst>
-      <p:ext uri="{BB962C8B-B14F-4D97-AF65-F5344CB8AC3E}">
-        <p14:creationId xmlns:p14="http://schemas.microsoft.com/office/powerpoint/2010/main" val="4137137690"/>
-      </p:ext>
-    </p:extLst>
   </p:cSld>
   <p:clrMapOvr>
     <a:masterClrMapping/>
@@ -2764,13 +3016,7 @@
       </p:grpSpPr>
       <p:sp>
         <p:nvSpPr>
-          <p:cNvPr id="2" name="标题占位符 1">
-            <a:extLst>
-              <a:ext uri="{FF2B5EF4-FFF2-40B4-BE49-F238E27FC236}">
-                <a16:creationId xmlns:a16="http://schemas.microsoft.com/office/drawing/2014/main" id="{FE12AE6B-2DDC-70B4-1D22-F2A453733BBF}"/>
-              </a:ext>
-            </a:extLst>
-          </p:cNvPr>
+          <p:cNvPr id="2" name="标题占位符 1"/>
           <p:cNvSpPr>
             <a:spLocks noGrp="1"/>
           </p:cNvSpPr>
@@ -2797,18 +3043,13 @@
               <a:rPr lang="zh-CN" altLang="en-US"/>
               <a:t>单击此处编辑母版标题样式</a:t>
             </a:r>
-          </a:p>
-        </p:txBody>
-      </p:sp>
-      <p:sp>
-        <p:nvSpPr>
-          <p:cNvPr id="3" name="文本占位符 2">
-            <a:extLst>
-              <a:ext uri="{FF2B5EF4-FFF2-40B4-BE49-F238E27FC236}">
-                <a16:creationId xmlns:a16="http://schemas.microsoft.com/office/drawing/2014/main" id="{56ED60D0-11A6-3BA3-1D9D-E00A7EFFF9B0}"/>
-              </a:ext>
-            </a:extLst>
-          </p:cNvPr>
+            <a:endParaRPr lang="zh-CN" altLang="en-US"/>
+          </a:p>
+        </p:txBody>
+      </p:sp>
+      <p:sp>
+        <p:nvSpPr>
+          <p:cNvPr id="3" name="文本占位符 2"/>
           <p:cNvSpPr>
             <a:spLocks noGrp="1"/>
           </p:cNvSpPr>
@@ -2836,6 +3077,7 @@
               <a:rPr lang="zh-CN" altLang="en-US"/>
               <a:t>单击此处编辑母版文本样式</a:t>
             </a:r>
+            <a:endParaRPr lang="zh-CN" altLang="en-US"/>
           </a:p>
           <a:p>
             <a:pPr lvl="1"/>
@@ -2843,6 +3085,7 @@
               <a:rPr lang="zh-CN" altLang="en-US"/>
               <a:t>二级</a:t>
             </a:r>
+            <a:endParaRPr lang="zh-CN" altLang="en-US"/>
           </a:p>
           <a:p>
             <a:pPr lvl="2"/>
@@ -2850,6 +3093,7 @@
               <a:rPr lang="zh-CN" altLang="en-US"/>
               <a:t>三级</a:t>
             </a:r>
+            <a:endParaRPr lang="zh-CN" altLang="en-US"/>
           </a:p>
           <a:p>
             <a:pPr lvl="3"/>
@@ -2857,6 +3101,7 @@
               <a:rPr lang="zh-CN" altLang="en-US"/>
               <a:t>四级</a:t>
             </a:r>
+            <a:endParaRPr lang="zh-CN" altLang="en-US"/>
           </a:p>
           <a:p>
             <a:pPr lvl="4"/>
@@ -2864,18 +3109,13 @@
               <a:rPr lang="zh-CN" altLang="en-US"/>
               <a:t>五级</a:t>
             </a:r>
-          </a:p>
-        </p:txBody>
-      </p:sp>
-      <p:sp>
-        <p:nvSpPr>
-          <p:cNvPr id="4" name="日期占位符 3">
-            <a:extLst>
-              <a:ext uri="{FF2B5EF4-FFF2-40B4-BE49-F238E27FC236}">
-                <a16:creationId xmlns:a16="http://schemas.microsoft.com/office/drawing/2014/main" id="{F27F81DA-B3D7-9346-638A-2ABA03B85FC6}"/>
-              </a:ext>
-            </a:extLst>
-          </p:cNvPr>
+            <a:endParaRPr lang="zh-CN" altLang="en-US"/>
+          </a:p>
+        </p:txBody>
+      </p:sp>
+      <p:sp>
+        <p:nvSpPr>
+          <p:cNvPr id="4" name="日期占位符 3"/>
           <p:cNvSpPr>
             <a:spLocks noGrp="1"/>
           </p:cNvSpPr>
@@ -2908,7 +3148,6 @@
           <a:p>
             <a:fld id="{BE4B96D9-44D6-4120-8176-61B5C7CD77D9}" type="datetimeFigureOut">
               <a:rPr lang="zh-CN" altLang="en-US" smtClean="0"/>
-              <a:t>2023/10/19</a:t>
             </a:fld>
             <a:endParaRPr lang="zh-CN" altLang="en-US"/>
           </a:p>
@@ -2916,13 +3155,7 @@
       </p:sp>
       <p:sp>
         <p:nvSpPr>
-          <p:cNvPr id="5" name="页脚占位符 4">
-            <a:extLst>
-              <a:ext uri="{FF2B5EF4-FFF2-40B4-BE49-F238E27FC236}">
-                <a16:creationId xmlns:a16="http://schemas.microsoft.com/office/drawing/2014/main" id="{C77DE47E-C1EE-D664-BD83-CE4D241A2DC2}"/>
-              </a:ext>
-            </a:extLst>
-          </p:cNvPr>
+          <p:cNvPr id="5" name="页脚占位符 4"/>
           <p:cNvSpPr>
             <a:spLocks noGrp="1"/>
           </p:cNvSpPr>
@@ -2959,13 +3192,7 @@
       </p:sp>
       <p:sp>
         <p:nvSpPr>
-          <p:cNvPr id="6" name="灯片编号占位符 5">
-            <a:extLst>
-              <a:ext uri="{FF2B5EF4-FFF2-40B4-BE49-F238E27FC236}">
-                <a16:creationId xmlns:a16="http://schemas.microsoft.com/office/drawing/2014/main" id="{C6A2A092-C8A8-B532-8DDD-45076FC6ACCD}"/>
-              </a:ext>
-            </a:extLst>
-          </p:cNvPr>
+          <p:cNvPr id="6" name="灯片编号占位符 5"/>
           <p:cNvSpPr>
             <a:spLocks noGrp="1"/>
           </p:cNvSpPr>
@@ -2998,18 +3225,12 @@
           <a:p>
             <a:fld id="{AD1B264F-38A8-4E95-9DAF-2CFDC684D3F8}" type="slidenum">
               <a:rPr lang="zh-CN" altLang="en-US" smtClean="0"/>
-              <a:t>‹#›</a:t>
             </a:fld>
             <a:endParaRPr lang="zh-CN" altLang="en-US"/>
           </a:p>
         </p:txBody>
       </p:sp>
     </p:spTree>
-    <p:extLst>
-      <p:ext uri="{BB962C8B-B14F-4D97-AF65-F5344CB8AC3E}">
-        <p14:creationId xmlns:p14="http://schemas.microsoft.com/office/powerpoint/2010/main" val="1700213796"/>
-      </p:ext>
-    </p:extLst>
   </p:cSld>
   <p:clrMap bg1="lt1" tx1="dk1" bg2="lt2" tx2="dk2" accent1="accent1" accent2="accent2" accent3="accent3" accent4="accent4" accent5="accent5" accent6="accent6" hlink="hlink" folHlink="folHlink"/>
   <p:sldLayoutIdLst>
@@ -3335,26 +3556,11 @@
       </p:grpSpPr>
       <p:sp useBgFill="1">
         <p:nvSpPr>
-          <p:cNvPr id="24" name="Rectangle 23">
-            <a:extLst>
-              <a:ext uri="{FF2B5EF4-FFF2-40B4-BE49-F238E27FC236}">
-                <a16:creationId xmlns:a16="http://schemas.microsoft.com/office/drawing/2014/main" id="{9203DE33-2CD4-4CA8-9AF3-37C3B65133B0}"/>
-              </a:ext>
-              <a:ext uri="{C183D7F6-B498-43B3-948B-1728B52AA6E4}">
-                <adec:decorative xmlns:adec="http://schemas.microsoft.com/office/drawing/2017/decorative" val="1"/>
-              </a:ext>
-            </a:extLst>
-          </p:cNvPr>
+          <p:cNvPr id="24" name="Rectangle 23"/>
           <p:cNvSpPr>
             <a:spLocks noGrp="1" noRot="1" noChangeAspect="1" noMove="1" noResize="1" noEditPoints="1" noAdjustHandles="1" noChangeArrowheads="1" noChangeShapeType="1" noTextEdit="1"/>
           </p:cNvSpPr>
-          <p:nvPr>
-            <p:extLst>
-              <p:ext uri="{386F3935-93C4-4BCD-93E2-E3B085C9AB24}">
-                <p16:designElem xmlns:p16="http://schemas.microsoft.com/office/powerpoint/2015/main" val="1"/>
-              </p:ext>
-            </p:extLst>
-          </p:nvPr>
+          <p:nvPr/>
         </p:nvSpPr>
         <p:spPr>
           <a:xfrm>
@@ -3395,26 +3601,11 @@
       </p:sp>
       <p:sp>
         <p:nvSpPr>
-          <p:cNvPr id="26" name="Rectangle 25">
-            <a:extLst>
-              <a:ext uri="{FF2B5EF4-FFF2-40B4-BE49-F238E27FC236}">
-                <a16:creationId xmlns:a16="http://schemas.microsoft.com/office/drawing/2014/main" id="{0AF57B88-1D4C-41FA-A761-EC1DD10C35CB}"/>
-              </a:ext>
-              <a:ext uri="{C183D7F6-B498-43B3-948B-1728B52AA6E4}">
-                <adec:decorative xmlns:adec="http://schemas.microsoft.com/office/drawing/2017/decorative" val="1"/>
-              </a:ext>
-            </a:extLst>
-          </p:cNvPr>
+          <p:cNvPr id="26" name="Rectangle 25"/>
           <p:cNvSpPr>
             <a:spLocks noGrp="1" noRot="1" noChangeAspect="1" noMove="1" noResize="1" noEditPoints="1" noAdjustHandles="1" noChangeArrowheads="1" noChangeShapeType="1" noTextEdit="1"/>
           </p:cNvSpPr>
-          <p:nvPr>
-            <p:extLst>
-              <p:ext uri="{386F3935-93C4-4BCD-93E2-E3B085C9AB24}">
-                <p16:designElem xmlns:p16="http://schemas.microsoft.com/office/powerpoint/2015/main" val="1"/>
-              </p:ext>
-            </p:extLst>
-          </p:nvPr>
+          <p:nvPr/>
         </p:nvSpPr>
         <p:spPr>
           <a:xfrm rot="5400000" flipH="1">
@@ -3468,26 +3659,11 @@
       </p:sp>
       <p:sp>
         <p:nvSpPr>
-          <p:cNvPr id="28" name="Rectangle 27">
-            <a:extLst>
-              <a:ext uri="{FF2B5EF4-FFF2-40B4-BE49-F238E27FC236}">
-                <a16:creationId xmlns:a16="http://schemas.microsoft.com/office/drawing/2014/main" id="{D2548F45-5164-4ABB-8212-7F293FDED8D4}"/>
-              </a:ext>
-              <a:ext uri="{C183D7F6-B498-43B3-948B-1728B52AA6E4}">
-                <adec:decorative xmlns:adec="http://schemas.microsoft.com/office/drawing/2017/decorative" val="1"/>
-              </a:ext>
-            </a:extLst>
-          </p:cNvPr>
+          <p:cNvPr id="28" name="Rectangle 27"/>
           <p:cNvSpPr>
             <a:spLocks noGrp="1" noRot="1" noChangeAspect="1" noMove="1" noResize="1" noEditPoints="1" noAdjustHandles="1" noChangeArrowheads="1" noChangeShapeType="1" noTextEdit="1"/>
           </p:cNvSpPr>
-          <p:nvPr>
-            <p:extLst>
-              <p:ext uri="{386F3935-93C4-4BCD-93E2-E3B085C9AB24}">
-                <p16:designElem xmlns:p16="http://schemas.microsoft.com/office/powerpoint/2015/main" val="1"/>
-              </p:ext>
-            </p:extLst>
-          </p:nvPr>
+          <p:nvPr/>
         </p:nvSpPr>
         <p:spPr>
           <a:xfrm rot="16200000">
@@ -3544,20 +3720,14 @@
       </p:sp>
       <p:pic>
         <p:nvPicPr>
-          <p:cNvPr id="5" name="图片 4" descr="一群人坐在桌子前&#10;&#10;描述已自动生成">
-            <a:extLst>
-              <a:ext uri="{FF2B5EF4-FFF2-40B4-BE49-F238E27FC236}">
-                <a16:creationId xmlns:a16="http://schemas.microsoft.com/office/drawing/2014/main" id="{4204A096-9BB3-175A-6CAA-3ECCB4A7AC20}"/>
-              </a:ext>
-            </a:extLst>
-          </p:cNvPr>
+          <p:cNvPr id="5" name="图片 4" descr="一群人坐在桌子前&#10;&#10;描述已自动生成"/>
           <p:cNvPicPr>
             <a:picLocks noChangeAspect="1"/>
           </p:cNvPicPr>
           <p:nvPr/>
         </p:nvPicPr>
         <p:blipFill rotWithShape="1">
-          <a:blip r:embed="rId2">
+          <a:blip r:embed="rId1">
             <a:extLst>
               <a:ext uri="{28A0092B-C50C-407E-A947-70E740481C1C}">
                 <a14:useLocalDpi xmlns:a14="http://schemas.microsoft.com/office/drawing/2010/main" val="0"/>
@@ -3565,7 +3735,9 @@
             </a:extLst>
           </a:blip>
           <a:srcRect l="10265" r="10518"/>
-          <a:stretch/>
+          <a:stretch>
+            <a:fillRect/>
+          </a:stretch>
         </p:blipFill>
         <p:spPr>
           <a:xfrm>
@@ -3579,26 +3751,11 @@
       </p:pic>
       <p:sp>
         <p:nvSpPr>
-          <p:cNvPr id="30" name="Freeform: Shape 29">
-            <a:extLst>
-              <a:ext uri="{FF2B5EF4-FFF2-40B4-BE49-F238E27FC236}">
-                <a16:creationId xmlns:a16="http://schemas.microsoft.com/office/drawing/2014/main" id="{5E81CCFB-7BEF-4186-86FB-D09450B4D02D}"/>
-              </a:ext>
-              <a:ext uri="{C183D7F6-B498-43B3-948B-1728B52AA6E4}">
-                <adec:decorative xmlns:adec="http://schemas.microsoft.com/office/drawing/2017/decorative" val="1"/>
-              </a:ext>
-            </a:extLst>
-          </p:cNvPr>
+          <p:cNvPr id="30" name="Freeform: Shape 29"/>
           <p:cNvSpPr>
             <a:spLocks noGrp="1" noRot="1" noChangeAspect="1" noMove="1" noResize="1" noEditPoints="1" noAdjustHandles="1" noChangeArrowheads="1" noChangeShapeType="1" noTextEdit="1"/>
           </p:cNvSpPr>
-          <p:nvPr>
-            <p:extLst>
-              <p:ext uri="{386F3935-93C4-4BCD-93E2-E3B085C9AB24}">
-                <p16:designElem xmlns:p16="http://schemas.microsoft.com/office/powerpoint/2015/main" val="1"/>
-              </p:ext>
-            </p:extLst>
-          </p:nvPr>
+          <p:nvPr/>
         </p:nvSpPr>
         <p:spPr>
           <a:xfrm rot="6097846">
@@ -3752,13 +3909,7 @@
       </p:sp>
       <p:sp>
         <p:nvSpPr>
-          <p:cNvPr id="6" name="文本框 5">
-            <a:extLst>
-              <a:ext uri="{FF2B5EF4-FFF2-40B4-BE49-F238E27FC236}">
-                <a16:creationId xmlns:a16="http://schemas.microsoft.com/office/drawing/2014/main" id="{2855656F-F812-885D-7E34-BA2004A47BCB}"/>
-              </a:ext>
-            </a:extLst>
-          </p:cNvPr>
+          <p:cNvPr id="6" name="文本框 5"/>
           <p:cNvSpPr txBox="1"/>
           <p:nvPr/>
         </p:nvSpPr>
@@ -3799,6 +3950,14 @@
               </a:rPr>
               <a:t>Office </a:t>
             </a:r>
+            <a:endParaRPr lang="en-US" altLang="zh-CN" sz="4000" dirty="0">
+              <a:solidFill>
+                <a:srgbClr val="FFFFFF"/>
+              </a:solidFill>
+              <a:latin typeface="+mj-lt"/>
+              <a:ea typeface="+mj-ea"/>
+              <a:cs typeface="+mj-cs"/>
+            </a:endParaRPr>
           </a:p>
           <a:p>
             <a:pPr algn="r">
@@ -3823,15 +3982,18 @@
               </a:rPr>
               <a:t>Manager</a:t>
             </a:r>
+            <a:endParaRPr lang="en-US" altLang="zh-CN" sz="4000" dirty="0">
+              <a:solidFill>
+                <a:srgbClr val="FFFFFF"/>
+              </a:solidFill>
+              <a:latin typeface="+mj-lt"/>
+              <a:ea typeface="+mj-ea"/>
+              <a:cs typeface="+mj-cs"/>
+            </a:endParaRPr>
           </a:p>
         </p:txBody>
       </p:sp>
     </p:spTree>
-    <p:extLst>
-      <p:ext uri="{BB962C8B-B14F-4D97-AF65-F5344CB8AC3E}">
-        <p14:creationId xmlns:p14="http://schemas.microsoft.com/office/powerpoint/2010/main" val="2250594981"/>
-      </p:ext>
-    </p:extLst>
   </p:cSld>
   <p:clrMapOvr>
     <a:masterClrMapping/>
@@ -3858,13 +4020,7 @@
       </p:grpSpPr>
       <p:sp>
         <p:nvSpPr>
-          <p:cNvPr id="4" name="文本框 3">
-            <a:extLst>
-              <a:ext uri="{FF2B5EF4-FFF2-40B4-BE49-F238E27FC236}">
-                <a16:creationId xmlns:a16="http://schemas.microsoft.com/office/drawing/2014/main" id="{E3013E8E-EEC4-5F72-CC2A-67612FEF904C}"/>
-              </a:ext>
-            </a:extLst>
-          </p:cNvPr>
+          <p:cNvPr id="4" name="文本框 3"/>
           <p:cNvSpPr txBox="1"/>
           <p:nvPr/>
         </p:nvSpPr>
@@ -3894,13 +4050,7 @@
       </p:sp>
       <p:sp>
         <p:nvSpPr>
-          <p:cNvPr id="5" name="文本框 4">
-            <a:extLst>
-              <a:ext uri="{FF2B5EF4-FFF2-40B4-BE49-F238E27FC236}">
-                <a16:creationId xmlns:a16="http://schemas.microsoft.com/office/drawing/2014/main" id="{E011F136-B200-8452-3DEF-2FBA5DBD2638}"/>
-              </a:ext>
-            </a:extLst>
-          </p:cNvPr>
+          <p:cNvPr id="5" name="文本框 4"/>
           <p:cNvSpPr txBox="1"/>
           <p:nvPr/>
         </p:nvSpPr>
@@ -3930,13 +4080,7 @@
       </p:sp>
       <p:sp>
         <p:nvSpPr>
-          <p:cNvPr id="6" name="文本框 5">
-            <a:extLst>
-              <a:ext uri="{FF2B5EF4-FFF2-40B4-BE49-F238E27FC236}">
-                <a16:creationId xmlns:a16="http://schemas.microsoft.com/office/drawing/2014/main" id="{D9DB3294-7391-7FC3-E706-52800C3ACBE4}"/>
-              </a:ext>
-            </a:extLst>
-          </p:cNvPr>
+          <p:cNvPr id="6" name="文本框 5"/>
           <p:cNvSpPr txBox="1"/>
           <p:nvPr/>
         </p:nvSpPr>
@@ -3966,13 +4110,7 @@
       </p:sp>
       <p:cxnSp>
         <p:nvCxnSpPr>
-          <p:cNvPr id="8" name="直接箭头连接符 7">
-            <a:extLst>
-              <a:ext uri="{FF2B5EF4-FFF2-40B4-BE49-F238E27FC236}">
-                <a16:creationId xmlns:a16="http://schemas.microsoft.com/office/drawing/2014/main" id="{11E474AE-29E1-62ED-44BF-5DCF49F5CEDA}"/>
-              </a:ext>
-            </a:extLst>
-          </p:cNvPr>
+          <p:cNvPr id="8" name="直接箭头连接符 7"/>
           <p:cNvCxnSpPr>
             <a:stCxn id="4" idx="2"/>
             <a:endCxn id="5" idx="0"/>
@@ -4008,13 +4146,7 @@
       </p:cxnSp>
       <p:cxnSp>
         <p:nvCxnSpPr>
-          <p:cNvPr id="10" name="直接箭头连接符 9">
-            <a:extLst>
-              <a:ext uri="{FF2B5EF4-FFF2-40B4-BE49-F238E27FC236}">
-                <a16:creationId xmlns:a16="http://schemas.microsoft.com/office/drawing/2014/main" id="{DA333854-5D98-C64B-C06E-00FBDDECF6EF}"/>
-              </a:ext>
-            </a:extLst>
-          </p:cNvPr>
+          <p:cNvPr id="10" name="直接箭头连接符 9"/>
           <p:cNvCxnSpPr>
             <a:stCxn id="4" idx="2"/>
             <a:endCxn id="6" idx="0"/>
@@ -4050,13 +4182,7 @@
       </p:cxnSp>
       <p:sp>
         <p:nvSpPr>
-          <p:cNvPr id="11" name="文本框 10">
-            <a:extLst>
-              <a:ext uri="{FF2B5EF4-FFF2-40B4-BE49-F238E27FC236}">
-                <a16:creationId xmlns:a16="http://schemas.microsoft.com/office/drawing/2014/main" id="{0FD0EEA0-42D4-4465-5072-67FF3574CCC8}"/>
-              </a:ext>
-            </a:extLst>
-          </p:cNvPr>
+          <p:cNvPr id="11" name="文本框 10"/>
           <p:cNvSpPr txBox="1"/>
           <p:nvPr/>
         </p:nvSpPr>
@@ -4086,13 +4212,7 @@
       </p:sp>
       <p:cxnSp>
         <p:nvCxnSpPr>
-          <p:cNvPr id="13" name="直接箭头连接符 12">
-            <a:extLst>
-              <a:ext uri="{FF2B5EF4-FFF2-40B4-BE49-F238E27FC236}">
-                <a16:creationId xmlns:a16="http://schemas.microsoft.com/office/drawing/2014/main" id="{521F42A2-F5DD-B00B-6112-F48DC82D632E}"/>
-              </a:ext>
-            </a:extLst>
-          </p:cNvPr>
+          <p:cNvPr id="13" name="直接箭头连接符 12"/>
           <p:cNvCxnSpPr>
             <a:stCxn id="5" idx="2"/>
             <a:endCxn id="11" idx="0"/>
@@ -4128,13 +4248,7 @@
       </p:cxnSp>
       <p:sp>
         <p:nvSpPr>
-          <p:cNvPr id="14" name="文本框 13">
-            <a:extLst>
-              <a:ext uri="{FF2B5EF4-FFF2-40B4-BE49-F238E27FC236}">
-                <a16:creationId xmlns:a16="http://schemas.microsoft.com/office/drawing/2014/main" id="{902F01AC-2368-BD4A-7948-E64E0E40C880}"/>
-              </a:ext>
-            </a:extLst>
-          </p:cNvPr>
+          <p:cNvPr id="14" name="文本框 13"/>
           <p:cNvSpPr txBox="1"/>
           <p:nvPr/>
         </p:nvSpPr>
@@ -4164,13 +4278,7 @@
       </p:sp>
       <p:cxnSp>
         <p:nvCxnSpPr>
-          <p:cNvPr id="15" name="直接箭头连接符 14">
-            <a:extLst>
-              <a:ext uri="{FF2B5EF4-FFF2-40B4-BE49-F238E27FC236}">
-                <a16:creationId xmlns:a16="http://schemas.microsoft.com/office/drawing/2014/main" id="{41AF57ED-042C-D77E-063B-96A15CE077CA}"/>
-              </a:ext>
-            </a:extLst>
-          </p:cNvPr>
+          <p:cNvPr id="15" name="直接箭头连接符 14"/>
           <p:cNvCxnSpPr>
             <a:endCxn id="14" idx="0"/>
           </p:cNvCxnSpPr>
@@ -4205,13 +4313,7 @@
       </p:cxnSp>
       <p:sp>
         <p:nvSpPr>
-          <p:cNvPr id="16" name="文本框 15">
-            <a:extLst>
-              <a:ext uri="{FF2B5EF4-FFF2-40B4-BE49-F238E27FC236}">
-                <a16:creationId xmlns:a16="http://schemas.microsoft.com/office/drawing/2014/main" id="{8F35F04E-7DD9-15DD-E74A-E93D88362C0A}"/>
-              </a:ext>
-            </a:extLst>
-          </p:cNvPr>
+          <p:cNvPr id="16" name="文本框 15"/>
           <p:cNvSpPr txBox="1"/>
           <p:nvPr/>
         </p:nvSpPr>
@@ -4241,13 +4343,7 @@
       </p:sp>
       <p:sp>
         <p:nvSpPr>
-          <p:cNvPr id="17" name="文本框 16">
-            <a:extLst>
-              <a:ext uri="{FF2B5EF4-FFF2-40B4-BE49-F238E27FC236}">
-                <a16:creationId xmlns:a16="http://schemas.microsoft.com/office/drawing/2014/main" id="{A262AF2D-E38A-A71A-24F2-0234CFC7F3EC}"/>
-              </a:ext>
-            </a:extLst>
-          </p:cNvPr>
+          <p:cNvPr id="17" name="文本框 16"/>
           <p:cNvSpPr txBox="1"/>
           <p:nvPr/>
         </p:nvSpPr>
@@ -4277,13 +4373,7 @@
       </p:sp>
       <p:sp>
         <p:nvSpPr>
-          <p:cNvPr id="18" name="文本框 17">
-            <a:extLst>
-              <a:ext uri="{FF2B5EF4-FFF2-40B4-BE49-F238E27FC236}">
-                <a16:creationId xmlns:a16="http://schemas.microsoft.com/office/drawing/2014/main" id="{6159149E-F68C-1897-52B1-CB668D8CDBE7}"/>
-              </a:ext>
-            </a:extLst>
-          </p:cNvPr>
+          <p:cNvPr id="18" name="文本框 17"/>
           <p:cNvSpPr txBox="1"/>
           <p:nvPr/>
         </p:nvSpPr>
@@ -4313,13 +4403,7 @@
       </p:sp>
       <p:sp>
         <p:nvSpPr>
-          <p:cNvPr id="19" name="文本框 18">
-            <a:extLst>
-              <a:ext uri="{FF2B5EF4-FFF2-40B4-BE49-F238E27FC236}">
-                <a16:creationId xmlns:a16="http://schemas.microsoft.com/office/drawing/2014/main" id="{54DC5DA7-11B9-0CAB-BFE8-67EA5A044CF8}"/>
-              </a:ext>
-            </a:extLst>
-          </p:cNvPr>
+          <p:cNvPr id="19" name="文本框 18"/>
           <p:cNvSpPr txBox="1"/>
           <p:nvPr/>
         </p:nvSpPr>
@@ -4343,6 +4427,7 @@
               <a:rPr lang="en-US" altLang="zh-CN" dirty="0"/>
               <a:t>Third Party Libraries: Google Drive</a:t>
             </a:r>
+            <a:endParaRPr lang="en-US" altLang="zh-CN" dirty="0"/>
           </a:p>
           <a:p>
             <a:r>
@@ -4356,12 +4441,14 @@
               <a:rPr lang="en-US" altLang="zh-CN" dirty="0"/>
               <a:t>Challenge point: </a:t>
             </a:r>
+            <a:endParaRPr lang="en-US" altLang="zh-CN" dirty="0"/>
           </a:p>
           <a:p>
             <a:r>
               <a:rPr lang="en-US" altLang="zh-CN" dirty="0"/>
               <a:t>1. Message </a:t>
             </a:r>
+            <a:endParaRPr lang="en-US" altLang="zh-CN" dirty="0"/>
           </a:p>
           <a:p>
             <a:r>
@@ -4374,13 +4461,7 @@
       </p:sp>
       <p:sp>
         <p:nvSpPr>
-          <p:cNvPr id="20" name="文本框 19">
-            <a:extLst>
-              <a:ext uri="{FF2B5EF4-FFF2-40B4-BE49-F238E27FC236}">
-                <a16:creationId xmlns:a16="http://schemas.microsoft.com/office/drawing/2014/main" id="{524770AA-B485-2E08-CD41-FACE0B678AA7}"/>
-              </a:ext>
-            </a:extLst>
-          </p:cNvPr>
+          <p:cNvPr id="20" name="文本框 19"/>
           <p:cNvSpPr txBox="1"/>
           <p:nvPr/>
         </p:nvSpPr>
@@ -4410,13 +4491,7 @@
       </p:sp>
       <p:sp>
         <p:nvSpPr>
-          <p:cNvPr id="22" name="文本框 21">
-            <a:extLst>
-              <a:ext uri="{FF2B5EF4-FFF2-40B4-BE49-F238E27FC236}">
-                <a16:creationId xmlns:a16="http://schemas.microsoft.com/office/drawing/2014/main" id="{FABA458C-BA5C-6C38-10A7-AD789D3C87AB}"/>
-              </a:ext>
-            </a:extLst>
-          </p:cNvPr>
+          <p:cNvPr id="22" name="文本框 21"/>
           <p:cNvSpPr txBox="1"/>
           <p:nvPr/>
         </p:nvSpPr>
@@ -4440,6 +4515,7 @@
               <a:rPr lang="en-US" altLang="zh-CN" dirty="0"/>
               <a:t>Important Document</a:t>
             </a:r>
+            <a:endParaRPr lang="en-US" altLang="zh-CN" dirty="0"/>
           </a:p>
           <a:p>
             <a:r>
@@ -4452,13 +4528,7 @@
       </p:sp>
       <p:sp>
         <p:nvSpPr>
-          <p:cNvPr id="23" name="文本框 22">
-            <a:extLst>
-              <a:ext uri="{FF2B5EF4-FFF2-40B4-BE49-F238E27FC236}">
-                <a16:creationId xmlns:a16="http://schemas.microsoft.com/office/drawing/2014/main" id="{01A0F046-5BAE-01ED-CD0C-31ABE654C4ED}"/>
-              </a:ext>
-            </a:extLst>
-          </p:cNvPr>
+          <p:cNvPr id="23" name="文本框 22"/>
           <p:cNvSpPr txBox="1"/>
           <p:nvPr/>
         </p:nvSpPr>
@@ -4487,16 +4557,1800 @@
         </p:txBody>
       </p:sp>
     </p:spTree>
-    <p:extLst>
-      <p:ext uri="{BB962C8B-B14F-4D97-AF65-F5344CB8AC3E}">
-        <p14:creationId xmlns:p14="http://schemas.microsoft.com/office/powerpoint/2010/main" val="841461705"/>
-      </p:ext>
-    </p:extLst>
   </p:cSld>
   <p:clrMapOvr>
     <a:masterClrMapping/>
   </p:clrMapOvr>
 </p:sld>
+</file>
+
+<file path=ppt/slides/slide3.xml><?xml version="1.0" encoding="utf-8"?>
+<p:sld xmlns:a="http://schemas.openxmlformats.org/drawingml/2006/main" xmlns:r="http://schemas.openxmlformats.org/officeDocument/2006/relationships" xmlns:p="http://schemas.openxmlformats.org/presentationml/2006/main">
+  <p:cSld>
+    <p:spTree>
+      <p:nvGrpSpPr>
+        <p:cNvPr id="1" name=""/>
+        <p:cNvGrpSpPr/>
+        <p:nvPr/>
+      </p:nvGrpSpPr>
+      <p:grpSpPr/>
+      <p:pic>
+        <p:nvPicPr>
+          <p:cNvPr id="101" name="图片 100"/>
+          <p:cNvPicPr/>
+          <p:nvPr/>
+        </p:nvPicPr>
+        <p:blipFill>
+          <a:blip r:embed="rId1"/>
+          <a:stretch>
+            <a:fillRect/>
+          </a:stretch>
+        </p:blipFill>
+        <p:spPr>
+          <a:xfrm>
+            <a:off x="-635" y="0"/>
+            <a:ext cx="12192635" cy="6858000"/>
+          </a:xfrm>
+          <a:prstGeom prst="rect">
+            <a:avLst/>
+          </a:prstGeom>
+          <a:noFill/>
+          <a:ln w="9525">
+            <a:noFill/>
+          </a:ln>
+        </p:spPr>
+      </p:pic>
+      <p:pic>
+        <p:nvPicPr>
+          <p:cNvPr id="100" name="图片 99"/>
+          <p:cNvPicPr/>
+          <p:nvPr/>
+        </p:nvPicPr>
+        <p:blipFill>
+          <a:blip r:embed="rId2"/>
+          <a:srcRect l="19477" t="14176" r="19153" b="10444"/>
+          <a:stretch>
+            <a:fillRect/>
+          </a:stretch>
+        </p:blipFill>
+        <p:spPr>
+          <a:xfrm>
+            <a:off x="7446645" y="549275"/>
+            <a:ext cx="3352165" cy="5758815"/>
+          </a:xfrm>
+          <a:prstGeom prst="rect">
+            <a:avLst/>
+          </a:prstGeom>
+          <a:noFill/>
+          <a:ln w="9525">
+            <a:noFill/>
+          </a:ln>
+        </p:spPr>
+      </p:pic>
+      <p:sp>
+        <p:nvSpPr>
+          <p:cNvPr id="4" name="文本框 3"/>
+          <p:cNvSpPr txBox="1"/>
+          <p:nvPr/>
+        </p:nvSpPr>
+        <p:spPr>
+          <a:xfrm>
+            <a:off x="524510" y="478790"/>
+            <a:ext cx="5144135" cy="3507740"/>
+          </a:xfrm>
+          <a:prstGeom prst="rect">
+            <a:avLst/>
+          </a:prstGeom>
+          <a:noFill/>
+        </p:spPr>
+        <p:txBody>
+          <a:bodyPr wrap="square" rtlCol="0">
+            <a:noAutofit/>
+            <a:scene3d>
+              <a:camera prst="orthographicFront"/>
+              <a:lightRig rig="threePt" dir="t"/>
+            </a:scene3d>
+          </a:bodyPr>
+          <a:p>
+            <a:r>
+              <a:rPr lang="en-US" altLang="zh-CN" sz="4800" b="1">
+                <a:ln/>
+                <a:gradFill>
+                  <a:gsLst>
+                    <a:gs pos="0">
+                      <a:schemeClr val="accent5">
+                        <a:lumMod val="50000"/>
+                      </a:schemeClr>
+                    </a:gs>
+                    <a:gs pos="50000">
+                      <a:schemeClr val="accent5"/>
+                    </a:gs>
+                    <a:gs pos="100000">
+                      <a:schemeClr val="accent5">
+                        <a:lumMod val="60000"/>
+                        <a:lumOff val="40000"/>
+                      </a:schemeClr>
+                    </a:gs>
+                  </a:gsLst>
+                  <a:lin ang="5400000"/>
+                </a:gradFill>
+                <a:effectLst>
+                  <a:reflection blurRad="6350" stA="53000" endA="300" endPos="35500" dir="5400000" sy="-90000" algn="bl" rotWithShape="0"/>
+                </a:effectLst>
+              </a:rPr>
+              <a:t>MiniSpotify</a:t>
+            </a:r>
+            <a:endParaRPr lang="en-US" altLang="zh-CN" sz="4800" b="1">
+              <a:ln/>
+              <a:gradFill>
+                <a:gsLst>
+                  <a:gs pos="0">
+                    <a:schemeClr val="accent5">
+                      <a:lumMod val="50000"/>
+                    </a:schemeClr>
+                  </a:gs>
+                  <a:gs pos="50000">
+                    <a:schemeClr val="accent5"/>
+                  </a:gs>
+                  <a:gs pos="100000">
+                    <a:schemeClr val="accent5">
+                      <a:lumMod val="60000"/>
+                      <a:lumOff val="40000"/>
+                    </a:schemeClr>
+                  </a:gs>
+                </a:gsLst>
+                <a:lin ang="5400000"/>
+              </a:gradFill>
+              <a:effectLst>
+                <a:reflection blurRad="6350" stA="53000" endA="300" endPos="35500" dir="5400000" sy="-90000" algn="bl" rotWithShape="0"/>
+              </a:effectLst>
+            </a:endParaRPr>
+          </a:p>
+        </p:txBody>
+      </p:sp>
+    </p:spTree>
+  </p:cSld>
+  <p:clrMapOvr>
+    <a:masterClrMapping/>
+  </p:clrMapOvr>
+</p:sld>
+</file>
+
+<file path=ppt/slides/slide4.xml><?xml version="1.0" encoding="utf-8"?>
+<p:sld xmlns:a="http://schemas.openxmlformats.org/drawingml/2006/main" xmlns:r="http://schemas.openxmlformats.org/officeDocument/2006/relationships" xmlns:p="http://schemas.openxmlformats.org/presentationml/2006/main">
+  <p:cSld>
+    <p:spTree>
+      <p:nvGrpSpPr>
+        <p:cNvPr id="1" name=""/>
+        <p:cNvGrpSpPr/>
+        <p:nvPr/>
+      </p:nvGrpSpPr>
+      <p:grpSpPr/>
+      <p:pic>
+        <p:nvPicPr>
+          <p:cNvPr id="101" name="图片 100"/>
+          <p:cNvPicPr/>
+          <p:nvPr>
+            <p:custDataLst>
+              <p:tags r:id="rId1"/>
+            </p:custDataLst>
+          </p:nvPr>
+        </p:nvPicPr>
+        <p:blipFill>
+          <a:blip r:embed="rId2"/>
+          <a:stretch>
+            <a:fillRect/>
+          </a:stretch>
+        </p:blipFill>
+        <p:spPr>
+          <a:xfrm>
+            <a:off x="-635" y="0"/>
+            <a:ext cx="12192635" cy="6858000"/>
+          </a:xfrm>
+          <a:prstGeom prst="rect">
+            <a:avLst/>
+          </a:prstGeom>
+          <a:noFill/>
+          <a:ln w="9525">
+            <a:noFill/>
+          </a:ln>
+        </p:spPr>
+      </p:pic>
+      <p:sp>
+        <p:nvSpPr>
+          <p:cNvPr id="3" name="内容占位符 2"/>
+          <p:cNvSpPr>
+            <a:spLocks noGrp="1"/>
+          </p:cNvSpPr>
+          <p:nvPr>
+            <p:ph idx="1"/>
+          </p:nvPr>
+        </p:nvSpPr>
+        <p:spPr>
+          <a:xfrm>
+            <a:off x="110490" y="182880"/>
+            <a:ext cx="11250930" cy="6465570"/>
+          </a:xfrm>
+        </p:spPr>
+        <p:txBody>
+          <a:bodyPr>
+            <a:noAutofit/>
+          </a:bodyPr>
+          <a:p>
+            <a:pPr marL="0" indent="0">
+              <a:buNone/>
+            </a:pPr>
+            <a:r>
+              <a:rPr lang="zh-CN" altLang="en-US" sz="1900"/>
+              <a:t> </a:t>
+            </a:r>
+            <a:endParaRPr lang="zh-CN" altLang="en-US" sz="1900"/>
+          </a:p>
+          <a:p>
+            <a:pPr marL="0" indent="0">
+              <a:buNone/>
+            </a:pPr>
+            <a:endParaRPr lang="zh-CN" altLang="en-US" sz="1900" b="1"/>
+          </a:p>
+          <a:p>
+            <a:pPr marL="0" indent="0">
+              <a:buNone/>
+            </a:pPr>
+            <a:r>
+              <a:rPr lang="zh-CN" altLang="en-US" sz="1900" b="1">
+                <a:ln w="10160">
+                  <a:solidFill>
+                    <a:schemeClr val="accent5"/>
+                  </a:solidFill>
+                  <a:prstDash val="solid"/>
+                </a:ln>
+                <a:solidFill>
+                  <a:schemeClr val="bg1"/>
+                </a:solidFill>
+                <a:effectLst>
+                  <a:outerShdw blurRad="38100" dist="22860" dir="5400000" algn="tl" rotWithShape="0">
+                    <a:srgbClr val="000000">
+                      <a:alpha val="30000"/>
+                    </a:srgbClr>
+                  </a:outerShdw>
+                </a:effectLst>
+              </a:rPr>
+              <a:t>Description:</a:t>
+            </a:r>
+            <a:r>
+              <a:rPr lang="en-US" altLang="zh-CN" sz="1900">
+                <a:ln w="10160">
+                  <a:solidFill>
+                    <a:schemeClr val="accent5"/>
+                  </a:solidFill>
+                  <a:prstDash val="solid"/>
+                </a:ln>
+                <a:solidFill>
+                  <a:schemeClr val="bg1"/>
+                </a:solidFill>
+                <a:effectLst>
+                  <a:outerShdw blurRad="38100" dist="22860" dir="5400000" algn="tl" rotWithShape="0">
+                    <a:srgbClr val="000000">
+                      <a:alpha val="30000"/>
+                    </a:srgbClr>
+                  </a:outerShdw>
+                </a:effectLst>
+              </a:rPr>
+              <a:t> </a:t>
+            </a:r>
+            <a:r>
+              <a:rPr lang="zh-CN" altLang="en-US" sz="1900">
+                <a:ln w="10160">
+                  <a:solidFill>
+                    <a:schemeClr val="accent5"/>
+                  </a:solidFill>
+                  <a:prstDash val="solid"/>
+                </a:ln>
+                <a:solidFill>
+                  <a:schemeClr val="bg1"/>
+                </a:solidFill>
+                <a:effectLst>
+                  <a:outerShdw blurRad="38100" dist="22860" dir="5400000" algn="tl" rotWithShape="0">
+                    <a:srgbClr val="000000">
+                      <a:alpha val="30000"/>
+                    </a:srgbClr>
+                  </a:outerShdw>
+                </a:effectLst>
+              </a:rPr>
+              <a:t>The music player app allows users to play, pause, skip, and rewind songs stored on their device. It provides an intuitive interface to browse, create playlists, and adjust settings like volume and equalizer.</a:t>
+            </a:r>
+            <a:endParaRPr lang="zh-CN" altLang="en-US" sz="1900">
+              <a:ln w="10160">
+                <a:solidFill>
+                  <a:schemeClr val="accent5"/>
+                </a:solidFill>
+                <a:prstDash val="solid"/>
+              </a:ln>
+              <a:solidFill>
+                <a:schemeClr val="bg1"/>
+              </a:solidFill>
+              <a:effectLst>
+                <a:outerShdw blurRad="38100" dist="22860" dir="5400000" algn="tl" rotWithShape="0">
+                  <a:srgbClr val="000000">
+                    <a:alpha val="30000"/>
+                  </a:srgbClr>
+                </a:outerShdw>
+              </a:effectLst>
+            </a:endParaRPr>
+          </a:p>
+          <a:p>
+            <a:pPr marL="0" indent="0">
+              <a:buNone/>
+            </a:pPr>
+            <a:r>
+              <a:rPr lang="zh-CN" altLang="en-US" sz="1900" b="1">
+                <a:ln w="10160">
+                  <a:solidFill>
+                    <a:schemeClr val="accent5"/>
+                  </a:solidFill>
+                  <a:prstDash val="solid"/>
+                </a:ln>
+                <a:solidFill>
+                  <a:schemeClr val="bg1"/>
+                </a:solidFill>
+                <a:effectLst>
+                  <a:outerShdw blurRad="38100" dist="22860" dir="5400000" algn="tl" rotWithShape="0">
+                    <a:srgbClr val="000000">
+                      <a:alpha val="30000"/>
+                    </a:srgbClr>
+                  </a:outerShdw>
+                </a:effectLst>
+              </a:rPr>
+              <a:t>Third-party Libraries:</a:t>
+            </a:r>
+            <a:r>
+              <a:rPr lang="en-US" altLang="zh-CN" sz="1900" b="1">
+                <a:ln w="10160">
+                  <a:solidFill>
+                    <a:schemeClr val="accent5"/>
+                  </a:solidFill>
+                  <a:prstDash val="solid"/>
+                </a:ln>
+                <a:solidFill>
+                  <a:schemeClr val="bg1"/>
+                </a:solidFill>
+                <a:effectLst>
+                  <a:outerShdw blurRad="38100" dist="22860" dir="5400000" algn="tl" rotWithShape="0">
+                    <a:srgbClr val="000000">
+                      <a:alpha val="30000"/>
+                    </a:srgbClr>
+                  </a:outerShdw>
+                </a:effectLst>
+              </a:rPr>
+              <a:t> </a:t>
+            </a:r>
+            <a:r>
+              <a:rPr lang="zh-CN" altLang="en-US" sz="1900">
+                <a:ln w="10160">
+                  <a:solidFill>
+                    <a:schemeClr val="accent5"/>
+                  </a:solidFill>
+                  <a:prstDash val="solid"/>
+                </a:ln>
+                <a:solidFill>
+                  <a:schemeClr val="bg1"/>
+                </a:solidFill>
+                <a:effectLst>
+                  <a:outerShdw blurRad="38100" dist="22860" dir="5400000" algn="tl" rotWithShape="0">
+                    <a:srgbClr val="000000">
+                      <a:alpha val="30000"/>
+                    </a:srgbClr>
+                  </a:outerShdw>
+                </a:effectLst>
+              </a:rPr>
+              <a:t>ExoPlayer</a:t>
+            </a:r>
+            <a:r>
+              <a:rPr lang="en-US" altLang="zh-CN" sz="1900">
+                <a:ln w="10160">
+                  <a:solidFill>
+                    <a:schemeClr val="accent5"/>
+                  </a:solidFill>
+                  <a:prstDash val="solid"/>
+                </a:ln>
+                <a:solidFill>
+                  <a:schemeClr val="bg1"/>
+                </a:solidFill>
+                <a:effectLst>
+                  <a:outerShdw blurRad="38100" dist="22860" dir="5400000" algn="tl" rotWithShape="0">
+                    <a:srgbClr val="000000">
+                      <a:alpha val="30000"/>
+                    </a:srgbClr>
+                  </a:outerShdw>
+                </a:effectLst>
+              </a:rPr>
+              <a:t>, </a:t>
+            </a:r>
+            <a:r>
+              <a:rPr lang="zh-CN" altLang="en-US" sz="1900">
+                <a:ln w="10160">
+                  <a:solidFill>
+                    <a:schemeClr val="accent5"/>
+                  </a:solidFill>
+                  <a:prstDash val="solid"/>
+                </a:ln>
+                <a:solidFill>
+                  <a:schemeClr val="bg1"/>
+                </a:solidFill>
+                <a:effectLst>
+                  <a:outerShdw blurRad="38100" dist="22860" dir="5400000" algn="tl" rotWithShape="0">
+                    <a:srgbClr val="000000">
+                      <a:alpha val="30000"/>
+                    </a:srgbClr>
+                  </a:outerShdw>
+                </a:effectLst>
+              </a:rPr>
+              <a:t>Glide</a:t>
+            </a:r>
+            <a:endParaRPr lang="zh-CN" altLang="en-US" sz="1900">
+              <a:ln w="10160">
+                <a:solidFill>
+                  <a:schemeClr val="accent5"/>
+                </a:solidFill>
+                <a:prstDash val="solid"/>
+              </a:ln>
+              <a:solidFill>
+                <a:schemeClr val="bg1"/>
+              </a:solidFill>
+              <a:effectLst>
+                <a:outerShdw blurRad="38100" dist="22860" dir="5400000" algn="tl" rotWithShape="0">
+                  <a:srgbClr val="000000">
+                    <a:alpha val="30000"/>
+                  </a:srgbClr>
+                </a:outerShdw>
+              </a:effectLst>
+            </a:endParaRPr>
+          </a:p>
+          <a:p>
+            <a:pPr marL="0" indent="0">
+              <a:buNone/>
+            </a:pPr>
+            <a:r>
+              <a:rPr lang="zh-CN" altLang="en-US" sz="1900" b="1">
+                <a:ln w="10160">
+                  <a:solidFill>
+                    <a:schemeClr val="accent5"/>
+                  </a:solidFill>
+                  <a:prstDash val="solid"/>
+                </a:ln>
+                <a:solidFill>
+                  <a:schemeClr val="bg1"/>
+                </a:solidFill>
+                <a:effectLst>
+                  <a:outerShdw blurRad="38100" dist="22860" dir="5400000" algn="tl" rotWithShape="0">
+                    <a:srgbClr val="000000">
+                      <a:alpha val="30000"/>
+                    </a:srgbClr>
+                  </a:outerShdw>
+                </a:effectLst>
+              </a:rPr>
+              <a:t>Mobility Attributes:</a:t>
+            </a:r>
+            <a:endParaRPr lang="zh-CN" altLang="en-US" sz="1900">
+              <a:ln w="10160">
+                <a:solidFill>
+                  <a:schemeClr val="accent5"/>
+                </a:solidFill>
+                <a:prstDash val="solid"/>
+              </a:ln>
+              <a:solidFill>
+                <a:schemeClr val="bg1"/>
+              </a:solidFill>
+              <a:effectLst>
+                <a:outerShdw blurRad="38100" dist="22860" dir="5400000" algn="tl" rotWithShape="0">
+                  <a:srgbClr val="000000">
+                    <a:alpha val="30000"/>
+                  </a:srgbClr>
+                </a:outerShdw>
+              </a:effectLst>
+            </a:endParaRPr>
+          </a:p>
+          <a:p>
+            <a:pPr marL="0" indent="0">
+              <a:buNone/>
+            </a:pPr>
+            <a:r>
+              <a:rPr lang="zh-CN" altLang="en-US" sz="1900">
+                <a:ln w="10160">
+                  <a:solidFill>
+                    <a:schemeClr val="accent5"/>
+                  </a:solidFill>
+                  <a:prstDash val="solid"/>
+                </a:ln>
+                <a:solidFill>
+                  <a:schemeClr val="bg1"/>
+                </a:solidFill>
+                <a:effectLst>
+                  <a:outerShdw blurRad="38100" dist="22860" dir="5400000" algn="tl" rotWithShape="0">
+                    <a:srgbClr val="000000">
+                      <a:alpha val="30000"/>
+                    </a:srgbClr>
+                  </a:outerShdw>
+                </a:effectLst>
+              </a:rPr>
+              <a:t>Sensors: Use accelerometer for gestures like shaking the phone to shuffle songs.</a:t>
+            </a:r>
+            <a:endParaRPr lang="zh-CN" altLang="en-US" sz="1900">
+              <a:ln w="10160">
+                <a:solidFill>
+                  <a:schemeClr val="accent5"/>
+                </a:solidFill>
+                <a:prstDash val="solid"/>
+              </a:ln>
+              <a:solidFill>
+                <a:schemeClr val="bg1"/>
+              </a:solidFill>
+              <a:effectLst>
+                <a:outerShdw blurRad="38100" dist="22860" dir="5400000" algn="tl" rotWithShape="0">
+                  <a:srgbClr val="000000">
+                    <a:alpha val="30000"/>
+                  </a:srgbClr>
+                </a:outerShdw>
+              </a:effectLst>
+            </a:endParaRPr>
+          </a:p>
+          <a:p>
+            <a:pPr marL="0" indent="0">
+              <a:buNone/>
+            </a:pPr>
+            <a:r>
+              <a:rPr lang="zh-CN" altLang="en-US" sz="1900">
+                <a:ln w="10160">
+                  <a:solidFill>
+                    <a:schemeClr val="accent5"/>
+                  </a:solidFill>
+                  <a:prstDash val="solid"/>
+                </a:ln>
+                <a:solidFill>
+                  <a:schemeClr val="bg1"/>
+                </a:solidFill>
+                <a:effectLst>
+                  <a:outerShdw blurRad="38100" dist="22860" dir="5400000" algn="tl" rotWithShape="0">
+                    <a:srgbClr val="000000">
+                      <a:alpha val="30000"/>
+                    </a:srgbClr>
+                  </a:outerShdw>
+                </a:effectLst>
+              </a:rPr>
+              <a:t>Personalization: Remember user's favorite tracks, most-played songs, and preferred settings.</a:t>
+            </a:r>
+            <a:endParaRPr lang="zh-CN" altLang="en-US" sz="1900">
+              <a:ln w="10160">
+                <a:solidFill>
+                  <a:schemeClr val="accent5"/>
+                </a:solidFill>
+                <a:prstDash val="solid"/>
+              </a:ln>
+              <a:solidFill>
+                <a:schemeClr val="bg1"/>
+              </a:solidFill>
+              <a:effectLst>
+                <a:outerShdw blurRad="38100" dist="22860" dir="5400000" algn="tl" rotWithShape="0">
+                  <a:srgbClr val="000000">
+                    <a:alpha val="30000"/>
+                  </a:srgbClr>
+                </a:outerShdw>
+              </a:effectLst>
+            </a:endParaRPr>
+          </a:p>
+          <a:p>
+            <a:pPr marL="0" indent="0">
+              <a:buNone/>
+            </a:pPr>
+            <a:r>
+              <a:rPr lang="zh-CN" altLang="en-US" sz="1900" b="1">
+                <a:ln w="10160">
+                  <a:solidFill>
+                    <a:schemeClr val="accent5"/>
+                  </a:solidFill>
+                  <a:prstDash val="solid"/>
+                </a:ln>
+                <a:solidFill>
+                  <a:schemeClr val="bg1"/>
+                </a:solidFill>
+                <a:effectLst>
+                  <a:outerShdw blurRad="38100" dist="22860" dir="5400000" algn="tl" rotWithShape="0">
+                    <a:srgbClr val="000000">
+                      <a:alpha val="30000"/>
+                    </a:srgbClr>
+                  </a:outerShdw>
+                </a:effectLst>
+              </a:rPr>
+              <a:t>Why Mobile?:</a:t>
+            </a:r>
+            <a:r>
+              <a:rPr lang="zh-CN" altLang="en-US" sz="1900">
+                <a:ln w="10160">
+                  <a:solidFill>
+                    <a:schemeClr val="accent5"/>
+                  </a:solidFill>
+                  <a:prstDash val="solid"/>
+                </a:ln>
+                <a:solidFill>
+                  <a:schemeClr val="bg1"/>
+                </a:solidFill>
+                <a:effectLst>
+                  <a:outerShdw blurRad="38100" dist="22860" dir="5400000" algn="tl" rotWithShape="0">
+                    <a:srgbClr val="000000">
+                      <a:alpha val="30000"/>
+                    </a:srgbClr>
+                  </a:outerShdw>
+                </a:effectLst>
+              </a:rPr>
+              <a:t> Mobility allows users to have their music collection on-the-go, listening anywhere, anytime without needing an internet connection.</a:t>
+            </a:r>
+            <a:endParaRPr lang="zh-CN" altLang="en-US" sz="1900">
+              <a:ln w="10160">
+                <a:solidFill>
+                  <a:schemeClr val="accent5"/>
+                </a:solidFill>
+                <a:prstDash val="solid"/>
+              </a:ln>
+              <a:solidFill>
+                <a:schemeClr val="bg1"/>
+              </a:solidFill>
+              <a:effectLst>
+                <a:outerShdw blurRad="38100" dist="22860" dir="5400000" algn="tl" rotWithShape="0">
+                  <a:srgbClr val="000000">
+                    <a:alpha val="30000"/>
+                  </a:srgbClr>
+                </a:outerShdw>
+              </a:effectLst>
+            </a:endParaRPr>
+          </a:p>
+          <a:p>
+            <a:pPr marL="0" indent="0">
+              <a:buNone/>
+            </a:pPr>
+            <a:endParaRPr lang="zh-CN" altLang="en-US" sz="1900">
+              <a:ln w="10160">
+                <a:solidFill>
+                  <a:schemeClr val="accent5"/>
+                </a:solidFill>
+                <a:prstDash val="solid"/>
+              </a:ln>
+              <a:solidFill>
+                <a:schemeClr val="bg1"/>
+              </a:solidFill>
+              <a:effectLst>
+                <a:outerShdw blurRad="38100" dist="22860" dir="5400000" algn="tl" rotWithShape="0">
+                  <a:srgbClr val="000000">
+                    <a:alpha val="30000"/>
+                  </a:srgbClr>
+                </a:outerShdw>
+              </a:effectLst>
+            </a:endParaRPr>
+          </a:p>
+          <a:p>
+            <a:pPr marL="0" indent="0">
+              <a:buNone/>
+            </a:pPr>
+            <a:r>
+              <a:rPr lang="zh-CN" altLang="en-US" sz="1900" b="1">
+                <a:ln w="10160">
+                  <a:solidFill>
+                    <a:schemeClr val="accent5"/>
+                  </a:solidFill>
+                  <a:prstDash val="solid"/>
+                </a:ln>
+                <a:solidFill>
+                  <a:schemeClr val="bg1"/>
+                </a:solidFill>
+                <a:effectLst>
+                  <a:outerShdw blurRad="38100" dist="22860" dir="5400000" algn="tl" rotWithShape="0">
+                    <a:srgbClr val="000000">
+                      <a:alpha val="30000"/>
+                    </a:srgbClr>
+                  </a:outerShdw>
+                </a:effectLst>
+              </a:rPr>
+              <a:t>Pinch Points:</a:t>
+            </a:r>
+            <a:endParaRPr lang="zh-CN" altLang="en-US" sz="1900">
+              <a:ln w="10160">
+                <a:solidFill>
+                  <a:schemeClr val="accent5"/>
+                </a:solidFill>
+                <a:prstDash val="solid"/>
+              </a:ln>
+              <a:solidFill>
+                <a:schemeClr val="bg1"/>
+              </a:solidFill>
+              <a:effectLst>
+                <a:outerShdw blurRad="38100" dist="22860" dir="5400000" algn="tl" rotWithShape="0">
+                  <a:srgbClr val="000000">
+                    <a:alpha val="30000"/>
+                  </a:srgbClr>
+                </a:outerShdw>
+              </a:effectLst>
+            </a:endParaRPr>
+          </a:p>
+          <a:p>
+            <a:pPr marL="0" indent="0">
+              <a:buNone/>
+            </a:pPr>
+            <a:r>
+              <a:rPr lang="zh-CN" altLang="en-US" sz="1900">
+                <a:ln w="10160">
+                  <a:solidFill>
+                    <a:schemeClr val="accent5"/>
+                  </a:solidFill>
+                  <a:prstDash val="solid"/>
+                </a:ln>
+                <a:solidFill>
+                  <a:schemeClr val="bg1"/>
+                </a:solidFill>
+                <a:effectLst>
+                  <a:outerShdw blurRad="38100" dist="22860" dir="5400000" algn="tl" rotWithShape="0">
+                    <a:srgbClr val="000000">
+                      <a:alpha val="30000"/>
+                    </a:srgbClr>
+                  </a:outerShdw>
+                </a:effectLst>
+              </a:rPr>
+              <a:t>Music File Access: Ensuring efficient and swift access to large music libraries.</a:t>
+            </a:r>
+            <a:endParaRPr lang="zh-CN" altLang="en-US" sz="1900">
+              <a:ln w="10160">
+                <a:solidFill>
+                  <a:schemeClr val="accent5"/>
+                </a:solidFill>
+                <a:prstDash val="solid"/>
+              </a:ln>
+              <a:solidFill>
+                <a:schemeClr val="bg1"/>
+              </a:solidFill>
+              <a:effectLst>
+                <a:outerShdw blurRad="38100" dist="22860" dir="5400000" algn="tl" rotWithShape="0">
+                  <a:srgbClr val="000000">
+                    <a:alpha val="30000"/>
+                  </a:srgbClr>
+                </a:outerShdw>
+              </a:effectLst>
+            </a:endParaRPr>
+          </a:p>
+          <a:p>
+            <a:pPr marL="0" indent="0">
+              <a:buNone/>
+            </a:pPr>
+            <a:r>
+              <a:rPr lang="zh-CN" altLang="en-US" sz="1900">
+                <a:ln w="10160">
+                  <a:solidFill>
+                    <a:schemeClr val="accent5"/>
+                  </a:solidFill>
+                  <a:prstDash val="solid"/>
+                </a:ln>
+                <a:solidFill>
+                  <a:schemeClr val="bg1"/>
+                </a:solidFill>
+                <a:effectLst>
+                  <a:outerShdw blurRad="38100" dist="22860" dir="5400000" algn="tl" rotWithShape="0">
+                    <a:srgbClr val="000000">
+                      <a:alpha val="30000"/>
+                    </a:srgbClr>
+                  </a:outerShdw>
+                </a:effectLst>
+              </a:rPr>
+              <a:t>UI Responsiveness: Smooth scrolling and fast loading of album art.</a:t>
+            </a:r>
+            <a:endParaRPr lang="zh-CN" altLang="en-US" sz="1900">
+              <a:ln w="10160">
+                <a:solidFill>
+                  <a:schemeClr val="accent5"/>
+                </a:solidFill>
+                <a:prstDash val="solid"/>
+              </a:ln>
+              <a:solidFill>
+                <a:schemeClr val="bg1"/>
+              </a:solidFill>
+              <a:effectLst>
+                <a:outerShdw blurRad="38100" dist="22860" dir="5400000" algn="tl" rotWithShape="0">
+                  <a:srgbClr val="000000">
+                    <a:alpha val="30000"/>
+                  </a:srgbClr>
+                </a:outerShdw>
+              </a:effectLst>
+            </a:endParaRPr>
+          </a:p>
+          <a:p>
+            <a:pPr marL="0" indent="0">
+              <a:buNone/>
+            </a:pPr>
+            <a:r>
+              <a:rPr lang="zh-CN" altLang="en-US" sz="1900">
+                <a:ln w="10160">
+                  <a:solidFill>
+                    <a:schemeClr val="accent5"/>
+                  </a:solidFill>
+                  <a:prstDash val="solid"/>
+                </a:ln>
+                <a:solidFill>
+                  <a:schemeClr val="bg1"/>
+                </a:solidFill>
+                <a:effectLst>
+                  <a:outerShdw blurRad="38100" dist="22860" dir="5400000" algn="tl" rotWithShape="0">
+                    <a:srgbClr val="000000">
+                      <a:alpha val="30000"/>
+                    </a:srgbClr>
+                  </a:outerShdw>
+                </a:effectLst>
+              </a:rPr>
+              <a:t>Learning Needs: Dive deeper into ExoPlayer's advanced features, understand media session controls, and potentially learn about background services for continuous playback.</a:t>
+            </a:r>
+            <a:endParaRPr lang="zh-CN" altLang="en-US" sz="1900">
+              <a:ln w="10160">
+                <a:solidFill>
+                  <a:schemeClr val="accent5"/>
+                </a:solidFill>
+                <a:prstDash val="solid"/>
+              </a:ln>
+              <a:solidFill>
+                <a:schemeClr val="bg1"/>
+              </a:solidFill>
+              <a:effectLst>
+                <a:outerShdw blurRad="38100" dist="22860" dir="5400000" algn="tl" rotWithShape="0">
+                  <a:srgbClr val="000000">
+                    <a:alpha val="30000"/>
+                  </a:srgbClr>
+                </a:outerShdw>
+              </a:effectLst>
+            </a:endParaRPr>
+          </a:p>
+        </p:txBody>
+      </p:sp>
+    </p:spTree>
+  </p:cSld>
+  <p:clrMapOvr>
+    <a:masterClrMapping/>
+  </p:clrMapOvr>
+</p:sld>
+</file>
+
+<file path=ppt/slides/slide5.xml><?xml version="1.0" encoding="utf-8"?>
+<p:sld xmlns:a="http://schemas.openxmlformats.org/drawingml/2006/main" xmlns:r="http://schemas.openxmlformats.org/officeDocument/2006/relationships" xmlns:p="http://schemas.openxmlformats.org/presentationml/2006/main">
+  <p:cSld>
+    <p:spTree>
+      <p:nvGrpSpPr>
+        <p:cNvPr id="1" name=""/>
+        <p:cNvGrpSpPr/>
+        <p:nvPr/>
+      </p:nvGrpSpPr>
+      <p:grpSpPr/>
+      <p:sp>
+        <p:nvSpPr>
+          <p:cNvPr id="2" name="标题 1"/>
+          <p:cNvSpPr>
+            <a:spLocks noGrp="1"/>
+          </p:cNvSpPr>
+          <p:nvPr>
+            <p:ph type="ctrTitle"/>
+          </p:nvPr>
+        </p:nvSpPr>
+        <p:spPr/>
+        <p:txBody>
+          <a:bodyPr/>
+          <a:p>
+            <a:endParaRPr lang="zh-CN" altLang="en-US"/>
+          </a:p>
+        </p:txBody>
+      </p:sp>
+      <p:sp>
+        <p:nvSpPr>
+          <p:cNvPr id="3" name="副标题 2"/>
+          <p:cNvSpPr>
+            <a:spLocks noGrp="1"/>
+          </p:cNvSpPr>
+          <p:nvPr>
+            <p:ph type="subTitle" idx="1"/>
+          </p:nvPr>
+        </p:nvSpPr>
+        <p:spPr/>
+        <p:txBody>
+          <a:bodyPr/>
+          <a:p>
+            <a:endParaRPr lang="zh-CN" altLang="en-US"/>
+          </a:p>
+        </p:txBody>
+      </p:sp>
+      <p:pic>
+        <p:nvPicPr>
+          <p:cNvPr id="103" name="图片 102"/>
+          <p:cNvPicPr/>
+          <p:nvPr>
+            <p:custDataLst>
+              <p:tags r:id="rId1"/>
+            </p:custDataLst>
+          </p:nvPr>
+        </p:nvPicPr>
+        <p:blipFill>
+          <a:blip r:embed="rId2"/>
+          <a:stretch>
+            <a:fillRect/>
+          </a:stretch>
+        </p:blipFill>
+        <p:spPr>
+          <a:xfrm>
+            <a:off x="-922655" y="0"/>
+            <a:ext cx="13114655" cy="6858000"/>
+          </a:xfrm>
+          <a:prstGeom prst="rect">
+            <a:avLst/>
+          </a:prstGeom>
+          <a:noFill/>
+          <a:ln w="9525">
+            <a:noFill/>
+          </a:ln>
+        </p:spPr>
+      </p:pic>
+      <p:sp>
+        <p:nvSpPr>
+          <p:cNvPr id="4" name="文本框 3"/>
+          <p:cNvSpPr txBox="1"/>
+          <p:nvPr/>
+        </p:nvSpPr>
+        <p:spPr>
+          <a:xfrm>
+            <a:off x="2783840" y="1287780"/>
+            <a:ext cx="3969385" cy="2849245"/>
+          </a:xfrm>
+          <a:prstGeom prst="rect">
+            <a:avLst/>
+          </a:prstGeom>
+          <a:noFill/>
+        </p:spPr>
+        <p:txBody>
+          <a:bodyPr wrap="square" rtlCol="0">
+            <a:noAutofit/>
+          </a:bodyPr>
+          <a:p>
+            <a:r>
+              <a:rPr lang="en-US" altLang="zh-CN" sz="4800" b="1">
+                <a:ln w="9525" cmpd="sng">
+                  <a:solidFill>
+                    <a:schemeClr val="accent1"/>
+                  </a:solidFill>
+                  <a:prstDash val="solid"/>
+                </a:ln>
+                <a:solidFill>
+                  <a:srgbClr val="70AD47">
+                    <a:tint val="1000"/>
+                  </a:srgbClr>
+                </a:solidFill>
+                <a:effectLst>
+                  <a:glow rad="38100">
+                    <a:schemeClr val="accent1">
+                      <a:alpha val="40000"/>
+                    </a:schemeClr>
+                  </a:glow>
+                </a:effectLst>
+              </a:rPr>
+              <a:t>Weather Helper</a:t>
+            </a:r>
+            <a:endParaRPr lang="en-US" altLang="zh-CN" sz="4800" b="1">
+              <a:ln w="9525" cmpd="sng">
+                <a:solidFill>
+                  <a:schemeClr val="accent1"/>
+                </a:solidFill>
+                <a:prstDash val="solid"/>
+              </a:ln>
+              <a:solidFill>
+                <a:srgbClr val="70AD47">
+                  <a:tint val="1000"/>
+                </a:srgbClr>
+              </a:solidFill>
+              <a:effectLst>
+                <a:glow rad="38100">
+                  <a:schemeClr val="accent1">
+                    <a:alpha val="40000"/>
+                  </a:schemeClr>
+                </a:glow>
+              </a:effectLst>
+            </a:endParaRPr>
+          </a:p>
+        </p:txBody>
+      </p:sp>
+    </p:spTree>
+  </p:cSld>
+  <p:clrMapOvr>
+    <a:masterClrMapping/>
+  </p:clrMapOvr>
+</p:sld>
+</file>
+
+<file path=ppt/slides/slide6.xml><?xml version="1.0" encoding="utf-8"?>
+<p:sld xmlns:a="http://schemas.openxmlformats.org/drawingml/2006/main" xmlns:r="http://schemas.openxmlformats.org/officeDocument/2006/relationships" xmlns:p="http://schemas.openxmlformats.org/presentationml/2006/main">
+  <p:cSld>
+    <p:bg>
+      <p:bgPr>
+        <a:blipFill>
+          <a:blip r:embed="rId1"/>
+          <a:stretch>
+            <a:fillRect/>
+          </a:stretch>
+        </a:blipFill>
+        <a:effectLst/>
+      </p:bgPr>
+    </p:bg>
+    <p:spTree>
+      <p:nvGrpSpPr>
+        <p:cNvPr id="1" name=""/>
+        <p:cNvGrpSpPr/>
+        <p:nvPr/>
+      </p:nvGrpSpPr>
+      <p:grpSpPr/>
+      <p:sp>
+        <p:nvSpPr>
+          <p:cNvPr id="5" name="文本框 4"/>
+          <p:cNvSpPr txBox="1"/>
+          <p:nvPr/>
+        </p:nvSpPr>
+        <p:spPr>
+          <a:xfrm>
+            <a:off x="1814195" y="320675"/>
+            <a:ext cx="9826625" cy="6179820"/>
+          </a:xfrm>
+          <a:prstGeom prst="rect">
+            <a:avLst/>
+          </a:prstGeom>
+          <a:noFill/>
+        </p:spPr>
+        <p:txBody>
+          <a:bodyPr wrap="square" rtlCol="0">
+            <a:noAutofit/>
+          </a:bodyPr>
+          <a:p>
+            <a:r>
+              <a:rPr lang="zh-CN" altLang="en-US" b="1">
+                <a:ln w="9525" cmpd="sng">
+                  <a:solidFill>
+                    <a:schemeClr val="accent1"/>
+                  </a:solidFill>
+                  <a:prstDash val="solid"/>
+                </a:ln>
+                <a:solidFill>
+                  <a:srgbClr val="70AD47">
+                    <a:tint val="1000"/>
+                  </a:srgbClr>
+                </a:solidFill>
+                <a:effectLst>
+                  <a:glow rad="38100">
+                    <a:schemeClr val="accent1">
+                      <a:alpha val="40000"/>
+                    </a:schemeClr>
+                  </a:glow>
+                </a:effectLst>
+              </a:rPr>
+              <a:t>App Description:</a:t>
+            </a:r>
+            <a:endParaRPr lang="zh-CN" altLang="en-US" b="1">
+              <a:ln w="9525" cmpd="sng">
+                <a:solidFill>
+                  <a:schemeClr val="accent1"/>
+                </a:solidFill>
+                <a:prstDash val="solid"/>
+              </a:ln>
+              <a:solidFill>
+                <a:srgbClr val="70AD47">
+                  <a:tint val="1000"/>
+                </a:srgbClr>
+              </a:solidFill>
+              <a:effectLst>
+                <a:glow rad="38100">
+                  <a:schemeClr val="accent1">
+                    <a:alpha val="40000"/>
+                  </a:schemeClr>
+                </a:glow>
+              </a:effectLst>
+            </a:endParaRPr>
+          </a:p>
+          <a:p>
+            <a:r>
+              <a:rPr lang="zh-CN" altLang="en-US" b="1">
+                <a:ln w="9525" cmpd="sng">
+                  <a:solidFill>
+                    <a:schemeClr val="accent1"/>
+                  </a:solidFill>
+                  <a:prstDash val="solid"/>
+                </a:ln>
+                <a:solidFill>
+                  <a:srgbClr val="70AD47">
+                    <a:tint val="1000"/>
+                  </a:srgbClr>
+                </a:solidFill>
+                <a:effectLst>
+                  <a:glow rad="38100">
+                    <a:schemeClr val="accent1">
+                      <a:alpha val="40000"/>
+                    </a:schemeClr>
+                  </a:glow>
+                </a:effectLst>
+              </a:rPr>
+              <a:t>The weather forecast app provides current weather conditions and forecasts for the next few days. It allows users to search for locations, view detailed weather stats, and receive alerts for severe weather conditions.</a:t>
+            </a:r>
+            <a:endParaRPr lang="zh-CN" altLang="en-US" b="1">
+              <a:ln w="9525" cmpd="sng">
+                <a:solidFill>
+                  <a:schemeClr val="accent1"/>
+                </a:solidFill>
+                <a:prstDash val="solid"/>
+              </a:ln>
+              <a:solidFill>
+                <a:srgbClr val="70AD47">
+                  <a:tint val="1000"/>
+                </a:srgbClr>
+              </a:solidFill>
+              <a:effectLst>
+                <a:glow rad="38100">
+                  <a:schemeClr val="accent1">
+                    <a:alpha val="40000"/>
+                  </a:schemeClr>
+                </a:glow>
+              </a:effectLst>
+            </a:endParaRPr>
+          </a:p>
+          <a:p>
+            <a:endParaRPr lang="zh-CN" altLang="en-US" b="1">
+              <a:ln w="9525" cmpd="sng">
+                <a:solidFill>
+                  <a:schemeClr val="accent1"/>
+                </a:solidFill>
+                <a:prstDash val="solid"/>
+              </a:ln>
+              <a:solidFill>
+                <a:srgbClr val="70AD47">
+                  <a:tint val="1000"/>
+                </a:srgbClr>
+              </a:solidFill>
+              <a:effectLst>
+                <a:glow rad="38100">
+                  <a:schemeClr val="accent1">
+                    <a:alpha val="40000"/>
+                  </a:schemeClr>
+                </a:glow>
+              </a:effectLst>
+            </a:endParaRPr>
+          </a:p>
+          <a:p>
+            <a:r>
+              <a:rPr lang="zh-CN" altLang="en-US" b="1">
+                <a:ln w="9525" cmpd="sng">
+                  <a:solidFill>
+                    <a:schemeClr val="accent1"/>
+                  </a:solidFill>
+                  <a:prstDash val="solid"/>
+                </a:ln>
+                <a:solidFill>
+                  <a:srgbClr val="70AD47">
+                    <a:tint val="1000"/>
+                  </a:srgbClr>
+                </a:solidFill>
+                <a:effectLst>
+                  <a:glow rad="38100">
+                    <a:schemeClr val="accent1">
+                      <a:alpha val="40000"/>
+                    </a:schemeClr>
+                  </a:glow>
+                </a:effectLst>
+              </a:rPr>
+              <a:t>Third-party Libraries:</a:t>
+            </a:r>
+            <a:endParaRPr lang="zh-CN" altLang="en-US" b="1">
+              <a:ln w="9525" cmpd="sng">
+                <a:solidFill>
+                  <a:schemeClr val="accent1"/>
+                </a:solidFill>
+                <a:prstDash val="solid"/>
+              </a:ln>
+              <a:solidFill>
+                <a:srgbClr val="70AD47">
+                  <a:tint val="1000"/>
+                </a:srgbClr>
+              </a:solidFill>
+              <a:effectLst>
+                <a:glow rad="38100">
+                  <a:schemeClr val="accent1">
+                    <a:alpha val="40000"/>
+                  </a:schemeClr>
+                </a:glow>
+              </a:effectLst>
+            </a:endParaRPr>
+          </a:p>
+          <a:p>
+            <a:r>
+              <a:rPr lang="zh-CN" altLang="en-US" b="1">
+                <a:ln w="9525" cmpd="sng">
+                  <a:solidFill>
+                    <a:schemeClr val="accent1"/>
+                  </a:solidFill>
+                  <a:prstDash val="solid"/>
+                </a:ln>
+                <a:solidFill>
+                  <a:srgbClr val="70AD47">
+                    <a:tint val="1000"/>
+                  </a:srgbClr>
+                </a:solidFill>
+                <a:effectLst>
+                  <a:glow rad="38100">
+                    <a:schemeClr val="accent1">
+                      <a:alpha val="40000"/>
+                    </a:schemeClr>
+                  </a:glow>
+                </a:effectLst>
+              </a:rPr>
+              <a:t>Retrofit</a:t>
+            </a:r>
+            <a:r>
+              <a:rPr lang="en-US" altLang="zh-CN" b="1">
+                <a:ln w="9525" cmpd="sng">
+                  <a:solidFill>
+                    <a:schemeClr val="accent1"/>
+                  </a:solidFill>
+                  <a:prstDash val="solid"/>
+                </a:ln>
+                <a:solidFill>
+                  <a:srgbClr val="70AD47">
+                    <a:tint val="1000"/>
+                  </a:srgbClr>
+                </a:solidFill>
+                <a:effectLst>
+                  <a:glow rad="38100">
+                    <a:schemeClr val="accent1">
+                      <a:alpha val="40000"/>
+                    </a:schemeClr>
+                  </a:glow>
+                </a:effectLst>
+              </a:rPr>
+              <a:t>, </a:t>
+            </a:r>
+            <a:r>
+              <a:rPr lang="zh-CN" altLang="en-US" b="1">
+                <a:ln w="9525" cmpd="sng">
+                  <a:solidFill>
+                    <a:schemeClr val="accent1"/>
+                  </a:solidFill>
+                  <a:prstDash val="solid"/>
+                </a:ln>
+                <a:solidFill>
+                  <a:srgbClr val="70AD47">
+                    <a:tint val="1000"/>
+                  </a:srgbClr>
+                </a:solidFill>
+                <a:effectLst>
+                  <a:glow rad="38100">
+                    <a:schemeClr val="accent1">
+                      <a:alpha val="40000"/>
+                    </a:schemeClr>
+                  </a:glow>
+                </a:effectLst>
+              </a:rPr>
+              <a:t>Glide or Picasso</a:t>
+            </a:r>
+            <a:r>
+              <a:rPr lang="en-US" altLang="zh-CN" b="1">
+                <a:ln w="9525" cmpd="sng">
+                  <a:solidFill>
+                    <a:schemeClr val="accent1"/>
+                  </a:solidFill>
+                  <a:prstDash val="solid"/>
+                </a:ln>
+                <a:solidFill>
+                  <a:srgbClr val="70AD47">
+                    <a:tint val="1000"/>
+                  </a:srgbClr>
+                </a:solidFill>
+                <a:effectLst>
+                  <a:glow rad="38100">
+                    <a:schemeClr val="accent1">
+                      <a:alpha val="40000"/>
+                    </a:schemeClr>
+                  </a:glow>
+                </a:effectLst>
+              </a:rPr>
+              <a:t>,</a:t>
+            </a:r>
+            <a:r>
+              <a:rPr lang="zh-CN" altLang="en-US" b="1">
+                <a:ln w="9525" cmpd="sng">
+                  <a:solidFill>
+                    <a:schemeClr val="accent1"/>
+                  </a:solidFill>
+                  <a:prstDash val="solid"/>
+                </a:ln>
+                <a:solidFill>
+                  <a:srgbClr val="70AD47">
+                    <a:tint val="1000"/>
+                  </a:srgbClr>
+                </a:solidFill>
+                <a:effectLst>
+                  <a:glow rad="38100">
+                    <a:schemeClr val="accent1">
+                      <a:alpha val="40000"/>
+                    </a:schemeClr>
+                  </a:glow>
+                </a:effectLst>
+              </a:rPr>
+              <a:t> Moshi or Gson</a:t>
+            </a:r>
+            <a:endParaRPr lang="zh-CN" altLang="en-US" b="1">
+              <a:ln w="9525" cmpd="sng">
+                <a:solidFill>
+                  <a:schemeClr val="accent1"/>
+                </a:solidFill>
+                <a:prstDash val="solid"/>
+              </a:ln>
+              <a:solidFill>
+                <a:srgbClr val="70AD47">
+                  <a:tint val="1000"/>
+                </a:srgbClr>
+              </a:solidFill>
+              <a:effectLst>
+                <a:glow rad="38100">
+                  <a:schemeClr val="accent1">
+                    <a:alpha val="40000"/>
+                  </a:schemeClr>
+                </a:glow>
+              </a:effectLst>
+            </a:endParaRPr>
+          </a:p>
+          <a:p>
+            <a:endParaRPr lang="zh-CN" altLang="en-US" b="1">
+              <a:ln w="9525" cmpd="sng">
+                <a:solidFill>
+                  <a:schemeClr val="accent1"/>
+                </a:solidFill>
+                <a:prstDash val="solid"/>
+              </a:ln>
+              <a:solidFill>
+                <a:srgbClr val="70AD47">
+                  <a:tint val="1000"/>
+                </a:srgbClr>
+              </a:solidFill>
+              <a:effectLst>
+                <a:glow rad="38100">
+                  <a:schemeClr val="accent1">
+                    <a:alpha val="40000"/>
+                  </a:schemeClr>
+                </a:glow>
+              </a:effectLst>
+            </a:endParaRPr>
+          </a:p>
+          <a:p>
+            <a:r>
+              <a:rPr lang="zh-CN" altLang="en-US" b="1">
+                <a:ln w="9525" cmpd="sng">
+                  <a:solidFill>
+                    <a:schemeClr val="accent1"/>
+                  </a:solidFill>
+                  <a:prstDash val="solid"/>
+                </a:ln>
+                <a:solidFill>
+                  <a:srgbClr val="70AD47">
+                    <a:tint val="1000"/>
+                  </a:srgbClr>
+                </a:solidFill>
+                <a:effectLst>
+                  <a:glow rad="38100">
+                    <a:schemeClr val="accent1">
+                      <a:alpha val="40000"/>
+                    </a:schemeClr>
+                  </a:glow>
+                </a:effectLst>
+              </a:rPr>
+              <a:t>Mobility Attributes:</a:t>
+            </a:r>
+            <a:endParaRPr lang="zh-CN" altLang="en-US" b="1">
+              <a:ln w="9525" cmpd="sng">
+                <a:solidFill>
+                  <a:schemeClr val="accent1"/>
+                </a:solidFill>
+                <a:prstDash val="solid"/>
+              </a:ln>
+              <a:solidFill>
+                <a:srgbClr val="70AD47">
+                  <a:tint val="1000"/>
+                </a:srgbClr>
+              </a:solidFill>
+              <a:effectLst>
+                <a:glow rad="38100">
+                  <a:schemeClr val="accent1">
+                    <a:alpha val="40000"/>
+                  </a:schemeClr>
+                </a:glow>
+              </a:effectLst>
+            </a:endParaRPr>
+          </a:p>
+          <a:p>
+            <a:r>
+              <a:rPr lang="zh-CN" altLang="en-US" b="1">
+                <a:ln w="9525" cmpd="sng">
+                  <a:solidFill>
+                    <a:schemeClr val="accent1"/>
+                  </a:solidFill>
+                  <a:prstDash val="solid"/>
+                </a:ln>
+                <a:solidFill>
+                  <a:srgbClr val="70AD47">
+                    <a:tint val="1000"/>
+                  </a:srgbClr>
+                </a:solidFill>
+                <a:effectLst>
+                  <a:glow rad="38100">
+                    <a:schemeClr val="accent1">
+                      <a:alpha val="40000"/>
+                    </a:schemeClr>
+                  </a:glow>
+                </a:effectLst>
+              </a:rPr>
+              <a:t>Sensors: Use GPS to automatically detect the user's current location for relevant weather updates.</a:t>
+            </a:r>
+            <a:endParaRPr lang="zh-CN" altLang="en-US" b="1">
+              <a:ln w="9525" cmpd="sng">
+                <a:solidFill>
+                  <a:schemeClr val="accent1"/>
+                </a:solidFill>
+                <a:prstDash val="solid"/>
+              </a:ln>
+              <a:solidFill>
+                <a:srgbClr val="70AD47">
+                  <a:tint val="1000"/>
+                </a:srgbClr>
+              </a:solidFill>
+              <a:effectLst>
+                <a:glow rad="38100">
+                  <a:schemeClr val="accent1">
+                    <a:alpha val="40000"/>
+                  </a:schemeClr>
+                </a:glow>
+              </a:effectLst>
+            </a:endParaRPr>
+          </a:p>
+          <a:p>
+            <a:r>
+              <a:rPr lang="zh-CN" altLang="en-US" b="1">
+                <a:ln w="9525" cmpd="sng">
+                  <a:solidFill>
+                    <a:schemeClr val="accent1"/>
+                  </a:solidFill>
+                  <a:prstDash val="solid"/>
+                </a:ln>
+                <a:solidFill>
+                  <a:srgbClr val="70AD47">
+                    <a:tint val="1000"/>
+                  </a:srgbClr>
+                </a:solidFill>
+                <a:effectLst>
+                  <a:glow rad="38100">
+                    <a:schemeClr val="accent1">
+                      <a:alpha val="40000"/>
+                    </a:schemeClr>
+                  </a:glow>
+                </a:effectLst>
+              </a:rPr>
+              <a:t>Personalization: Remember user's preferred locations and display customized weather alerts.</a:t>
+            </a:r>
+            <a:endParaRPr lang="zh-CN" altLang="en-US" b="1">
+              <a:ln w="9525" cmpd="sng">
+                <a:solidFill>
+                  <a:schemeClr val="accent1"/>
+                </a:solidFill>
+                <a:prstDash val="solid"/>
+              </a:ln>
+              <a:solidFill>
+                <a:srgbClr val="70AD47">
+                  <a:tint val="1000"/>
+                </a:srgbClr>
+              </a:solidFill>
+              <a:effectLst>
+                <a:glow rad="38100">
+                  <a:schemeClr val="accent1">
+                    <a:alpha val="40000"/>
+                  </a:schemeClr>
+                </a:glow>
+              </a:effectLst>
+            </a:endParaRPr>
+          </a:p>
+          <a:p>
+            <a:r>
+              <a:rPr lang="zh-CN" altLang="en-US" b="1">
+                <a:ln w="9525" cmpd="sng">
+                  <a:solidFill>
+                    <a:schemeClr val="accent1"/>
+                  </a:solidFill>
+                  <a:prstDash val="solid"/>
+                </a:ln>
+                <a:solidFill>
+                  <a:srgbClr val="70AD47">
+                    <a:tint val="1000"/>
+                  </a:srgbClr>
+                </a:solidFill>
+                <a:effectLst>
+                  <a:glow rad="38100">
+                    <a:schemeClr val="accent1">
+                      <a:alpha val="40000"/>
+                    </a:schemeClr>
+                  </a:glow>
+                </a:effectLst>
+              </a:rPr>
+              <a:t>Why Mobile?: A mobile app offers on-the-go access to weather updates, ensuring users are always informed, especially during travel or outdoor activities.</a:t>
+            </a:r>
+            <a:endParaRPr lang="zh-CN" altLang="en-US" b="1">
+              <a:ln w="9525" cmpd="sng">
+                <a:solidFill>
+                  <a:schemeClr val="accent1"/>
+                </a:solidFill>
+                <a:prstDash val="solid"/>
+              </a:ln>
+              <a:solidFill>
+                <a:srgbClr val="70AD47">
+                  <a:tint val="1000"/>
+                </a:srgbClr>
+              </a:solidFill>
+              <a:effectLst>
+                <a:glow rad="38100">
+                  <a:schemeClr val="accent1">
+                    <a:alpha val="40000"/>
+                  </a:schemeClr>
+                </a:glow>
+              </a:effectLst>
+            </a:endParaRPr>
+          </a:p>
+          <a:p>
+            <a:endParaRPr lang="zh-CN" altLang="en-US" b="1">
+              <a:ln w="9525" cmpd="sng">
+                <a:solidFill>
+                  <a:schemeClr val="accent1"/>
+                </a:solidFill>
+                <a:prstDash val="solid"/>
+              </a:ln>
+              <a:solidFill>
+                <a:srgbClr val="70AD47">
+                  <a:tint val="1000"/>
+                </a:srgbClr>
+              </a:solidFill>
+              <a:effectLst>
+                <a:glow rad="38100">
+                  <a:schemeClr val="accent1">
+                    <a:alpha val="40000"/>
+                  </a:schemeClr>
+                </a:glow>
+              </a:effectLst>
+            </a:endParaRPr>
+          </a:p>
+          <a:p>
+            <a:r>
+              <a:rPr lang="zh-CN" altLang="en-US" b="1">
+                <a:ln w="9525" cmpd="sng">
+                  <a:solidFill>
+                    <a:schemeClr val="accent1"/>
+                  </a:solidFill>
+                  <a:prstDash val="solid"/>
+                </a:ln>
+                <a:solidFill>
+                  <a:srgbClr val="70AD47">
+                    <a:tint val="1000"/>
+                  </a:srgbClr>
+                </a:solidFill>
+                <a:effectLst>
+                  <a:glow rad="38100">
+                    <a:schemeClr val="accent1">
+                      <a:alpha val="40000"/>
+                    </a:schemeClr>
+                  </a:glow>
+                </a:effectLst>
+              </a:rPr>
+              <a:t>Pinch Points:</a:t>
+            </a:r>
+            <a:endParaRPr lang="zh-CN" altLang="en-US" b="1">
+              <a:ln w="9525" cmpd="sng">
+                <a:solidFill>
+                  <a:schemeClr val="accent1"/>
+                </a:solidFill>
+                <a:prstDash val="solid"/>
+              </a:ln>
+              <a:solidFill>
+                <a:srgbClr val="70AD47">
+                  <a:tint val="1000"/>
+                </a:srgbClr>
+              </a:solidFill>
+              <a:effectLst>
+                <a:glow rad="38100">
+                  <a:schemeClr val="accent1">
+                    <a:alpha val="40000"/>
+                  </a:schemeClr>
+                </a:glow>
+              </a:effectLst>
+            </a:endParaRPr>
+          </a:p>
+          <a:p>
+            <a:endParaRPr lang="zh-CN" altLang="en-US" b="1">
+              <a:ln w="9525" cmpd="sng">
+                <a:solidFill>
+                  <a:schemeClr val="accent1"/>
+                </a:solidFill>
+                <a:prstDash val="solid"/>
+              </a:ln>
+              <a:solidFill>
+                <a:srgbClr val="70AD47">
+                  <a:tint val="1000"/>
+                </a:srgbClr>
+              </a:solidFill>
+              <a:effectLst>
+                <a:glow rad="38100">
+                  <a:schemeClr val="accent1">
+                    <a:alpha val="40000"/>
+                  </a:schemeClr>
+                </a:glow>
+              </a:effectLst>
+            </a:endParaRPr>
+          </a:p>
+          <a:p>
+            <a:r>
+              <a:rPr lang="zh-CN" altLang="en-US" b="1">
+                <a:ln w="9525" cmpd="sng">
+                  <a:solidFill>
+                    <a:schemeClr val="accent1"/>
+                  </a:solidFill>
+                  <a:prstDash val="solid"/>
+                </a:ln>
+                <a:solidFill>
+                  <a:srgbClr val="70AD47">
+                    <a:tint val="1000"/>
+                  </a:srgbClr>
+                </a:solidFill>
+                <a:effectLst>
+                  <a:glow rad="38100">
+                    <a:schemeClr val="accent1">
+                      <a:alpha val="40000"/>
+                    </a:schemeClr>
+                  </a:glow>
+                </a:effectLst>
+              </a:rPr>
+              <a:t>API Limitations: Handling rate limits or changes in third-party weather APIs.</a:t>
+            </a:r>
+            <a:endParaRPr lang="zh-CN" altLang="en-US" b="1">
+              <a:ln w="9525" cmpd="sng">
+                <a:solidFill>
+                  <a:schemeClr val="accent1"/>
+                </a:solidFill>
+                <a:prstDash val="solid"/>
+              </a:ln>
+              <a:solidFill>
+                <a:srgbClr val="70AD47">
+                  <a:tint val="1000"/>
+                </a:srgbClr>
+              </a:solidFill>
+              <a:effectLst>
+                <a:glow rad="38100">
+                  <a:schemeClr val="accent1">
+                    <a:alpha val="40000"/>
+                  </a:schemeClr>
+                </a:glow>
+              </a:effectLst>
+            </a:endParaRPr>
+          </a:p>
+          <a:p>
+            <a:r>
+              <a:rPr lang="zh-CN" altLang="en-US" b="1">
+                <a:ln w="9525" cmpd="sng">
+                  <a:solidFill>
+                    <a:schemeClr val="accent1"/>
+                  </a:solidFill>
+                  <a:prstDash val="solid"/>
+                </a:ln>
+                <a:solidFill>
+                  <a:srgbClr val="70AD47">
+                    <a:tint val="1000"/>
+                  </a:srgbClr>
+                </a:solidFill>
+                <a:effectLst>
+                  <a:glow rad="38100">
+                    <a:schemeClr val="accent1">
+                      <a:alpha val="40000"/>
+                    </a:schemeClr>
+                  </a:glow>
+                </a:effectLst>
+              </a:rPr>
+              <a:t>Data Accuracy: Ensuring reliable and precise weather data.</a:t>
+            </a:r>
+            <a:endParaRPr lang="zh-CN" altLang="en-US" b="1">
+              <a:ln w="9525" cmpd="sng">
+                <a:solidFill>
+                  <a:schemeClr val="accent1"/>
+                </a:solidFill>
+                <a:prstDash val="solid"/>
+              </a:ln>
+              <a:solidFill>
+                <a:srgbClr val="70AD47">
+                  <a:tint val="1000"/>
+                </a:srgbClr>
+              </a:solidFill>
+              <a:effectLst>
+                <a:glow rad="38100">
+                  <a:schemeClr val="accent1">
+                    <a:alpha val="40000"/>
+                  </a:schemeClr>
+                </a:glow>
+              </a:effectLst>
+            </a:endParaRPr>
+          </a:p>
+          <a:p>
+            <a:r>
+              <a:rPr lang="zh-CN" altLang="en-US" b="1">
+                <a:ln w="9525" cmpd="sng">
+                  <a:solidFill>
+                    <a:schemeClr val="accent1"/>
+                  </a:solidFill>
+                  <a:prstDash val="solid"/>
+                </a:ln>
+                <a:solidFill>
+                  <a:srgbClr val="70AD47">
+                    <a:tint val="1000"/>
+                  </a:srgbClr>
+                </a:solidFill>
+                <a:effectLst>
+                  <a:glow rad="38100">
+                    <a:schemeClr val="accent1">
+                      <a:alpha val="40000"/>
+                    </a:schemeClr>
+                  </a:glow>
+                </a:effectLst>
+              </a:rPr>
+              <a:t>Learning Needs: Understand the intricacies of the chosen weather API, optimize location-based queries, and potentially learn about push notifications for weather alerts.</a:t>
+            </a:r>
+            <a:endParaRPr lang="zh-CN" altLang="en-US" b="1">
+              <a:ln w="9525" cmpd="sng">
+                <a:solidFill>
+                  <a:schemeClr val="accent1"/>
+                </a:solidFill>
+                <a:prstDash val="solid"/>
+              </a:ln>
+              <a:solidFill>
+                <a:srgbClr val="70AD47">
+                  <a:tint val="1000"/>
+                </a:srgbClr>
+              </a:solidFill>
+              <a:effectLst>
+                <a:glow rad="38100">
+                  <a:schemeClr val="accent1">
+                    <a:alpha val="40000"/>
+                  </a:schemeClr>
+                </a:glow>
+              </a:effectLst>
+            </a:endParaRPr>
+          </a:p>
+        </p:txBody>
+      </p:sp>
+    </p:spTree>
+  </p:cSld>
+  <p:clrMapOvr>
+    <a:masterClrMapping/>
+  </p:clrMapOvr>
+</p:sld>
+</file>
+
+<file path=ppt/tags/tag1.xml><?xml version="1.0" encoding="utf-8"?>
+<p:tagLst xmlns:p="http://schemas.openxmlformats.org/presentationml/2006/main">
+  <p:tag name="KSO_WM_BEAUTIFY_FLAG" val=""/>
+</p:tagLst>
+</file>
+
+<file path=ppt/tags/tag2.xml><?xml version="1.0" encoding="utf-8"?>
+<p:tagLst xmlns:p="http://schemas.openxmlformats.org/presentationml/2006/main">
+  <p:tag name="KSO_WM_BEAUTIFY_FLAG" val=""/>
+</p:tagLst>
+</file>
+
+<file path=ppt/tags/tag3.xml><?xml version="1.0" encoding="utf-8"?>
+<p:tagLst xmlns:p="http://schemas.openxmlformats.org/presentationml/2006/main">
+  <p:tag name="KSO_WPP_MARK_KEY" val="5dac2bd6-ca3c-4877-9736-e75705d1ca12"/>
+  <p:tag name="COMMONDATA" val="eyJoZGlkIjoiMGI4YTY2NzNjYzhhMDBjYjhiZDFjNDRhZjk5ZjcyM2MifQ=="/>
+</p:tagLst>
 </file>
 
 <file path=ppt/theme/theme1.xml><?xml version="1.0" encoding="utf-8"?>
@@ -4542,7 +6396,7 @@
     </a:clrScheme>
     <a:fontScheme name="Office">
       <a:majorFont>
-        <a:latin typeface="等线 Light" panose="020F0302020204030204"/>
+        <a:latin typeface="等线 Light"/>
         <a:ea typeface=""/>
         <a:cs typeface=""/>
         <a:font script="Jpan" typeface="游ゴシック Light"/>
@@ -4575,26 +6429,9 @@
         <a:font script="Viet" typeface="Times New Roman"/>
         <a:font script="Uigh" typeface="Microsoft Uighur"/>
         <a:font script="Geor" typeface="Sylfaen"/>
-        <a:font script="Armn" typeface="Arial"/>
-        <a:font script="Bugi" typeface="Leelawadee UI"/>
-        <a:font script="Bopo" typeface="Microsoft JhengHei"/>
-        <a:font script="Java" typeface="Javanese Text"/>
-        <a:font script="Lisu" typeface="Segoe UI"/>
-        <a:font script="Mymr" typeface="Myanmar Text"/>
-        <a:font script="Nkoo" typeface="Ebrima"/>
-        <a:font script="Olck" typeface="Nirmala UI"/>
-        <a:font script="Osma" typeface="Ebrima"/>
-        <a:font script="Phag" typeface="Phagspa"/>
-        <a:font script="Syrn" typeface="Estrangelo Edessa"/>
-        <a:font script="Syrj" typeface="Estrangelo Edessa"/>
-        <a:font script="Syre" typeface="Estrangelo Edessa"/>
-        <a:font script="Sora" typeface="Nirmala UI"/>
-        <a:font script="Tale" typeface="Microsoft Tai Le"/>
-        <a:font script="Talu" typeface="Microsoft New Tai Lue"/>
-        <a:font script="Tfng" typeface="Ebrima"/>
       </a:majorFont>
       <a:minorFont>
-        <a:latin typeface="等线" panose="020F0502020204030204"/>
+        <a:latin typeface="等线"/>
         <a:ea typeface=""/>
         <a:cs typeface=""/>
         <a:font script="Jpan" typeface="游ゴシック"/>
@@ -4627,23 +6464,6 @@
         <a:font script="Viet" typeface="Arial"/>
         <a:font script="Uigh" typeface="Microsoft Uighur"/>
         <a:font script="Geor" typeface="Sylfaen"/>
-        <a:font script="Armn" typeface="Arial"/>
-        <a:font script="Bugi" typeface="Leelawadee UI"/>
-        <a:font script="Bopo" typeface="Microsoft JhengHei"/>
-        <a:font script="Java" typeface="Javanese Text"/>
-        <a:font script="Lisu" typeface="Segoe UI"/>
-        <a:font script="Mymr" typeface="Myanmar Text"/>
-        <a:font script="Nkoo" typeface="Ebrima"/>
-        <a:font script="Olck" typeface="Nirmala UI"/>
-        <a:font script="Osma" typeface="Ebrima"/>
-        <a:font script="Phag" typeface="Phagspa"/>
-        <a:font script="Syrn" typeface="Estrangelo Edessa"/>
-        <a:font script="Syrj" typeface="Estrangelo Edessa"/>
-        <a:font script="Syre" typeface="Estrangelo Edessa"/>
-        <a:font script="Sora" typeface="Nirmala UI"/>
-        <a:font script="Tale" typeface="Microsoft Tai Le"/>
-        <a:font script="Talu" typeface="Microsoft New Tai Lue"/>
-        <a:font script="Tfng" typeface="Ebrima"/>
       </a:minorFont>
     </a:fontScheme>
     <a:fmtScheme name="Office">
@@ -4784,8 +6604,265 @@
       </a:bgFillStyleLst>
     </a:fmtScheme>
   </a:themeElements>
-  <a:objectDefaults/>
-  <a:extraClrSchemeLst/>
+  <a:extLst>
+    <a:ext uri="{05A4C25C-085E-4340-85A3-A5531E510DB2}">
+      <thm15:themeFamily xmlns:thm15="http://schemas.microsoft.com/office/thememl/2012/main" name="Office Theme" id="{62F939B6-93AF-4DB8-9C6B-D6C7DFDC589F}" vid="{4A3C46E8-61CC-4603-A589-7422A47A8E4A}"/>
+    </a:ext>
+  </a:extLst>
+</a:theme>
+</file>
+
+<file path=ppt/theme/theme2.xml><?xml version="1.0" encoding="utf-8"?>
+<a:theme xmlns:a="http://schemas.openxmlformats.org/drawingml/2006/main" name="Office 主题">
+  <a:themeElements>
+    <a:clrScheme name="Office">
+      <a:dk1>
+        <a:sysClr val="windowText" lastClr="000000"/>
+      </a:dk1>
+      <a:lt1>
+        <a:sysClr val="window" lastClr="FFFFFF"/>
+      </a:lt1>
+      <a:dk2>
+        <a:srgbClr val="44546A"/>
+      </a:dk2>
+      <a:lt2>
+        <a:srgbClr val="E7E6E6"/>
+      </a:lt2>
+      <a:accent1>
+        <a:srgbClr val="5B9BD5"/>
+      </a:accent1>
+      <a:accent2>
+        <a:srgbClr val="ED7D31"/>
+      </a:accent2>
+      <a:accent3>
+        <a:srgbClr val="A5A5A5"/>
+      </a:accent3>
+      <a:accent4>
+        <a:srgbClr val="FFC000"/>
+      </a:accent4>
+      <a:accent5>
+        <a:srgbClr val="4472C4"/>
+      </a:accent5>
+      <a:accent6>
+        <a:srgbClr val="70AD47"/>
+      </a:accent6>
+      <a:hlink>
+        <a:srgbClr val="0563C1"/>
+      </a:hlink>
+      <a:folHlink>
+        <a:srgbClr val="954F72"/>
+      </a:folHlink>
+    </a:clrScheme>
+    <a:fontScheme name="Office">
+      <a:majorFont>
+        <a:latin typeface="Calibri Light"/>
+        <a:ea typeface=""/>
+        <a:cs typeface=""/>
+        <a:font script="Jpan" typeface="ＭＳ Ｐゴシック"/>
+        <a:font script="Hang" typeface="맑은 고딕"/>
+        <a:font script="Hans" typeface="宋体"/>
+        <a:font script="Hant" typeface="新細明體"/>
+        <a:font script="Arab" typeface="Times New Roman"/>
+        <a:font script="Hebr" typeface="Times New Roman"/>
+        <a:font script="Thai" typeface="Angsana New"/>
+        <a:font script="Ethi" typeface="Nyala"/>
+        <a:font script="Beng" typeface="Vrinda"/>
+        <a:font script="Gujr" typeface="Shruti"/>
+        <a:font script="Khmr" typeface="MoolBoran"/>
+        <a:font script="Knda" typeface="Tunga"/>
+        <a:font script="Guru" typeface="Raavi"/>
+        <a:font script="Cans" typeface="Euphemia"/>
+        <a:font script="Cher" typeface="Plantagenet Cherokee"/>
+        <a:font script="Yiii" typeface="Microsoft Yi Baiti"/>
+        <a:font script="Tibt" typeface="Microsoft Himalaya"/>
+        <a:font script="Thaa" typeface="MV Boli"/>
+        <a:font script="Deva" typeface="Mangal"/>
+        <a:font script="Telu" typeface="Gautami"/>
+        <a:font script="Taml" typeface="Latha"/>
+        <a:font script="Syrc" typeface="Estrangelo Edessa"/>
+        <a:font script="Orya" typeface="Kalinga"/>
+        <a:font script="Mlym" typeface="Kartika"/>
+        <a:font script="Laoo" typeface="DokChampa"/>
+        <a:font script="Sinh" typeface="Iskoola Pota"/>
+        <a:font script="Mong" typeface="Mongolian Baiti"/>
+        <a:font script="Viet" typeface="Times New Roman"/>
+        <a:font script="Uigh" typeface="Microsoft Uighur"/>
+        <a:font script="Geor" typeface="Sylfaen"/>
+      </a:majorFont>
+      <a:minorFont>
+        <a:latin typeface="Calibri"/>
+        <a:ea typeface=""/>
+        <a:cs typeface=""/>
+        <a:font script="Jpan" typeface="ＭＳ Ｐゴシック"/>
+        <a:font script="Hang" typeface="맑은 고딕"/>
+        <a:font script="Hans" typeface="宋体"/>
+        <a:font script="Hant" typeface="新細明體"/>
+        <a:font script="Arab" typeface="Arial"/>
+        <a:font script="Hebr" typeface="Arial"/>
+        <a:font script="Thai" typeface="Cordia New"/>
+        <a:font script="Ethi" typeface="Nyala"/>
+        <a:font script="Beng" typeface="Vrinda"/>
+        <a:font script="Gujr" typeface="Shruti"/>
+        <a:font script="Khmr" typeface="DaunPenh"/>
+        <a:font script="Knda" typeface="Tunga"/>
+        <a:font script="Guru" typeface="Raavi"/>
+        <a:font script="Cans" typeface="Euphemia"/>
+        <a:font script="Cher" typeface="Plantagenet Cherokee"/>
+        <a:font script="Yiii" typeface="Microsoft Yi Baiti"/>
+        <a:font script="Tibt" typeface="Microsoft Himalaya"/>
+        <a:font script="Thaa" typeface="MV Boli"/>
+        <a:font script="Deva" typeface="Mangal"/>
+        <a:font script="Telu" typeface="Gautami"/>
+        <a:font script="Taml" typeface="Latha"/>
+        <a:font script="Syrc" typeface="Estrangelo Edessa"/>
+        <a:font script="Orya" typeface="Kalinga"/>
+        <a:font script="Mlym" typeface="Kartika"/>
+        <a:font script="Laoo" typeface="DokChampa"/>
+        <a:font script="Sinh" typeface="Iskoola Pota"/>
+        <a:font script="Mong" typeface="Mongolian Baiti"/>
+        <a:font script="Viet" typeface="Arial"/>
+        <a:font script="Uigh" typeface="Microsoft Uighur"/>
+        <a:font script="Geor" typeface="Sylfaen"/>
+      </a:minorFont>
+    </a:fontScheme>
+    <a:fmtScheme name="Office">
+      <a:fillStyleLst>
+        <a:solidFill>
+          <a:schemeClr val="phClr"/>
+        </a:solidFill>
+        <a:gradFill rotWithShape="1">
+          <a:gsLst>
+            <a:gs pos="0">
+              <a:schemeClr val="phClr">
+                <a:lumMod val="110000"/>
+                <a:satMod val="105000"/>
+                <a:tint val="67000"/>
+              </a:schemeClr>
+            </a:gs>
+            <a:gs pos="50000">
+              <a:schemeClr val="phClr">
+                <a:lumMod val="105000"/>
+                <a:satMod val="103000"/>
+                <a:tint val="73000"/>
+              </a:schemeClr>
+            </a:gs>
+            <a:gs pos="100000">
+              <a:schemeClr val="phClr">
+                <a:lumMod val="105000"/>
+                <a:satMod val="109000"/>
+                <a:tint val="81000"/>
+              </a:schemeClr>
+            </a:gs>
+          </a:gsLst>
+          <a:lin ang="5400000" scaled="0"/>
+        </a:gradFill>
+        <a:gradFill rotWithShape="1">
+          <a:gsLst>
+            <a:gs pos="0">
+              <a:schemeClr val="phClr">
+                <a:satMod val="103000"/>
+                <a:lumMod val="102000"/>
+                <a:tint val="94000"/>
+              </a:schemeClr>
+            </a:gs>
+            <a:gs pos="50000">
+              <a:schemeClr val="phClr">
+                <a:satMod val="110000"/>
+                <a:lumMod val="100000"/>
+                <a:shade val="100000"/>
+              </a:schemeClr>
+            </a:gs>
+            <a:gs pos="100000">
+              <a:schemeClr val="phClr">
+                <a:lumMod val="99000"/>
+                <a:satMod val="120000"/>
+                <a:shade val="78000"/>
+              </a:schemeClr>
+            </a:gs>
+          </a:gsLst>
+          <a:lin ang="5400000" scaled="0"/>
+        </a:gradFill>
+      </a:fillStyleLst>
+      <a:lnStyleLst>
+        <a:ln w="6350" cap="flat" cmpd="sng" algn="ctr">
+          <a:solidFill>
+            <a:schemeClr val="phClr"/>
+          </a:solidFill>
+          <a:prstDash val="solid"/>
+          <a:miter lim="800000"/>
+        </a:ln>
+        <a:ln w="12700" cap="flat" cmpd="sng" algn="ctr">
+          <a:solidFill>
+            <a:schemeClr val="phClr"/>
+          </a:solidFill>
+          <a:prstDash val="solid"/>
+          <a:miter lim="800000"/>
+        </a:ln>
+        <a:ln w="19050" cap="flat" cmpd="sng" algn="ctr">
+          <a:solidFill>
+            <a:schemeClr val="phClr"/>
+          </a:solidFill>
+          <a:prstDash val="solid"/>
+          <a:miter lim="800000"/>
+        </a:ln>
+      </a:lnStyleLst>
+      <a:effectStyleLst>
+        <a:effectStyle>
+          <a:effectLst/>
+        </a:effectStyle>
+        <a:effectStyle>
+          <a:effectLst/>
+        </a:effectStyle>
+        <a:effectStyle>
+          <a:effectLst>
+            <a:outerShdw blurRad="57150" dist="19050" dir="5400000" algn="ctr" rotWithShape="0">
+              <a:srgbClr val="000000">
+                <a:alpha val="63000"/>
+              </a:srgbClr>
+            </a:outerShdw>
+          </a:effectLst>
+        </a:effectStyle>
+      </a:effectStyleLst>
+      <a:bgFillStyleLst>
+        <a:solidFill>
+          <a:schemeClr val="phClr"/>
+        </a:solidFill>
+        <a:solidFill>
+          <a:schemeClr val="phClr">
+            <a:tint val="95000"/>
+            <a:satMod val="170000"/>
+          </a:schemeClr>
+        </a:solidFill>
+        <a:gradFill rotWithShape="1">
+          <a:gsLst>
+            <a:gs pos="0">
+              <a:schemeClr val="phClr">
+                <a:tint val="93000"/>
+                <a:satMod val="150000"/>
+                <a:shade val="98000"/>
+                <a:lumMod val="102000"/>
+              </a:schemeClr>
+            </a:gs>
+            <a:gs pos="50000">
+              <a:schemeClr val="phClr">
+                <a:tint val="98000"/>
+                <a:satMod val="130000"/>
+                <a:shade val="90000"/>
+                <a:lumMod val="103000"/>
+              </a:schemeClr>
+            </a:gs>
+            <a:gs pos="100000">
+              <a:schemeClr val="phClr">
+                <a:shade val="63000"/>
+                <a:satMod val="120000"/>
+              </a:schemeClr>
+            </a:gs>
+          </a:gsLst>
+          <a:lin ang="5400000" scaled="0"/>
+        </a:gradFill>
+      </a:bgFillStyleLst>
+    </a:fmtScheme>
+  </a:themeElements>
   <a:extLst>
     <a:ext uri="{05A4C25C-085E-4340-85A3-A5531E510DB2}">
       <thm15:themeFamily xmlns:thm15="http://schemas.microsoft.com/office/thememl/2012/main" name="Office Theme" id="{62F939B6-93AF-4DB8-9C6B-D6C7DFDC589F}" vid="{4A3C46E8-61CC-4603-A589-7422A47A8E4A}"/>

--- a/Homework4/Question6/Initial_Project_Ideas.pptx
+++ b/Homework4/Question6/Initial_Project_Ideas.pptx
@@ -2,29 +2,29 @@
 <file path=ppt/presentation.xml><?xml version="1.0" encoding="utf-8"?>
 <p:presentation xmlns:a="http://schemas.openxmlformats.org/drawingml/2006/main" xmlns:r="http://schemas.openxmlformats.org/officeDocument/2006/relationships" xmlns:p="http://schemas.openxmlformats.org/presentationml/2006/main">
   <p:sldMasterIdLst>
-    <p:sldMasterId id="2147483648" r:id="rId1"/>
+    <p:sldMasterId id="2147483660" r:id="rId1"/>
   </p:sldMasterIdLst>
   <p:notesMasterIdLst>
-    <p:notesMasterId r:id="rId7"/>
+    <p:notesMasterId r:id="rId8"/>
   </p:notesMasterIdLst>
   <p:sldIdLst>
-    <p:sldId id="256" r:id="rId3"/>
-    <p:sldId id="257" r:id="rId4"/>
-    <p:sldId id="259" r:id="rId5"/>
-    <p:sldId id="258" r:id="rId6"/>
-    <p:sldId id="261" r:id="rId8"/>
-    <p:sldId id="260" r:id="rId9"/>
+    <p:sldId id="256" r:id="rId2"/>
+    <p:sldId id="257" r:id="rId3"/>
+    <p:sldId id="262" r:id="rId4"/>
+    <p:sldId id="263" r:id="rId5"/>
+    <p:sldId id="261" r:id="rId6"/>
+    <p:sldId id="260" r:id="rId7"/>
   </p:sldIdLst>
   <p:sldSz cx="12192000" cy="6858000"/>
   <p:notesSz cx="6858000" cy="9144000"/>
   <p:custDataLst>
-    <p:tags r:id="rId13"/>
+    <p:tags r:id="rId9"/>
   </p:custDataLst>
   <p:defaultTextStyle>
     <a:defPPr>
-      <a:defRPr lang="zh-CN"/>
+      <a:defRPr lang="en-US"/>
     </a:defPPr>
-    <a:lvl1pPr marL="0" algn="l" defTabSz="914400" rtl="0" eaLnBrk="1" latinLnBrk="0" hangingPunct="1">
+    <a:lvl1pPr marL="0" algn="l" defTabSz="457200" rtl="0" eaLnBrk="1" latinLnBrk="0" hangingPunct="1">
       <a:defRPr sz="1800" kern="1200">
         <a:solidFill>
           <a:schemeClr val="tx1"/>
@@ -34,7 +34,7 @@
         <a:cs typeface="+mn-cs"/>
       </a:defRPr>
     </a:lvl1pPr>
-    <a:lvl2pPr marL="457200" algn="l" defTabSz="914400" rtl="0" eaLnBrk="1" latinLnBrk="0" hangingPunct="1">
+    <a:lvl2pPr marL="457200" algn="l" defTabSz="457200" rtl="0" eaLnBrk="1" latinLnBrk="0" hangingPunct="1">
       <a:defRPr sz="1800" kern="1200">
         <a:solidFill>
           <a:schemeClr val="tx1"/>
@@ -44,7 +44,7 @@
         <a:cs typeface="+mn-cs"/>
       </a:defRPr>
     </a:lvl2pPr>
-    <a:lvl3pPr marL="914400" algn="l" defTabSz="914400" rtl="0" eaLnBrk="1" latinLnBrk="0" hangingPunct="1">
+    <a:lvl3pPr marL="914400" algn="l" defTabSz="457200" rtl="0" eaLnBrk="1" latinLnBrk="0" hangingPunct="1">
       <a:defRPr sz="1800" kern="1200">
         <a:solidFill>
           <a:schemeClr val="tx1"/>
@@ -54,7 +54,7 @@
         <a:cs typeface="+mn-cs"/>
       </a:defRPr>
     </a:lvl3pPr>
-    <a:lvl4pPr marL="1371600" algn="l" defTabSz="914400" rtl="0" eaLnBrk="1" latinLnBrk="0" hangingPunct="1">
+    <a:lvl4pPr marL="1371600" algn="l" defTabSz="457200" rtl="0" eaLnBrk="1" latinLnBrk="0" hangingPunct="1">
       <a:defRPr sz="1800" kern="1200">
         <a:solidFill>
           <a:schemeClr val="tx1"/>
@@ -64,7 +64,7 @@
         <a:cs typeface="+mn-cs"/>
       </a:defRPr>
     </a:lvl4pPr>
-    <a:lvl5pPr marL="1828800" algn="l" defTabSz="914400" rtl="0" eaLnBrk="1" latinLnBrk="0" hangingPunct="1">
+    <a:lvl5pPr marL="1828800" algn="l" defTabSz="457200" rtl="0" eaLnBrk="1" latinLnBrk="0" hangingPunct="1">
       <a:defRPr sz="1800" kern="1200">
         <a:solidFill>
           <a:schemeClr val="tx1"/>
@@ -74,7 +74,7 @@
         <a:cs typeface="+mn-cs"/>
       </a:defRPr>
     </a:lvl5pPr>
-    <a:lvl6pPr marL="2286000" algn="l" defTabSz="914400" rtl="0" eaLnBrk="1" latinLnBrk="0" hangingPunct="1">
+    <a:lvl6pPr marL="2286000" algn="l" defTabSz="457200" rtl="0" eaLnBrk="1" latinLnBrk="0" hangingPunct="1">
       <a:defRPr sz="1800" kern="1200">
         <a:solidFill>
           <a:schemeClr val="tx1"/>
@@ -84,7 +84,7 @@
         <a:cs typeface="+mn-cs"/>
       </a:defRPr>
     </a:lvl6pPr>
-    <a:lvl7pPr marL="2743200" algn="l" defTabSz="914400" rtl="0" eaLnBrk="1" latinLnBrk="0" hangingPunct="1">
+    <a:lvl7pPr marL="2743200" algn="l" defTabSz="457200" rtl="0" eaLnBrk="1" latinLnBrk="0" hangingPunct="1">
       <a:defRPr sz="1800" kern="1200">
         <a:solidFill>
           <a:schemeClr val="tx1"/>
@@ -94,7 +94,7 @@
         <a:cs typeface="+mn-cs"/>
       </a:defRPr>
     </a:lvl7pPr>
-    <a:lvl8pPr marL="3200400" algn="l" defTabSz="914400" rtl="0" eaLnBrk="1" latinLnBrk="0" hangingPunct="1">
+    <a:lvl8pPr marL="3200400" algn="l" defTabSz="457200" rtl="0" eaLnBrk="1" latinLnBrk="0" hangingPunct="1">
       <a:defRPr sz="1800" kern="1200">
         <a:solidFill>
           <a:schemeClr val="tx1"/>
@@ -104,7 +104,7 @@
         <a:cs typeface="+mn-cs"/>
       </a:defRPr>
     </a:lvl8pPr>
-    <a:lvl9pPr marL="3657600" algn="l" defTabSz="914400" rtl="0" eaLnBrk="1" latinLnBrk="0" hangingPunct="1">
+    <a:lvl9pPr marL="3657600" algn="l" defTabSz="457200" rtl="0" eaLnBrk="1" latinLnBrk="0" hangingPunct="1">
       <a:defRPr sz="1800" kern="1200">
         <a:solidFill>
           <a:schemeClr val="tx1"/>
@@ -115,6 +115,11 @@
       </a:defRPr>
     </a:lvl9pPr>
   </p:defaultTextStyle>
+  <p:extLst>
+    <p:ext uri="{EFAFB233-063F-42B5-8137-9DF3F51BA10A}">
+      <p15:sldGuideLst xmlns:p15="http://schemas.microsoft.com/office/powerpoint/2012/main"/>
+    </p:ext>
+  </p:extLst>
 </p:presentation>
 </file>
 
@@ -200,6 +205,7 @@
           <a:p>
             <a:fld id="{D2A48B96-639E-45A3-A0BA-2464DFDB1FAA}" type="datetimeFigureOut">
               <a:rPr lang="zh-CN" altLang="en-US" smtClean="0"/>
+              <a:t>2023/10/21</a:t>
             </a:fld>
             <a:endParaRPr lang="zh-CN" altLang="en-US"/>
           </a:p>
@@ -263,42 +269,37 @@
           <a:p>
             <a:pPr lvl="0"/>
             <a:r>
-              <a:rPr lang="zh-CN" altLang="en-US" smtClean="0"/>
+              <a:rPr lang="zh-CN" altLang="en-US"/>
               <a:t>单击此处编辑母版文本样式</a:t>
             </a:r>
-            <a:endParaRPr lang="zh-CN" altLang="en-US" smtClean="0"/>
           </a:p>
           <a:p>
             <a:pPr lvl="1"/>
             <a:r>
-              <a:rPr lang="zh-CN" altLang="en-US" smtClean="0"/>
+              <a:rPr lang="zh-CN" altLang="en-US"/>
               <a:t>第二级</a:t>
             </a:r>
-            <a:endParaRPr lang="zh-CN" altLang="en-US" smtClean="0"/>
           </a:p>
           <a:p>
             <a:pPr lvl="2"/>
             <a:r>
-              <a:rPr lang="zh-CN" altLang="en-US" smtClean="0"/>
+              <a:rPr lang="zh-CN" altLang="en-US"/>
               <a:t>第三级</a:t>
             </a:r>
-            <a:endParaRPr lang="zh-CN" altLang="en-US" smtClean="0"/>
           </a:p>
           <a:p>
             <a:pPr lvl="3"/>
             <a:r>
-              <a:rPr lang="zh-CN" altLang="en-US" smtClean="0"/>
+              <a:rPr lang="zh-CN" altLang="en-US"/>
               <a:t>第四级</a:t>
             </a:r>
-            <a:endParaRPr lang="zh-CN" altLang="en-US" smtClean="0"/>
           </a:p>
           <a:p>
             <a:pPr lvl="4"/>
             <a:r>
-              <a:rPr lang="zh-CN" altLang="en-US" smtClean="0"/>
+              <a:rPr lang="zh-CN" altLang="en-US"/>
               <a:t>第五级</a:t>
             </a:r>
-            <a:endParaRPr lang="zh-CN" altLang="en-US"/>
           </a:p>
         </p:txBody>
       </p:sp>
@@ -362,6 +363,7 @@
           <a:p>
             <a:fld id="{A6837353-30EB-4A48-80EB-173D804AEFBD}" type="slidenum">
               <a:rPr lang="zh-CN" altLang="en-US" smtClean="0"/>
+              <a:t>‹#›</a:t>
             </a:fld>
             <a:endParaRPr lang="zh-CN" altLang="en-US"/>
           </a:p>
@@ -474,11 +476,20 @@
         <p:cNvGrpSpPr/>
         <p:nvPr/>
       </p:nvGrpSpPr>
-      <p:grpSpPr/>
+      <p:grpSpPr>
+        <a:xfrm>
+          <a:off x="0" y="0"/>
+          <a:ext cx="0" cy="0"/>
+          <a:chOff x="0" y="0"/>
+          <a:chExt cx="0" cy="0"/>
+        </a:xfrm>
+      </p:grpSpPr>
       <p:sp>
         <p:nvSpPr>
           <p:cNvPr id="2" name="幻灯片图像占位符 1"/>
-          <p:cNvSpPr/>
+          <p:cNvSpPr>
+            <a:spLocks noGrp="1" noRot="1" noChangeAspect="1"/>
+          </p:cNvSpPr>
           <p:nvPr>
             <p:ph type="sldImg" idx="2"/>
           </p:nvPr>
@@ -488,7 +499,9 @@
       <p:sp>
         <p:nvSpPr>
           <p:cNvPr id="3" name="文本占位符 2"/>
-          <p:cNvSpPr/>
+          <p:cNvSpPr>
+            <a:spLocks noGrp="1"/>
+          </p:cNvSpPr>
           <p:nvPr>
             <p:ph type="body" idx="3"/>
           </p:nvPr>
@@ -496,65 +509,7 @@
         <p:spPr/>
         <p:txBody>
           <a:bodyPr/>
-          <a:p>
-            <a:r>
-              <a:rPr lang="zh-CN" altLang="en-US">
-                <a:sym typeface="+mn-ea"/>
-              </a:rPr>
-              <a:t>ExoPlayer: A powerful, flexible media playback library for Android that supports audio and various streaming formats.</a:t>
-            </a:r>
-            <a:endParaRPr lang="zh-CN" altLang="en-US"/>
-          </a:p>
-          <a:p>
-            <a:r>
-              <a:rPr lang="zh-CN" altLang="en-US">
-                <a:sym typeface="+mn-ea"/>
-              </a:rPr>
-              <a:t>Glide: To efficiently load and display album arts.</a:t>
-            </a:r>
-            <a:endParaRPr lang="zh-CN" altLang="en-US"/>
-          </a:p>
-        </p:txBody>
-      </p:sp>
-    </p:spTree>
-  </p:cSld>
-  <p:clrMapOvr>
-    <a:masterClrMapping/>
-  </p:clrMapOvr>
-</p:notes>
-</file>
-
-<file path=ppt/notesSlides/notesSlide2.xml><?xml version="1.0" encoding="utf-8"?>
-<p:notes xmlns:a="http://schemas.openxmlformats.org/drawingml/2006/main" xmlns:r="http://schemas.openxmlformats.org/officeDocument/2006/relationships" xmlns:p="http://schemas.openxmlformats.org/presentationml/2006/main">
-  <p:cSld>
-    <p:spTree>
-      <p:nvGrpSpPr>
-        <p:cNvPr id="1" name=""/>
-        <p:cNvGrpSpPr/>
-        <p:nvPr/>
-      </p:nvGrpSpPr>
-      <p:grpSpPr/>
-      <p:sp>
-        <p:nvSpPr>
-          <p:cNvPr id="2" name="幻灯片图像占位符 1"/>
-          <p:cNvSpPr/>
-          <p:nvPr>
-            <p:ph type="sldImg" idx="2"/>
-          </p:nvPr>
-        </p:nvSpPr>
-        <p:spPr/>
-      </p:sp>
-      <p:sp>
-        <p:nvSpPr>
-          <p:cNvPr id="3" name="文本占位符 2"/>
-          <p:cNvSpPr/>
-          <p:nvPr>
-            <p:ph type="body" idx="3"/>
-          </p:nvPr>
-        </p:nvSpPr>
-        <p:spPr/>
-        <p:txBody>
-          <a:bodyPr/>
+          <a:lstStyle/>
           <a:p>
             <a:r>
               <a:rPr lang="zh-CN" altLang="en-US" b="1">
@@ -747,7 +702,7 @@
       </p:grpSpPr>
       <p:sp>
         <p:nvSpPr>
-          <p:cNvPr id="2" name="标题 1"/>
+          <p:cNvPr id="2" name="Title 1"/>
           <p:cNvSpPr>
             <a:spLocks noGrp="1"/>
           </p:cNvSpPr>
@@ -757,15 +712,49 @@
         </p:nvSpPr>
         <p:spPr>
           <a:xfrm>
-            <a:off x="1524000" y="1122363"/>
-            <a:ext cx="9144000" cy="2387600"/>
+            <a:off x="2209800" y="4464028"/>
+            <a:ext cx="9144000" cy="1641490"/>
           </a:xfrm>
         </p:spPr>
         <p:txBody>
-          <a:bodyPr anchor="b"/>
+          <a:bodyPr wrap="none" anchor="t">
+            <a:normAutofit/>
+          </a:bodyPr>
           <a:lstStyle>
-            <a:lvl1pPr algn="ctr">
-              <a:defRPr sz="6000"/>
+            <a:lvl1pPr algn="r">
+              <a:defRPr sz="9600" b="0" spc="-300">
+                <a:gradFill flip="none" rotWithShape="1">
+                  <a:gsLst>
+                    <a:gs pos="32000">
+                      <a:schemeClr val="tx1">
+                        <a:lumMod val="89000"/>
+                      </a:schemeClr>
+                    </a:gs>
+                    <a:gs pos="0">
+                      <a:schemeClr val="bg1">
+                        <a:lumMod val="41000"/>
+                        <a:lumOff val="59000"/>
+                      </a:schemeClr>
+                    </a:gs>
+                    <a:gs pos="100000">
+                      <a:schemeClr val="tx2">
+                        <a:lumMod val="0"/>
+                        <a:lumOff val="100000"/>
+                      </a:schemeClr>
+                    </a:gs>
+                  </a:gsLst>
+                  <a:lin ang="8100000" scaled="1"/>
+                  <a:tileRect/>
+                </a:gradFill>
+                <a:effectLst>
+                  <a:outerShdw blurRad="469900" dist="342900" dir="5400000" sy="-20000" rotWithShape="0">
+                    <a:prstClr val="black">
+                      <a:alpha val="66000"/>
+                    </a:prstClr>
+                  </a:outerShdw>
+                </a:effectLst>
+                <a:latin typeface="+mj-lt"/>
+              </a:defRPr>
             </a:lvl1pPr>
           </a:lstStyle>
           <a:p>
@@ -773,13 +762,13 @@
               <a:rPr lang="zh-CN" altLang="en-US"/>
               <a:t>单击此处编辑母版标题样式</a:t>
             </a:r>
-            <a:endParaRPr lang="zh-CN" altLang="en-US"/>
-          </a:p>
-        </p:txBody>
-      </p:sp>
-      <p:sp>
-        <p:nvSpPr>
-          <p:cNvPr id="3" name="副标题 2"/>
+            <a:endParaRPr lang="en-US" dirty="0"/>
+          </a:p>
+        </p:txBody>
+      </p:sp>
+      <p:sp>
+        <p:nvSpPr>
+          <p:cNvPr id="3" name="Subtitle 2"/>
           <p:cNvSpPr>
             <a:spLocks noGrp="1"/>
           </p:cNvSpPr>
@@ -789,16 +778,47 @@
         </p:nvSpPr>
         <p:spPr>
           <a:xfrm>
-            <a:off x="1524000" y="3602038"/>
-            <a:ext cx="9144000" cy="1655762"/>
+            <a:off x="2209799" y="3694375"/>
+            <a:ext cx="9144000" cy="754025"/>
           </a:xfrm>
         </p:spPr>
         <p:txBody>
-          <a:bodyPr/>
+          <a:bodyPr anchor="b">
+            <a:normAutofit/>
+          </a:bodyPr>
           <a:lstStyle>
-            <a:lvl1pPr marL="0" indent="0" algn="ctr">
-              <a:buNone/>
-              <a:defRPr sz="2400"/>
+            <a:lvl1pPr marL="0" indent="0" algn="r">
+              <a:buNone/>
+              <a:defRPr sz="3200" b="0">
+                <a:gradFill flip="none" rotWithShape="1">
+                  <a:gsLst>
+                    <a:gs pos="15000">
+                      <a:schemeClr val="tx2"/>
+                    </a:gs>
+                    <a:gs pos="73000">
+                      <a:schemeClr val="tx2">
+                        <a:lumMod val="60000"/>
+                        <a:lumOff val="40000"/>
+                      </a:schemeClr>
+                    </a:gs>
+                    <a:gs pos="0">
+                      <a:schemeClr val="tx2">
+                        <a:lumMod val="90000"/>
+                        <a:lumOff val="10000"/>
+                      </a:schemeClr>
+                    </a:gs>
+                    <a:gs pos="100000">
+                      <a:schemeClr val="tx2">
+                        <a:lumMod val="0"/>
+                        <a:lumOff val="100000"/>
+                      </a:schemeClr>
+                    </a:gs>
+                  </a:gsLst>
+                  <a:lin ang="16200000" scaled="1"/>
+                  <a:tileRect/>
+                </a:gradFill>
+                <a:latin typeface="+mj-lt"/>
+              </a:defRPr>
             </a:lvl1pPr>
             <a:lvl2pPr marL="457200" indent="0" algn="ctr">
               <a:buNone/>
@@ -838,13 +858,13 @@
               <a:rPr lang="zh-CN" altLang="en-US"/>
               <a:t>单击此处编辑母版副标题样式</a:t>
             </a:r>
-            <a:endParaRPr lang="zh-CN" altLang="en-US"/>
-          </a:p>
-        </p:txBody>
-      </p:sp>
-      <p:sp>
-        <p:nvSpPr>
-          <p:cNvPr id="4" name="日期占位符 3"/>
+            <a:endParaRPr lang="en-US" dirty="0"/>
+          </a:p>
+        </p:txBody>
+      </p:sp>
+      <p:sp>
+        <p:nvSpPr>
+          <p:cNvPr id="7" name="Date Placeholder 6"/>
           <p:cNvSpPr>
             <a:spLocks noGrp="1"/>
           </p:cNvSpPr>
@@ -859,6 +879,7 @@
           <a:p>
             <a:fld id="{BE4B96D9-44D6-4120-8176-61B5C7CD77D9}" type="datetimeFigureOut">
               <a:rPr lang="zh-CN" altLang="en-US" smtClean="0"/>
+              <a:t>2023/10/21</a:t>
             </a:fld>
             <a:endParaRPr lang="zh-CN" altLang="en-US"/>
           </a:p>
@@ -866,7 +887,7 @@
       </p:sp>
       <p:sp>
         <p:nvSpPr>
-          <p:cNvPr id="5" name="页脚占位符 4"/>
+          <p:cNvPr id="8" name="Footer Placeholder 7"/>
           <p:cNvSpPr>
             <a:spLocks noGrp="1"/>
           </p:cNvSpPr>
@@ -885,7 +906,7 @@
       </p:sp>
       <p:sp>
         <p:nvSpPr>
-          <p:cNvPr id="6" name="灯片编号占位符 5"/>
+          <p:cNvPr id="9" name="Slide Number Placeholder 8"/>
           <p:cNvSpPr>
             <a:spLocks noGrp="1"/>
           </p:cNvSpPr>
@@ -900,12 +921,18 @@
           <a:p>
             <a:fld id="{AD1B264F-38A8-4E95-9DAF-2CFDC684D3F8}" type="slidenum">
               <a:rPr lang="zh-CN" altLang="en-US" smtClean="0"/>
+              <a:t>‹#›</a:t>
             </a:fld>
             <a:endParaRPr lang="zh-CN" altLang="en-US"/>
           </a:p>
         </p:txBody>
       </p:sp>
     </p:spTree>
+    <p:extLst>
+      <p:ext uri="{BB962C8B-B14F-4D97-AF65-F5344CB8AC3E}">
+        <p14:creationId xmlns:p14="http://schemas.microsoft.com/office/powerpoint/2010/main" val="755539174"/>
+      </p:ext>
+    </p:extLst>
   </p:cSld>
   <p:clrMapOvr>
     <a:masterClrMapping/>
@@ -914,6 +941,2543 @@
 </file>
 
 <file path=ppt/slideLayouts/slideLayout10.xml><?xml version="1.0" encoding="utf-8"?>
+<p:sldLayout xmlns:a="http://schemas.openxmlformats.org/drawingml/2006/main" xmlns:r="http://schemas.openxmlformats.org/officeDocument/2006/relationships" xmlns:p="http://schemas.openxmlformats.org/presentationml/2006/main" preserve="1">
+  <p:cSld name="带描述的全景图片">
+    <p:spTree>
+      <p:nvGrpSpPr>
+        <p:cNvPr id="1" name=""/>
+        <p:cNvGrpSpPr/>
+        <p:nvPr/>
+      </p:nvGrpSpPr>
+      <p:grpSpPr>
+        <a:xfrm>
+          <a:off x="0" y="0"/>
+          <a:ext cx="0" cy="0"/>
+          <a:chOff x="0" y="0"/>
+          <a:chExt cx="0" cy="0"/>
+        </a:xfrm>
+      </p:grpSpPr>
+      <p:sp>
+        <p:nvSpPr>
+          <p:cNvPr id="2" name="Title 1"/>
+          <p:cNvSpPr>
+            <a:spLocks noGrp="1"/>
+          </p:cNvSpPr>
+          <p:nvPr>
+            <p:ph type="title"/>
+          </p:nvPr>
+        </p:nvSpPr>
+        <p:spPr>
+          <a:xfrm>
+            <a:off x="839788" y="4367160"/>
+            <a:ext cx="10515600" cy="819355"/>
+          </a:xfrm>
+        </p:spPr>
+        <p:txBody>
+          <a:bodyPr anchor="b"/>
+          <a:lstStyle>
+            <a:lvl1pPr>
+              <a:defRPr sz="3200"/>
+            </a:lvl1pPr>
+          </a:lstStyle>
+          <a:p>
+            <a:r>
+              <a:rPr lang="zh-CN" altLang="en-US"/>
+              <a:t>单击此处编辑母版标题样式</a:t>
+            </a:r>
+            <a:endParaRPr lang="en-US" dirty="0"/>
+          </a:p>
+        </p:txBody>
+      </p:sp>
+      <p:sp>
+        <p:nvSpPr>
+          <p:cNvPr id="3" name="Picture Placeholder 2"/>
+          <p:cNvSpPr>
+            <a:spLocks noGrp="1" noChangeAspect="1"/>
+          </p:cNvSpPr>
+          <p:nvPr>
+            <p:ph type="pic" idx="1"/>
+          </p:nvPr>
+        </p:nvSpPr>
+        <p:spPr>
+          <a:xfrm>
+            <a:off x="839788" y="987425"/>
+            <a:ext cx="10515600" cy="3379735"/>
+          </a:xfrm>
+        </p:spPr>
+        <p:txBody>
+          <a:bodyPr anchor="t"/>
+          <a:lstStyle>
+            <a:lvl1pPr marL="0" indent="0">
+              <a:buNone/>
+              <a:defRPr sz="3200"/>
+            </a:lvl1pPr>
+            <a:lvl2pPr marL="457200" indent="0">
+              <a:buNone/>
+              <a:defRPr sz="2800"/>
+            </a:lvl2pPr>
+            <a:lvl3pPr marL="914400" indent="0">
+              <a:buNone/>
+              <a:defRPr sz="2400"/>
+            </a:lvl3pPr>
+            <a:lvl4pPr marL="1371600" indent="0">
+              <a:buNone/>
+              <a:defRPr sz="2000"/>
+            </a:lvl4pPr>
+            <a:lvl5pPr marL="1828800" indent="0">
+              <a:buNone/>
+              <a:defRPr sz="2000"/>
+            </a:lvl5pPr>
+            <a:lvl6pPr marL="2286000" indent="0">
+              <a:buNone/>
+              <a:defRPr sz="2000"/>
+            </a:lvl6pPr>
+            <a:lvl7pPr marL="2743200" indent="0">
+              <a:buNone/>
+              <a:defRPr sz="2000"/>
+            </a:lvl7pPr>
+            <a:lvl8pPr marL="3200400" indent="0">
+              <a:buNone/>
+              <a:defRPr sz="2000"/>
+            </a:lvl8pPr>
+            <a:lvl9pPr marL="3657600" indent="0">
+              <a:buNone/>
+              <a:defRPr sz="2000"/>
+            </a:lvl9pPr>
+          </a:lstStyle>
+          <a:p>
+            <a:r>
+              <a:rPr lang="zh-CN" altLang="en-US"/>
+              <a:t>单击图标添加图片</a:t>
+            </a:r>
+            <a:endParaRPr lang="en-US" dirty="0"/>
+          </a:p>
+        </p:txBody>
+      </p:sp>
+      <p:sp>
+        <p:nvSpPr>
+          <p:cNvPr id="4" name="Text Placeholder 3"/>
+          <p:cNvSpPr>
+            <a:spLocks noGrp="1"/>
+          </p:cNvSpPr>
+          <p:nvPr>
+            <p:ph type="body" sz="half" idx="2"/>
+          </p:nvPr>
+        </p:nvSpPr>
+        <p:spPr>
+          <a:xfrm>
+            <a:off x="839788" y="5186516"/>
+            <a:ext cx="10514012" cy="682472"/>
+          </a:xfrm>
+        </p:spPr>
+        <p:txBody>
+          <a:bodyPr/>
+          <a:lstStyle>
+            <a:lvl1pPr marL="0" indent="0">
+              <a:buNone/>
+              <a:defRPr sz="1600">
+                <a:gradFill>
+                  <a:gsLst>
+                    <a:gs pos="15000">
+                      <a:schemeClr val="tx2"/>
+                    </a:gs>
+                    <a:gs pos="73000">
+                      <a:schemeClr val="tx2">
+                        <a:lumMod val="60000"/>
+                        <a:lumOff val="40000"/>
+                      </a:schemeClr>
+                    </a:gs>
+                    <a:gs pos="0">
+                      <a:schemeClr val="tx1"/>
+                    </a:gs>
+                    <a:gs pos="100000">
+                      <a:schemeClr val="tx2">
+                        <a:lumMod val="0"/>
+                        <a:lumOff val="100000"/>
+                      </a:schemeClr>
+                    </a:gs>
+                  </a:gsLst>
+                  <a:lin ang="16200000" scaled="1"/>
+                </a:gradFill>
+              </a:defRPr>
+            </a:lvl1pPr>
+            <a:lvl2pPr marL="457200" indent="0">
+              <a:buNone/>
+              <a:defRPr sz="1400"/>
+            </a:lvl2pPr>
+            <a:lvl3pPr marL="914400" indent="0">
+              <a:buNone/>
+              <a:defRPr sz="1200"/>
+            </a:lvl3pPr>
+            <a:lvl4pPr marL="1371600" indent="0">
+              <a:buNone/>
+              <a:defRPr sz="1000"/>
+            </a:lvl4pPr>
+            <a:lvl5pPr marL="1828800" indent="0">
+              <a:buNone/>
+              <a:defRPr sz="1000"/>
+            </a:lvl5pPr>
+            <a:lvl6pPr marL="2286000" indent="0">
+              <a:buNone/>
+              <a:defRPr sz="1000"/>
+            </a:lvl6pPr>
+            <a:lvl7pPr marL="2743200" indent="0">
+              <a:buNone/>
+              <a:defRPr sz="1000"/>
+            </a:lvl7pPr>
+            <a:lvl8pPr marL="3200400" indent="0">
+              <a:buNone/>
+              <a:defRPr sz="1000"/>
+            </a:lvl8pPr>
+            <a:lvl9pPr marL="3657600" indent="0">
+              <a:buNone/>
+              <a:defRPr sz="1000"/>
+            </a:lvl9pPr>
+          </a:lstStyle>
+          <a:p>
+            <a:pPr lvl="0"/>
+            <a:r>
+              <a:rPr lang="zh-CN" altLang="en-US"/>
+              <a:t>单击此处编辑母版文本样式</a:t>
+            </a:r>
+          </a:p>
+        </p:txBody>
+      </p:sp>
+      <p:sp>
+        <p:nvSpPr>
+          <p:cNvPr id="5" name="Date Placeholder 4"/>
+          <p:cNvSpPr>
+            <a:spLocks noGrp="1"/>
+          </p:cNvSpPr>
+          <p:nvPr>
+            <p:ph type="dt" sz="half" idx="10"/>
+          </p:nvPr>
+        </p:nvSpPr>
+        <p:spPr/>
+        <p:txBody>
+          <a:bodyPr/>
+          <a:lstStyle/>
+          <a:p>
+            <a:fld id="{BE4B96D9-44D6-4120-8176-61B5C7CD77D9}" type="datetimeFigureOut">
+              <a:rPr lang="zh-CN" altLang="en-US" smtClean="0"/>
+              <a:t>2023/10/21</a:t>
+            </a:fld>
+            <a:endParaRPr lang="zh-CN" altLang="en-US"/>
+          </a:p>
+        </p:txBody>
+      </p:sp>
+      <p:sp>
+        <p:nvSpPr>
+          <p:cNvPr id="6" name="Footer Placeholder 5"/>
+          <p:cNvSpPr>
+            <a:spLocks noGrp="1"/>
+          </p:cNvSpPr>
+          <p:nvPr>
+            <p:ph type="ftr" sz="quarter" idx="11"/>
+          </p:nvPr>
+        </p:nvSpPr>
+        <p:spPr/>
+        <p:txBody>
+          <a:bodyPr/>
+          <a:lstStyle/>
+          <a:p>
+            <a:endParaRPr lang="zh-CN" altLang="en-US"/>
+          </a:p>
+        </p:txBody>
+      </p:sp>
+      <p:sp>
+        <p:nvSpPr>
+          <p:cNvPr id="7" name="Slide Number Placeholder 6"/>
+          <p:cNvSpPr>
+            <a:spLocks noGrp="1"/>
+          </p:cNvSpPr>
+          <p:nvPr>
+            <p:ph type="sldNum" sz="quarter" idx="12"/>
+          </p:nvPr>
+        </p:nvSpPr>
+        <p:spPr/>
+        <p:txBody>
+          <a:bodyPr/>
+          <a:lstStyle/>
+          <a:p>
+            <a:fld id="{AD1B264F-38A8-4E95-9DAF-2CFDC684D3F8}" type="slidenum">
+              <a:rPr lang="zh-CN" altLang="en-US" smtClean="0"/>
+              <a:t>‹#›</a:t>
+            </a:fld>
+            <a:endParaRPr lang="zh-CN" altLang="en-US"/>
+          </a:p>
+        </p:txBody>
+      </p:sp>
+    </p:spTree>
+    <p:extLst>
+      <p:ext uri="{BB962C8B-B14F-4D97-AF65-F5344CB8AC3E}">
+        <p14:creationId xmlns:p14="http://schemas.microsoft.com/office/powerpoint/2010/main" val="2108280776"/>
+      </p:ext>
+    </p:extLst>
+  </p:cSld>
+  <p:clrMapOvr>
+    <a:masterClrMapping/>
+  </p:clrMapOvr>
+</p:sldLayout>
+</file>
+
+<file path=ppt/slideLayouts/slideLayout11.xml><?xml version="1.0" encoding="utf-8"?>
+<p:sldLayout xmlns:a="http://schemas.openxmlformats.org/drawingml/2006/main" xmlns:r="http://schemas.openxmlformats.org/officeDocument/2006/relationships" xmlns:p="http://schemas.openxmlformats.org/presentationml/2006/main" preserve="1">
+  <p:cSld name="标题和描述">
+    <p:spTree>
+      <p:nvGrpSpPr>
+        <p:cNvPr id="1" name=""/>
+        <p:cNvGrpSpPr/>
+        <p:nvPr/>
+      </p:nvGrpSpPr>
+      <p:grpSpPr>
+        <a:xfrm>
+          <a:off x="0" y="0"/>
+          <a:ext cx="0" cy="0"/>
+          <a:chOff x="0" y="0"/>
+          <a:chExt cx="0" cy="0"/>
+        </a:xfrm>
+      </p:grpSpPr>
+      <p:sp>
+        <p:nvSpPr>
+          <p:cNvPr id="2" name="Title 1"/>
+          <p:cNvSpPr>
+            <a:spLocks noGrp="1"/>
+          </p:cNvSpPr>
+          <p:nvPr>
+            <p:ph type="title"/>
+          </p:nvPr>
+        </p:nvSpPr>
+        <p:spPr>
+          <a:xfrm>
+            <a:off x="839788" y="365125"/>
+            <a:ext cx="10515600" cy="3534344"/>
+          </a:xfrm>
+        </p:spPr>
+        <p:txBody>
+          <a:bodyPr anchor="ctr"/>
+          <a:lstStyle>
+            <a:lvl1pPr>
+              <a:defRPr sz="3200"/>
+            </a:lvl1pPr>
+          </a:lstStyle>
+          <a:p>
+            <a:r>
+              <a:rPr lang="zh-CN" altLang="en-US"/>
+              <a:t>单击此处编辑母版标题样式</a:t>
+            </a:r>
+            <a:endParaRPr lang="en-US" dirty="0"/>
+          </a:p>
+        </p:txBody>
+      </p:sp>
+      <p:sp>
+        <p:nvSpPr>
+          <p:cNvPr id="4" name="Text Placeholder 3"/>
+          <p:cNvSpPr>
+            <a:spLocks noGrp="1"/>
+          </p:cNvSpPr>
+          <p:nvPr>
+            <p:ph type="body" sz="half" idx="2"/>
+          </p:nvPr>
+        </p:nvSpPr>
+        <p:spPr>
+          <a:xfrm>
+            <a:off x="839788" y="4489399"/>
+            <a:ext cx="10514012" cy="1501826"/>
+          </a:xfrm>
+        </p:spPr>
+        <p:txBody>
+          <a:bodyPr anchor="ctr"/>
+          <a:lstStyle>
+            <a:lvl1pPr marL="0" indent="0">
+              <a:buNone/>
+              <a:defRPr sz="1600"/>
+            </a:lvl1pPr>
+            <a:lvl2pPr marL="457200" indent="0">
+              <a:buNone/>
+              <a:defRPr sz="1400"/>
+            </a:lvl2pPr>
+            <a:lvl3pPr marL="914400" indent="0">
+              <a:buNone/>
+              <a:defRPr sz="1200"/>
+            </a:lvl3pPr>
+            <a:lvl4pPr marL="1371600" indent="0">
+              <a:buNone/>
+              <a:defRPr sz="1000"/>
+            </a:lvl4pPr>
+            <a:lvl5pPr marL="1828800" indent="0">
+              <a:buNone/>
+              <a:defRPr sz="1000"/>
+            </a:lvl5pPr>
+            <a:lvl6pPr marL="2286000" indent="0">
+              <a:buNone/>
+              <a:defRPr sz="1000"/>
+            </a:lvl6pPr>
+            <a:lvl7pPr marL="2743200" indent="0">
+              <a:buNone/>
+              <a:defRPr sz="1000"/>
+            </a:lvl7pPr>
+            <a:lvl8pPr marL="3200400" indent="0">
+              <a:buNone/>
+              <a:defRPr sz="1000"/>
+            </a:lvl8pPr>
+            <a:lvl9pPr marL="3657600" indent="0">
+              <a:buNone/>
+              <a:defRPr sz="1000"/>
+            </a:lvl9pPr>
+          </a:lstStyle>
+          <a:p>
+            <a:pPr lvl="0"/>
+            <a:r>
+              <a:rPr lang="zh-CN" altLang="en-US"/>
+              <a:t>单击此处编辑母版文本样式</a:t>
+            </a:r>
+          </a:p>
+        </p:txBody>
+      </p:sp>
+      <p:sp>
+        <p:nvSpPr>
+          <p:cNvPr id="5" name="Date Placeholder 4"/>
+          <p:cNvSpPr>
+            <a:spLocks noGrp="1"/>
+          </p:cNvSpPr>
+          <p:nvPr>
+            <p:ph type="dt" sz="half" idx="10"/>
+          </p:nvPr>
+        </p:nvSpPr>
+        <p:spPr/>
+        <p:txBody>
+          <a:bodyPr/>
+          <a:lstStyle/>
+          <a:p>
+            <a:fld id="{BE4B96D9-44D6-4120-8176-61B5C7CD77D9}" type="datetimeFigureOut">
+              <a:rPr lang="zh-CN" altLang="en-US" smtClean="0"/>
+              <a:t>2023/10/21</a:t>
+            </a:fld>
+            <a:endParaRPr lang="zh-CN" altLang="en-US"/>
+          </a:p>
+        </p:txBody>
+      </p:sp>
+      <p:sp>
+        <p:nvSpPr>
+          <p:cNvPr id="6" name="Footer Placeholder 5"/>
+          <p:cNvSpPr>
+            <a:spLocks noGrp="1"/>
+          </p:cNvSpPr>
+          <p:nvPr>
+            <p:ph type="ftr" sz="quarter" idx="11"/>
+          </p:nvPr>
+        </p:nvSpPr>
+        <p:spPr/>
+        <p:txBody>
+          <a:bodyPr/>
+          <a:lstStyle/>
+          <a:p>
+            <a:endParaRPr lang="zh-CN" altLang="en-US"/>
+          </a:p>
+        </p:txBody>
+      </p:sp>
+      <p:sp>
+        <p:nvSpPr>
+          <p:cNvPr id="7" name="Slide Number Placeholder 6"/>
+          <p:cNvSpPr>
+            <a:spLocks noGrp="1"/>
+          </p:cNvSpPr>
+          <p:nvPr>
+            <p:ph type="sldNum" sz="quarter" idx="12"/>
+          </p:nvPr>
+        </p:nvSpPr>
+        <p:spPr/>
+        <p:txBody>
+          <a:bodyPr/>
+          <a:lstStyle/>
+          <a:p>
+            <a:fld id="{AD1B264F-38A8-4E95-9DAF-2CFDC684D3F8}" type="slidenum">
+              <a:rPr lang="zh-CN" altLang="en-US" smtClean="0"/>
+              <a:t>‹#›</a:t>
+            </a:fld>
+            <a:endParaRPr lang="zh-CN" altLang="en-US"/>
+          </a:p>
+        </p:txBody>
+      </p:sp>
+    </p:spTree>
+    <p:extLst>
+      <p:ext uri="{BB962C8B-B14F-4D97-AF65-F5344CB8AC3E}">
+        <p14:creationId xmlns:p14="http://schemas.microsoft.com/office/powerpoint/2010/main" val="25516395"/>
+      </p:ext>
+    </p:extLst>
+  </p:cSld>
+  <p:clrMapOvr>
+    <a:masterClrMapping/>
+  </p:clrMapOvr>
+</p:sldLayout>
+</file>
+
+<file path=ppt/slideLayouts/slideLayout12.xml><?xml version="1.0" encoding="utf-8"?>
+<p:sldLayout xmlns:a="http://schemas.openxmlformats.org/drawingml/2006/main" xmlns:r="http://schemas.openxmlformats.org/officeDocument/2006/relationships" xmlns:p="http://schemas.openxmlformats.org/presentationml/2006/main" preserve="1">
+  <p:cSld name="带描述的引言">
+    <p:spTree>
+      <p:nvGrpSpPr>
+        <p:cNvPr id="1" name=""/>
+        <p:cNvGrpSpPr/>
+        <p:nvPr/>
+      </p:nvGrpSpPr>
+      <p:grpSpPr>
+        <a:xfrm>
+          <a:off x="0" y="0"/>
+          <a:ext cx="0" cy="0"/>
+          <a:chOff x="0" y="0"/>
+          <a:chExt cx="0" cy="0"/>
+        </a:xfrm>
+      </p:grpSpPr>
+      <p:sp>
+        <p:nvSpPr>
+          <p:cNvPr id="2" name="Title 1"/>
+          <p:cNvSpPr>
+            <a:spLocks noGrp="1"/>
+          </p:cNvSpPr>
+          <p:nvPr>
+            <p:ph type="title"/>
+          </p:nvPr>
+        </p:nvSpPr>
+        <p:spPr>
+          <a:xfrm>
+            <a:off x="1446212" y="365125"/>
+            <a:ext cx="9302752" cy="2992904"/>
+          </a:xfrm>
+        </p:spPr>
+        <p:txBody>
+          <a:bodyPr anchor="ctr"/>
+          <a:lstStyle>
+            <a:lvl1pPr>
+              <a:defRPr sz="4400"/>
+            </a:lvl1pPr>
+          </a:lstStyle>
+          <a:p>
+            <a:r>
+              <a:rPr lang="zh-CN" altLang="en-US"/>
+              <a:t>单击此处编辑母版标题样式</a:t>
+            </a:r>
+            <a:endParaRPr lang="en-US" dirty="0"/>
+          </a:p>
+        </p:txBody>
+      </p:sp>
+      <p:sp>
+        <p:nvSpPr>
+          <p:cNvPr id="12" name="Text Placeholder 3"/>
+          <p:cNvSpPr>
+            <a:spLocks noGrp="1"/>
+          </p:cNvSpPr>
+          <p:nvPr>
+            <p:ph type="body" sz="half" idx="13"/>
+          </p:nvPr>
+        </p:nvSpPr>
+        <p:spPr>
+          <a:xfrm>
+            <a:off x="1720644" y="3365557"/>
+            <a:ext cx="8752299" cy="548968"/>
+          </a:xfrm>
+        </p:spPr>
+        <p:txBody>
+          <a:bodyPr anchor="t">
+            <a:normAutofit/>
+          </a:bodyPr>
+          <a:lstStyle>
+            <a:lvl1pPr marL="0" indent="0">
+              <a:buNone/>
+              <a:defRPr sz="1400"/>
+            </a:lvl1pPr>
+            <a:lvl2pPr marL="457200" indent="0">
+              <a:buNone/>
+              <a:defRPr sz="1400"/>
+            </a:lvl2pPr>
+            <a:lvl3pPr marL="914400" indent="0">
+              <a:buNone/>
+              <a:defRPr sz="1200"/>
+            </a:lvl3pPr>
+            <a:lvl4pPr marL="1371600" indent="0">
+              <a:buNone/>
+              <a:defRPr sz="1000"/>
+            </a:lvl4pPr>
+            <a:lvl5pPr marL="1828800" indent="0">
+              <a:buNone/>
+              <a:defRPr sz="1000"/>
+            </a:lvl5pPr>
+            <a:lvl6pPr marL="2286000" indent="0">
+              <a:buNone/>
+              <a:defRPr sz="1000"/>
+            </a:lvl6pPr>
+            <a:lvl7pPr marL="2743200" indent="0">
+              <a:buNone/>
+              <a:defRPr sz="1000"/>
+            </a:lvl7pPr>
+            <a:lvl8pPr marL="3200400" indent="0">
+              <a:buNone/>
+              <a:defRPr sz="1000"/>
+            </a:lvl8pPr>
+            <a:lvl9pPr marL="3657600" indent="0">
+              <a:buNone/>
+              <a:defRPr sz="1000"/>
+            </a:lvl9pPr>
+          </a:lstStyle>
+          <a:p>
+            <a:pPr lvl="0"/>
+            <a:r>
+              <a:rPr lang="zh-CN" altLang="en-US"/>
+              <a:t>单击此处编辑母版文本样式</a:t>
+            </a:r>
+          </a:p>
+        </p:txBody>
+      </p:sp>
+      <p:sp>
+        <p:nvSpPr>
+          <p:cNvPr id="4" name="Text Placeholder 3"/>
+          <p:cNvSpPr>
+            <a:spLocks noGrp="1"/>
+          </p:cNvSpPr>
+          <p:nvPr>
+            <p:ph type="body" sz="half" idx="2"/>
+          </p:nvPr>
+        </p:nvSpPr>
+        <p:spPr>
+          <a:xfrm>
+            <a:off x="838200" y="4501729"/>
+            <a:ext cx="10512424" cy="1489496"/>
+          </a:xfrm>
+        </p:spPr>
+        <p:txBody>
+          <a:bodyPr anchor="ctr">
+            <a:normAutofit/>
+          </a:bodyPr>
+          <a:lstStyle>
+            <a:lvl1pPr marL="0" indent="0">
+              <a:buNone/>
+              <a:defRPr sz="1600"/>
+            </a:lvl1pPr>
+            <a:lvl2pPr marL="457200" indent="0">
+              <a:buNone/>
+              <a:defRPr sz="1400"/>
+            </a:lvl2pPr>
+            <a:lvl3pPr marL="914400" indent="0">
+              <a:buNone/>
+              <a:defRPr sz="1200"/>
+            </a:lvl3pPr>
+            <a:lvl4pPr marL="1371600" indent="0">
+              <a:buNone/>
+              <a:defRPr sz="1000"/>
+            </a:lvl4pPr>
+            <a:lvl5pPr marL="1828800" indent="0">
+              <a:buNone/>
+              <a:defRPr sz="1000"/>
+            </a:lvl5pPr>
+            <a:lvl6pPr marL="2286000" indent="0">
+              <a:buNone/>
+              <a:defRPr sz="1000"/>
+            </a:lvl6pPr>
+            <a:lvl7pPr marL="2743200" indent="0">
+              <a:buNone/>
+              <a:defRPr sz="1000"/>
+            </a:lvl7pPr>
+            <a:lvl8pPr marL="3200400" indent="0">
+              <a:buNone/>
+              <a:defRPr sz="1000"/>
+            </a:lvl8pPr>
+            <a:lvl9pPr marL="3657600" indent="0">
+              <a:buNone/>
+              <a:defRPr sz="1000"/>
+            </a:lvl9pPr>
+          </a:lstStyle>
+          <a:p>
+            <a:pPr lvl="0"/>
+            <a:r>
+              <a:rPr lang="zh-CN" altLang="en-US"/>
+              <a:t>单击此处编辑母版文本样式</a:t>
+            </a:r>
+          </a:p>
+        </p:txBody>
+      </p:sp>
+      <p:sp>
+        <p:nvSpPr>
+          <p:cNvPr id="5" name="Date Placeholder 4"/>
+          <p:cNvSpPr>
+            <a:spLocks noGrp="1"/>
+          </p:cNvSpPr>
+          <p:nvPr>
+            <p:ph type="dt" sz="half" idx="10"/>
+          </p:nvPr>
+        </p:nvSpPr>
+        <p:spPr/>
+        <p:txBody>
+          <a:bodyPr/>
+          <a:lstStyle/>
+          <a:p>
+            <a:fld id="{BE4B96D9-44D6-4120-8176-61B5C7CD77D9}" type="datetimeFigureOut">
+              <a:rPr lang="zh-CN" altLang="en-US" smtClean="0"/>
+              <a:t>2023/10/21</a:t>
+            </a:fld>
+            <a:endParaRPr lang="zh-CN" altLang="en-US"/>
+          </a:p>
+        </p:txBody>
+      </p:sp>
+      <p:sp>
+        <p:nvSpPr>
+          <p:cNvPr id="6" name="Footer Placeholder 5"/>
+          <p:cNvSpPr>
+            <a:spLocks noGrp="1"/>
+          </p:cNvSpPr>
+          <p:nvPr>
+            <p:ph type="ftr" sz="quarter" idx="11"/>
+          </p:nvPr>
+        </p:nvSpPr>
+        <p:spPr/>
+        <p:txBody>
+          <a:bodyPr/>
+          <a:lstStyle/>
+          <a:p>
+            <a:endParaRPr lang="zh-CN" altLang="en-US"/>
+          </a:p>
+        </p:txBody>
+      </p:sp>
+      <p:sp>
+        <p:nvSpPr>
+          <p:cNvPr id="7" name="Slide Number Placeholder 6"/>
+          <p:cNvSpPr>
+            <a:spLocks noGrp="1"/>
+          </p:cNvSpPr>
+          <p:nvPr>
+            <p:ph type="sldNum" sz="quarter" idx="12"/>
+          </p:nvPr>
+        </p:nvSpPr>
+        <p:spPr/>
+        <p:txBody>
+          <a:bodyPr/>
+          <a:lstStyle/>
+          <a:p>
+            <a:fld id="{AD1B264F-38A8-4E95-9DAF-2CFDC684D3F8}" type="slidenum">
+              <a:rPr lang="zh-CN" altLang="en-US" smtClean="0"/>
+              <a:t>‹#›</a:t>
+            </a:fld>
+            <a:endParaRPr lang="zh-CN" altLang="en-US"/>
+          </a:p>
+        </p:txBody>
+      </p:sp>
+      <p:sp>
+        <p:nvSpPr>
+          <p:cNvPr id="9" name="TextBox 8"/>
+          <p:cNvSpPr txBox="1"/>
+          <p:nvPr/>
+        </p:nvSpPr>
+        <p:spPr>
+          <a:xfrm>
+            <a:off x="1111044" y="786824"/>
+            <a:ext cx="609600" cy="584776"/>
+          </a:xfrm>
+          <a:prstGeom prst="rect">
+            <a:avLst/>
+          </a:prstGeom>
+        </p:spPr>
+        <p:txBody>
+          <a:bodyPr vert="horz" lIns="91440" tIns="45720" rIns="91440" bIns="45720" rtlCol="0" anchor="ctr">
+            <a:noAutofit/>
+          </a:bodyPr>
+          <a:lstStyle>
+            <a:lvl1pPr>
+              <a:spcBef>
+                <a:spcPct val="0"/>
+              </a:spcBef>
+              <a:buNone/>
+              <a:defRPr sz="3200" b="0" cap="all">
+                <a:ln w="3175" cmpd="sng">
+                  <a:noFill/>
+                </a:ln>
+                <a:effectLst>
+                  <a:glow rad="38100">
+                    <a:schemeClr val="bg1">
+                      <a:lumMod val="65000"/>
+                      <a:lumOff val="35000"/>
+                      <a:alpha val="40000"/>
+                    </a:schemeClr>
+                  </a:glow>
+                  <a:outerShdw blurRad="28575" dist="38100" dir="14040000" algn="tl" rotWithShape="0">
+                    <a:srgbClr val="000000">
+                      <a:alpha val="25000"/>
+                    </a:srgbClr>
+                  </a:outerShdw>
+                </a:effectLst>
+              </a:defRPr>
+            </a:lvl1pPr>
+            <a:lvl2pPr>
+              <a:defRPr>
+                <a:solidFill>
+                  <a:schemeClr val="tx2"/>
+                </a:solidFill>
+              </a:defRPr>
+            </a:lvl2pPr>
+            <a:lvl3pPr>
+              <a:defRPr>
+                <a:solidFill>
+                  <a:schemeClr val="tx2"/>
+                </a:solidFill>
+              </a:defRPr>
+            </a:lvl3pPr>
+            <a:lvl4pPr>
+              <a:defRPr>
+                <a:solidFill>
+                  <a:schemeClr val="tx2"/>
+                </a:solidFill>
+              </a:defRPr>
+            </a:lvl4pPr>
+            <a:lvl5pPr>
+              <a:defRPr>
+                <a:solidFill>
+                  <a:schemeClr val="tx2"/>
+                </a:solidFill>
+              </a:defRPr>
+            </a:lvl5pPr>
+            <a:lvl6pPr>
+              <a:defRPr>
+                <a:solidFill>
+                  <a:schemeClr val="tx2"/>
+                </a:solidFill>
+              </a:defRPr>
+            </a:lvl6pPr>
+            <a:lvl7pPr>
+              <a:defRPr>
+                <a:solidFill>
+                  <a:schemeClr val="tx2"/>
+                </a:solidFill>
+              </a:defRPr>
+            </a:lvl7pPr>
+            <a:lvl8pPr>
+              <a:defRPr>
+                <a:solidFill>
+                  <a:schemeClr val="tx2"/>
+                </a:solidFill>
+              </a:defRPr>
+            </a:lvl8pPr>
+            <a:lvl9pPr>
+              <a:defRPr>
+                <a:solidFill>
+                  <a:schemeClr val="tx2"/>
+                </a:solidFill>
+              </a:defRPr>
+            </a:lvl9pPr>
+          </a:lstStyle>
+          <a:p>
+            <a:pPr lvl="0"/>
+            <a:r>
+              <a:rPr lang="en-US" sz="8000" dirty="0">
+                <a:solidFill>
+                  <a:schemeClr val="tx1"/>
+                </a:solidFill>
+                <a:effectLst/>
+              </a:rPr>
+              <a:t>“</a:t>
+            </a:r>
+          </a:p>
+        </p:txBody>
+      </p:sp>
+      <p:sp>
+        <p:nvSpPr>
+          <p:cNvPr id="10" name="TextBox 9"/>
+          <p:cNvSpPr txBox="1"/>
+          <p:nvPr/>
+        </p:nvSpPr>
+        <p:spPr>
+          <a:xfrm>
+            <a:off x="10437812" y="2743200"/>
+            <a:ext cx="609600" cy="584776"/>
+          </a:xfrm>
+          <a:prstGeom prst="rect">
+            <a:avLst/>
+          </a:prstGeom>
+        </p:spPr>
+        <p:txBody>
+          <a:bodyPr vert="horz" lIns="91440" tIns="45720" rIns="91440" bIns="45720" rtlCol="0" anchor="ctr">
+            <a:noAutofit/>
+          </a:bodyPr>
+          <a:lstStyle>
+            <a:lvl1pPr>
+              <a:spcBef>
+                <a:spcPct val="0"/>
+              </a:spcBef>
+              <a:buNone/>
+              <a:defRPr sz="3200" b="0" cap="all">
+                <a:ln w="3175" cmpd="sng">
+                  <a:noFill/>
+                </a:ln>
+                <a:effectLst>
+                  <a:glow rad="38100">
+                    <a:schemeClr val="bg1">
+                      <a:lumMod val="65000"/>
+                      <a:lumOff val="35000"/>
+                      <a:alpha val="40000"/>
+                    </a:schemeClr>
+                  </a:glow>
+                  <a:outerShdw blurRad="28575" dist="38100" dir="14040000" algn="tl" rotWithShape="0">
+                    <a:srgbClr val="000000">
+                      <a:alpha val="25000"/>
+                    </a:srgbClr>
+                  </a:outerShdw>
+                </a:effectLst>
+              </a:defRPr>
+            </a:lvl1pPr>
+            <a:lvl2pPr>
+              <a:defRPr>
+                <a:solidFill>
+                  <a:schemeClr val="tx2"/>
+                </a:solidFill>
+              </a:defRPr>
+            </a:lvl2pPr>
+            <a:lvl3pPr>
+              <a:defRPr>
+                <a:solidFill>
+                  <a:schemeClr val="tx2"/>
+                </a:solidFill>
+              </a:defRPr>
+            </a:lvl3pPr>
+            <a:lvl4pPr>
+              <a:defRPr>
+                <a:solidFill>
+                  <a:schemeClr val="tx2"/>
+                </a:solidFill>
+              </a:defRPr>
+            </a:lvl4pPr>
+            <a:lvl5pPr>
+              <a:defRPr>
+                <a:solidFill>
+                  <a:schemeClr val="tx2"/>
+                </a:solidFill>
+              </a:defRPr>
+            </a:lvl5pPr>
+            <a:lvl6pPr>
+              <a:defRPr>
+                <a:solidFill>
+                  <a:schemeClr val="tx2"/>
+                </a:solidFill>
+              </a:defRPr>
+            </a:lvl6pPr>
+            <a:lvl7pPr>
+              <a:defRPr>
+                <a:solidFill>
+                  <a:schemeClr val="tx2"/>
+                </a:solidFill>
+              </a:defRPr>
+            </a:lvl7pPr>
+            <a:lvl8pPr>
+              <a:defRPr>
+                <a:solidFill>
+                  <a:schemeClr val="tx2"/>
+                </a:solidFill>
+              </a:defRPr>
+            </a:lvl8pPr>
+            <a:lvl9pPr>
+              <a:defRPr>
+                <a:solidFill>
+                  <a:schemeClr val="tx2"/>
+                </a:solidFill>
+              </a:defRPr>
+            </a:lvl9pPr>
+          </a:lstStyle>
+          <a:p>
+            <a:pPr lvl="0" algn="r"/>
+            <a:r>
+              <a:rPr lang="en-US" sz="8000" dirty="0">
+                <a:solidFill>
+                  <a:schemeClr val="tx1"/>
+                </a:solidFill>
+                <a:effectLst/>
+              </a:rPr>
+              <a:t>”</a:t>
+            </a:r>
+          </a:p>
+        </p:txBody>
+      </p:sp>
+    </p:spTree>
+    <p:extLst>
+      <p:ext uri="{BB962C8B-B14F-4D97-AF65-F5344CB8AC3E}">
+        <p14:creationId xmlns:p14="http://schemas.microsoft.com/office/powerpoint/2010/main" val="157033495"/>
+      </p:ext>
+    </p:extLst>
+  </p:cSld>
+  <p:clrMapOvr>
+    <a:masterClrMapping/>
+  </p:clrMapOvr>
+</p:sldLayout>
+</file>
+
+<file path=ppt/slideLayouts/slideLayout13.xml><?xml version="1.0" encoding="utf-8"?>
+<p:sldLayout xmlns:a="http://schemas.openxmlformats.org/drawingml/2006/main" xmlns:r="http://schemas.openxmlformats.org/officeDocument/2006/relationships" xmlns:p="http://schemas.openxmlformats.org/presentationml/2006/main" preserve="1">
+  <p:cSld name="名片">
+    <p:spTree>
+      <p:nvGrpSpPr>
+        <p:cNvPr id="1" name=""/>
+        <p:cNvGrpSpPr/>
+        <p:nvPr/>
+      </p:nvGrpSpPr>
+      <p:grpSpPr>
+        <a:xfrm>
+          <a:off x="0" y="0"/>
+          <a:ext cx="0" cy="0"/>
+          <a:chOff x="0" y="0"/>
+          <a:chExt cx="0" cy="0"/>
+        </a:xfrm>
+      </p:grpSpPr>
+      <p:sp>
+        <p:nvSpPr>
+          <p:cNvPr id="2" name="Title 1"/>
+          <p:cNvSpPr>
+            <a:spLocks noGrp="1"/>
+          </p:cNvSpPr>
+          <p:nvPr>
+            <p:ph type="title"/>
+          </p:nvPr>
+        </p:nvSpPr>
+        <p:spPr>
+          <a:xfrm>
+            <a:off x="839788" y="2326967"/>
+            <a:ext cx="10515600" cy="2511835"/>
+          </a:xfrm>
+        </p:spPr>
+        <p:txBody>
+          <a:bodyPr anchor="b">
+            <a:normAutofit/>
+          </a:bodyPr>
+          <a:lstStyle>
+            <a:lvl1pPr>
+              <a:defRPr sz="5400"/>
+            </a:lvl1pPr>
+          </a:lstStyle>
+          <a:p>
+            <a:r>
+              <a:rPr lang="zh-CN" altLang="en-US"/>
+              <a:t>单击此处编辑母版标题样式</a:t>
+            </a:r>
+            <a:endParaRPr lang="en-US" dirty="0"/>
+          </a:p>
+        </p:txBody>
+      </p:sp>
+      <p:sp>
+        <p:nvSpPr>
+          <p:cNvPr id="4" name="Text Placeholder 3"/>
+          <p:cNvSpPr>
+            <a:spLocks noGrp="1"/>
+          </p:cNvSpPr>
+          <p:nvPr>
+            <p:ph type="body" sz="half" idx="2"/>
+          </p:nvPr>
+        </p:nvSpPr>
+        <p:spPr>
+          <a:xfrm>
+            <a:off x="839788" y="4850581"/>
+            <a:ext cx="10514012" cy="1140644"/>
+          </a:xfrm>
+        </p:spPr>
+        <p:txBody>
+          <a:bodyPr anchor="t"/>
+          <a:lstStyle>
+            <a:lvl1pPr marL="0" indent="0">
+              <a:buNone/>
+              <a:defRPr sz="1600"/>
+            </a:lvl1pPr>
+            <a:lvl2pPr marL="457200" indent="0">
+              <a:buNone/>
+              <a:defRPr sz="1400"/>
+            </a:lvl2pPr>
+            <a:lvl3pPr marL="914400" indent="0">
+              <a:buNone/>
+              <a:defRPr sz="1200"/>
+            </a:lvl3pPr>
+            <a:lvl4pPr marL="1371600" indent="0">
+              <a:buNone/>
+              <a:defRPr sz="1000"/>
+            </a:lvl4pPr>
+            <a:lvl5pPr marL="1828800" indent="0">
+              <a:buNone/>
+              <a:defRPr sz="1000"/>
+            </a:lvl5pPr>
+            <a:lvl6pPr marL="2286000" indent="0">
+              <a:buNone/>
+              <a:defRPr sz="1000"/>
+            </a:lvl6pPr>
+            <a:lvl7pPr marL="2743200" indent="0">
+              <a:buNone/>
+              <a:defRPr sz="1000"/>
+            </a:lvl7pPr>
+            <a:lvl8pPr marL="3200400" indent="0">
+              <a:buNone/>
+              <a:defRPr sz="1000"/>
+            </a:lvl8pPr>
+            <a:lvl9pPr marL="3657600" indent="0">
+              <a:buNone/>
+              <a:defRPr sz="1000"/>
+            </a:lvl9pPr>
+          </a:lstStyle>
+          <a:p>
+            <a:pPr lvl="0"/>
+            <a:r>
+              <a:rPr lang="zh-CN" altLang="en-US"/>
+              <a:t>单击此处编辑母版文本样式</a:t>
+            </a:r>
+          </a:p>
+        </p:txBody>
+      </p:sp>
+      <p:sp>
+        <p:nvSpPr>
+          <p:cNvPr id="5" name="Date Placeholder 4"/>
+          <p:cNvSpPr>
+            <a:spLocks noGrp="1"/>
+          </p:cNvSpPr>
+          <p:nvPr>
+            <p:ph type="dt" sz="half" idx="10"/>
+          </p:nvPr>
+        </p:nvSpPr>
+        <p:spPr/>
+        <p:txBody>
+          <a:bodyPr/>
+          <a:lstStyle/>
+          <a:p>
+            <a:fld id="{BE4B96D9-44D6-4120-8176-61B5C7CD77D9}" type="datetimeFigureOut">
+              <a:rPr lang="zh-CN" altLang="en-US" smtClean="0"/>
+              <a:t>2023/10/21</a:t>
+            </a:fld>
+            <a:endParaRPr lang="zh-CN" altLang="en-US"/>
+          </a:p>
+        </p:txBody>
+      </p:sp>
+      <p:sp>
+        <p:nvSpPr>
+          <p:cNvPr id="6" name="Footer Placeholder 5"/>
+          <p:cNvSpPr>
+            <a:spLocks noGrp="1"/>
+          </p:cNvSpPr>
+          <p:nvPr>
+            <p:ph type="ftr" sz="quarter" idx="11"/>
+          </p:nvPr>
+        </p:nvSpPr>
+        <p:spPr/>
+        <p:txBody>
+          <a:bodyPr/>
+          <a:lstStyle/>
+          <a:p>
+            <a:endParaRPr lang="zh-CN" altLang="en-US"/>
+          </a:p>
+        </p:txBody>
+      </p:sp>
+      <p:sp>
+        <p:nvSpPr>
+          <p:cNvPr id="7" name="Slide Number Placeholder 6"/>
+          <p:cNvSpPr>
+            <a:spLocks noGrp="1"/>
+          </p:cNvSpPr>
+          <p:nvPr>
+            <p:ph type="sldNum" sz="quarter" idx="12"/>
+          </p:nvPr>
+        </p:nvSpPr>
+        <p:spPr/>
+        <p:txBody>
+          <a:bodyPr/>
+          <a:lstStyle/>
+          <a:p>
+            <a:fld id="{AD1B264F-38A8-4E95-9DAF-2CFDC684D3F8}" type="slidenum">
+              <a:rPr lang="zh-CN" altLang="en-US" smtClean="0"/>
+              <a:t>‹#›</a:t>
+            </a:fld>
+            <a:endParaRPr lang="zh-CN" altLang="en-US"/>
+          </a:p>
+        </p:txBody>
+      </p:sp>
+    </p:spTree>
+    <p:extLst>
+      <p:ext uri="{BB962C8B-B14F-4D97-AF65-F5344CB8AC3E}">
+        <p14:creationId xmlns:p14="http://schemas.microsoft.com/office/powerpoint/2010/main" val="3297761040"/>
+      </p:ext>
+    </p:extLst>
+  </p:cSld>
+  <p:clrMapOvr>
+    <a:masterClrMapping/>
+  </p:clrMapOvr>
+</p:sldLayout>
+</file>
+
+<file path=ppt/slideLayouts/slideLayout14.xml><?xml version="1.0" encoding="utf-8"?>
+<p:sldLayout xmlns:a="http://schemas.openxmlformats.org/drawingml/2006/main" xmlns:r="http://schemas.openxmlformats.org/officeDocument/2006/relationships" xmlns:p="http://schemas.openxmlformats.org/presentationml/2006/main" preserve="1">
+  <p:cSld name="3 栏">
+    <p:spTree>
+      <p:nvGrpSpPr>
+        <p:cNvPr id="1" name=""/>
+        <p:cNvGrpSpPr/>
+        <p:nvPr/>
+      </p:nvGrpSpPr>
+      <p:grpSpPr>
+        <a:xfrm>
+          <a:off x="0" y="0"/>
+          <a:ext cx="0" cy="0"/>
+          <a:chOff x="0" y="0"/>
+          <a:chExt cx="0" cy="0"/>
+        </a:xfrm>
+      </p:grpSpPr>
+      <p:sp>
+        <p:nvSpPr>
+          <p:cNvPr id="15" name="Title 1"/>
+          <p:cNvSpPr>
+            <a:spLocks noGrp="1"/>
+          </p:cNvSpPr>
+          <p:nvPr>
+            <p:ph type="title"/>
+          </p:nvPr>
+        </p:nvSpPr>
+        <p:spPr>
+          <a:xfrm>
+            <a:off x="838200" y="365125"/>
+            <a:ext cx="10515600" cy="1325563"/>
+          </a:xfrm>
+        </p:spPr>
+        <p:txBody>
+          <a:bodyPr/>
+          <a:lstStyle/>
+          <a:p>
+            <a:r>
+              <a:rPr lang="zh-CN" altLang="en-US"/>
+              <a:t>单击此处编辑母版标题样式</a:t>
+            </a:r>
+            <a:endParaRPr lang="en-US" dirty="0"/>
+          </a:p>
+        </p:txBody>
+      </p:sp>
+      <p:sp>
+        <p:nvSpPr>
+          <p:cNvPr id="7" name="Text Placeholder 2"/>
+          <p:cNvSpPr>
+            <a:spLocks noGrp="1"/>
+          </p:cNvSpPr>
+          <p:nvPr>
+            <p:ph type="body" idx="1"/>
+          </p:nvPr>
+        </p:nvSpPr>
+        <p:spPr>
+          <a:xfrm>
+            <a:off x="1337282" y="1885950"/>
+            <a:ext cx="2946866" cy="576262"/>
+          </a:xfrm>
+        </p:spPr>
+        <p:txBody>
+          <a:bodyPr anchor="b">
+            <a:noAutofit/>
+          </a:bodyPr>
+          <a:lstStyle>
+            <a:lvl1pPr marL="0" indent="0">
+              <a:buNone/>
+              <a:defRPr sz="2400" b="0">
+                <a:gradFill>
+                  <a:gsLst>
+                    <a:gs pos="15000">
+                      <a:schemeClr val="tx2"/>
+                    </a:gs>
+                    <a:gs pos="73000">
+                      <a:schemeClr val="tx2">
+                        <a:lumMod val="60000"/>
+                        <a:lumOff val="40000"/>
+                      </a:schemeClr>
+                    </a:gs>
+                    <a:gs pos="0">
+                      <a:schemeClr val="tx2">
+                        <a:lumMod val="90000"/>
+                        <a:lumOff val="10000"/>
+                      </a:schemeClr>
+                    </a:gs>
+                    <a:gs pos="100000">
+                      <a:schemeClr val="tx2">
+                        <a:lumMod val="0"/>
+                        <a:lumOff val="100000"/>
+                      </a:schemeClr>
+                    </a:gs>
+                  </a:gsLst>
+                  <a:lin ang="16200000" scaled="1"/>
+                </a:gradFill>
+              </a:defRPr>
+            </a:lvl1pPr>
+            <a:lvl2pPr marL="457200" indent="0">
+              <a:buNone/>
+              <a:defRPr sz="2000" b="1"/>
+            </a:lvl2pPr>
+            <a:lvl3pPr marL="914400" indent="0">
+              <a:buNone/>
+              <a:defRPr sz="1800" b="1"/>
+            </a:lvl3pPr>
+            <a:lvl4pPr marL="1371600" indent="0">
+              <a:buNone/>
+              <a:defRPr sz="1600" b="1"/>
+            </a:lvl4pPr>
+            <a:lvl5pPr marL="1828800" indent="0">
+              <a:buNone/>
+              <a:defRPr sz="1600" b="1"/>
+            </a:lvl5pPr>
+            <a:lvl6pPr marL="2286000" indent="0">
+              <a:buNone/>
+              <a:defRPr sz="1600" b="1"/>
+            </a:lvl6pPr>
+            <a:lvl7pPr marL="2743200" indent="0">
+              <a:buNone/>
+              <a:defRPr sz="1600" b="1"/>
+            </a:lvl7pPr>
+            <a:lvl8pPr marL="3200400" indent="0">
+              <a:buNone/>
+              <a:defRPr sz="1600" b="1"/>
+            </a:lvl8pPr>
+            <a:lvl9pPr marL="3657600" indent="0">
+              <a:buNone/>
+              <a:defRPr sz="1600" b="1"/>
+            </a:lvl9pPr>
+          </a:lstStyle>
+          <a:p>
+            <a:pPr lvl="0"/>
+            <a:r>
+              <a:rPr lang="zh-CN" altLang="en-US"/>
+              <a:t>单击此处编辑母版文本样式</a:t>
+            </a:r>
+          </a:p>
+        </p:txBody>
+      </p:sp>
+      <p:sp>
+        <p:nvSpPr>
+          <p:cNvPr id="8" name="Text Placeholder 3"/>
+          <p:cNvSpPr>
+            <a:spLocks noGrp="1"/>
+          </p:cNvSpPr>
+          <p:nvPr>
+            <p:ph type="body" sz="half" idx="15"/>
+          </p:nvPr>
+        </p:nvSpPr>
+        <p:spPr>
+          <a:xfrm>
+            <a:off x="1356798" y="2571750"/>
+            <a:ext cx="2927350" cy="3589338"/>
+          </a:xfrm>
+        </p:spPr>
+        <p:txBody>
+          <a:bodyPr anchor="t">
+            <a:normAutofit/>
+          </a:bodyPr>
+          <a:lstStyle>
+            <a:lvl1pPr marL="0" indent="0">
+              <a:buNone/>
+              <a:defRPr sz="1400"/>
+            </a:lvl1pPr>
+            <a:lvl2pPr marL="457200" indent="0">
+              <a:buNone/>
+              <a:defRPr sz="1200"/>
+            </a:lvl2pPr>
+            <a:lvl3pPr marL="914400" indent="0">
+              <a:buNone/>
+              <a:defRPr sz="1000"/>
+            </a:lvl3pPr>
+            <a:lvl4pPr marL="1371600" indent="0">
+              <a:buNone/>
+              <a:defRPr sz="900"/>
+            </a:lvl4pPr>
+            <a:lvl5pPr marL="1828800" indent="0">
+              <a:buNone/>
+              <a:defRPr sz="900"/>
+            </a:lvl5pPr>
+            <a:lvl6pPr marL="2286000" indent="0">
+              <a:buNone/>
+              <a:defRPr sz="900"/>
+            </a:lvl6pPr>
+            <a:lvl7pPr marL="2743200" indent="0">
+              <a:buNone/>
+              <a:defRPr sz="900"/>
+            </a:lvl7pPr>
+            <a:lvl8pPr marL="3200400" indent="0">
+              <a:buNone/>
+              <a:defRPr sz="900"/>
+            </a:lvl8pPr>
+            <a:lvl9pPr marL="3657600" indent="0">
+              <a:buNone/>
+              <a:defRPr sz="900"/>
+            </a:lvl9pPr>
+          </a:lstStyle>
+          <a:p>
+            <a:pPr lvl="0"/>
+            <a:r>
+              <a:rPr lang="zh-CN" altLang="en-US"/>
+              <a:t>单击此处编辑母版文本样式</a:t>
+            </a:r>
+          </a:p>
+        </p:txBody>
+      </p:sp>
+      <p:sp>
+        <p:nvSpPr>
+          <p:cNvPr id="9" name="Text Placeholder 4"/>
+          <p:cNvSpPr>
+            <a:spLocks noGrp="1"/>
+          </p:cNvSpPr>
+          <p:nvPr>
+            <p:ph type="body" sz="quarter" idx="3"/>
+          </p:nvPr>
+        </p:nvSpPr>
+        <p:spPr>
+          <a:xfrm>
+            <a:off x="4587994" y="1885950"/>
+            <a:ext cx="2936241" cy="576262"/>
+          </a:xfrm>
+        </p:spPr>
+        <p:txBody>
+          <a:bodyPr vert="horz" lIns="91440" tIns="45720" rIns="91440" bIns="45720" rtlCol="0" anchor="b">
+            <a:noAutofit/>
+          </a:bodyPr>
+          <a:lstStyle>
+            <a:lvl1pPr>
+              <a:buNone/>
+              <a:defRPr lang="en-US" sz="2400" b="0">
+                <a:gradFill>
+                  <a:gsLst>
+                    <a:gs pos="15000">
+                      <a:schemeClr val="tx2"/>
+                    </a:gs>
+                    <a:gs pos="73000">
+                      <a:schemeClr val="tx2">
+                        <a:lumMod val="60000"/>
+                        <a:lumOff val="40000"/>
+                      </a:schemeClr>
+                    </a:gs>
+                    <a:gs pos="0">
+                      <a:schemeClr val="tx2">
+                        <a:lumMod val="90000"/>
+                        <a:lumOff val="10000"/>
+                      </a:schemeClr>
+                    </a:gs>
+                    <a:gs pos="100000">
+                      <a:schemeClr val="tx2">
+                        <a:lumMod val="0"/>
+                        <a:lumOff val="100000"/>
+                      </a:schemeClr>
+                    </a:gs>
+                  </a:gsLst>
+                  <a:lin ang="16200000" scaled="1"/>
+                </a:gradFill>
+              </a:defRPr>
+            </a:lvl1pPr>
+          </a:lstStyle>
+          <a:p>
+            <a:pPr marL="0" lvl="0" indent="0">
+              <a:buNone/>
+            </a:pPr>
+            <a:r>
+              <a:rPr lang="zh-CN" altLang="en-US"/>
+              <a:t>单击此处编辑母版文本样式</a:t>
+            </a:r>
+          </a:p>
+        </p:txBody>
+      </p:sp>
+      <p:sp>
+        <p:nvSpPr>
+          <p:cNvPr id="10" name="Text Placeholder 3"/>
+          <p:cNvSpPr>
+            <a:spLocks noGrp="1"/>
+          </p:cNvSpPr>
+          <p:nvPr>
+            <p:ph type="body" sz="half" idx="16"/>
+          </p:nvPr>
+        </p:nvSpPr>
+        <p:spPr>
+          <a:xfrm>
+            <a:off x="4577441" y="2571750"/>
+            <a:ext cx="2946794" cy="3589338"/>
+          </a:xfrm>
+        </p:spPr>
+        <p:txBody>
+          <a:bodyPr anchor="t">
+            <a:normAutofit/>
+          </a:bodyPr>
+          <a:lstStyle>
+            <a:lvl1pPr marL="0" indent="0">
+              <a:buNone/>
+              <a:defRPr sz="1400"/>
+            </a:lvl1pPr>
+            <a:lvl2pPr marL="457200" indent="0">
+              <a:buNone/>
+              <a:defRPr sz="1200"/>
+            </a:lvl2pPr>
+            <a:lvl3pPr marL="914400" indent="0">
+              <a:buNone/>
+              <a:defRPr sz="1000"/>
+            </a:lvl3pPr>
+            <a:lvl4pPr marL="1371600" indent="0">
+              <a:buNone/>
+              <a:defRPr sz="900"/>
+            </a:lvl4pPr>
+            <a:lvl5pPr marL="1828800" indent="0">
+              <a:buNone/>
+              <a:defRPr sz="900"/>
+            </a:lvl5pPr>
+            <a:lvl6pPr marL="2286000" indent="0">
+              <a:buNone/>
+              <a:defRPr sz="900"/>
+            </a:lvl6pPr>
+            <a:lvl7pPr marL="2743200" indent="0">
+              <a:buNone/>
+              <a:defRPr sz="900"/>
+            </a:lvl7pPr>
+            <a:lvl8pPr marL="3200400" indent="0">
+              <a:buNone/>
+              <a:defRPr sz="900"/>
+            </a:lvl8pPr>
+            <a:lvl9pPr marL="3657600" indent="0">
+              <a:buNone/>
+              <a:defRPr sz="900"/>
+            </a:lvl9pPr>
+          </a:lstStyle>
+          <a:p>
+            <a:pPr lvl="0"/>
+            <a:r>
+              <a:rPr lang="zh-CN" altLang="en-US"/>
+              <a:t>单击此处编辑母版文本样式</a:t>
+            </a:r>
+          </a:p>
+        </p:txBody>
+      </p:sp>
+      <p:sp>
+        <p:nvSpPr>
+          <p:cNvPr id="11" name="Text Placeholder 4"/>
+          <p:cNvSpPr>
+            <a:spLocks noGrp="1"/>
+          </p:cNvSpPr>
+          <p:nvPr>
+            <p:ph type="body" sz="quarter" idx="13"/>
+          </p:nvPr>
+        </p:nvSpPr>
+        <p:spPr>
+          <a:xfrm>
+            <a:off x="7829035" y="1885950"/>
+            <a:ext cx="2932113" cy="576262"/>
+          </a:xfrm>
+        </p:spPr>
+        <p:txBody>
+          <a:bodyPr vert="horz" lIns="91440" tIns="45720" rIns="91440" bIns="45720" rtlCol="0" anchor="b">
+            <a:noAutofit/>
+          </a:bodyPr>
+          <a:lstStyle>
+            <a:lvl1pPr>
+              <a:buNone/>
+              <a:defRPr lang="en-US" sz="2400" b="0" dirty="0">
+                <a:gradFill>
+                  <a:gsLst>
+                    <a:gs pos="15000">
+                      <a:schemeClr val="tx2"/>
+                    </a:gs>
+                    <a:gs pos="73000">
+                      <a:schemeClr val="tx2">
+                        <a:lumMod val="60000"/>
+                        <a:lumOff val="40000"/>
+                      </a:schemeClr>
+                    </a:gs>
+                    <a:gs pos="0">
+                      <a:schemeClr val="tx2">
+                        <a:lumMod val="90000"/>
+                        <a:lumOff val="10000"/>
+                      </a:schemeClr>
+                    </a:gs>
+                    <a:gs pos="100000">
+                      <a:schemeClr val="tx2">
+                        <a:lumMod val="0"/>
+                        <a:lumOff val="100000"/>
+                      </a:schemeClr>
+                    </a:gs>
+                  </a:gsLst>
+                  <a:lin ang="16200000" scaled="1"/>
+                </a:gradFill>
+              </a:defRPr>
+            </a:lvl1pPr>
+          </a:lstStyle>
+          <a:p>
+            <a:pPr marL="0" lvl="0" indent="0">
+              <a:buNone/>
+            </a:pPr>
+            <a:r>
+              <a:rPr lang="zh-CN" altLang="en-US"/>
+              <a:t>单击此处编辑母版文本样式</a:t>
+            </a:r>
+          </a:p>
+        </p:txBody>
+      </p:sp>
+      <p:sp>
+        <p:nvSpPr>
+          <p:cNvPr id="12" name="Text Placeholder 3"/>
+          <p:cNvSpPr>
+            <a:spLocks noGrp="1"/>
+          </p:cNvSpPr>
+          <p:nvPr>
+            <p:ph type="body" sz="half" idx="17"/>
+          </p:nvPr>
+        </p:nvSpPr>
+        <p:spPr>
+          <a:xfrm>
+            <a:off x="7829035" y="2571750"/>
+            <a:ext cx="2932113" cy="3589338"/>
+          </a:xfrm>
+        </p:spPr>
+        <p:txBody>
+          <a:bodyPr anchor="t">
+            <a:normAutofit/>
+          </a:bodyPr>
+          <a:lstStyle>
+            <a:lvl1pPr marL="0" indent="0">
+              <a:buNone/>
+              <a:defRPr sz="1400"/>
+            </a:lvl1pPr>
+            <a:lvl2pPr marL="457200" indent="0">
+              <a:buNone/>
+              <a:defRPr sz="1200"/>
+            </a:lvl2pPr>
+            <a:lvl3pPr marL="914400" indent="0">
+              <a:buNone/>
+              <a:defRPr sz="1000"/>
+            </a:lvl3pPr>
+            <a:lvl4pPr marL="1371600" indent="0">
+              <a:buNone/>
+              <a:defRPr sz="900"/>
+            </a:lvl4pPr>
+            <a:lvl5pPr marL="1828800" indent="0">
+              <a:buNone/>
+              <a:defRPr sz="900"/>
+            </a:lvl5pPr>
+            <a:lvl6pPr marL="2286000" indent="0">
+              <a:buNone/>
+              <a:defRPr sz="900"/>
+            </a:lvl6pPr>
+            <a:lvl7pPr marL="2743200" indent="0">
+              <a:buNone/>
+              <a:defRPr sz="900"/>
+            </a:lvl7pPr>
+            <a:lvl8pPr marL="3200400" indent="0">
+              <a:buNone/>
+              <a:defRPr sz="900"/>
+            </a:lvl8pPr>
+            <a:lvl9pPr marL="3657600" indent="0">
+              <a:buNone/>
+              <a:defRPr sz="900"/>
+            </a:lvl9pPr>
+          </a:lstStyle>
+          <a:p>
+            <a:pPr lvl="0"/>
+            <a:r>
+              <a:rPr lang="zh-CN" altLang="en-US"/>
+              <a:t>单击此处编辑母版文本样式</a:t>
+            </a:r>
+          </a:p>
+        </p:txBody>
+      </p:sp>
+      <p:sp>
+        <p:nvSpPr>
+          <p:cNvPr id="3" name="Date Placeholder 2"/>
+          <p:cNvSpPr>
+            <a:spLocks noGrp="1"/>
+          </p:cNvSpPr>
+          <p:nvPr>
+            <p:ph type="dt" sz="half" idx="10"/>
+          </p:nvPr>
+        </p:nvSpPr>
+        <p:spPr/>
+        <p:txBody>
+          <a:bodyPr/>
+          <a:lstStyle/>
+          <a:p>
+            <a:fld id="{BE4B96D9-44D6-4120-8176-61B5C7CD77D9}" type="datetimeFigureOut">
+              <a:rPr lang="zh-CN" altLang="en-US" smtClean="0"/>
+              <a:t>2023/10/21</a:t>
+            </a:fld>
+            <a:endParaRPr lang="zh-CN" altLang="en-US"/>
+          </a:p>
+        </p:txBody>
+      </p:sp>
+      <p:sp>
+        <p:nvSpPr>
+          <p:cNvPr id="4" name="Footer Placeholder 3"/>
+          <p:cNvSpPr>
+            <a:spLocks noGrp="1"/>
+          </p:cNvSpPr>
+          <p:nvPr>
+            <p:ph type="ftr" sz="quarter" idx="11"/>
+          </p:nvPr>
+        </p:nvSpPr>
+        <p:spPr/>
+        <p:txBody>
+          <a:bodyPr/>
+          <a:lstStyle/>
+          <a:p>
+            <a:endParaRPr lang="zh-CN" altLang="en-US"/>
+          </a:p>
+        </p:txBody>
+      </p:sp>
+      <p:sp>
+        <p:nvSpPr>
+          <p:cNvPr id="5" name="Slide Number Placeholder 4"/>
+          <p:cNvSpPr>
+            <a:spLocks noGrp="1"/>
+          </p:cNvSpPr>
+          <p:nvPr>
+            <p:ph type="sldNum" sz="quarter" idx="12"/>
+          </p:nvPr>
+        </p:nvSpPr>
+        <p:spPr/>
+        <p:txBody>
+          <a:bodyPr/>
+          <a:lstStyle/>
+          <a:p>
+            <a:fld id="{AD1B264F-38A8-4E95-9DAF-2CFDC684D3F8}" type="slidenum">
+              <a:rPr lang="zh-CN" altLang="en-US" smtClean="0"/>
+              <a:t>‹#›</a:t>
+            </a:fld>
+            <a:endParaRPr lang="zh-CN" altLang="en-US"/>
+          </a:p>
+        </p:txBody>
+      </p:sp>
+    </p:spTree>
+    <p:extLst>
+      <p:ext uri="{BB962C8B-B14F-4D97-AF65-F5344CB8AC3E}">
+        <p14:creationId xmlns:p14="http://schemas.microsoft.com/office/powerpoint/2010/main" val="1272694790"/>
+      </p:ext>
+    </p:extLst>
+  </p:cSld>
+  <p:clrMapOvr>
+    <a:masterClrMapping/>
+  </p:clrMapOvr>
+</p:sldLayout>
+</file>
+
+<file path=ppt/slideLayouts/slideLayout15.xml><?xml version="1.0" encoding="utf-8"?>
+<p:sldLayout xmlns:a="http://schemas.openxmlformats.org/drawingml/2006/main" xmlns:r="http://schemas.openxmlformats.org/officeDocument/2006/relationships" xmlns:p="http://schemas.openxmlformats.org/presentationml/2006/main" preserve="1">
+  <p:cSld name="3 图片栏">
+    <p:spTree>
+      <p:nvGrpSpPr>
+        <p:cNvPr id="1" name=""/>
+        <p:cNvGrpSpPr/>
+        <p:nvPr/>
+      </p:nvGrpSpPr>
+      <p:grpSpPr>
+        <a:xfrm>
+          <a:off x="0" y="0"/>
+          <a:ext cx="0" cy="0"/>
+          <a:chOff x="0" y="0"/>
+          <a:chExt cx="0" cy="0"/>
+        </a:xfrm>
+      </p:grpSpPr>
+      <p:sp>
+        <p:nvSpPr>
+          <p:cNvPr id="30" name="Title 1"/>
+          <p:cNvSpPr>
+            <a:spLocks noGrp="1"/>
+          </p:cNvSpPr>
+          <p:nvPr>
+            <p:ph type="title"/>
+          </p:nvPr>
+        </p:nvSpPr>
+        <p:spPr>
+          <a:xfrm>
+            <a:off x="838200" y="365125"/>
+            <a:ext cx="10515600" cy="1325563"/>
+          </a:xfrm>
+        </p:spPr>
+        <p:txBody>
+          <a:bodyPr/>
+          <a:lstStyle/>
+          <a:p>
+            <a:r>
+              <a:rPr lang="zh-CN" altLang="en-US"/>
+              <a:t>单击此处编辑母版标题样式</a:t>
+            </a:r>
+            <a:endParaRPr lang="en-US" dirty="0"/>
+          </a:p>
+        </p:txBody>
+      </p:sp>
+      <p:sp>
+        <p:nvSpPr>
+          <p:cNvPr id="19" name="Text Placeholder 2"/>
+          <p:cNvSpPr>
+            <a:spLocks noGrp="1"/>
+          </p:cNvSpPr>
+          <p:nvPr>
+            <p:ph type="body" idx="1"/>
+          </p:nvPr>
+        </p:nvSpPr>
+        <p:spPr>
+          <a:xfrm>
+            <a:off x="1332085" y="4297503"/>
+            <a:ext cx="2940050" cy="576262"/>
+          </a:xfrm>
+        </p:spPr>
+        <p:txBody>
+          <a:bodyPr anchor="b">
+            <a:noAutofit/>
+          </a:bodyPr>
+          <a:lstStyle>
+            <a:lvl1pPr marL="0" indent="0">
+              <a:buNone/>
+              <a:defRPr sz="2400" b="0">
+                <a:gradFill>
+                  <a:gsLst>
+                    <a:gs pos="34000">
+                      <a:schemeClr val="tx1">
+                        <a:lumMod val="93000"/>
+                      </a:schemeClr>
+                    </a:gs>
+                    <a:gs pos="0">
+                      <a:schemeClr val="bg1">
+                        <a:lumMod val="41000"/>
+                        <a:lumOff val="59000"/>
+                      </a:schemeClr>
+                    </a:gs>
+                    <a:gs pos="100000">
+                      <a:schemeClr val="tx2">
+                        <a:lumMod val="0"/>
+                        <a:lumOff val="100000"/>
+                      </a:schemeClr>
+                    </a:gs>
+                  </a:gsLst>
+                  <a:lin ang="4800000" scaled="0"/>
+                </a:gradFill>
+              </a:defRPr>
+            </a:lvl1pPr>
+            <a:lvl2pPr marL="457200" indent="0">
+              <a:buNone/>
+              <a:defRPr sz="2000" b="1"/>
+            </a:lvl2pPr>
+            <a:lvl3pPr marL="914400" indent="0">
+              <a:buNone/>
+              <a:defRPr sz="1800" b="1"/>
+            </a:lvl3pPr>
+            <a:lvl4pPr marL="1371600" indent="0">
+              <a:buNone/>
+              <a:defRPr sz="1600" b="1"/>
+            </a:lvl4pPr>
+            <a:lvl5pPr marL="1828800" indent="0">
+              <a:buNone/>
+              <a:defRPr sz="1600" b="1"/>
+            </a:lvl5pPr>
+            <a:lvl6pPr marL="2286000" indent="0">
+              <a:buNone/>
+              <a:defRPr sz="1600" b="1"/>
+            </a:lvl6pPr>
+            <a:lvl7pPr marL="2743200" indent="0">
+              <a:buNone/>
+              <a:defRPr sz="1600" b="1"/>
+            </a:lvl7pPr>
+            <a:lvl8pPr marL="3200400" indent="0">
+              <a:buNone/>
+              <a:defRPr sz="1600" b="1"/>
+            </a:lvl8pPr>
+            <a:lvl9pPr marL="3657600" indent="0">
+              <a:buNone/>
+              <a:defRPr sz="1600" b="1"/>
+            </a:lvl9pPr>
+          </a:lstStyle>
+          <a:p>
+            <a:pPr lvl="0"/>
+            <a:r>
+              <a:rPr lang="zh-CN" altLang="en-US"/>
+              <a:t>单击此处编辑母版文本样式</a:t>
+            </a:r>
+          </a:p>
+        </p:txBody>
+      </p:sp>
+      <p:sp>
+        <p:nvSpPr>
+          <p:cNvPr id="20" name="Picture Placeholder 2"/>
+          <p:cNvSpPr>
+            <a:spLocks noGrp="1" noChangeAspect="1"/>
+          </p:cNvSpPr>
+          <p:nvPr>
+            <p:ph type="pic" idx="15"/>
+          </p:nvPr>
+        </p:nvSpPr>
+        <p:spPr>
+          <a:xfrm>
+            <a:off x="1332085" y="2256354"/>
+            <a:ext cx="2940050" cy="1524000"/>
+          </a:xfrm>
+          <a:prstGeom prst="roundRect">
+            <a:avLst>
+              <a:gd name="adj" fmla="val 1858"/>
+            </a:avLst>
+          </a:prstGeom>
+          <a:effectLst>
+            <a:outerShdw blurRad="50800" dist="50800" dir="5400000" algn="tl" rotWithShape="0">
+              <a:srgbClr val="000000">
+                <a:alpha val="43000"/>
+              </a:srgbClr>
+            </a:outerShdw>
+          </a:effectLst>
+        </p:spPr>
+        <p:txBody>
+          <a:bodyPr anchor="t">
+            <a:normAutofit/>
+          </a:bodyPr>
+          <a:lstStyle>
+            <a:lvl1pPr marL="0" indent="0" algn="ctr">
+              <a:buNone/>
+              <a:defRPr sz="1600"/>
+            </a:lvl1pPr>
+            <a:lvl2pPr marL="457200" indent="0">
+              <a:buNone/>
+              <a:defRPr sz="1600"/>
+            </a:lvl2pPr>
+            <a:lvl3pPr marL="914400" indent="0">
+              <a:buNone/>
+              <a:defRPr sz="1600"/>
+            </a:lvl3pPr>
+            <a:lvl4pPr marL="1371600" indent="0">
+              <a:buNone/>
+              <a:defRPr sz="1600"/>
+            </a:lvl4pPr>
+            <a:lvl5pPr marL="1828800" indent="0">
+              <a:buNone/>
+              <a:defRPr sz="1600"/>
+            </a:lvl5pPr>
+            <a:lvl6pPr marL="2286000" indent="0">
+              <a:buNone/>
+              <a:defRPr sz="1600"/>
+            </a:lvl6pPr>
+            <a:lvl7pPr marL="2743200" indent="0">
+              <a:buNone/>
+              <a:defRPr sz="1600"/>
+            </a:lvl7pPr>
+            <a:lvl8pPr marL="3200400" indent="0">
+              <a:buNone/>
+              <a:defRPr sz="1600"/>
+            </a:lvl8pPr>
+            <a:lvl9pPr marL="3657600" indent="0">
+              <a:buNone/>
+              <a:defRPr sz="1600"/>
+            </a:lvl9pPr>
+          </a:lstStyle>
+          <a:p>
+            <a:r>
+              <a:rPr lang="zh-CN" altLang="en-US"/>
+              <a:t>单击图标添加图片</a:t>
+            </a:r>
+            <a:endParaRPr lang="en-US" dirty="0"/>
+          </a:p>
+        </p:txBody>
+      </p:sp>
+      <p:sp>
+        <p:nvSpPr>
+          <p:cNvPr id="21" name="Text Placeholder 3"/>
+          <p:cNvSpPr>
+            <a:spLocks noGrp="1"/>
+          </p:cNvSpPr>
+          <p:nvPr>
+            <p:ph type="body" sz="half" idx="18"/>
+          </p:nvPr>
+        </p:nvSpPr>
+        <p:spPr>
+          <a:xfrm>
+            <a:off x="1332085" y="4873765"/>
+            <a:ext cx="2940050" cy="659189"/>
+          </a:xfrm>
+        </p:spPr>
+        <p:txBody>
+          <a:bodyPr anchor="t">
+            <a:normAutofit/>
+          </a:bodyPr>
+          <a:lstStyle>
+            <a:lvl1pPr marL="0" indent="0">
+              <a:buNone/>
+              <a:defRPr sz="1400"/>
+            </a:lvl1pPr>
+            <a:lvl2pPr marL="457200" indent="0">
+              <a:buNone/>
+              <a:defRPr sz="1200"/>
+            </a:lvl2pPr>
+            <a:lvl3pPr marL="914400" indent="0">
+              <a:buNone/>
+              <a:defRPr sz="1000"/>
+            </a:lvl3pPr>
+            <a:lvl4pPr marL="1371600" indent="0">
+              <a:buNone/>
+              <a:defRPr sz="900"/>
+            </a:lvl4pPr>
+            <a:lvl5pPr marL="1828800" indent="0">
+              <a:buNone/>
+              <a:defRPr sz="900"/>
+            </a:lvl5pPr>
+            <a:lvl6pPr marL="2286000" indent="0">
+              <a:buNone/>
+              <a:defRPr sz="900"/>
+            </a:lvl6pPr>
+            <a:lvl7pPr marL="2743200" indent="0">
+              <a:buNone/>
+              <a:defRPr sz="900"/>
+            </a:lvl7pPr>
+            <a:lvl8pPr marL="3200400" indent="0">
+              <a:buNone/>
+              <a:defRPr sz="900"/>
+            </a:lvl8pPr>
+            <a:lvl9pPr marL="3657600" indent="0">
+              <a:buNone/>
+              <a:defRPr sz="900"/>
+            </a:lvl9pPr>
+          </a:lstStyle>
+          <a:p>
+            <a:pPr lvl="0"/>
+            <a:r>
+              <a:rPr lang="zh-CN" altLang="en-US"/>
+              <a:t>单击此处编辑母版文本样式</a:t>
+            </a:r>
+          </a:p>
+        </p:txBody>
+      </p:sp>
+      <p:sp>
+        <p:nvSpPr>
+          <p:cNvPr id="22" name="Text Placeholder 4"/>
+          <p:cNvSpPr>
+            <a:spLocks noGrp="1"/>
+          </p:cNvSpPr>
+          <p:nvPr>
+            <p:ph type="body" sz="quarter" idx="3"/>
+          </p:nvPr>
+        </p:nvSpPr>
+        <p:spPr>
+          <a:xfrm>
+            <a:off x="4568997" y="4297503"/>
+            <a:ext cx="2930525" cy="576262"/>
+          </a:xfrm>
+        </p:spPr>
+        <p:txBody>
+          <a:bodyPr anchor="b">
+            <a:noAutofit/>
+          </a:bodyPr>
+          <a:lstStyle>
+            <a:lvl1pPr marL="0" indent="0">
+              <a:buNone/>
+              <a:defRPr sz="2400" b="0">
+                <a:gradFill>
+                  <a:gsLst>
+                    <a:gs pos="34000">
+                      <a:schemeClr val="tx1">
+                        <a:lumMod val="93000"/>
+                      </a:schemeClr>
+                    </a:gs>
+                    <a:gs pos="0">
+                      <a:schemeClr val="bg1">
+                        <a:lumMod val="41000"/>
+                        <a:lumOff val="59000"/>
+                      </a:schemeClr>
+                    </a:gs>
+                    <a:gs pos="100000">
+                      <a:schemeClr val="tx2">
+                        <a:lumMod val="0"/>
+                        <a:lumOff val="100000"/>
+                      </a:schemeClr>
+                    </a:gs>
+                  </a:gsLst>
+                  <a:lin ang="4800000" scaled="0"/>
+                </a:gradFill>
+              </a:defRPr>
+            </a:lvl1pPr>
+            <a:lvl2pPr marL="457200" indent="0">
+              <a:buNone/>
+              <a:defRPr sz="2000" b="1"/>
+            </a:lvl2pPr>
+            <a:lvl3pPr marL="914400" indent="0">
+              <a:buNone/>
+              <a:defRPr sz="1800" b="1"/>
+            </a:lvl3pPr>
+            <a:lvl4pPr marL="1371600" indent="0">
+              <a:buNone/>
+              <a:defRPr sz="1600" b="1"/>
+            </a:lvl4pPr>
+            <a:lvl5pPr marL="1828800" indent="0">
+              <a:buNone/>
+              <a:defRPr sz="1600" b="1"/>
+            </a:lvl5pPr>
+            <a:lvl6pPr marL="2286000" indent="0">
+              <a:buNone/>
+              <a:defRPr sz="1600" b="1"/>
+            </a:lvl6pPr>
+            <a:lvl7pPr marL="2743200" indent="0">
+              <a:buNone/>
+              <a:defRPr sz="1600" b="1"/>
+            </a:lvl7pPr>
+            <a:lvl8pPr marL="3200400" indent="0">
+              <a:buNone/>
+              <a:defRPr sz="1600" b="1"/>
+            </a:lvl8pPr>
+            <a:lvl9pPr marL="3657600" indent="0">
+              <a:buNone/>
+              <a:defRPr sz="1600" b="1"/>
+            </a:lvl9pPr>
+          </a:lstStyle>
+          <a:p>
+            <a:pPr lvl="0"/>
+            <a:r>
+              <a:rPr lang="zh-CN" altLang="en-US"/>
+              <a:t>单击此处编辑母版文本样式</a:t>
+            </a:r>
+          </a:p>
+        </p:txBody>
+      </p:sp>
+      <p:sp>
+        <p:nvSpPr>
+          <p:cNvPr id="23" name="Picture Placeholder 2"/>
+          <p:cNvSpPr>
+            <a:spLocks noGrp="1" noChangeAspect="1"/>
+          </p:cNvSpPr>
+          <p:nvPr>
+            <p:ph type="pic" idx="21"/>
+          </p:nvPr>
+        </p:nvSpPr>
+        <p:spPr>
+          <a:xfrm>
+            <a:off x="4568996" y="2256354"/>
+            <a:ext cx="2930525" cy="1524000"/>
+          </a:xfrm>
+          <a:prstGeom prst="roundRect">
+            <a:avLst>
+              <a:gd name="adj" fmla="val 1858"/>
+            </a:avLst>
+          </a:prstGeom>
+          <a:effectLst>
+            <a:outerShdw blurRad="50800" dist="50800" dir="5400000" algn="tl" rotWithShape="0">
+              <a:srgbClr val="000000">
+                <a:alpha val="43000"/>
+              </a:srgbClr>
+            </a:outerShdw>
+          </a:effectLst>
+        </p:spPr>
+        <p:txBody>
+          <a:bodyPr anchor="t">
+            <a:normAutofit/>
+          </a:bodyPr>
+          <a:lstStyle>
+            <a:lvl1pPr marL="0" indent="0" algn="ctr">
+              <a:buNone/>
+              <a:defRPr sz="1600"/>
+            </a:lvl1pPr>
+            <a:lvl2pPr marL="457200" indent="0">
+              <a:buNone/>
+              <a:defRPr sz="1600"/>
+            </a:lvl2pPr>
+            <a:lvl3pPr marL="914400" indent="0">
+              <a:buNone/>
+              <a:defRPr sz="1600"/>
+            </a:lvl3pPr>
+            <a:lvl4pPr marL="1371600" indent="0">
+              <a:buNone/>
+              <a:defRPr sz="1600"/>
+            </a:lvl4pPr>
+            <a:lvl5pPr marL="1828800" indent="0">
+              <a:buNone/>
+              <a:defRPr sz="1600"/>
+            </a:lvl5pPr>
+            <a:lvl6pPr marL="2286000" indent="0">
+              <a:buNone/>
+              <a:defRPr sz="1600"/>
+            </a:lvl6pPr>
+            <a:lvl7pPr marL="2743200" indent="0">
+              <a:buNone/>
+              <a:defRPr sz="1600"/>
+            </a:lvl7pPr>
+            <a:lvl8pPr marL="3200400" indent="0">
+              <a:buNone/>
+              <a:defRPr sz="1600"/>
+            </a:lvl8pPr>
+            <a:lvl9pPr marL="3657600" indent="0">
+              <a:buNone/>
+              <a:defRPr sz="1600"/>
+            </a:lvl9pPr>
+          </a:lstStyle>
+          <a:p>
+            <a:r>
+              <a:rPr lang="zh-CN" altLang="en-US"/>
+              <a:t>单击图标添加图片</a:t>
+            </a:r>
+            <a:endParaRPr lang="en-US" dirty="0"/>
+          </a:p>
+        </p:txBody>
+      </p:sp>
+      <p:sp>
+        <p:nvSpPr>
+          <p:cNvPr id="24" name="Text Placeholder 3"/>
+          <p:cNvSpPr>
+            <a:spLocks noGrp="1"/>
+          </p:cNvSpPr>
+          <p:nvPr>
+            <p:ph type="body" sz="half" idx="19"/>
+          </p:nvPr>
+        </p:nvSpPr>
+        <p:spPr>
+          <a:xfrm>
+            <a:off x="4567644" y="4873764"/>
+            <a:ext cx="2934406" cy="659189"/>
+          </a:xfrm>
+        </p:spPr>
+        <p:txBody>
+          <a:bodyPr anchor="t">
+            <a:normAutofit/>
+          </a:bodyPr>
+          <a:lstStyle>
+            <a:lvl1pPr marL="0" indent="0">
+              <a:buNone/>
+              <a:defRPr sz="1400"/>
+            </a:lvl1pPr>
+            <a:lvl2pPr marL="457200" indent="0">
+              <a:buNone/>
+              <a:defRPr sz="1200"/>
+            </a:lvl2pPr>
+            <a:lvl3pPr marL="914400" indent="0">
+              <a:buNone/>
+              <a:defRPr sz="1000"/>
+            </a:lvl3pPr>
+            <a:lvl4pPr marL="1371600" indent="0">
+              <a:buNone/>
+              <a:defRPr sz="900"/>
+            </a:lvl4pPr>
+            <a:lvl5pPr marL="1828800" indent="0">
+              <a:buNone/>
+              <a:defRPr sz="900"/>
+            </a:lvl5pPr>
+            <a:lvl6pPr marL="2286000" indent="0">
+              <a:buNone/>
+              <a:defRPr sz="900"/>
+            </a:lvl6pPr>
+            <a:lvl7pPr marL="2743200" indent="0">
+              <a:buNone/>
+              <a:defRPr sz="900"/>
+            </a:lvl7pPr>
+            <a:lvl8pPr marL="3200400" indent="0">
+              <a:buNone/>
+              <a:defRPr sz="900"/>
+            </a:lvl8pPr>
+            <a:lvl9pPr marL="3657600" indent="0">
+              <a:buNone/>
+              <a:defRPr sz="900"/>
+            </a:lvl9pPr>
+          </a:lstStyle>
+          <a:p>
+            <a:pPr lvl="0"/>
+            <a:r>
+              <a:rPr lang="zh-CN" altLang="en-US"/>
+              <a:t>单击此处编辑母版文本样式</a:t>
+            </a:r>
+          </a:p>
+        </p:txBody>
+      </p:sp>
+      <p:sp>
+        <p:nvSpPr>
+          <p:cNvPr id="25" name="Text Placeholder 4"/>
+          <p:cNvSpPr>
+            <a:spLocks noGrp="1"/>
+          </p:cNvSpPr>
+          <p:nvPr>
+            <p:ph type="body" sz="quarter" idx="13"/>
+          </p:nvPr>
+        </p:nvSpPr>
+        <p:spPr>
+          <a:xfrm>
+            <a:off x="7804322" y="4297503"/>
+            <a:ext cx="2932113" cy="576262"/>
+          </a:xfrm>
+        </p:spPr>
+        <p:txBody>
+          <a:bodyPr anchor="b">
+            <a:noAutofit/>
+          </a:bodyPr>
+          <a:lstStyle>
+            <a:lvl1pPr marL="0" indent="0">
+              <a:buNone/>
+              <a:defRPr sz="2400" b="0">
+                <a:gradFill>
+                  <a:gsLst>
+                    <a:gs pos="34000">
+                      <a:schemeClr val="tx1">
+                        <a:lumMod val="93000"/>
+                      </a:schemeClr>
+                    </a:gs>
+                    <a:gs pos="0">
+                      <a:schemeClr val="bg1">
+                        <a:lumMod val="41000"/>
+                        <a:lumOff val="59000"/>
+                      </a:schemeClr>
+                    </a:gs>
+                    <a:gs pos="100000">
+                      <a:schemeClr val="tx2">
+                        <a:lumMod val="0"/>
+                        <a:lumOff val="100000"/>
+                      </a:schemeClr>
+                    </a:gs>
+                  </a:gsLst>
+                  <a:lin ang="4800000" scaled="0"/>
+                </a:gradFill>
+              </a:defRPr>
+            </a:lvl1pPr>
+            <a:lvl2pPr marL="457200" indent="0">
+              <a:buNone/>
+              <a:defRPr sz="2000" b="1"/>
+            </a:lvl2pPr>
+            <a:lvl3pPr marL="914400" indent="0">
+              <a:buNone/>
+              <a:defRPr sz="1800" b="1"/>
+            </a:lvl3pPr>
+            <a:lvl4pPr marL="1371600" indent="0">
+              <a:buNone/>
+              <a:defRPr sz="1600" b="1"/>
+            </a:lvl4pPr>
+            <a:lvl5pPr marL="1828800" indent="0">
+              <a:buNone/>
+              <a:defRPr sz="1600" b="1"/>
+            </a:lvl5pPr>
+            <a:lvl6pPr marL="2286000" indent="0">
+              <a:buNone/>
+              <a:defRPr sz="1600" b="1"/>
+            </a:lvl6pPr>
+            <a:lvl7pPr marL="2743200" indent="0">
+              <a:buNone/>
+              <a:defRPr sz="1600" b="1"/>
+            </a:lvl7pPr>
+            <a:lvl8pPr marL="3200400" indent="0">
+              <a:buNone/>
+              <a:defRPr sz="1600" b="1"/>
+            </a:lvl8pPr>
+            <a:lvl9pPr marL="3657600" indent="0">
+              <a:buNone/>
+              <a:defRPr sz="1600" b="1"/>
+            </a:lvl9pPr>
+          </a:lstStyle>
+          <a:p>
+            <a:pPr lvl="0"/>
+            <a:r>
+              <a:rPr lang="zh-CN" altLang="en-US"/>
+              <a:t>单击此处编辑母版文本样式</a:t>
+            </a:r>
+          </a:p>
+        </p:txBody>
+      </p:sp>
+      <p:sp>
+        <p:nvSpPr>
+          <p:cNvPr id="26" name="Picture Placeholder 2"/>
+          <p:cNvSpPr>
+            <a:spLocks noGrp="1" noChangeAspect="1"/>
+          </p:cNvSpPr>
+          <p:nvPr>
+            <p:ph type="pic" idx="22"/>
+          </p:nvPr>
+        </p:nvSpPr>
+        <p:spPr>
+          <a:xfrm>
+            <a:off x="7804321" y="2256354"/>
+            <a:ext cx="2932113" cy="1524000"/>
+          </a:xfrm>
+          <a:prstGeom prst="roundRect">
+            <a:avLst>
+              <a:gd name="adj" fmla="val 1858"/>
+            </a:avLst>
+          </a:prstGeom>
+          <a:effectLst>
+            <a:outerShdw blurRad="50800" dist="50800" dir="5400000" algn="tl" rotWithShape="0">
+              <a:srgbClr val="000000">
+                <a:alpha val="43000"/>
+              </a:srgbClr>
+            </a:outerShdw>
+          </a:effectLst>
+        </p:spPr>
+        <p:txBody>
+          <a:bodyPr anchor="t">
+            <a:normAutofit/>
+          </a:bodyPr>
+          <a:lstStyle>
+            <a:lvl1pPr marL="0" indent="0" algn="ctr">
+              <a:buNone/>
+              <a:defRPr sz="1600"/>
+            </a:lvl1pPr>
+            <a:lvl2pPr marL="457200" indent="0">
+              <a:buNone/>
+              <a:defRPr sz="1600"/>
+            </a:lvl2pPr>
+            <a:lvl3pPr marL="914400" indent="0">
+              <a:buNone/>
+              <a:defRPr sz="1600"/>
+            </a:lvl3pPr>
+            <a:lvl4pPr marL="1371600" indent="0">
+              <a:buNone/>
+              <a:defRPr sz="1600"/>
+            </a:lvl4pPr>
+            <a:lvl5pPr marL="1828800" indent="0">
+              <a:buNone/>
+              <a:defRPr sz="1600"/>
+            </a:lvl5pPr>
+            <a:lvl6pPr marL="2286000" indent="0">
+              <a:buNone/>
+              <a:defRPr sz="1600"/>
+            </a:lvl6pPr>
+            <a:lvl7pPr marL="2743200" indent="0">
+              <a:buNone/>
+              <a:defRPr sz="1600"/>
+            </a:lvl7pPr>
+            <a:lvl8pPr marL="3200400" indent="0">
+              <a:buNone/>
+              <a:defRPr sz="1600"/>
+            </a:lvl8pPr>
+            <a:lvl9pPr marL="3657600" indent="0">
+              <a:buNone/>
+              <a:defRPr sz="1600"/>
+            </a:lvl9pPr>
+          </a:lstStyle>
+          <a:p>
+            <a:r>
+              <a:rPr lang="zh-CN" altLang="en-US"/>
+              <a:t>单击图标添加图片</a:t>
+            </a:r>
+            <a:endParaRPr lang="en-US" dirty="0"/>
+          </a:p>
+        </p:txBody>
+      </p:sp>
+      <p:sp>
+        <p:nvSpPr>
+          <p:cNvPr id="27" name="Text Placeholder 3"/>
+          <p:cNvSpPr>
+            <a:spLocks noGrp="1"/>
+          </p:cNvSpPr>
+          <p:nvPr>
+            <p:ph type="body" sz="half" idx="20"/>
+          </p:nvPr>
+        </p:nvSpPr>
+        <p:spPr>
+          <a:xfrm>
+            <a:off x="7804197" y="4873762"/>
+            <a:ext cx="2935997" cy="659189"/>
+          </a:xfrm>
+        </p:spPr>
+        <p:txBody>
+          <a:bodyPr anchor="t">
+            <a:normAutofit/>
+          </a:bodyPr>
+          <a:lstStyle>
+            <a:lvl1pPr marL="0" indent="0">
+              <a:buNone/>
+              <a:defRPr sz="1400"/>
+            </a:lvl1pPr>
+            <a:lvl2pPr marL="457200" indent="0">
+              <a:buNone/>
+              <a:defRPr sz="1200"/>
+            </a:lvl2pPr>
+            <a:lvl3pPr marL="914400" indent="0">
+              <a:buNone/>
+              <a:defRPr sz="1000"/>
+            </a:lvl3pPr>
+            <a:lvl4pPr marL="1371600" indent="0">
+              <a:buNone/>
+              <a:defRPr sz="900"/>
+            </a:lvl4pPr>
+            <a:lvl5pPr marL="1828800" indent="0">
+              <a:buNone/>
+              <a:defRPr sz="900"/>
+            </a:lvl5pPr>
+            <a:lvl6pPr marL="2286000" indent="0">
+              <a:buNone/>
+              <a:defRPr sz="900"/>
+            </a:lvl6pPr>
+            <a:lvl7pPr marL="2743200" indent="0">
+              <a:buNone/>
+              <a:defRPr sz="900"/>
+            </a:lvl7pPr>
+            <a:lvl8pPr marL="3200400" indent="0">
+              <a:buNone/>
+              <a:defRPr sz="900"/>
+            </a:lvl8pPr>
+            <a:lvl9pPr marL="3657600" indent="0">
+              <a:buNone/>
+              <a:defRPr sz="900"/>
+            </a:lvl9pPr>
+          </a:lstStyle>
+          <a:p>
+            <a:pPr lvl="0"/>
+            <a:r>
+              <a:rPr lang="zh-CN" altLang="en-US"/>
+              <a:t>单击此处编辑母版文本样式</a:t>
+            </a:r>
+          </a:p>
+        </p:txBody>
+      </p:sp>
+      <p:sp>
+        <p:nvSpPr>
+          <p:cNvPr id="3" name="Date Placeholder 2"/>
+          <p:cNvSpPr>
+            <a:spLocks noGrp="1"/>
+          </p:cNvSpPr>
+          <p:nvPr>
+            <p:ph type="dt" sz="half" idx="10"/>
+          </p:nvPr>
+        </p:nvSpPr>
+        <p:spPr/>
+        <p:txBody>
+          <a:bodyPr/>
+          <a:lstStyle/>
+          <a:p>
+            <a:fld id="{BE4B96D9-44D6-4120-8176-61B5C7CD77D9}" type="datetimeFigureOut">
+              <a:rPr lang="zh-CN" altLang="en-US" smtClean="0"/>
+              <a:t>2023/10/21</a:t>
+            </a:fld>
+            <a:endParaRPr lang="zh-CN" altLang="en-US"/>
+          </a:p>
+        </p:txBody>
+      </p:sp>
+      <p:sp>
+        <p:nvSpPr>
+          <p:cNvPr id="4" name="Footer Placeholder 3"/>
+          <p:cNvSpPr>
+            <a:spLocks noGrp="1"/>
+          </p:cNvSpPr>
+          <p:nvPr>
+            <p:ph type="ftr" sz="quarter" idx="11"/>
+          </p:nvPr>
+        </p:nvSpPr>
+        <p:spPr/>
+        <p:txBody>
+          <a:bodyPr/>
+          <a:lstStyle/>
+          <a:p>
+            <a:endParaRPr lang="zh-CN" altLang="en-US"/>
+          </a:p>
+        </p:txBody>
+      </p:sp>
+      <p:sp>
+        <p:nvSpPr>
+          <p:cNvPr id="5" name="Slide Number Placeholder 4"/>
+          <p:cNvSpPr>
+            <a:spLocks noGrp="1"/>
+          </p:cNvSpPr>
+          <p:nvPr>
+            <p:ph type="sldNum" sz="quarter" idx="12"/>
+          </p:nvPr>
+        </p:nvSpPr>
+        <p:spPr/>
+        <p:txBody>
+          <a:bodyPr/>
+          <a:lstStyle/>
+          <a:p>
+            <a:fld id="{AD1B264F-38A8-4E95-9DAF-2CFDC684D3F8}" type="slidenum">
+              <a:rPr lang="zh-CN" altLang="en-US" smtClean="0"/>
+              <a:t>‹#›</a:t>
+            </a:fld>
+            <a:endParaRPr lang="zh-CN" altLang="en-US"/>
+          </a:p>
+        </p:txBody>
+      </p:sp>
+    </p:spTree>
+    <p:extLst>
+      <p:ext uri="{BB962C8B-B14F-4D97-AF65-F5344CB8AC3E}">
+        <p14:creationId xmlns:p14="http://schemas.microsoft.com/office/powerpoint/2010/main" val="2107762072"/>
+      </p:ext>
+    </p:extLst>
+  </p:cSld>
+  <p:clrMapOvr>
+    <a:masterClrMapping/>
+  </p:clrMapOvr>
+</p:sldLayout>
+</file>
+
+<file path=ppt/slideLayouts/slideLayout16.xml><?xml version="1.0" encoding="utf-8"?>
 <p:sldLayout xmlns:a="http://schemas.openxmlformats.org/drawingml/2006/main" xmlns:r="http://schemas.openxmlformats.org/officeDocument/2006/relationships" xmlns:p="http://schemas.openxmlformats.org/presentationml/2006/main" type="vertTx" preserve="1">
   <p:cSld name="标题和竖排文字">
     <p:spTree>
@@ -932,7 +3496,7 @@
       </p:grpSpPr>
       <p:sp>
         <p:nvSpPr>
-          <p:cNvPr id="2" name="标题 1"/>
+          <p:cNvPr id="2" name="Title 1"/>
           <p:cNvSpPr>
             <a:spLocks noGrp="1"/>
           </p:cNvSpPr>
@@ -949,13 +3513,13 @@
               <a:rPr lang="zh-CN" altLang="en-US"/>
               <a:t>单击此处编辑母版标题样式</a:t>
             </a:r>
-            <a:endParaRPr lang="zh-CN" altLang="en-US"/>
-          </a:p>
-        </p:txBody>
-      </p:sp>
-      <p:sp>
-        <p:nvSpPr>
-          <p:cNvPr id="3" name="竖排文字占位符 2"/>
+            <a:endParaRPr lang="en-US" dirty="0"/>
+          </a:p>
+        </p:txBody>
+      </p:sp>
+      <p:sp>
+        <p:nvSpPr>
+          <p:cNvPr id="3" name="Vertical Text Placeholder 2"/>
           <p:cNvSpPr>
             <a:spLocks noGrp="1"/>
           </p:cNvSpPr>
@@ -973,7 +3537,6 @@
               <a:rPr lang="zh-CN" altLang="en-US"/>
               <a:t>单击此处编辑母版文本样式</a:t>
             </a:r>
-            <a:endParaRPr lang="zh-CN" altLang="en-US"/>
           </a:p>
           <a:p>
             <a:pPr lvl="1"/>
@@ -981,7 +3544,6 @@
               <a:rPr lang="zh-CN" altLang="en-US"/>
               <a:t>二级</a:t>
             </a:r>
-            <a:endParaRPr lang="zh-CN" altLang="en-US"/>
           </a:p>
           <a:p>
             <a:pPr lvl="2"/>
@@ -989,7 +3551,6 @@
               <a:rPr lang="zh-CN" altLang="en-US"/>
               <a:t>三级</a:t>
             </a:r>
-            <a:endParaRPr lang="zh-CN" altLang="en-US"/>
           </a:p>
           <a:p>
             <a:pPr lvl="3"/>
@@ -997,7 +3558,6 @@
               <a:rPr lang="zh-CN" altLang="en-US"/>
               <a:t>四级</a:t>
             </a:r>
-            <a:endParaRPr lang="zh-CN" altLang="en-US"/>
           </a:p>
           <a:p>
             <a:pPr lvl="4"/>
@@ -1005,13 +3565,13 @@
               <a:rPr lang="zh-CN" altLang="en-US"/>
               <a:t>五级</a:t>
             </a:r>
-            <a:endParaRPr lang="zh-CN" altLang="en-US"/>
-          </a:p>
-        </p:txBody>
-      </p:sp>
-      <p:sp>
-        <p:nvSpPr>
-          <p:cNvPr id="4" name="日期占位符 3"/>
+            <a:endParaRPr lang="en-US" dirty="0"/>
+          </a:p>
+        </p:txBody>
+      </p:sp>
+      <p:sp>
+        <p:nvSpPr>
+          <p:cNvPr id="4" name="Date Placeholder 3"/>
           <p:cNvSpPr>
             <a:spLocks noGrp="1"/>
           </p:cNvSpPr>
@@ -1026,6 +3586,7 @@
           <a:p>
             <a:fld id="{BE4B96D9-44D6-4120-8176-61B5C7CD77D9}" type="datetimeFigureOut">
               <a:rPr lang="zh-CN" altLang="en-US" smtClean="0"/>
+              <a:t>2023/10/21</a:t>
             </a:fld>
             <a:endParaRPr lang="zh-CN" altLang="en-US"/>
           </a:p>
@@ -1033,7 +3594,7 @@
       </p:sp>
       <p:sp>
         <p:nvSpPr>
-          <p:cNvPr id="5" name="页脚占位符 4"/>
+          <p:cNvPr id="5" name="Footer Placeholder 4"/>
           <p:cNvSpPr>
             <a:spLocks noGrp="1"/>
           </p:cNvSpPr>
@@ -1052,7 +3613,7 @@
       </p:sp>
       <p:sp>
         <p:nvSpPr>
-          <p:cNvPr id="6" name="灯片编号占位符 5"/>
+          <p:cNvPr id="6" name="Slide Number Placeholder 5"/>
           <p:cNvSpPr>
             <a:spLocks noGrp="1"/>
           </p:cNvSpPr>
@@ -1067,12 +3628,18 @@
           <a:p>
             <a:fld id="{AD1B264F-38A8-4E95-9DAF-2CFDC684D3F8}" type="slidenum">
               <a:rPr lang="zh-CN" altLang="en-US" smtClean="0"/>
+              <a:t>‹#›</a:t>
             </a:fld>
             <a:endParaRPr lang="zh-CN" altLang="en-US"/>
           </a:p>
         </p:txBody>
       </p:sp>
     </p:spTree>
+    <p:extLst>
+      <p:ext uri="{BB962C8B-B14F-4D97-AF65-F5344CB8AC3E}">
+        <p14:creationId xmlns:p14="http://schemas.microsoft.com/office/powerpoint/2010/main" val="1459177372"/>
+      </p:ext>
+    </p:extLst>
   </p:cSld>
   <p:clrMapOvr>
     <a:masterClrMapping/>
@@ -1080,7 +3647,7 @@
 </p:sldLayout>
 </file>
 
-<file path=ppt/slideLayouts/slideLayout11.xml><?xml version="1.0" encoding="utf-8"?>
+<file path=ppt/slideLayouts/slideLayout17.xml><?xml version="1.0" encoding="utf-8"?>
 <p:sldLayout xmlns:a="http://schemas.openxmlformats.org/drawingml/2006/main" xmlns:r="http://schemas.openxmlformats.org/officeDocument/2006/relationships" xmlns:p="http://schemas.openxmlformats.org/presentationml/2006/main" type="vertTitleAndTx" preserve="1">
   <p:cSld name="竖排标题与文本">
     <p:spTree>
@@ -1099,7 +3666,7 @@
       </p:grpSpPr>
       <p:sp>
         <p:nvSpPr>
-          <p:cNvPr id="2" name="竖排标题 1"/>
+          <p:cNvPr id="2" name="Vertical Title 1"/>
           <p:cNvSpPr>
             <a:spLocks noGrp="1"/>
           </p:cNvSpPr>
@@ -1121,13 +3688,13 @@
               <a:rPr lang="zh-CN" altLang="en-US"/>
               <a:t>单击此处编辑母版标题样式</a:t>
             </a:r>
-            <a:endParaRPr lang="zh-CN" altLang="en-US"/>
-          </a:p>
-        </p:txBody>
-      </p:sp>
-      <p:sp>
-        <p:nvSpPr>
-          <p:cNvPr id="3" name="竖排文字占位符 2"/>
+            <a:endParaRPr lang="en-US" dirty="0"/>
+          </a:p>
+        </p:txBody>
+      </p:sp>
+      <p:sp>
+        <p:nvSpPr>
+          <p:cNvPr id="3" name="Vertical Text Placeholder 2"/>
           <p:cNvSpPr>
             <a:spLocks noGrp="1"/>
           </p:cNvSpPr>
@@ -1150,7 +3717,6 @@
               <a:rPr lang="zh-CN" altLang="en-US"/>
               <a:t>单击此处编辑母版文本样式</a:t>
             </a:r>
-            <a:endParaRPr lang="zh-CN" altLang="en-US"/>
           </a:p>
           <a:p>
             <a:pPr lvl="1"/>
@@ -1158,7 +3724,6 @@
               <a:rPr lang="zh-CN" altLang="en-US"/>
               <a:t>二级</a:t>
             </a:r>
-            <a:endParaRPr lang="zh-CN" altLang="en-US"/>
           </a:p>
           <a:p>
             <a:pPr lvl="2"/>
@@ -1166,7 +3731,6 @@
               <a:rPr lang="zh-CN" altLang="en-US"/>
               <a:t>三级</a:t>
             </a:r>
-            <a:endParaRPr lang="zh-CN" altLang="en-US"/>
           </a:p>
           <a:p>
             <a:pPr lvl="3"/>
@@ -1174,7 +3738,6 @@
               <a:rPr lang="zh-CN" altLang="en-US"/>
               <a:t>四级</a:t>
             </a:r>
-            <a:endParaRPr lang="zh-CN" altLang="en-US"/>
           </a:p>
           <a:p>
             <a:pPr lvl="4"/>
@@ -1182,13 +3745,13 @@
               <a:rPr lang="zh-CN" altLang="en-US"/>
               <a:t>五级</a:t>
             </a:r>
-            <a:endParaRPr lang="zh-CN" altLang="en-US"/>
-          </a:p>
-        </p:txBody>
-      </p:sp>
-      <p:sp>
-        <p:nvSpPr>
-          <p:cNvPr id="4" name="日期占位符 3"/>
+            <a:endParaRPr lang="en-US" dirty="0"/>
+          </a:p>
+        </p:txBody>
+      </p:sp>
+      <p:sp>
+        <p:nvSpPr>
+          <p:cNvPr id="4" name="Date Placeholder 3"/>
           <p:cNvSpPr>
             <a:spLocks noGrp="1"/>
           </p:cNvSpPr>
@@ -1203,6 +3766,7 @@
           <a:p>
             <a:fld id="{BE4B96D9-44D6-4120-8176-61B5C7CD77D9}" type="datetimeFigureOut">
               <a:rPr lang="zh-CN" altLang="en-US" smtClean="0"/>
+              <a:t>2023/10/21</a:t>
             </a:fld>
             <a:endParaRPr lang="zh-CN" altLang="en-US"/>
           </a:p>
@@ -1210,7 +3774,7 @@
       </p:sp>
       <p:sp>
         <p:nvSpPr>
-          <p:cNvPr id="5" name="页脚占位符 4"/>
+          <p:cNvPr id="5" name="Footer Placeholder 4"/>
           <p:cNvSpPr>
             <a:spLocks noGrp="1"/>
           </p:cNvSpPr>
@@ -1229,7 +3793,7 @@
       </p:sp>
       <p:sp>
         <p:nvSpPr>
-          <p:cNvPr id="6" name="灯片编号占位符 5"/>
+          <p:cNvPr id="6" name="Slide Number Placeholder 5"/>
           <p:cNvSpPr>
             <a:spLocks noGrp="1"/>
           </p:cNvSpPr>
@@ -1244,12 +3808,18 @@
           <a:p>
             <a:fld id="{AD1B264F-38A8-4E95-9DAF-2CFDC684D3F8}" type="slidenum">
               <a:rPr lang="zh-CN" altLang="en-US" smtClean="0"/>
+              <a:t>‹#›</a:t>
             </a:fld>
             <a:endParaRPr lang="zh-CN" altLang="en-US"/>
           </a:p>
         </p:txBody>
       </p:sp>
     </p:spTree>
+    <p:extLst>
+      <p:ext uri="{BB962C8B-B14F-4D97-AF65-F5344CB8AC3E}">
+        <p14:creationId xmlns:p14="http://schemas.microsoft.com/office/powerpoint/2010/main" val="160913858"/>
+      </p:ext>
+    </p:extLst>
   </p:cSld>
   <p:clrMapOvr>
     <a:masterClrMapping/>
@@ -1276,7 +3846,7 @@
       </p:grpSpPr>
       <p:sp>
         <p:nvSpPr>
-          <p:cNvPr id="2" name="标题 1"/>
+          <p:cNvPr id="8" name="Title 1"/>
           <p:cNvSpPr>
             <a:spLocks noGrp="1"/>
           </p:cNvSpPr>
@@ -1293,13 +3863,13 @@
               <a:rPr lang="zh-CN" altLang="en-US"/>
               <a:t>单击此处编辑母版标题样式</a:t>
             </a:r>
-            <a:endParaRPr lang="zh-CN" altLang="en-US"/>
-          </a:p>
-        </p:txBody>
-      </p:sp>
-      <p:sp>
-        <p:nvSpPr>
-          <p:cNvPr id="3" name="内容占位符 2"/>
+            <a:endParaRPr lang="en-US" dirty="0"/>
+          </a:p>
+        </p:txBody>
+      </p:sp>
+      <p:sp>
+        <p:nvSpPr>
+          <p:cNvPr id="3" name="Content Placeholder 2"/>
           <p:cNvSpPr>
             <a:spLocks noGrp="1"/>
           </p:cNvSpPr>
@@ -1317,7 +3887,6 @@
               <a:rPr lang="zh-CN" altLang="en-US"/>
               <a:t>单击此处编辑母版文本样式</a:t>
             </a:r>
-            <a:endParaRPr lang="zh-CN" altLang="en-US"/>
           </a:p>
           <a:p>
             <a:pPr lvl="1"/>
@@ -1325,7 +3894,6 @@
               <a:rPr lang="zh-CN" altLang="en-US"/>
               <a:t>二级</a:t>
             </a:r>
-            <a:endParaRPr lang="zh-CN" altLang="en-US"/>
           </a:p>
           <a:p>
             <a:pPr lvl="2"/>
@@ -1333,7 +3901,6 @@
               <a:rPr lang="zh-CN" altLang="en-US"/>
               <a:t>三级</a:t>
             </a:r>
-            <a:endParaRPr lang="zh-CN" altLang="en-US"/>
           </a:p>
           <a:p>
             <a:pPr lvl="3"/>
@@ -1341,7 +3908,6 @@
               <a:rPr lang="zh-CN" altLang="en-US"/>
               <a:t>四级</a:t>
             </a:r>
-            <a:endParaRPr lang="zh-CN" altLang="en-US"/>
           </a:p>
           <a:p>
             <a:pPr lvl="4"/>
@@ -1349,13 +3915,13 @@
               <a:rPr lang="zh-CN" altLang="en-US"/>
               <a:t>五级</a:t>
             </a:r>
-            <a:endParaRPr lang="zh-CN" altLang="en-US"/>
-          </a:p>
-        </p:txBody>
-      </p:sp>
-      <p:sp>
-        <p:nvSpPr>
-          <p:cNvPr id="4" name="日期占位符 3"/>
+            <a:endParaRPr lang="en-US" dirty="0"/>
+          </a:p>
+        </p:txBody>
+      </p:sp>
+      <p:sp>
+        <p:nvSpPr>
+          <p:cNvPr id="4" name="Date Placeholder 3"/>
           <p:cNvSpPr>
             <a:spLocks noGrp="1"/>
           </p:cNvSpPr>
@@ -1370,6 +3936,7 @@
           <a:p>
             <a:fld id="{BE4B96D9-44D6-4120-8176-61B5C7CD77D9}" type="datetimeFigureOut">
               <a:rPr lang="zh-CN" altLang="en-US" smtClean="0"/>
+              <a:t>2023/10/21</a:t>
             </a:fld>
             <a:endParaRPr lang="zh-CN" altLang="en-US"/>
           </a:p>
@@ -1377,7 +3944,7 @@
       </p:sp>
       <p:sp>
         <p:nvSpPr>
-          <p:cNvPr id="5" name="页脚占位符 4"/>
+          <p:cNvPr id="5" name="Footer Placeholder 4"/>
           <p:cNvSpPr>
             <a:spLocks noGrp="1"/>
           </p:cNvSpPr>
@@ -1396,7 +3963,7 @@
       </p:sp>
       <p:sp>
         <p:nvSpPr>
-          <p:cNvPr id="6" name="灯片编号占位符 5"/>
+          <p:cNvPr id="6" name="Slide Number Placeholder 5"/>
           <p:cNvSpPr>
             <a:spLocks noGrp="1"/>
           </p:cNvSpPr>
@@ -1411,12 +3978,18 @@
           <a:p>
             <a:fld id="{AD1B264F-38A8-4E95-9DAF-2CFDC684D3F8}" type="slidenum">
               <a:rPr lang="zh-CN" altLang="en-US" smtClean="0"/>
+              <a:t>‹#›</a:t>
             </a:fld>
             <a:endParaRPr lang="zh-CN" altLang="en-US"/>
           </a:p>
         </p:txBody>
       </p:sp>
     </p:spTree>
+    <p:extLst>
+      <p:ext uri="{BB962C8B-B14F-4D97-AF65-F5344CB8AC3E}">
+        <p14:creationId xmlns:p14="http://schemas.microsoft.com/office/powerpoint/2010/main" val="545423868"/>
+      </p:ext>
+    </p:extLst>
   </p:cSld>
   <p:clrMapOvr>
     <a:masterClrMapping/>
@@ -1443,25 +4016,59 @@
       </p:grpSpPr>
       <p:sp>
         <p:nvSpPr>
-          <p:cNvPr id="2" name="标题 1"/>
-          <p:cNvSpPr>
-            <a:spLocks noGrp="1"/>
-          </p:cNvSpPr>
-          <p:nvPr>
-            <p:ph type="title"/>
+          <p:cNvPr id="7" name="Title 1"/>
+          <p:cNvSpPr>
+            <a:spLocks noGrp="1"/>
+          </p:cNvSpPr>
+          <p:nvPr>
+            <p:ph type="ctrTitle"/>
           </p:nvPr>
         </p:nvSpPr>
         <p:spPr>
           <a:xfrm>
-            <a:off x="831850" y="1709738"/>
-            <a:ext cx="10515600" cy="2852737"/>
+            <a:off x="854532" y="4464028"/>
+            <a:ext cx="9144000" cy="1641490"/>
           </a:xfrm>
         </p:spPr>
         <p:txBody>
-          <a:bodyPr anchor="b"/>
+          <a:bodyPr wrap="none" anchor="t">
+            <a:normAutofit/>
+          </a:bodyPr>
           <a:lstStyle>
-            <a:lvl1pPr>
-              <a:defRPr sz="6000"/>
+            <a:lvl1pPr algn="l">
+              <a:defRPr sz="9600" b="0" spc="-300">
+                <a:gradFill flip="none" rotWithShape="1">
+                  <a:gsLst>
+                    <a:gs pos="32000">
+                      <a:schemeClr val="tx1">
+                        <a:lumMod val="89000"/>
+                      </a:schemeClr>
+                    </a:gs>
+                    <a:gs pos="0">
+                      <a:schemeClr val="bg1">
+                        <a:lumMod val="47000"/>
+                        <a:lumOff val="53000"/>
+                      </a:schemeClr>
+                    </a:gs>
+                    <a:gs pos="100000">
+                      <a:schemeClr val="tx2">
+                        <a:lumMod val="0"/>
+                        <a:lumOff val="100000"/>
+                      </a:schemeClr>
+                    </a:gs>
+                  </a:gsLst>
+                  <a:lin ang="8100000" scaled="1"/>
+                  <a:tileRect/>
+                </a:gradFill>
+                <a:effectLst>
+                  <a:outerShdw blurRad="469900" dist="342900" dir="5400000" sy="-20000" rotWithShape="0">
+                    <a:prstClr val="black">
+                      <a:alpha val="66000"/>
+                    </a:prstClr>
+                  </a:outerShdw>
+                </a:effectLst>
+                <a:latin typeface="+mj-lt"/>
+              </a:defRPr>
             </a:lvl1pPr>
           </a:lstStyle>
           <a:p>
@@ -1469,133 +4076,109 @@
               <a:rPr lang="zh-CN" altLang="en-US"/>
               <a:t>单击此处编辑母版标题样式</a:t>
             </a:r>
-            <a:endParaRPr lang="zh-CN" altLang="en-US"/>
-          </a:p>
-        </p:txBody>
-      </p:sp>
-      <p:sp>
-        <p:nvSpPr>
-          <p:cNvPr id="3" name="文本占位符 2"/>
-          <p:cNvSpPr>
-            <a:spLocks noGrp="1"/>
-          </p:cNvSpPr>
-          <p:nvPr>
-            <p:ph type="body" idx="1"/>
+            <a:endParaRPr lang="en-US" dirty="0"/>
+          </a:p>
+        </p:txBody>
+      </p:sp>
+      <p:sp>
+        <p:nvSpPr>
+          <p:cNvPr id="8" name="Subtitle 2"/>
+          <p:cNvSpPr>
+            <a:spLocks noGrp="1"/>
+          </p:cNvSpPr>
+          <p:nvPr>
+            <p:ph type="subTitle" idx="1"/>
           </p:nvPr>
         </p:nvSpPr>
         <p:spPr>
           <a:xfrm>
-            <a:off x="831850" y="4589463"/>
-            <a:ext cx="10515600" cy="1500187"/>
+            <a:off x="854532" y="3693674"/>
+            <a:ext cx="9144000" cy="754025"/>
           </a:xfrm>
         </p:spPr>
         <p:txBody>
-          <a:bodyPr/>
+          <a:bodyPr anchor="b">
+            <a:normAutofit/>
+          </a:bodyPr>
           <a:lstStyle>
-            <a:lvl1pPr marL="0" indent="0">
-              <a:buNone/>
-              <a:defRPr sz="2400">
-                <a:solidFill>
-                  <a:schemeClr val="tx1">
-                    <a:tint val="75000"/>
-                  </a:schemeClr>
-                </a:solidFill>
+            <a:lvl1pPr marL="0" indent="0" algn="l">
+              <a:buNone/>
+              <a:defRPr sz="3200" b="0">
+                <a:gradFill flip="none" rotWithShape="1">
+                  <a:gsLst>
+                    <a:gs pos="15000">
+                      <a:schemeClr val="tx2"/>
+                    </a:gs>
+                    <a:gs pos="73000">
+                      <a:schemeClr val="tx2">
+                        <a:lumMod val="60000"/>
+                        <a:lumOff val="40000"/>
+                      </a:schemeClr>
+                    </a:gs>
+                    <a:gs pos="0">
+                      <a:schemeClr val="tx2">
+                        <a:lumMod val="90000"/>
+                        <a:lumOff val="10000"/>
+                      </a:schemeClr>
+                    </a:gs>
+                    <a:gs pos="100000">
+                      <a:schemeClr val="tx2">
+                        <a:lumMod val="0"/>
+                        <a:lumOff val="100000"/>
+                      </a:schemeClr>
+                    </a:gs>
+                  </a:gsLst>
+                  <a:lin ang="16200000" scaled="1"/>
+                  <a:tileRect/>
+                </a:gradFill>
+                <a:latin typeface="+mj-lt"/>
               </a:defRPr>
             </a:lvl1pPr>
-            <a:lvl2pPr marL="457200" indent="0">
-              <a:buNone/>
-              <a:defRPr sz="2000">
-                <a:solidFill>
-                  <a:schemeClr val="tx1">
-                    <a:tint val="75000"/>
-                  </a:schemeClr>
-                </a:solidFill>
-              </a:defRPr>
+            <a:lvl2pPr marL="457200" indent="0" algn="ctr">
+              <a:buNone/>
+              <a:defRPr sz="2000"/>
             </a:lvl2pPr>
-            <a:lvl3pPr marL="914400" indent="0">
-              <a:buNone/>
-              <a:defRPr sz="1800">
-                <a:solidFill>
-                  <a:schemeClr val="tx1">
-                    <a:tint val="75000"/>
-                  </a:schemeClr>
-                </a:solidFill>
-              </a:defRPr>
+            <a:lvl3pPr marL="914400" indent="0" algn="ctr">
+              <a:buNone/>
+              <a:defRPr sz="1800"/>
             </a:lvl3pPr>
-            <a:lvl4pPr marL="1371600" indent="0">
-              <a:buNone/>
-              <a:defRPr sz="1600">
-                <a:solidFill>
-                  <a:schemeClr val="tx1">
-                    <a:tint val="75000"/>
-                  </a:schemeClr>
-                </a:solidFill>
-              </a:defRPr>
+            <a:lvl4pPr marL="1371600" indent="0" algn="ctr">
+              <a:buNone/>
+              <a:defRPr sz="1600"/>
             </a:lvl4pPr>
-            <a:lvl5pPr marL="1828800" indent="0">
-              <a:buNone/>
-              <a:defRPr sz="1600">
-                <a:solidFill>
-                  <a:schemeClr val="tx1">
-                    <a:tint val="75000"/>
-                  </a:schemeClr>
-                </a:solidFill>
-              </a:defRPr>
+            <a:lvl5pPr marL="1828800" indent="0" algn="ctr">
+              <a:buNone/>
+              <a:defRPr sz="1600"/>
             </a:lvl5pPr>
-            <a:lvl6pPr marL="2286000" indent="0">
-              <a:buNone/>
-              <a:defRPr sz="1600">
-                <a:solidFill>
-                  <a:schemeClr val="tx1">
-                    <a:tint val="75000"/>
-                  </a:schemeClr>
-                </a:solidFill>
-              </a:defRPr>
+            <a:lvl6pPr marL="2286000" indent="0" algn="ctr">
+              <a:buNone/>
+              <a:defRPr sz="1600"/>
             </a:lvl6pPr>
-            <a:lvl7pPr marL="2743200" indent="0">
-              <a:buNone/>
-              <a:defRPr sz="1600">
-                <a:solidFill>
-                  <a:schemeClr val="tx1">
-                    <a:tint val="75000"/>
-                  </a:schemeClr>
-                </a:solidFill>
-              </a:defRPr>
+            <a:lvl7pPr marL="2743200" indent="0" algn="ctr">
+              <a:buNone/>
+              <a:defRPr sz="1600"/>
             </a:lvl7pPr>
-            <a:lvl8pPr marL="3200400" indent="0">
-              <a:buNone/>
-              <a:defRPr sz="1600">
-                <a:solidFill>
-                  <a:schemeClr val="tx1">
-                    <a:tint val="75000"/>
-                  </a:schemeClr>
-                </a:solidFill>
-              </a:defRPr>
+            <a:lvl8pPr marL="3200400" indent="0" algn="ctr">
+              <a:buNone/>
+              <a:defRPr sz="1600"/>
             </a:lvl8pPr>
-            <a:lvl9pPr marL="3657600" indent="0">
-              <a:buNone/>
-              <a:defRPr sz="1600">
-                <a:solidFill>
-                  <a:schemeClr val="tx1">
-                    <a:tint val="75000"/>
-                  </a:schemeClr>
-                </a:solidFill>
-              </a:defRPr>
+            <a:lvl9pPr marL="3657600" indent="0" algn="ctr">
+              <a:buNone/>
+              <a:defRPr sz="1600"/>
             </a:lvl9pPr>
           </a:lstStyle>
           <a:p>
-            <a:pPr lvl="0"/>
-            <a:r>
-              <a:rPr lang="zh-CN" altLang="en-US"/>
-              <a:t>单击此处编辑母版文本样式</a:t>
-            </a:r>
-            <a:endParaRPr lang="zh-CN" altLang="en-US"/>
-          </a:p>
-        </p:txBody>
-      </p:sp>
-      <p:sp>
-        <p:nvSpPr>
-          <p:cNvPr id="4" name="日期占位符 3"/>
+            <a:r>
+              <a:rPr lang="zh-CN" altLang="en-US"/>
+              <a:t>单击此处编辑母版副标题样式</a:t>
+            </a:r>
+            <a:endParaRPr lang="en-US" dirty="0"/>
+          </a:p>
+        </p:txBody>
+      </p:sp>
+      <p:sp>
+        <p:nvSpPr>
+          <p:cNvPr id="4" name="Date Placeholder 3"/>
           <p:cNvSpPr>
             <a:spLocks noGrp="1"/>
           </p:cNvSpPr>
@@ -1610,6 +4193,7 @@
           <a:p>
             <a:fld id="{BE4B96D9-44D6-4120-8176-61B5C7CD77D9}" type="datetimeFigureOut">
               <a:rPr lang="zh-CN" altLang="en-US" smtClean="0"/>
+              <a:t>2023/10/21</a:t>
             </a:fld>
             <a:endParaRPr lang="zh-CN" altLang="en-US"/>
           </a:p>
@@ -1617,7 +4201,7 @@
       </p:sp>
       <p:sp>
         <p:nvSpPr>
-          <p:cNvPr id="5" name="页脚占位符 4"/>
+          <p:cNvPr id="5" name="Footer Placeholder 4"/>
           <p:cNvSpPr>
             <a:spLocks noGrp="1"/>
           </p:cNvSpPr>
@@ -1636,7 +4220,7 @@
       </p:sp>
       <p:sp>
         <p:nvSpPr>
-          <p:cNvPr id="6" name="灯片编号占位符 5"/>
+          <p:cNvPr id="6" name="Slide Number Placeholder 5"/>
           <p:cNvSpPr>
             <a:spLocks noGrp="1"/>
           </p:cNvSpPr>
@@ -1651,12 +4235,18 @@
           <a:p>
             <a:fld id="{AD1B264F-38A8-4E95-9DAF-2CFDC684D3F8}" type="slidenum">
               <a:rPr lang="zh-CN" altLang="en-US" smtClean="0"/>
+              <a:t>‹#›</a:t>
             </a:fld>
             <a:endParaRPr lang="zh-CN" altLang="en-US"/>
           </a:p>
         </p:txBody>
       </p:sp>
     </p:spTree>
+    <p:extLst>
+      <p:ext uri="{BB962C8B-B14F-4D97-AF65-F5344CB8AC3E}">
+        <p14:creationId xmlns:p14="http://schemas.microsoft.com/office/powerpoint/2010/main" val="2383084935"/>
+      </p:ext>
+    </p:extLst>
   </p:cSld>
   <p:clrMapOvr>
     <a:masterClrMapping/>
@@ -1683,7 +4273,7 @@
       </p:grpSpPr>
       <p:sp>
         <p:nvSpPr>
-          <p:cNvPr id="2" name="标题 1"/>
+          <p:cNvPr id="2" name="Title 1"/>
           <p:cNvSpPr>
             <a:spLocks noGrp="1"/>
           </p:cNvSpPr>
@@ -1700,13 +4290,13 @@
               <a:rPr lang="zh-CN" altLang="en-US"/>
               <a:t>单击此处编辑母版标题样式</a:t>
             </a:r>
-            <a:endParaRPr lang="zh-CN" altLang="en-US"/>
-          </a:p>
-        </p:txBody>
-      </p:sp>
-      <p:sp>
-        <p:nvSpPr>
-          <p:cNvPr id="3" name="内容占位符 2"/>
+            <a:endParaRPr lang="en-US" dirty="0"/>
+          </a:p>
+        </p:txBody>
+      </p:sp>
+      <p:sp>
+        <p:nvSpPr>
+          <p:cNvPr id="3" name="Content Placeholder 2"/>
           <p:cNvSpPr>
             <a:spLocks noGrp="1"/>
           </p:cNvSpPr>
@@ -1716,8 +4306,8 @@
         </p:nvSpPr>
         <p:spPr>
           <a:xfrm>
-            <a:off x="838200" y="1825625"/>
-            <a:ext cx="5181600" cy="4351338"/>
+            <a:off x="1120000" y="1825625"/>
+            <a:ext cx="5025216" cy="4351338"/>
           </a:xfrm>
         </p:spPr>
         <p:txBody>
@@ -1729,7 +4319,6 @@
               <a:rPr lang="zh-CN" altLang="en-US"/>
               <a:t>单击此处编辑母版文本样式</a:t>
             </a:r>
-            <a:endParaRPr lang="zh-CN" altLang="en-US"/>
           </a:p>
           <a:p>
             <a:pPr lvl="1"/>
@@ -1737,7 +4326,6 @@
               <a:rPr lang="zh-CN" altLang="en-US"/>
               <a:t>二级</a:t>
             </a:r>
-            <a:endParaRPr lang="zh-CN" altLang="en-US"/>
           </a:p>
           <a:p>
             <a:pPr lvl="2"/>
@@ -1745,7 +4333,6 @@
               <a:rPr lang="zh-CN" altLang="en-US"/>
               <a:t>三级</a:t>
             </a:r>
-            <a:endParaRPr lang="zh-CN" altLang="en-US"/>
           </a:p>
           <a:p>
             <a:pPr lvl="3"/>
@@ -1753,7 +4340,6 @@
               <a:rPr lang="zh-CN" altLang="en-US"/>
               <a:t>四级</a:t>
             </a:r>
-            <a:endParaRPr lang="zh-CN" altLang="en-US"/>
           </a:p>
           <a:p>
             <a:pPr lvl="4"/>
@@ -1761,13 +4347,13 @@
               <a:rPr lang="zh-CN" altLang="en-US"/>
               <a:t>五级</a:t>
             </a:r>
-            <a:endParaRPr lang="zh-CN" altLang="en-US"/>
-          </a:p>
-        </p:txBody>
-      </p:sp>
-      <p:sp>
-        <p:nvSpPr>
-          <p:cNvPr id="4" name="内容占位符 3"/>
+            <a:endParaRPr lang="en-US" dirty="0"/>
+          </a:p>
+        </p:txBody>
+      </p:sp>
+      <p:sp>
+        <p:nvSpPr>
+          <p:cNvPr id="4" name="Content Placeholder 3"/>
           <p:cNvSpPr>
             <a:spLocks noGrp="1"/>
           </p:cNvSpPr>
@@ -1777,8 +4363,8 @@
         </p:nvSpPr>
         <p:spPr>
           <a:xfrm>
-            <a:off x="6172200" y="1825625"/>
-            <a:ext cx="5181600" cy="4351338"/>
+            <a:off x="6319840" y="1825625"/>
+            <a:ext cx="5033960" cy="4351338"/>
           </a:xfrm>
         </p:spPr>
         <p:txBody>
@@ -1790,7 +4376,6 @@
               <a:rPr lang="zh-CN" altLang="en-US"/>
               <a:t>单击此处编辑母版文本样式</a:t>
             </a:r>
-            <a:endParaRPr lang="zh-CN" altLang="en-US"/>
           </a:p>
           <a:p>
             <a:pPr lvl="1"/>
@@ -1798,7 +4383,6 @@
               <a:rPr lang="zh-CN" altLang="en-US"/>
               <a:t>二级</a:t>
             </a:r>
-            <a:endParaRPr lang="zh-CN" altLang="en-US"/>
           </a:p>
           <a:p>
             <a:pPr lvl="2"/>
@@ -1806,7 +4390,6 @@
               <a:rPr lang="zh-CN" altLang="en-US"/>
               <a:t>三级</a:t>
             </a:r>
-            <a:endParaRPr lang="zh-CN" altLang="en-US"/>
           </a:p>
           <a:p>
             <a:pPr lvl="3"/>
@@ -1814,7 +4397,6 @@
               <a:rPr lang="zh-CN" altLang="en-US"/>
               <a:t>四级</a:t>
             </a:r>
-            <a:endParaRPr lang="zh-CN" altLang="en-US"/>
           </a:p>
           <a:p>
             <a:pPr lvl="4"/>
@@ -1822,13 +4404,13 @@
               <a:rPr lang="zh-CN" altLang="en-US"/>
               <a:t>五级</a:t>
             </a:r>
-            <a:endParaRPr lang="zh-CN" altLang="en-US"/>
-          </a:p>
-        </p:txBody>
-      </p:sp>
-      <p:sp>
-        <p:nvSpPr>
-          <p:cNvPr id="5" name="日期占位符 4"/>
+            <a:endParaRPr lang="en-US" dirty="0"/>
+          </a:p>
+        </p:txBody>
+      </p:sp>
+      <p:sp>
+        <p:nvSpPr>
+          <p:cNvPr id="5" name="Date Placeholder 4"/>
           <p:cNvSpPr>
             <a:spLocks noGrp="1"/>
           </p:cNvSpPr>
@@ -1843,6 +4425,7 @@
           <a:p>
             <a:fld id="{BE4B96D9-44D6-4120-8176-61B5C7CD77D9}" type="datetimeFigureOut">
               <a:rPr lang="zh-CN" altLang="en-US" smtClean="0"/>
+              <a:t>2023/10/21</a:t>
             </a:fld>
             <a:endParaRPr lang="zh-CN" altLang="en-US"/>
           </a:p>
@@ -1850,7 +4433,7 @@
       </p:sp>
       <p:sp>
         <p:nvSpPr>
-          <p:cNvPr id="6" name="页脚占位符 5"/>
+          <p:cNvPr id="6" name="Footer Placeholder 5"/>
           <p:cNvSpPr>
             <a:spLocks noGrp="1"/>
           </p:cNvSpPr>
@@ -1869,7 +4452,7 @@
       </p:sp>
       <p:sp>
         <p:nvSpPr>
-          <p:cNvPr id="7" name="灯片编号占位符 6"/>
+          <p:cNvPr id="7" name="Slide Number Placeholder 6"/>
           <p:cNvSpPr>
             <a:spLocks noGrp="1"/>
           </p:cNvSpPr>
@@ -1884,12 +4467,18 @@
           <a:p>
             <a:fld id="{AD1B264F-38A8-4E95-9DAF-2CFDC684D3F8}" type="slidenum">
               <a:rPr lang="zh-CN" altLang="en-US" smtClean="0"/>
+              <a:t>‹#›</a:t>
             </a:fld>
             <a:endParaRPr lang="zh-CN" altLang="en-US"/>
           </a:p>
         </p:txBody>
       </p:sp>
     </p:spTree>
+    <p:extLst>
+      <p:ext uri="{BB962C8B-B14F-4D97-AF65-F5344CB8AC3E}">
+        <p14:creationId xmlns:p14="http://schemas.microsoft.com/office/powerpoint/2010/main" val="756081199"/>
+      </p:ext>
+    </p:extLst>
   </p:cSld>
   <p:clrMapOvr>
     <a:masterClrMapping/>
@@ -1916,7 +4505,7 @@
       </p:grpSpPr>
       <p:sp>
         <p:nvSpPr>
-          <p:cNvPr id="2" name="标题 1"/>
+          <p:cNvPr id="2" name="Title 1"/>
           <p:cNvSpPr>
             <a:spLocks noGrp="1"/>
           </p:cNvSpPr>
@@ -1938,13 +4527,13 @@
               <a:rPr lang="zh-CN" altLang="en-US"/>
               <a:t>单击此处编辑母版标题样式</a:t>
             </a:r>
-            <a:endParaRPr lang="zh-CN" altLang="en-US"/>
-          </a:p>
-        </p:txBody>
-      </p:sp>
-      <p:sp>
-        <p:nvSpPr>
-          <p:cNvPr id="3" name="文本占位符 2"/>
+            <a:endParaRPr lang="en-US" dirty="0"/>
+          </a:p>
+        </p:txBody>
+      </p:sp>
+      <p:sp>
+        <p:nvSpPr>
+          <p:cNvPr id="3" name="Text Placeholder 2"/>
           <p:cNvSpPr>
             <a:spLocks noGrp="1"/>
           </p:cNvSpPr>
@@ -1954,8 +4543,8 @@
         </p:nvSpPr>
         <p:spPr>
           <a:xfrm>
-            <a:off x="839788" y="1681163"/>
-            <a:ext cx="5157787" cy="823912"/>
+            <a:off x="1120000" y="1681163"/>
+            <a:ext cx="5025216" cy="823912"/>
           </a:xfrm>
         </p:spPr>
         <p:txBody>
@@ -1963,7 +4552,34 @@
           <a:lstStyle>
             <a:lvl1pPr marL="0" indent="0">
               <a:buNone/>
-              <a:defRPr sz="2400" b="1"/>
+              <a:defRPr sz="2400" b="0">
+                <a:gradFill>
+                  <a:gsLst>
+                    <a:gs pos="15000">
+                      <a:schemeClr val="tx2"/>
+                    </a:gs>
+                    <a:gs pos="73000">
+                      <a:schemeClr val="tx2">
+                        <a:lumMod val="60000"/>
+                        <a:lumOff val="40000"/>
+                      </a:schemeClr>
+                    </a:gs>
+                    <a:gs pos="0">
+                      <a:schemeClr val="tx2">
+                        <a:lumMod val="90000"/>
+                        <a:lumOff val="10000"/>
+                      </a:schemeClr>
+                    </a:gs>
+                    <a:gs pos="100000">
+                      <a:schemeClr val="tx2">
+                        <a:lumMod val="0"/>
+                        <a:lumOff val="100000"/>
+                      </a:schemeClr>
+                    </a:gs>
+                  </a:gsLst>
+                  <a:lin ang="16200000" scaled="1"/>
+                </a:gradFill>
+              </a:defRPr>
             </a:lvl1pPr>
             <a:lvl2pPr marL="457200" indent="0">
               <a:buNone/>
@@ -2004,13 +4620,12 @@
               <a:rPr lang="zh-CN" altLang="en-US"/>
               <a:t>单击此处编辑母版文本样式</a:t>
             </a:r>
-            <a:endParaRPr lang="zh-CN" altLang="en-US"/>
-          </a:p>
-        </p:txBody>
-      </p:sp>
-      <p:sp>
-        <p:nvSpPr>
-          <p:cNvPr id="4" name="内容占位符 3"/>
+          </a:p>
+        </p:txBody>
+      </p:sp>
+      <p:sp>
+        <p:nvSpPr>
+          <p:cNvPr id="4" name="Content Placeholder 3"/>
           <p:cNvSpPr>
             <a:spLocks noGrp="1"/>
           </p:cNvSpPr>
@@ -2020,8 +4635,8 @@
         </p:nvSpPr>
         <p:spPr>
           <a:xfrm>
-            <a:off x="839788" y="2505075"/>
-            <a:ext cx="5157787" cy="3684588"/>
+            <a:off x="1120000" y="2505075"/>
+            <a:ext cx="5025216" cy="3684588"/>
           </a:xfrm>
         </p:spPr>
         <p:txBody>
@@ -2033,7 +4648,6 @@
               <a:rPr lang="zh-CN" altLang="en-US"/>
               <a:t>单击此处编辑母版文本样式</a:t>
             </a:r>
-            <a:endParaRPr lang="zh-CN" altLang="en-US"/>
           </a:p>
           <a:p>
             <a:pPr lvl="1"/>
@@ -2041,7 +4655,6 @@
               <a:rPr lang="zh-CN" altLang="en-US"/>
               <a:t>二级</a:t>
             </a:r>
-            <a:endParaRPr lang="zh-CN" altLang="en-US"/>
           </a:p>
           <a:p>
             <a:pPr lvl="2"/>
@@ -2049,7 +4662,6 @@
               <a:rPr lang="zh-CN" altLang="en-US"/>
               <a:t>三级</a:t>
             </a:r>
-            <a:endParaRPr lang="zh-CN" altLang="en-US"/>
           </a:p>
           <a:p>
             <a:pPr lvl="3"/>
@@ -2057,7 +4669,6 @@
               <a:rPr lang="zh-CN" altLang="en-US"/>
               <a:t>四级</a:t>
             </a:r>
-            <a:endParaRPr lang="zh-CN" altLang="en-US"/>
           </a:p>
           <a:p>
             <a:pPr lvl="4"/>
@@ -2065,13 +4676,13 @@
               <a:rPr lang="zh-CN" altLang="en-US"/>
               <a:t>五级</a:t>
             </a:r>
-            <a:endParaRPr lang="zh-CN" altLang="en-US"/>
-          </a:p>
-        </p:txBody>
-      </p:sp>
-      <p:sp>
-        <p:nvSpPr>
-          <p:cNvPr id="5" name="文本占位符 4"/>
+            <a:endParaRPr lang="en-US" dirty="0"/>
+          </a:p>
+        </p:txBody>
+      </p:sp>
+      <p:sp>
+        <p:nvSpPr>
+          <p:cNvPr id="5" name="Text Placeholder 4"/>
           <p:cNvSpPr>
             <a:spLocks noGrp="1"/>
           </p:cNvSpPr>
@@ -2081,63 +4692,61 @@
         </p:nvSpPr>
         <p:spPr>
           <a:xfrm>
-            <a:off x="6172200" y="1681163"/>
-            <a:ext cx="5183188" cy="823912"/>
+            <a:off x="6319840" y="1681163"/>
+            <a:ext cx="5035548" cy="823912"/>
           </a:xfrm>
         </p:spPr>
         <p:txBody>
-          <a:bodyPr anchor="b"/>
+          <a:bodyPr vert="horz" lIns="91440" tIns="45720" rIns="91440" bIns="45720" rtlCol="0" anchor="b">
+            <a:normAutofit/>
+          </a:bodyPr>
           <a:lstStyle>
-            <a:lvl1pPr marL="0" indent="0">
-              <a:buNone/>
-              <a:defRPr sz="2400" b="1"/>
+            <a:lvl1pPr>
+              <a:buNone/>
+              <a:defRPr lang="en-US" sz="2400" b="0">
+                <a:gradFill>
+                  <a:gsLst>
+                    <a:gs pos="15000">
+                      <a:schemeClr val="tx2"/>
+                    </a:gs>
+                    <a:gs pos="73000">
+                      <a:schemeClr val="tx2">
+                        <a:lumMod val="60000"/>
+                        <a:lumOff val="40000"/>
+                      </a:schemeClr>
+                    </a:gs>
+                    <a:gs pos="0">
+                      <a:schemeClr val="tx2">
+                        <a:lumMod val="90000"/>
+                        <a:lumOff val="10000"/>
+                      </a:schemeClr>
+                    </a:gs>
+                    <a:gs pos="100000">
+                      <a:schemeClr val="tx2">
+                        <a:lumMod val="0"/>
+                        <a:lumOff val="100000"/>
+                      </a:schemeClr>
+                    </a:gs>
+                  </a:gsLst>
+                  <a:lin ang="16200000" scaled="1"/>
+                </a:gradFill>
+              </a:defRPr>
             </a:lvl1pPr>
-            <a:lvl2pPr marL="457200" indent="0">
-              <a:buNone/>
-              <a:defRPr sz="2000" b="1"/>
-            </a:lvl2pPr>
-            <a:lvl3pPr marL="914400" indent="0">
-              <a:buNone/>
-              <a:defRPr sz="1800" b="1"/>
-            </a:lvl3pPr>
-            <a:lvl4pPr marL="1371600" indent="0">
-              <a:buNone/>
-              <a:defRPr sz="1600" b="1"/>
-            </a:lvl4pPr>
-            <a:lvl5pPr marL="1828800" indent="0">
-              <a:buNone/>
-              <a:defRPr sz="1600" b="1"/>
-            </a:lvl5pPr>
-            <a:lvl6pPr marL="2286000" indent="0">
-              <a:buNone/>
-              <a:defRPr sz="1600" b="1"/>
-            </a:lvl6pPr>
-            <a:lvl7pPr marL="2743200" indent="0">
-              <a:buNone/>
-              <a:defRPr sz="1600" b="1"/>
-            </a:lvl7pPr>
-            <a:lvl8pPr marL="3200400" indent="0">
-              <a:buNone/>
-              <a:defRPr sz="1600" b="1"/>
-            </a:lvl8pPr>
-            <a:lvl9pPr marL="3657600" indent="0">
-              <a:buNone/>
-              <a:defRPr sz="1600" b="1"/>
-            </a:lvl9pPr>
           </a:lstStyle>
           <a:p>
-            <a:pPr lvl="0"/>
+            <a:pPr marL="0" lvl="0" indent="0">
+              <a:buNone/>
+            </a:pPr>
             <a:r>
               <a:rPr lang="zh-CN" altLang="en-US"/>
               <a:t>单击此处编辑母版文本样式</a:t>
             </a:r>
-            <a:endParaRPr lang="zh-CN" altLang="en-US"/>
-          </a:p>
-        </p:txBody>
-      </p:sp>
-      <p:sp>
-        <p:nvSpPr>
-          <p:cNvPr id="6" name="内容占位符 5"/>
+          </a:p>
+        </p:txBody>
+      </p:sp>
+      <p:sp>
+        <p:nvSpPr>
+          <p:cNvPr id="6" name="Content Placeholder 5"/>
           <p:cNvSpPr>
             <a:spLocks noGrp="1"/>
           </p:cNvSpPr>
@@ -2147,8 +4756,8 @@
         </p:nvSpPr>
         <p:spPr>
           <a:xfrm>
-            <a:off x="6172200" y="2505075"/>
-            <a:ext cx="5183188" cy="3684588"/>
+            <a:off x="6319840" y="2505075"/>
+            <a:ext cx="5035548" cy="3684588"/>
           </a:xfrm>
         </p:spPr>
         <p:txBody>
@@ -2160,7 +4769,6 @@
               <a:rPr lang="zh-CN" altLang="en-US"/>
               <a:t>单击此处编辑母版文本样式</a:t>
             </a:r>
-            <a:endParaRPr lang="zh-CN" altLang="en-US"/>
           </a:p>
           <a:p>
             <a:pPr lvl="1"/>
@@ -2168,7 +4776,6 @@
               <a:rPr lang="zh-CN" altLang="en-US"/>
               <a:t>二级</a:t>
             </a:r>
-            <a:endParaRPr lang="zh-CN" altLang="en-US"/>
           </a:p>
           <a:p>
             <a:pPr lvl="2"/>
@@ -2176,7 +4783,6 @@
               <a:rPr lang="zh-CN" altLang="en-US"/>
               <a:t>三级</a:t>
             </a:r>
-            <a:endParaRPr lang="zh-CN" altLang="en-US"/>
           </a:p>
           <a:p>
             <a:pPr lvl="3"/>
@@ -2184,7 +4790,6 @@
               <a:rPr lang="zh-CN" altLang="en-US"/>
               <a:t>四级</a:t>
             </a:r>
-            <a:endParaRPr lang="zh-CN" altLang="en-US"/>
           </a:p>
           <a:p>
             <a:pPr lvl="4"/>
@@ -2192,13 +4797,13 @@
               <a:rPr lang="zh-CN" altLang="en-US"/>
               <a:t>五级</a:t>
             </a:r>
-            <a:endParaRPr lang="zh-CN" altLang="en-US"/>
-          </a:p>
-        </p:txBody>
-      </p:sp>
-      <p:sp>
-        <p:nvSpPr>
-          <p:cNvPr id="7" name="日期占位符 6"/>
+            <a:endParaRPr lang="en-US" dirty="0"/>
+          </a:p>
+        </p:txBody>
+      </p:sp>
+      <p:sp>
+        <p:nvSpPr>
+          <p:cNvPr id="7" name="Date Placeholder 6"/>
           <p:cNvSpPr>
             <a:spLocks noGrp="1"/>
           </p:cNvSpPr>
@@ -2213,6 +4818,7 @@
           <a:p>
             <a:fld id="{BE4B96D9-44D6-4120-8176-61B5C7CD77D9}" type="datetimeFigureOut">
               <a:rPr lang="zh-CN" altLang="en-US" smtClean="0"/>
+              <a:t>2023/10/21</a:t>
             </a:fld>
             <a:endParaRPr lang="zh-CN" altLang="en-US"/>
           </a:p>
@@ -2220,7 +4826,7 @@
       </p:sp>
       <p:sp>
         <p:nvSpPr>
-          <p:cNvPr id="8" name="页脚占位符 7"/>
+          <p:cNvPr id="8" name="Footer Placeholder 7"/>
           <p:cNvSpPr>
             <a:spLocks noGrp="1"/>
           </p:cNvSpPr>
@@ -2239,7 +4845,7 @@
       </p:sp>
       <p:sp>
         <p:nvSpPr>
-          <p:cNvPr id="9" name="灯片编号占位符 8"/>
+          <p:cNvPr id="9" name="Slide Number Placeholder 8"/>
           <p:cNvSpPr>
             <a:spLocks noGrp="1"/>
           </p:cNvSpPr>
@@ -2254,12 +4860,18 @@
           <a:p>
             <a:fld id="{AD1B264F-38A8-4E95-9DAF-2CFDC684D3F8}" type="slidenum">
               <a:rPr lang="zh-CN" altLang="en-US" smtClean="0"/>
+              <a:t>‹#›</a:t>
             </a:fld>
             <a:endParaRPr lang="zh-CN" altLang="en-US"/>
           </a:p>
         </p:txBody>
       </p:sp>
     </p:spTree>
+    <p:extLst>
+      <p:ext uri="{BB962C8B-B14F-4D97-AF65-F5344CB8AC3E}">
+        <p14:creationId xmlns:p14="http://schemas.microsoft.com/office/powerpoint/2010/main" val="731097009"/>
+      </p:ext>
+    </p:extLst>
   </p:cSld>
   <p:clrMapOvr>
     <a:masterClrMapping/>
@@ -2286,7 +4898,7 @@
       </p:grpSpPr>
       <p:sp>
         <p:nvSpPr>
-          <p:cNvPr id="2" name="标题 1"/>
+          <p:cNvPr id="2" name="Title 1"/>
           <p:cNvSpPr>
             <a:spLocks noGrp="1"/>
           </p:cNvSpPr>
@@ -2303,13 +4915,13 @@
               <a:rPr lang="zh-CN" altLang="en-US"/>
               <a:t>单击此处编辑母版标题样式</a:t>
             </a:r>
-            <a:endParaRPr lang="zh-CN" altLang="en-US"/>
-          </a:p>
-        </p:txBody>
-      </p:sp>
-      <p:sp>
-        <p:nvSpPr>
-          <p:cNvPr id="3" name="日期占位符 2"/>
+            <a:endParaRPr lang="en-US" dirty="0"/>
+          </a:p>
+        </p:txBody>
+      </p:sp>
+      <p:sp>
+        <p:nvSpPr>
+          <p:cNvPr id="3" name="Date Placeholder 2"/>
           <p:cNvSpPr>
             <a:spLocks noGrp="1"/>
           </p:cNvSpPr>
@@ -2324,6 +4936,7 @@
           <a:p>
             <a:fld id="{BE4B96D9-44D6-4120-8176-61B5C7CD77D9}" type="datetimeFigureOut">
               <a:rPr lang="zh-CN" altLang="en-US" smtClean="0"/>
+              <a:t>2023/10/21</a:t>
             </a:fld>
             <a:endParaRPr lang="zh-CN" altLang="en-US"/>
           </a:p>
@@ -2331,7 +4944,7 @@
       </p:sp>
       <p:sp>
         <p:nvSpPr>
-          <p:cNvPr id="4" name="页脚占位符 3"/>
+          <p:cNvPr id="4" name="Footer Placeholder 3"/>
           <p:cNvSpPr>
             <a:spLocks noGrp="1"/>
           </p:cNvSpPr>
@@ -2350,7 +4963,7 @@
       </p:sp>
       <p:sp>
         <p:nvSpPr>
-          <p:cNvPr id="5" name="灯片编号占位符 4"/>
+          <p:cNvPr id="5" name="Slide Number Placeholder 4"/>
           <p:cNvSpPr>
             <a:spLocks noGrp="1"/>
           </p:cNvSpPr>
@@ -2365,12 +4978,18 @@
           <a:p>
             <a:fld id="{AD1B264F-38A8-4E95-9DAF-2CFDC684D3F8}" type="slidenum">
               <a:rPr lang="zh-CN" altLang="en-US" smtClean="0"/>
+              <a:t>‹#›</a:t>
             </a:fld>
             <a:endParaRPr lang="zh-CN" altLang="en-US"/>
           </a:p>
         </p:txBody>
       </p:sp>
     </p:spTree>
+    <p:extLst>
+      <p:ext uri="{BB962C8B-B14F-4D97-AF65-F5344CB8AC3E}">
+        <p14:creationId xmlns:p14="http://schemas.microsoft.com/office/powerpoint/2010/main" val="909227855"/>
+      </p:ext>
+    </p:extLst>
   </p:cSld>
   <p:clrMapOvr>
     <a:masterClrMapping/>
@@ -2397,7 +5016,7 @@
       </p:grpSpPr>
       <p:sp>
         <p:nvSpPr>
-          <p:cNvPr id="2" name="日期占位符 1"/>
+          <p:cNvPr id="2" name="Date Placeholder 1"/>
           <p:cNvSpPr>
             <a:spLocks noGrp="1"/>
           </p:cNvSpPr>
@@ -2412,6 +5031,7 @@
           <a:p>
             <a:fld id="{BE4B96D9-44D6-4120-8176-61B5C7CD77D9}" type="datetimeFigureOut">
               <a:rPr lang="zh-CN" altLang="en-US" smtClean="0"/>
+              <a:t>2023/10/21</a:t>
             </a:fld>
             <a:endParaRPr lang="zh-CN" altLang="en-US"/>
           </a:p>
@@ -2419,7 +5039,7 @@
       </p:sp>
       <p:sp>
         <p:nvSpPr>
-          <p:cNvPr id="3" name="页脚占位符 2"/>
+          <p:cNvPr id="3" name="Footer Placeholder 2"/>
           <p:cNvSpPr>
             <a:spLocks noGrp="1"/>
           </p:cNvSpPr>
@@ -2438,7 +5058,7 @@
       </p:sp>
       <p:sp>
         <p:nvSpPr>
-          <p:cNvPr id="4" name="灯片编号占位符 3"/>
+          <p:cNvPr id="4" name="Slide Number Placeholder 3"/>
           <p:cNvSpPr>
             <a:spLocks noGrp="1"/>
           </p:cNvSpPr>
@@ -2453,12 +5073,18 @@
           <a:p>
             <a:fld id="{AD1B264F-38A8-4E95-9DAF-2CFDC684D3F8}" type="slidenum">
               <a:rPr lang="zh-CN" altLang="en-US" smtClean="0"/>
+              <a:t>‹#›</a:t>
             </a:fld>
             <a:endParaRPr lang="zh-CN" altLang="en-US"/>
           </a:p>
         </p:txBody>
       </p:sp>
     </p:spTree>
+    <p:extLst>
+      <p:ext uri="{BB962C8B-B14F-4D97-AF65-F5344CB8AC3E}">
+        <p14:creationId xmlns:p14="http://schemas.microsoft.com/office/powerpoint/2010/main" val="2053512240"/>
+      </p:ext>
+    </p:extLst>
   </p:cSld>
   <p:clrMapOvr>
     <a:masterClrMapping/>
@@ -2485,7 +5111,7 @@
       </p:grpSpPr>
       <p:sp>
         <p:nvSpPr>
-          <p:cNvPr id="2" name="标题 1"/>
+          <p:cNvPr id="2" name="Title 1"/>
           <p:cNvSpPr>
             <a:spLocks noGrp="1"/>
           </p:cNvSpPr>
@@ -2511,13 +5137,13 @@
               <a:rPr lang="zh-CN" altLang="en-US"/>
               <a:t>单击此处编辑母版标题样式</a:t>
             </a:r>
-            <a:endParaRPr lang="zh-CN" altLang="en-US"/>
-          </a:p>
-        </p:txBody>
-      </p:sp>
-      <p:sp>
-        <p:nvSpPr>
-          <p:cNvPr id="3" name="内容占位符 2"/>
+            <a:endParaRPr lang="en-US" dirty="0"/>
+          </a:p>
+        </p:txBody>
+      </p:sp>
+      <p:sp>
+        <p:nvSpPr>
+          <p:cNvPr id="3" name="Content Placeholder 2"/>
           <p:cNvSpPr>
             <a:spLocks noGrp="1"/>
           </p:cNvSpPr>
@@ -2533,42 +5159,13 @@
         </p:spPr>
         <p:txBody>
           <a:bodyPr/>
-          <a:lstStyle>
-            <a:lvl1pPr>
-              <a:defRPr sz="3200"/>
-            </a:lvl1pPr>
-            <a:lvl2pPr>
-              <a:defRPr sz="2800"/>
-            </a:lvl2pPr>
-            <a:lvl3pPr>
-              <a:defRPr sz="2400"/>
-            </a:lvl3pPr>
-            <a:lvl4pPr>
-              <a:defRPr sz="2000"/>
-            </a:lvl4pPr>
-            <a:lvl5pPr>
-              <a:defRPr sz="2000"/>
-            </a:lvl5pPr>
-            <a:lvl6pPr>
-              <a:defRPr sz="2000"/>
-            </a:lvl6pPr>
-            <a:lvl7pPr>
-              <a:defRPr sz="2000"/>
-            </a:lvl7pPr>
-            <a:lvl8pPr>
-              <a:defRPr sz="2000"/>
-            </a:lvl8pPr>
-            <a:lvl9pPr>
-              <a:defRPr sz="2000"/>
-            </a:lvl9pPr>
-          </a:lstStyle>
+          <a:lstStyle/>
           <a:p>
             <a:pPr lvl="0"/>
             <a:r>
               <a:rPr lang="zh-CN" altLang="en-US"/>
               <a:t>单击此处编辑母版文本样式</a:t>
             </a:r>
-            <a:endParaRPr lang="zh-CN" altLang="en-US"/>
           </a:p>
           <a:p>
             <a:pPr lvl="1"/>
@@ -2576,7 +5173,6 @@
               <a:rPr lang="zh-CN" altLang="en-US"/>
               <a:t>二级</a:t>
             </a:r>
-            <a:endParaRPr lang="zh-CN" altLang="en-US"/>
           </a:p>
           <a:p>
             <a:pPr lvl="2"/>
@@ -2584,7 +5180,6 @@
               <a:rPr lang="zh-CN" altLang="en-US"/>
               <a:t>三级</a:t>
             </a:r>
-            <a:endParaRPr lang="zh-CN" altLang="en-US"/>
           </a:p>
           <a:p>
             <a:pPr lvl="3"/>
@@ -2592,7 +5187,6 @@
               <a:rPr lang="zh-CN" altLang="en-US"/>
               <a:t>四级</a:t>
             </a:r>
-            <a:endParaRPr lang="zh-CN" altLang="en-US"/>
           </a:p>
           <a:p>
             <a:pPr lvl="4"/>
@@ -2600,13 +5194,13 @@
               <a:rPr lang="zh-CN" altLang="en-US"/>
               <a:t>五级</a:t>
             </a:r>
-            <a:endParaRPr lang="zh-CN" altLang="en-US"/>
-          </a:p>
-        </p:txBody>
-      </p:sp>
-      <p:sp>
-        <p:nvSpPr>
-          <p:cNvPr id="4" name="文本占位符 3"/>
+            <a:endParaRPr lang="en-US" dirty="0"/>
+          </a:p>
+        </p:txBody>
+      </p:sp>
+      <p:sp>
+        <p:nvSpPr>
+          <p:cNvPr id="4" name="Text Placeholder 3"/>
           <p:cNvSpPr>
             <a:spLocks noGrp="1"/>
           </p:cNvSpPr>
@@ -2616,8 +5210,8 @@
         </p:nvSpPr>
         <p:spPr>
           <a:xfrm>
-            <a:off x="839788" y="2057400"/>
-            <a:ext cx="3932237" cy="3811588"/>
+            <a:off x="1120000" y="2057400"/>
+            <a:ext cx="3652025" cy="3811588"/>
           </a:xfrm>
         </p:spPr>
         <p:txBody>
@@ -2625,7 +5219,31 @@
           <a:lstStyle>
             <a:lvl1pPr marL="0" indent="0">
               <a:buNone/>
-              <a:defRPr sz="1600"/>
+              <a:defRPr sz="1600">
+                <a:gradFill>
+                  <a:gsLst>
+                    <a:gs pos="15000">
+                      <a:schemeClr val="tx2"/>
+                    </a:gs>
+                    <a:gs pos="73000">
+                      <a:schemeClr val="tx2">
+                        <a:lumMod val="60000"/>
+                        <a:lumOff val="40000"/>
+                      </a:schemeClr>
+                    </a:gs>
+                    <a:gs pos="0">
+                      <a:schemeClr val="tx1"/>
+                    </a:gs>
+                    <a:gs pos="100000">
+                      <a:schemeClr val="tx2">
+                        <a:lumMod val="0"/>
+                        <a:lumOff val="100000"/>
+                      </a:schemeClr>
+                    </a:gs>
+                  </a:gsLst>
+                  <a:lin ang="16200000" scaled="1"/>
+                </a:gradFill>
+              </a:defRPr>
             </a:lvl1pPr>
             <a:lvl2pPr marL="457200" indent="0">
               <a:buNone/>
@@ -2666,13 +5284,12 @@
               <a:rPr lang="zh-CN" altLang="en-US"/>
               <a:t>单击此处编辑母版文本样式</a:t>
             </a:r>
-            <a:endParaRPr lang="zh-CN" altLang="en-US"/>
-          </a:p>
-        </p:txBody>
-      </p:sp>
-      <p:sp>
-        <p:nvSpPr>
-          <p:cNvPr id="5" name="日期占位符 4"/>
+          </a:p>
+        </p:txBody>
+      </p:sp>
+      <p:sp>
+        <p:nvSpPr>
+          <p:cNvPr id="5" name="Date Placeholder 4"/>
           <p:cNvSpPr>
             <a:spLocks noGrp="1"/>
           </p:cNvSpPr>
@@ -2687,6 +5304,7 @@
           <a:p>
             <a:fld id="{BE4B96D9-44D6-4120-8176-61B5C7CD77D9}" type="datetimeFigureOut">
               <a:rPr lang="zh-CN" altLang="en-US" smtClean="0"/>
+              <a:t>2023/10/21</a:t>
             </a:fld>
             <a:endParaRPr lang="zh-CN" altLang="en-US"/>
           </a:p>
@@ -2694,7 +5312,7 @@
       </p:sp>
       <p:sp>
         <p:nvSpPr>
-          <p:cNvPr id="6" name="页脚占位符 5"/>
+          <p:cNvPr id="6" name="Footer Placeholder 5"/>
           <p:cNvSpPr>
             <a:spLocks noGrp="1"/>
           </p:cNvSpPr>
@@ -2713,7 +5331,7 @@
       </p:sp>
       <p:sp>
         <p:nvSpPr>
-          <p:cNvPr id="7" name="灯片编号占位符 6"/>
+          <p:cNvPr id="7" name="Slide Number Placeholder 6"/>
           <p:cNvSpPr>
             <a:spLocks noGrp="1"/>
           </p:cNvSpPr>
@@ -2728,12 +5346,18 @@
           <a:p>
             <a:fld id="{AD1B264F-38A8-4E95-9DAF-2CFDC684D3F8}" type="slidenum">
               <a:rPr lang="zh-CN" altLang="en-US" smtClean="0"/>
+              <a:t>‹#›</a:t>
             </a:fld>
             <a:endParaRPr lang="zh-CN" altLang="en-US"/>
           </a:p>
         </p:txBody>
       </p:sp>
     </p:spTree>
+    <p:extLst>
+      <p:ext uri="{BB962C8B-B14F-4D97-AF65-F5344CB8AC3E}">
+        <p14:creationId xmlns:p14="http://schemas.microsoft.com/office/powerpoint/2010/main" val="1976546553"/>
+      </p:ext>
+    </p:extLst>
   </p:cSld>
   <p:clrMapOvr>
     <a:masterClrMapping/>
@@ -2760,7 +5384,7 @@
       </p:grpSpPr>
       <p:sp>
         <p:nvSpPr>
-          <p:cNvPr id="2" name="标题 1"/>
+          <p:cNvPr id="2" name="Title 1"/>
           <p:cNvSpPr>
             <a:spLocks noGrp="1"/>
           </p:cNvSpPr>
@@ -2786,15 +5410,15 @@
               <a:rPr lang="zh-CN" altLang="en-US"/>
               <a:t>单击此处编辑母版标题样式</a:t>
             </a:r>
-            <a:endParaRPr lang="zh-CN" altLang="en-US"/>
-          </a:p>
-        </p:txBody>
-      </p:sp>
-      <p:sp>
-        <p:nvSpPr>
-          <p:cNvPr id="3" name="图片占位符 2"/>
-          <p:cNvSpPr>
-            <a:spLocks noGrp="1"/>
+            <a:endParaRPr lang="en-US" dirty="0"/>
+          </a:p>
+        </p:txBody>
+      </p:sp>
+      <p:sp>
+        <p:nvSpPr>
+          <p:cNvPr id="3" name="Picture Placeholder 2"/>
+          <p:cNvSpPr>
+            <a:spLocks noGrp="1" noChangeAspect="1"/>
           </p:cNvSpPr>
           <p:nvPr>
             <p:ph type="pic" idx="1"/>
@@ -2807,76 +5431,100 @@
           </a:xfrm>
         </p:spPr>
         <p:txBody>
+          <a:bodyPr anchor="t"/>
+          <a:lstStyle>
+            <a:lvl1pPr marL="0" indent="0">
+              <a:buNone/>
+              <a:defRPr sz="3200"/>
+            </a:lvl1pPr>
+            <a:lvl2pPr marL="457200" indent="0">
+              <a:buNone/>
+              <a:defRPr sz="2800"/>
+            </a:lvl2pPr>
+            <a:lvl3pPr marL="914400" indent="0">
+              <a:buNone/>
+              <a:defRPr sz="2400"/>
+            </a:lvl3pPr>
+            <a:lvl4pPr marL="1371600" indent="0">
+              <a:buNone/>
+              <a:defRPr sz="2000"/>
+            </a:lvl4pPr>
+            <a:lvl5pPr marL="1828800" indent="0">
+              <a:buNone/>
+              <a:defRPr sz="2000"/>
+            </a:lvl5pPr>
+            <a:lvl6pPr marL="2286000" indent="0">
+              <a:buNone/>
+              <a:defRPr sz="2000"/>
+            </a:lvl6pPr>
+            <a:lvl7pPr marL="2743200" indent="0">
+              <a:buNone/>
+              <a:defRPr sz="2000"/>
+            </a:lvl7pPr>
+            <a:lvl8pPr marL="3200400" indent="0">
+              <a:buNone/>
+              <a:defRPr sz="2000"/>
+            </a:lvl8pPr>
+            <a:lvl9pPr marL="3657600" indent="0">
+              <a:buNone/>
+              <a:defRPr sz="2000"/>
+            </a:lvl9pPr>
+          </a:lstStyle>
+          <a:p>
+            <a:r>
+              <a:rPr lang="zh-CN" altLang="en-US"/>
+              <a:t>单击图标添加图片</a:t>
+            </a:r>
+            <a:endParaRPr lang="en-US" dirty="0"/>
+          </a:p>
+        </p:txBody>
+      </p:sp>
+      <p:sp>
+        <p:nvSpPr>
+          <p:cNvPr id="4" name="Text Placeholder 3"/>
+          <p:cNvSpPr>
+            <a:spLocks noGrp="1"/>
+          </p:cNvSpPr>
+          <p:nvPr>
+            <p:ph type="body" sz="half" idx="2"/>
+          </p:nvPr>
+        </p:nvSpPr>
+        <p:spPr>
+          <a:xfrm>
+            <a:off x="1120000" y="2057400"/>
+            <a:ext cx="3652025" cy="3811588"/>
+          </a:xfrm>
+        </p:spPr>
+        <p:txBody>
           <a:bodyPr/>
           <a:lstStyle>
             <a:lvl1pPr marL="0" indent="0">
               <a:buNone/>
-              <a:defRPr sz="3200"/>
-            </a:lvl1pPr>
-            <a:lvl2pPr marL="457200" indent="0">
-              <a:buNone/>
-              <a:defRPr sz="2800"/>
-            </a:lvl2pPr>
-            <a:lvl3pPr marL="914400" indent="0">
-              <a:buNone/>
-              <a:defRPr sz="2400"/>
-            </a:lvl3pPr>
-            <a:lvl4pPr marL="1371600" indent="0">
-              <a:buNone/>
-              <a:defRPr sz="2000"/>
-            </a:lvl4pPr>
-            <a:lvl5pPr marL="1828800" indent="0">
-              <a:buNone/>
-              <a:defRPr sz="2000"/>
-            </a:lvl5pPr>
-            <a:lvl6pPr marL="2286000" indent="0">
-              <a:buNone/>
-              <a:defRPr sz="2000"/>
-            </a:lvl6pPr>
-            <a:lvl7pPr marL="2743200" indent="0">
-              <a:buNone/>
-              <a:defRPr sz="2000"/>
-            </a:lvl7pPr>
-            <a:lvl8pPr marL="3200400" indent="0">
-              <a:buNone/>
-              <a:defRPr sz="2000"/>
-            </a:lvl8pPr>
-            <a:lvl9pPr marL="3657600" indent="0">
-              <a:buNone/>
-              <a:defRPr sz="2000"/>
-            </a:lvl9pPr>
-          </a:lstStyle>
-          <a:p>
-            <a:r>
-              <a:rPr lang="zh-CN" altLang="en-US"/>
-              <a:t>单击图标添加图片</a:t>
-            </a:r>
-            <a:endParaRPr lang="zh-CN" altLang="en-US"/>
-          </a:p>
-        </p:txBody>
-      </p:sp>
-      <p:sp>
-        <p:nvSpPr>
-          <p:cNvPr id="4" name="文本占位符 3"/>
-          <p:cNvSpPr>
-            <a:spLocks noGrp="1"/>
-          </p:cNvSpPr>
-          <p:nvPr>
-            <p:ph type="body" sz="half" idx="2"/>
-          </p:nvPr>
-        </p:nvSpPr>
-        <p:spPr>
-          <a:xfrm>
-            <a:off x="839788" y="2057400"/>
-            <a:ext cx="3932237" cy="3811588"/>
-          </a:xfrm>
-        </p:spPr>
-        <p:txBody>
-          <a:bodyPr/>
-          <a:lstStyle>
-            <a:lvl1pPr marL="0" indent="0">
-              <a:buNone/>
-              <a:defRPr sz="1600"/>
+              <a:defRPr sz="1600">
+                <a:gradFill>
+                  <a:gsLst>
+                    <a:gs pos="15000">
+                      <a:schemeClr val="tx2"/>
+                    </a:gs>
+                    <a:gs pos="73000">
+                      <a:schemeClr val="tx2">
+                        <a:lumMod val="60000"/>
+                        <a:lumOff val="40000"/>
+                      </a:schemeClr>
+                    </a:gs>
+                    <a:gs pos="0">
+                      <a:schemeClr val="tx1"/>
+                    </a:gs>
+                    <a:gs pos="100000">
+                      <a:schemeClr val="tx2">
+                        <a:lumMod val="0"/>
+                        <a:lumOff val="100000"/>
+                      </a:schemeClr>
+                    </a:gs>
+                  </a:gsLst>
+                  <a:lin ang="16200000" scaled="1"/>
+                </a:gradFill>
+              </a:defRPr>
             </a:lvl1pPr>
             <a:lvl2pPr marL="457200" indent="0">
               <a:buNone/>
@@ -2917,13 +5565,12 @@
               <a:rPr lang="zh-CN" altLang="en-US"/>
               <a:t>单击此处编辑母版文本样式</a:t>
             </a:r>
-            <a:endParaRPr lang="zh-CN" altLang="en-US"/>
-          </a:p>
-        </p:txBody>
-      </p:sp>
-      <p:sp>
-        <p:nvSpPr>
-          <p:cNvPr id="5" name="日期占位符 4"/>
+          </a:p>
+        </p:txBody>
+      </p:sp>
+      <p:sp>
+        <p:nvSpPr>
+          <p:cNvPr id="5" name="Date Placeholder 4"/>
           <p:cNvSpPr>
             <a:spLocks noGrp="1"/>
           </p:cNvSpPr>
@@ -2938,6 +5585,7 @@
           <a:p>
             <a:fld id="{BE4B96D9-44D6-4120-8176-61B5C7CD77D9}" type="datetimeFigureOut">
               <a:rPr lang="zh-CN" altLang="en-US" smtClean="0"/>
+              <a:t>2023/10/21</a:t>
             </a:fld>
             <a:endParaRPr lang="zh-CN" altLang="en-US"/>
           </a:p>
@@ -2945,7 +5593,7 @@
       </p:sp>
       <p:sp>
         <p:nvSpPr>
-          <p:cNvPr id="6" name="页脚占位符 5"/>
+          <p:cNvPr id="6" name="Footer Placeholder 5"/>
           <p:cNvSpPr>
             <a:spLocks noGrp="1"/>
           </p:cNvSpPr>
@@ -2964,7 +5612,7 @@
       </p:sp>
       <p:sp>
         <p:nvSpPr>
-          <p:cNvPr id="7" name="灯片编号占位符 6"/>
+          <p:cNvPr id="7" name="Slide Number Placeholder 6"/>
           <p:cNvSpPr>
             <a:spLocks noGrp="1"/>
           </p:cNvSpPr>
@@ -2979,12 +5627,18 @@
           <a:p>
             <a:fld id="{AD1B264F-38A8-4E95-9DAF-2CFDC684D3F8}" type="slidenum">
               <a:rPr lang="zh-CN" altLang="en-US" smtClean="0"/>
+              <a:t>‹#›</a:t>
             </a:fld>
             <a:endParaRPr lang="zh-CN" altLang="en-US"/>
           </a:p>
         </p:txBody>
       </p:sp>
     </p:spTree>
+    <p:extLst>
+      <p:ext uri="{BB962C8B-B14F-4D97-AF65-F5344CB8AC3E}">
+        <p14:creationId xmlns:p14="http://schemas.microsoft.com/office/powerpoint/2010/main" val="265720341"/>
+      </p:ext>
+    </p:extLst>
   </p:cSld>
   <p:clrMapOvr>
     <a:masterClrMapping/>
@@ -2996,9 +5650,18 @@
 <p:sldMaster xmlns:a="http://schemas.openxmlformats.org/drawingml/2006/main" xmlns:r="http://schemas.openxmlformats.org/officeDocument/2006/relationships" xmlns:p="http://schemas.openxmlformats.org/presentationml/2006/main">
   <p:cSld>
     <p:bg>
-      <p:bgRef idx="1001">
-        <a:schemeClr val="bg1"/>
-      </p:bgRef>
+      <p:bgPr>
+        <a:blipFill dpi="0" rotWithShape="1">
+          <a:blip r:embed="rId19">
+            <a:lum/>
+          </a:blip>
+          <a:srcRect/>
+          <a:stretch>
+            <a:fillRect/>
+          </a:stretch>
+        </a:blipFill>
+        <a:effectLst/>
+      </p:bgPr>
     </p:bg>
     <p:spTree>
       <p:nvGrpSpPr>
@@ -3016,7 +5679,7 @@
       </p:grpSpPr>
       <p:sp>
         <p:nvSpPr>
-          <p:cNvPr id="2" name="标题占位符 1"/>
+          <p:cNvPr id="2" name="Title Placeholder 1"/>
           <p:cNvSpPr>
             <a:spLocks noGrp="1"/>
           </p:cNvSpPr>
@@ -3043,13 +5706,13 @@
               <a:rPr lang="zh-CN" altLang="en-US"/>
               <a:t>单击此处编辑母版标题样式</a:t>
             </a:r>
-            <a:endParaRPr lang="zh-CN" altLang="en-US"/>
-          </a:p>
-        </p:txBody>
-      </p:sp>
-      <p:sp>
-        <p:nvSpPr>
-          <p:cNvPr id="3" name="文本占位符 2"/>
+            <a:endParaRPr lang="en-US" dirty="0"/>
+          </a:p>
+        </p:txBody>
+      </p:sp>
+      <p:sp>
+        <p:nvSpPr>
+          <p:cNvPr id="3" name="Text Placeholder 2"/>
           <p:cNvSpPr>
             <a:spLocks noGrp="1"/>
           </p:cNvSpPr>
@@ -3059,8 +5722,8 @@
         </p:nvSpPr>
         <p:spPr>
           <a:xfrm>
-            <a:off x="838200" y="1825625"/>
-            <a:ext cx="10515600" cy="4351338"/>
+            <a:off x="1120000" y="1825625"/>
+            <a:ext cx="10233800" cy="4351338"/>
           </a:xfrm>
           <a:prstGeom prst="rect">
             <a:avLst/>
@@ -3077,7 +5740,6 @@
               <a:rPr lang="zh-CN" altLang="en-US"/>
               <a:t>单击此处编辑母版文本样式</a:t>
             </a:r>
-            <a:endParaRPr lang="zh-CN" altLang="en-US"/>
           </a:p>
           <a:p>
             <a:pPr lvl="1"/>
@@ -3085,7 +5747,6 @@
               <a:rPr lang="zh-CN" altLang="en-US"/>
               <a:t>二级</a:t>
             </a:r>
-            <a:endParaRPr lang="zh-CN" altLang="en-US"/>
           </a:p>
           <a:p>
             <a:pPr lvl="2"/>
@@ -3093,7 +5754,6 @@
               <a:rPr lang="zh-CN" altLang="en-US"/>
               <a:t>三级</a:t>
             </a:r>
-            <a:endParaRPr lang="zh-CN" altLang="en-US"/>
           </a:p>
           <a:p>
             <a:pPr lvl="3"/>
@@ -3101,7 +5761,6 @@
               <a:rPr lang="zh-CN" altLang="en-US"/>
               <a:t>四级</a:t>
             </a:r>
-            <a:endParaRPr lang="zh-CN" altLang="en-US"/>
           </a:p>
           <a:p>
             <a:pPr lvl="4"/>
@@ -3109,13 +5768,13 @@
               <a:rPr lang="zh-CN" altLang="en-US"/>
               <a:t>五级</a:t>
             </a:r>
-            <a:endParaRPr lang="zh-CN" altLang="en-US"/>
-          </a:p>
-        </p:txBody>
-      </p:sp>
-      <p:sp>
-        <p:nvSpPr>
-          <p:cNvPr id="4" name="日期占位符 3"/>
+            <a:endParaRPr lang="en-US" dirty="0"/>
+          </a:p>
+        </p:txBody>
+      </p:sp>
+      <p:sp>
+        <p:nvSpPr>
+          <p:cNvPr id="4" name="Date Placeholder 3"/>
           <p:cNvSpPr>
             <a:spLocks noGrp="1"/>
           </p:cNvSpPr>
@@ -3137,17 +5796,36 @@
           <a:lstStyle>
             <a:lvl1pPr algn="l">
               <a:defRPr sz="1200">
-                <a:solidFill>
-                  <a:schemeClr val="tx1">
-                    <a:tint val="75000"/>
-                  </a:schemeClr>
-                </a:solidFill>
+                <a:gradFill flip="none" rotWithShape="1">
+                  <a:gsLst>
+                    <a:gs pos="28000">
+                      <a:schemeClr val="tx1">
+                        <a:lumMod val="93000"/>
+                      </a:schemeClr>
+                    </a:gs>
+                    <a:gs pos="0">
+                      <a:schemeClr val="bg1">
+                        <a:lumMod val="38000"/>
+                        <a:lumOff val="62000"/>
+                      </a:schemeClr>
+                    </a:gs>
+                    <a:gs pos="100000">
+                      <a:schemeClr val="tx2">
+                        <a:lumMod val="0"/>
+                        <a:lumOff val="100000"/>
+                      </a:schemeClr>
+                    </a:gs>
+                  </a:gsLst>
+                  <a:lin ang="5400000" scaled="1"/>
+                  <a:tileRect/>
+                </a:gradFill>
               </a:defRPr>
             </a:lvl1pPr>
           </a:lstStyle>
           <a:p>
             <a:fld id="{BE4B96D9-44D6-4120-8176-61B5C7CD77D9}" type="datetimeFigureOut">
               <a:rPr lang="zh-CN" altLang="en-US" smtClean="0"/>
+              <a:t>2023/10/21</a:t>
             </a:fld>
             <a:endParaRPr lang="zh-CN" altLang="en-US"/>
           </a:p>
@@ -3155,7 +5833,7 @@
       </p:sp>
       <p:sp>
         <p:nvSpPr>
-          <p:cNvPr id="5" name="页脚占位符 4"/>
+          <p:cNvPr id="5" name="Footer Placeholder 4"/>
           <p:cNvSpPr>
             <a:spLocks noGrp="1"/>
           </p:cNvSpPr>
@@ -3177,11 +5855,29 @@
           <a:lstStyle>
             <a:lvl1pPr algn="ctr">
               <a:defRPr sz="1200">
-                <a:solidFill>
-                  <a:schemeClr val="tx1">
-                    <a:tint val="75000"/>
-                  </a:schemeClr>
-                </a:solidFill>
+                <a:gradFill flip="none" rotWithShape="1">
+                  <a:gsLst>
+                    <a:gs pos="28000">
+                      <a:schemeClr val="tx1">
+                        <a:lumMod val="93000"/>
+                      </a:schemeClr>
+                    </a:gs>
+                    <a:gs pos="0">
+                      <a:schemeClr val="bg1">
+                        <a:lumMod val="38000"/>
+                        <a:lumOff val="62000"/>
+                      </a:schemeClr>
+                    </a:gs>
+                    <a:gs pos="100000">
+                      <a:schemeClr val="tx2">
+                        <a:lumMod val="0"/>
+                        <a:lumOff val="100000"/>
+                      </a:schemeClr>
+                    </a:gs>
+                  </a:gsLst>
+                  <a:lin ang="5400000" scaled="1"/>
+                  <a:tileRect/>
+                </a:gradFill>
               </a:defRPr>
             </a:lvl1pPr>
           </a:lstStyle>
@@ -3192,7 +5888,7 @@
       </p:sp>
       <p:sp>
         <p:nvSpPr>
-          <p:cNvPr id="6" name="灯片编号占位符 5"/>
+          <p:cNvPr id="6" name="Slide Number Placeholder 5"/>
           <p:cNvSpPr>
             <a:spLocks noGrp="1"/>
           </p:cNvSpPr>
@@ -3214,37 +5910,67 @@
           <a:lstStyle>
             <a:lvl1pPr algn="r">
               <a:defRPr sz="1200">
-                <a:solidFill>
-                  <a:schemeClr val="tx1">
-                    <a:tint val="75000"/>
-                  </a:schemeClr>
-                </a:solidFill>
+                <a:gradFill flip="none" rotWithShape="1">
+                  <a:gsLst>
+                    <a:gs pos="28000">
+                      <a:schemeClr val="tx1">
+                        <a:lumMod val="93000"/>
+                      </a:schemeClr>
+                    </a:gs>
+                    <a:gs pos="0">
+                      <a:schemeClr val="bg1">
+                        <a:lumMod val="38000"/>
+                        <a:lumOff val="62000"/>
+                      </a:schemeClr>
+                    </a:gs>
+                    <a:gs pos="100000">
+                      <a:schemeClr val="tx2">
+                        <a:lumMod val="0"/>
+                        <a:lumOff val="100000"/>
+                      </a:schemeClr>
+                    </a:gs>
+                  </a:gsLst>
+                  <a:lin ang="5400000" scaled="1"/>
+                  <a:tileRect/>
+                </a:gradFill>
               </a:defRPr>
             </a:lvl1pPr>
           </a:lstStyle>
           <a:p>
             <a:fld id="{AD1B264F-38A8-4E95-9DAF-2CFDC684D3F8}" type="slidenum">
               <a:rPr lang="zh-CN" altLang="en-US" smtClean="0"/>
+              <a:t>‹#›</a:t>
             </a:fld>
             <a:endParaRPr lang="zh-CN" altLang="en-US"/>
           </a:p>
         </p:txBody>
       </p:sp>
     </p:spTree>
+    <p:extLst>
+      <p:ext uri="{BB962C8B-B14F-4D97-AF65-F5344CB8AC3E}">
+        <p14:creationId xmlns:p14="http://schemas.microsoft.com/office/powerpoint/2010/main" val="308843927"/>
+      </p:ext>
+    </p:extLst>
   </p:cSld>
-  <p:clrMap bg1="lt1" tx1="dk1" bg2="lt2" tx2="dk2" accent1="accent1" accent2="accent2" accent3="accent3" accent4="accent4" accent5="accent5" accent6="accent6" hlink="hlink" folHlink="folHlink"/>
+  <p:clrMap bg1="dk1" tx1="lt1" bg2="dk2" tx2="lt2" accent1="accent1" accent2="accent2" accent3="accent3" accent4="accent4" accent5="accent5" accent6="accent6" hlink="hlink" folHlink="folHlink"/>
   <p:sldLayoutIdLst>
-    <p:sldLayoutId id="2147483649" r:id="rId1"/>
-    <p:sldLayoutId id="2147483650" r:id="rId2"/>
-    <p:sldLayoutId id="2147483651" r:id="rId3"/>
-    <p:sldLayoutId id="2147483652" r:id="rId4"/>
-    <p:sldLayoutId id="2147483653" r:id="rId5"/>
-    <p:sldLayoutId id="2147483654" r:id="rId6"/>
-    <p:sldLayoutId id="2147483655" r:id="rId7"/>
-    <p:sldLayoutId id="2147483656" r:id="rId8"/>
-    <p:sldLayoutId id="2147483657" r:id="rId9"/>
-    <p:sldLayoutId id="2147483658" r:id="rId10"/>
-    <p:sldLayoutId id="2147483659" r:id="rId11"/>
+    <p:sldLayoutId id="2147483661" r:id="rId1"/>
+    <p:sldLayoutId id="2147483662" r:id="rId2"/>
+    <p:sldLayoutId id="2147483663" r:id="rId3"/>
+    <p:sldLayoutId id="2147483664" r:id="rId4"/>
+    <p:sldLayoutId id="2147483665" r:id="rId5"/>
+    <p:sldLayoutId id="2147483666" r:id="rId6"/>
+    <p:sldLayoutId id="2147483667" r:id="rId7"/>
+    <p:sldLayoutId id="2147483668" r:id="rId8"/>
+    <p:sldLayoutId id="2147483669" r:id="rId9"/>
+    <p:sldLayoutId id="2147483670" r:id="rId10"/>
+    <p:sldLayoutId id="2147483671" r:id="rId11"/>
+    <p:sldLayoutId id="2147483672" r:id="rId12"/>
+    <p:sldLayoutId id="2147483673" r:id="rId13"/>
+    <p:sldLayoutId id="2147483674" r:id="rId14"/>
+    <p:sldLayoutId id="2147483675" r:id="rId15"/>
+    <p:sldLayoutId id="2147483676" r:id="rId16"/>
+    <p:sldLayoutId id="2147483677" r:id="rId17"/>
   </p:sldLayoutIdLst>
   <p:txStyles>
     <p:titleStyle>
@@ -3256,10 +5982,30 @@
           <a:spcPct val="0"/>
         </a:spcBef>
         <a:buNone/>
-        <a:defRPr sz="4400" kern="1200">
-          <a:solidFill>
-            <a:schemeClr val="tx1"/>
-          </a:solidFill>
+        <a:defRPr sz="5400" b="0" kern="1200">
+          <a:gradFill flip="none" rotWithShape="1">
+            <a:gsLst>
+              <a:gs pos="28000">
+                <a:schemeClr val="tx1">
+                  <a:lumMod val="93000"/>
+                </a:schemeClr>
+              </a:gs>
+              <a:gs pos="0">
+                <a:schemeClr val="bg1">
+                  <a:lumMod val="25000"/>
+                  <a:lumOff val="75000"/>
+                </a:schemeClr>
+              </a:gs>
+              <a:gs pos="100000">
+                <a:schemeClr val="tx2">
+                  <a:lumMod val="0"/>
+                  <a:lumOff val="100000"/>
+                </a:schemeClr>
+              </a:gs>
+            </a:gsLst>
+            <a:lin ang="4800000" scaled="0"/>
+            <a:tileRect/>
+          </a:gradFill>
           <a:latin typeface="+mj-lt"/>
           <a:ea typeface="+mj-ea"/>
           <a:cs typeface="+mj-cs"/>
@@ -3277,9 +6023,28 @@
         <a:buFont typeface="Arial" panose="020B0604020202020204" pitchFamily="34" charset="0"/>
         <a:buChar char="•"/>
         <a:defRPr sz="2800" kern="1200">
-          <a:solidFill>
-            <a:schemeClr val="tx1"/>
-          </a:solidFill>
+          <a:gradFill>
+            <a:gsLst>
+              <a:gs pos="34000">
+                <a:schemeClr val="tx1">
+                  <a:lumMod val="93000"/>
+                </a:schemeClr>
+              </a:gs>
+              <a:gs pos="0">
+                <a:schemeClr val="bg1">
+                  <a:lumMod val="25000"/>
+                  <a:lumOff val="75000"/>
+                </a:schemeClr>
+              </a:gs>
+              <a:gs pos="100000">
+                <a:schemeClr val="tx2">
+                  <a:lumMod val="0"/>
+                  <a:lumOff val="100000"/>
+                </a:schemeClr>
+              </a:gs>
+            </a:gsLst>
+            <a:lin ang="4800000" scaled="0"/>
+          </a:gradFill>
           <a:latin typeface="+mn-lt"/>
           <a:ea typeface="+mn-ea"/>
           <a:cs typeface="+mn-cs"/>
@@ -3295,9 +6060,28 @@
         <a:buFont typeface="Arial" panose="020B0604020202020204" pitchFamily="34" charset="0"/>
         <a:buChar char="•"/>
         <a:defRPr sz="2400" kern="1200">
-          <a:solidFill>
-            <a:schemeClr val="tx1"/>
-          </a:solidFill>
+          <a:gradFill>
+            <a:gsLst>
+              <a:gs pos="34000">
+                <a:schemeClr val="tx1">
+                  <a:lumMod val="93000"/>
+                </a:schemeClr>
+              </a:gs>
+              <a:gs pos="0">
+                <a:schemeClr val="bg1">
+                  <a:lumMod val="25000"/>
+                  <a:lumOff val="75000"/>
+                </a:schemeClr>
+              </a:gs>
+              <a:gs pos="100000">
+                <a:schemeClr val="tx2">
+                  <a:lumMod val="0"/>
+                  <a:lumOff val="100000"/>
+                </a:schemeClr>
+              </a:gs>
+            </a:gsLst>
+            <a:lin ang="4800000" scaled="0"/>
+          </a:gradFill>
           <a:latin typeface="+mn-lt"/>
           <a:ea typeface="+mn-ea"/>
           <a:cs typeface="+mn-cs"/>
@@ -3313,9 +6097,28 @@
         <a:buFont typeface="Arial" panose="020B0604020202020204" pitchFamily="34" charset="0"/>
         <a:buChar char="•"/>
         <a:defRPr sz="2000" kern="1200">
-          <a:solidFill>
-            <a:schemeClr val="tx1"/>
-          </a:solidFill>
+          <a:gradFill>
+            <a:gsLst>
+              <a:gs pos="34000">
+                <a:schemeClr val="tx1">
+                  <a:lumMod val="93000"/>
+                </a:schemeClr>
+              </a:gs>
+              <a:gs pos="0">
+                <a:schemeClr val="bg1">
+                  <a:lumMod val="25000"/>
+                  <a:lumOff val="75000"/>
+                </a:schemeClr>
+              </a:gs>
+              <a:gs pos="100000">
+                <a:schemeClr val="tx2">
+                  <a:lumMod val="0"/>
+                  <a:lumOff val="100000"/>
+                </a:schemeClr>
+              </a:gs>
+            </a:gsLst>
+            <a:lin ang="4800000" scaled="0"/>
+          </a:gradFill>
           <a:latin typeface="+mn-lt"/>
           <a:ea typeface="+mn-ea"/>
           <a:cs typeface="+mn-cs"/>
@@ -3331,9 +6134,28 @@
         <a:buFont typeface="Arial" panose="020B0604020202020204" pitchFamily="34" charset="0"/>
         <a:buChar char="•"/>
         <a:defRPr sz="1800" kern="1200">
-          <a:solidFill>
-            <a:schemeClr val="tx1"/>
-          </a:solidFill>
+          <a:gradFill>
+            <a:gsLst>
+              <a:gs pos="34000">
+                <a:schemeClr val="tx1">
+                  <a:lumMod val="93000"/>
+                </a:schemeClr>
+              </a:gs>
+              <a:gs pos="0">
+                <a:schemeClr val="bg1">
+                  <a:lumMod val="25000"/>
+                  <a:lumOff val="75000"/>
+                </a:schemeClr>
+              </a:gs>
+              <a:gs pos="100000">
+                <a:schemeClr val="tx2">
+                  <a:lumMod val="0"/>
+                  <a:lumOff val="100000"/>
+                </a:schemeClr>
+              </a:gs>
+            </a:gsLst>
+            <a:lin ang="4800000" scaled="0"/>
+          </a:gradFill>
           <a:latin typeface="+mn-lt"/>
           <a:ea typeface="+mn-ea"/>
           <a:cs typeface="+mn-cs"/>
@@ -3349,9 +6171,28 @@
         <a:buFont typeface="Arial" panose="020B0604020202020204" pitchFamily="34" charset="0"/>
         <a:buChar char="•"/>
         <a:defRPr sz="1800" kern="1200">
-          <a:solidFill>
-            <a:schemeClr val="tx1"/>
-          </a:solidFill>
+          <a:gradFill>
+            <a:gsLst>
+              <a:gs pos="34000">
+                <a:schemeClr val="tx1">
+                  <a:lumMod val="93000"/>
+                </a:schemeClr>
+              </a:gs>
+              <a:gs pos="0">
+                <a:schemeClr val="bg1">
+                  <a:lumMod val="25000"/>
+                  <a:lumOff val="75000"/>
+                </a:schemeClr>
+              </a:gs>
+              <a:gs pos="100000">
+                <a:schemeClr val="tx2">
+                  <a:lumMod val="0"/>
+                  <a:lumOff val="100000"/>
+                </a:schemeClr>
+              </a:gs>
+            </a:gsLst>
+            <a:lin ang="4800000" scaled="0"/>
+          </a:gradFill>
           <a:latin typeface="+mn-lt"/>
           <a:ea typeface="+mn-ea"/>
           <a:cs typeface="+mn-cs"/>
@@ -3432,7 +6273,7 @@
     </p:bodyStyle>
     <p:otherStyle>
       <a:defPPr>
-        <a:defRPr lang="zh-CN"/>
+        <a:defRPr lang="en-US"/>
       </a:defPPr>
       <a:lvl1pPr marL="0" algn="l" defTabSz="914400" rtl="0" eaLnBrk="1" latinLnBrk="0" hangingPunct="1">
         <a:defRPr sz="1800" kern="1200">
@@ -3727,7 +6568,7 @@
           <p:nvPr/>
         </p:nvPicPr>
         <p:blipFill rotWithShape="1">
-          <a:blip r:embed="rId1">
+          <a:blip r:embed="rId2" cstate="print">
             <a:extLst>
               <a:ext uri="{28A0092B-C50C-407E-A947-70E740481C1C}">
                 <a14:useLocalDpi xmlns:a14="http://schemas.microsoft.com/office/drawing/2010/main" val="0"/>
@@ -3950,14 +6791,6 @@
               </a:rPr>
               <a:t>Office </a:t>
             </a:r>
-            <a:endParaRPr lang="en-US" altLang="zh-CN" sz="4000" dirty="0">
-              <a:solidFill>
-                <a:srgbClr val="FFFFFF"/>
-              </a:solidFill>
-              <a:latin typeface="+mj-lt"/>
-              <a:ea typeface="+mj-ea"/>
-              <a:cs typeface="+mj-cs"/>
-            </a:endParaRPr>
           </a:p>
           <a:p>
             <a:pPr algn="r">
@@ -3982,14 +6815,6 @@
               </a:rPr>
               <a:t>Manager</a:t>
             </a:r>
-            <a:endParaRPr lang="en-US" altLang="zh-CN" sz="4000" dirty="0">
-              <a:solidFill>
-                <a:srgbClr val="FFFFFF"/>
-              </a:solidFill>
-              <a:latin typeface="+mj-lt"/>
-              <a:ea typeface="+mj-ea"/>
-              <a:cs typeface="+mj-cs"/>
-            </a:endParaRPr>
           </a:p>
         </p:txBody>
       </p:sp>
@@ -4427,7 +7252,6 @@
               <a:rPr lang="en-US" altLang="zh-CN" dirty="0"/>
               <a:t>Third Party Libraries: Google Drive</a:t>
             </a:r>
-            <a:endParaRPr lang="en-US" altLang="zh-CN" dirty="0"/>
           </a:p>
           <a:p>
             <a:r>
@@ -4441,14 +7265,12 @@
               <a:rPr lang="en-US" altLang="zh-CN" dirty="0"/>
               <a:t>Challenge point: </a:t>
             </a:r>
-            <a:endParaRPr lang="en-US" altLang="zh-CN" dirty="0"/>
           </a:p>
           <a:p>
             <a:r>
               <a:rPr lang="en-US" altLang="zh-CN" dirty="0"/>
               <a:t>1. Message </a:t>
             </a:r>
-            <a:endParaRPr lang="en-US" altLang="zh-CN" dirty="0"/>
           </a:p>
           <a:p>
             <a:r>
@@ -4515,7 +7337,6 @@
               <a:rPr lang="en-US" altLang="zh-CN" dirty="0"/>
               <a:t>Important Document</a:t>
             </a:r>
-            <a:endParaRPr lang="en-US" altLang="zh-CN" dirty="0"/>
           </a:p>
           <a:p>
             <a:r>
@@ -4567,148 +7388,163 @@
 <file path=ppt/slides/slide3.xml><?xml version="1.0" encoding="utf-8"?>
 <p:sld xmlns:a="http://schemas.openxmlformats.org/drawingml/2006/main" xmlns:r="http://schemas.openxmlformats.org/officeDocument/2006/relationships" xmlns:p="http://schemas.openxmlformats.org/presentationml/2006/main">
   <p:cSld>
+    <p:bg>
+      <p:bgPr>
+        <a:solidFill>
+          <a:schemeClr val="tx1"/>
+        </a:solidFill>
+        <a:effectLst/>
+      </p:bgPr>
+    </p:bg>
     <p:spTree>
       <p:nvGrpSpPr>
         <p:cNvPr id="1" name=""/>
         <p:cNvGrpSpPr/>
         <p:nvPr/>
       </p:nvGrpSpPr>
-      <p:grpSpPr/>
+      <p:grpSpPr>
+        <a:xfrm>
+          <a:off x="0" y="0"/>
+          <a:ext cx="0" cy="0"/>
+          <a:chOff x="0" y="0"/>
+          <a:chExt cx="0" cy="0"/>
+        </a:xfrm>
+      </p:grpSpPr>
       <p:pic>
         <p:nvPicPr>
-          <p:cNvPr id="101" name="图片 100"/>
-          <p:cNvPicPr/>
+          <p:cNvPr id="5" name="图片 4" descr="许多人在雪地上&#10;&#10;描述已自动生成">
+            <a:extLst>
+              <a:ext uri="{FF2B5EF4-FFF2-40B4-BE49-F238E27FC236}">
+                <a16:creationId xmlns:a16="http://schemas.microsoft.com/office/drawing/2014/main" id="{2827A3A2-D154-6025-56BF-8FAB6ED56EED}"/>
+              </a:ext>
+            </a:extLst>
+          </p:cNvPr>
+          <p:cNvPicPr>
+            <a:picLocks noChangeAspect="1"/>
+          </p:cNvPicPr>
           <p:nvPr/>
         </p:nvPicPr>
-        <p:blipFill>
-          <a:blip r:embed="rId1"/>
-          <a:stretch>
-            <a:fillRect/>
-          </a:stretch>
+        <p:blipFill rotWithShape="1">
+          <a:blip r:embed="rId2">
+            <a:extLst>
+              <a:ext uri="{28A0092B-C50C-407E-A947-70E740481C1C}">
+                <a14:useLocalDpi xmlns:a14="http://schemas.microsoft.com/office/drawing/2010/main" val="0"/>
+              </a:ext>
+            </a:extLst>
+          </a:blip>
+          <a:srcRect l="14256" r="19455"/>
+          <a:stretch/>
         </p:blipFill>
         <p:spPr>
           <a:xfrm>
-            <a:off x="-635" y="0"/>
-            <a:ext cx="12192635" cy="6858000"/>
+            <a:off x="4110127" y="10"/>
+            <a:ext cx="8081873" cy="6857990"/>
+          </a:xfrm>
+          <a:custGeom>
+            <a:avLst/>
+            <a:gdLst/>
+            <a:ahLst/>
+            <a:cxnLst/>
+            <a:rect l="l" t="t" r="r" b="b"/>
+            <a:pathLst>
+              <a:path w="8081873" h="6858000">
+                <a:moveTo>
+                  <a:pt x="0" y="0"/>
+                </a:moveTo>
+                <a:lnTo>
+                  <a:pt x="8081873" y="0"/>
+                </a:lnTo>
+                <a:lnTo>
+                  <a:pt x="8081873" y="6858000"/>
+                </a:lnTo>
+                <a:lnTo>
+                  <a:pt x="0" y="6858000"/>
+                </a:lnTo>
+                <a:lnTo>
+                  <a:pt x="68897" y="6734633"/>
+                </a:lnTo>
+                <a:cubicBezTo>
+                  <a:pt x="558802" y="5812845"/>
+                  <a:pt x="848920" y="4668597"/>
+                  <a:pt x="848920" y="3429000"/>
+                </a:cubicBezTo>
+                <a:cubicBezTo>
+                  <a:pt x="848920" y="2189404"/>
+                  <a:pt x="558802" y="1045156"/>
+                  <a:pt x="68897" y="123368"/>
+                </a:cubicBezTo>
+                <a:close/>
+              </a:path>
+            </a:pathLst>
+          </a:custGeom>
+        </p:spPr>
+      </p:pic>
+      <p:sp>
+        <p:nvSpPr>
+          <p:cNvPr id="6" name="文本框 5">
+            <a:extLst>
+              <a:ext uri="{FF2B5EF4-FFF2-40B4-BE49-F238E27FC236}">
+                <a16:creationId xmlns:a16="http://schemas.microsoft.com/office/drawing/2014/main" id="{AE455474-D3D1-5061-5240-716DFB6A5B8D}"/>
+              </a:ext>
+            </a:extLst>
+          </p:cNvPr>
+          <p:cNvSpPr txBox="1"/>
+          <p:nvPr/>
+        </p:nvSpPr>
+        <p:spPr>
+          <a:xfrm>
+            <a:off x="477981" y="1122363"/>
+            <a:ext cx="4023360" cy="3204134"/>
           </a:xfrm>
           <a:prstGeom prst="rect">
             <a:avLst/>
           </a:prstGeom>
-          <a:noFill/>
-          <a:ln w="9525">
-            <a:noFill/>
-          </a:ln>
         </p:spPr>
-      </p:pic>
-      <p:pic>
-        <p:nvPicPr>
-          <p:cNvPr id="100" name="图片 99"/>
-          <p:cNvPicPr/>
-          <p:nvPr/>
-        </p:nvPicPr>
-        <p:blipFill>
-          <a:blip r:embed="rId2"/>
-          <a:srcRect l="19477" t="14176" r="19153" b="10444"/>
-          <a:stretch>
-            <a:fillRect/>
-          </a:stretch>
-        </p:blipFill>
-        <p:spPr>
-          <a:xfrm>
-            <a:off x="7446645" y="549275"/>
-            <a:ext cx="3352165" cy="5758815"/>
-          </a:xfrm>
-          <a:prstGeom prst="rect">
-            <a:avLst/>
-          </a:prstGeom>
-          <a:noFill/>
-          <a:ln w="9525">
-            <a:noFill/>
-          </a:ln>
-        </p:spPr>
-      </p:pic>
-      <p:sp>
-        <p:nvSpPr>
-          <p:cNvPr id="4" name="文本框 3"/>
-          <p:cNvSpPr txBox="1"/>
-          <p:nvPr/>
-        </p:nvSpPr>
-        <p:spPr>
-          <a:xfrm>
-            <a:off x="524510" y="478790"/>
-            <a:ext cx="5144135" cy="3507740"/>
-          </a:xfrm>
-          <a:prstGeom prst="rect">
-            <a:avLst/>
-          </a:prstGeom>
-          <a:noFill/>
-        </p:spPr>
-        <p:txBody>
-          <a:bodyPr wrap="square" rtlCol="0">
-            <a:noAutofit/>
-            <a:scene3d>
-              <a:camera prst="orthographicFront"/>
-              <a:lightRig rig="threePt" dir="t"/>
-            </a:scene3d>
+        <p:txBody>
+          <a:bodyPr vert="horz" lIns="91440" tIns="45720" rIns="91440" bIns="45720" rtlCol="0" anchor="b">
+            <a:normAutofit/>
           </a:bodyPr>
-          <a:p>
-            <a:r>
-              <a:rPr lang="en-US" altLang="zh-CN" sz="4800" b="1">
-                <a:ln/>
-                <a:gradFill>
-                  <a:gsLst>
-                    <a:gs pos="0">
-                      <a:schemeClr val="accent5">
-                        <a:lumMod val="50000"/>
-                      </a:schemeClr>
-                    </a:gs>
-                    <a:gs pos="50000">
-                      <a:schemeClr val="accent5"/>
-                    </a:gs>
-                    <a:gs pos="100000">
-                      <a:schemeClr val="accent5">
-                        <a:lumMod val="60000"/>
-                        <a:lumOff val="40000"/>
-                      </a:schemeClr>
-                    </a:gs>
-                  </a:gsLst>
-                  <a:lin ang="5400000"/>
-                </a:gradFill>
-                <a:effectLst>
-                  <a:reflection blurRad="6350" stA="53000" endA="300" endPos="35500" dir="5400000" sy="-90000" algn="bl" rotWithShape="0"/>
-                </a:effectLst>
+          <a:lstStyle/>
+          <a:p>
+            <a:pPr indent="-228600">
+              <a:lnSpc>
+                <a:spcPct val="90000"/>
+              </a:lnSpc>
+              <a:spcBef>
+                <a:spcPct val="0"/>
+              </a:spcBef>
+              <a:spcAft>
+                <a:spcPts val="600"/>
+              </a:spcAft>
+            </a:pPr>
+            <a:r>
+              <a:rPr lang="en-US" altLang="zh-CN" sz="4800" dirty="0" err="1">
+                <a:solidFill>
+                  <a:schemeClr val="bg1"/>
+                </a:solidFill>
+                <a:latin typeface="+mj-lt"/>
+                <a:ea typeface="+mj-ea"/>
+                <a:cs typeface="+mj-cs"/>
               </a:rPr>
-              <a:t>MiniSpotify</a:t>
-            </a:r>
-            <a:endParaRPr lang="en-US" altLang="zh-CN" sz="4800" b="1">
-              <a:ln/>
-              <a:gradFill>
-                <a:gsLst>
-                  <a:gs pos="0">
-                    <a:schemeClr val="accent5">
-                      <a:lumMod val="50000"/>
-                    </a:schemeClr>
-                  </a:gs>
-                  <a:gs pos="50000">
-                    <a:schemeClr val="accent5"/>
-                  </a:gs>
-                  <a:gs pos="100000">
-                    <a:schemeClr val="accent5">
-                      <a:lumMod val="60000"/>
-                      <a:lumOff val="40000"/>
-                    </a:schemeClr>
-                  </a:gs>
-                </a:gsLst>
-                <a:lin ang="5400000"/>
-              </a:gradFill>
-              <a:effectLst>
-                <a:reflection blurRad="6350" stA="53000" endA="300" endPos="35500" dir="5400000" sy="-90000" algn="bl" rotWithShape="0"/>
-              </a:effectLst>
+              <a:t>ShouldiSki</a:t>
+            </a:r>
+            <a:endParaRPr lang="en-US" altLang="zh-CN" sz="4800" dirty="0">
+              <a:solidFill>
+                <a:schemeClr val="bg1"/>
+              </a:solidFill>
+              <a:latin typeface="+mj-lt"/>
+              <a:ea typeface="+mj-ea"/>
+              <a:cs typeface="+mj-cs"/>
             </a:endParaRPr>
           </a:p>
         </p:txBody>
       </p:sp>
     </p:spTree>
+    <p:extLst>
+      <p:ext uri="{BB962C8B-B14F-4D97-AF65-F5344CB8AC3E}">
+        <p14:creationId xmlns:p14="http://schemas.microsoft.com/office/powerpoint/2010/main" val="207308268"/>
+      </p:ext>
+    </p:extLst>
   </p:cSld>
   <p:clrMapOvr>
     <a:masterClrMapping/>
@@ -4719,692 +7555,231 @@
 <file path=ppt/slides/slide4.xml><?xml version="1.0" encoding="utf-8"?>
 <p:sld xmlns:a="http://schemas.openxmlformats.org/drawingml/2006/main" xmlns:r="http://schemas.openxmlformats.org/officeDocument/2006/relationships" xmlns:p="http://schemas.openxmlformats.org/presentationml/2006/main">
   <p:cSld>
+    <p:bg>
+      <p:bgPr>
+        <a:solidFill>
+          <a:schemeClr val="bg1"/>
+        </a:solidFill>
+        <a:effectLst/>
+      </p:bgPr>
+    </p:bg>
     <p:spTree>
       <p:nvGrpSpPr>
         <p:cNvPr id="1" name=""/>
         <p:cNvGrpSpPr/>
         <p:nvPr/>
       </p:nvGrpSpPr>
-      <p:grpSpPr/>
+      <p:grpSpPr>
+        <a:xfrm>
+          <a:off x="0" y="0"/>
+          <a:ext cx="0" cy="0"/>
+          <a:chOff x="0" y="0"/>
+          <a:chExt cx="0" cy="0"/>
+        </a:xfrm>
+      </p:grpSpPr>
       <p:pic>
         <p:nvPicPr>
-          <p:cNvPr id="101" name="图片 100"/>
-          <p:cNvPicPr/>
-          <p:nvPr>
-            <p:custDataLst>
-              <p:tags r:id="rId1"/>
-            </p:custDataLst>
-          </p:nvPr>
+          <p:cNvPr id="6" name="图片 5" descr="雪地上有缆车&#10;&#10;描述已自动生成">
+            <a:extLst>
+              <a:ext uri="{FF2B5EF4-FFF2-40B4-BE49-F238E27FC236}">
+                <a16:creationId xmlns:a16="http://schemas.microsoft.com/office/drawing/2014/main" id="{E53B0D68-4845-F5C2-4EE8-770D1DD90754}"/>
+              </a:ext>
+            </a:extLst>
+          </p:cNvPr>
+          <p:cNvPicPr>
+            <a:picLocks noChangeAspect="1"/>
+          </p:cNvPicPr>
+          <p:nvPr/>
         </p:nvPicPr>
-        <p:blipFill>
-          <a:blip r:embed="rId2"/>
-          <a:stretch>
-            <a:fillRect/>
-          </a:stretch>
+        <p:blipFill rotWithShape="1">
+          <a:blip r:embed="rId2">
+            <a:extLst>
+              <a:ext uri="{28A0092B-C50C-407E-A947-70E740481C1C}">
+                <a14:useLocalDpi xmlns:a14="http://schemas.microsoft.com/office/drawing/2010/main" val="0"/>
+              </a:ext>
+            </a:extLst>
+          </a:blip>
+          <a:srcRect t="30871" b="4374"/>
+          <a:stretch/>
         </p:blipFill>
         <p:spPr>
           <a:xfrm>
-            <a:off x="-635" y="0"/>
-            <a:ext cx="12192635" cy="6858000"/>
+            <a:off x="20" y="10"/>
+            <a:ext cx="12191980" cy="3710603"/>
+          </a:xfrm>
+          <a:custGeom>
+            <a:avLst/>
+            <a:gdLst/>
+            <a:ahLst/>
+            <a:cxnLst/>
+            <a:rect l="l" t="t" r="r" b="b"/>
+            <a:pathLst>
+              <a:path w="12192000" h="3692092">
+                <a:moveTo>
+                  <a:pt x="0" y="0"/>
+                </a:moveTo>
+                <a:lnTo>
+                  <a:pt x="12192000" y="0"/>
+                </a:lnTo>
+                <a:lnTo>
+                  <a:pt x="12192000" y="3504824"/>
+                </a:lnTo>
+                <a:lnTo>
+                  <a:pt x="12024691" y="3517794"/>
+                </a:lnTo>
+                <a:cubicBezTo>
+                  <a:pt x="8077523" y="3783195"/>
+                  <a:pt x="4094678" y="3026959"/>
+                  <a:pt x="160485" y="3663863"/>
+                </a:cubicBezTo>
+                <a:lnTo>
+                  <a:pt x="0" y="3692092"/>
+                </a:lnTo>
+                <a:close/>
+              </a:path>
+            </a:pathLst>
+          </a:custGeom>
+        </p:spPr>
+      </p:pic>
+      <p:sp>
+        <p:nvSpPr>
+          <p:cNvPr id="4" name="文本框 3">
+            <a:extLst>
+              <a:ext uri="{FF2B5EF4-FFF2-40B4-BE49-F238E27FC236}">
+                <a16:creationId xmlns:a16="http://schemas.microsoft.com/office/drawing/2014/main" id="{81EAAA10-26E6-C5F7-3439-6EAF94B200BF}"/>
+              </a:ext>
+            </a:extLst>
+          </p:cNvPr>
+          <p:cNvSpPr txBox="1"/>
+          <p:nvPr/>
+        </p:nvSpPr>
+        <p:spPr>
+          <a:xfrm>
+            <a:off x="664016" y="3881232"/>
+            <a:ext cx="5324867" cy="2766613"/>
+          </a:xfrm>
+          <a:prstGeom prst="rect">
+            <a:avLst/>
+          </a:prstGeom>
+        </p:spPr>
+        <p:txBody>
+          <a:bodyPr vert="horz" lIns="91440" tIns="45720" rIns="91440" bIns="45720" rtlCol="0" anchor="ctr">
+            <a:normAutofit lnSpcReduction="10000"/>
+          </a:bodyPr>
+          <a:lstStyle/>
+          <a:p>
+            <a:pPr indent="-228600">
+              <a:lnSpc>
+                <a:spcPct val="90000"/>
+              </a:lnSpc>
+              <a:spcAft>
+                <a:spcPts val="600"/>
+              </a:spcAft>
+              <a:buFont typeface="Arial" panose="020B0604020202020204" pitchFamily="34" charset="0"/>
+              <a:buChar char="•"/>
+            </a:pPr>
+            <a:r>
+              <a:rPr lang="en-US" altLang="zh-CN" sz="1700" dirty="0"/>
+              <a:t>Description</a:t>
+            </a:r>
+          </a:p>
+          <a:p>
+            <a:pPr>
+              <a:lnSpc>
+                <a:spcPct val="90000"/>
+              </a:lnSpc>
+              <a:spcAft>
+                <a:spcPts val="600"/>
+              </a:spcAft>
+            </a:pPr>
+            <a:r>
+              <a:rPr lang="en-US" altLang="zh-CN" sz="1700" dirty="0"/>
+              <a:t> Thinking of hitting the slopes but unsure about the conditions? The Ski Decision App is here to help. By tracking popular hotel booking website at ski resorts and surrounding areas, the app provides a real-time crowd index, so you're always in the know about potential crowding. </a:t>
+            </a:r>
+          </a:p>
+          <a:p>
+            <a:pPr>
+              <a:lnSpc>
+                <a:spcPct val="90000"/>
+              </a:lnSpc>
+              <a:spcAft>
+                <a:spcPts val="600"/>
+              </a:spcAft>
+            </a:pPr>
+            <a:r>
+              <a:rPr lang="en-US" altLang="zh-CN" sz="1700" dirty="0"/>
+              <a:t>In addition, stay updated with information on the weather, distance, and ski track conditions, ensuring your skiing experience is always top-notch. Make every ski trip worthwhile and avoid unforeseen disappointments. </a:t>
+            </a:r>
+          </a:p>
+        </p:txBody>
+      </p:sp>
+      <p:sp>
+        <p:nvSpPr>
+          <p:cNvPr id="7" name="文本框 6">
+            <a:extLst>
+              <a:ext uri="{FF2B5EF4-FFF2-40B4-BE49-F238E27FC236}">
+                <a16:creationId xmlns:a16="http://schemas.microsoft.com/office/drawing/2014/main" id="{D80B606F-CECC-5E75-08E5-CA1E755514D7}"/>
+              </a:ext>
+            </a:extLst>
+          </p:cNvPr>
+          <p:cNvSpPr txBox="1"/>
+          <p:nvPr/>
+        </p:nvSpPr>
+        <p:spPr>
+          <a:xfrm>
+            <a:off x="6463621" y="4321687"/>
+            <a:ext cx="5225175" cy="1923604"/>
           </a:xfrm>
           <a:prstGeom prst="rect">
             <a:avLst/>
           </a:prstGeom>
           <a:noFill/>
-          <a:ln w="9525">
-            <a:noFill/>
-          </a:ln>
         </p:spPr>
-      </p:pic>
-      <p:sp>
-        <p:nvSpPr>
-          <p:cNvPr id="3" name="内容占位符 2"/>
-          <p:cNvSpPr>
-            <a:spLocks noGrp="1"/>
-          </p:cNvSpPr>
-          <p:nvPr>
-            <p:ph idx="1"/>
-          </p:nvPr>
-        </p:nvSpPr>
-        <p:spPr>
-          <a:xfrm>
-            <a:off x="110490" y="182880"/>
-            <a:ext cx="11250930" cy="6465570"/>
-          </a:xfrm>
-        </p:spPr>
-        <p:txBody>
-          <a:bodyPr>
-            <a:noAutofit/>
+        <p:txBody>
+          <a:bodyPr wrap="square" rtlCol="0">
+            <a:spAutoFit/>
           </a:bodyPr>
-          <a:p>
-            <a:pPr marL="0" indent="0">
-              <a:buNone/>
+          <a:lstStyle/>
+          <a:p>
+            <a:pPr marL="285750" indent="-285750">
+              <a:buFont typeface="Arial" panose="020B0604020202020204" pitchFamily="34" charset="0"/>
+              <a:buChar char="•"/>
             </a:pPr>
             <a:r>
-              <a:rPr lang="zh-CN" altLang="en-US" sz="1900"/>
-              <a:t> </a:t>
-            </a:r>
-            <a:endParaRPr lang="zh-CN" altLang="en-US" sz="1900"/>
-          </a:p>
-          <a:p>
-            <a:pPr marL="0" indent="0">
-              <a:buNone/>
+              <a:rPr lang="en-US" altLang="zh-CN" sz="1700" dirty="0"/>
+              <a:t>Third Party Libraries: Booking.com-bookings and availability API, Ski Resort website for track information</a:t>
+            </a:r>
+          </a:p>
+          <a:p>
+            <a:pPr marL="285750" indent="-285750">
+              <a:buFont typeface="Arial" panose="020B0604020202020204" pitchFamily="34" charset="0"/>
+              <a:buChar char="•"/>
             </a:pPr>
-            <a:endParaRPr lang="zh-CN" altLang="en-US" sz="1900" b="1"/>
-          </a:p>
-          <a:p>
-            <a:pPr marL="0" indent="0">
-              <a:buNone/>
+            <a:r>
+              <a:rPr lang="en-US" altLang="zh-CN" sz="1700" dirty="0"/>
+              <a:t>Why it need to be mobile?  User usually check these status information by phone before they check google map </a:t>
+            </a:r>
+            <a:endParaRPr lang="zh-CN" altLang="en-US" sz="1700" dirty="0"/>
+          </a:p>
+          <a:p>
+            <a:pPr marL="285750" indent="-285750">
+              <a:buFont typeface="Arial" panose="020B0604020202020204" pitchFamily="34" charset="0"/>
+              <a:buChar char="•"/>
             </a:pPr>
             <a:r>
-              <a:rPr lang="zh-CN" altLang="en-US" sz="1900" b="1">
-                <a:ln w="10160">
-                  <a:solidFill>
-                    <a:schemeClr val="accent5"/>
-                  </a:solidFill>
-                  <a:prstDash val="solid"/>
-                </a:ln>
-                <a:solidFill>
-                  <a:schemeClr val="bg1"/>
-                </a:solidFill>
-                <a:effectLst>
-                  <a:outerShdw blurRad="38100" dist="22860" dir="5400000" algn="tl" rotWithShape="0">
-                    <a:srgbClr val="000000">
-                      <a:alpha val="30000"/>
-                    </a:srgbClr>
-                  </a:outerShdw>
-                </a:effectLst>
-              </a:rPr>
-              <a:t>Description:</a:t>
-            </a:r>
-            <a:r>
-              <a:rPr lang="en-US" altLang="zh-CN" sz="1900">
-                <a:ln w="10160">
-                  <a:solidFill>
-                    <a:schemeClr val="accent5"/>
-                  </a:solidFill>
-                  <a:prstDash val="solid"/>
-                </a:ln>
-                <a:solidFill>
-                  <a:schemeClr val="bg1"/>
-                </a:solidFill>
-                <a:effectLst>
-                  <a:outerShdw blurRad="38100" dist="22860" dir="5400000" algn="tl" rotWithShape="0">
-                    <a:srgbClr val="000000">
-                      <a:alpha val="30000"/>
-                    </a:srgbClr>
-                  </a:outerShdw>
-                </a:effectLst>
-              </a:rPr>
-              <a:t> </a:t>
-            </a:r>
-            <a:r>
-              <a:rPr lang="zh-CN" altLang="en-US" sz="1900">
-                <a:ln w="10160">
-                  <a:solidFill>
-                    <a:schemeClr val="accent5"/>
-                  </a:solidFill>
-                  <a:prstDash val="solid"/>
-                </a:ln>
-                <a:solidFill>
-                  <a:schemeClr val="bg1"/>
-                </a:solidFill>
-                <a:effectLst>
-                  <a:outerShdw blurRad="38100" dist="22860" dir="5400000" algn="tl" rotWithShape="0">
-                    <a:srgbClr val="000000">
-                      <a:alpha val="30000"/>
-                    </a:srgbClr>
-                  </a:outerShdw>
-                </a:effectLst>
-              </a:rPr>
-              <a:t>The music player app allows users to play, pause, skip, and rewind songs stored on their device. It provides an intuitive interface to browse, create playlists, and adjust settings like volume and equalizer.</a:t>
-            </a:r>
-            <a:endParaRPr lang="zh-CN" altLang="en-US" sz="1900">
-              <a:ln w="10160">
-                <a:solidFill>
-                  <a:schemeClr val="accent5"/>
-                </a:solidFill>
-                <a:prstDash val="solid"/>
-              </a:ln>
-              <a:solidFill>
-                <a:schemeClr val="bg1"/>
-              </a:solidFill>
-              <a:effectLst>
-                <a:outerShdw blurRad="38100" dist="22860" dir="5400000" algn="tl" rotWithShape="0">
-                  <a:srgbClr val="000000">
-                    <a:alpha val="30000"/>
-                  </a:srgbClr>
-                </a:outerShdw>
-              </a:effectLst>
-            </a:endParaRPr>
-          </a:p>
-          <a:p>
-            <a:pPr marL="0" indent="0">
-              <a:buNone/>
-            </a:pPr>
-            <a:r>
-              <a:rPr lang="zh-CN" altLang="en-US" sz="1900" b="1">
-                <a:ln w="10160">
-                  <a:solidFill>
-                    <a:schemeClr val="accent5"/>
-                  </a:solidFill>
-                  <a:prstDash val="solid"/>
-                </a:ln>
-                <a:solidFill>
-                  <a:schemeClr val="bg1"/>
-                </a:solidFill>
-                <a:effectLst>
-                  <a:outerShdw blurRad="38100" dist="22860" dir="5400000" algn="tl" rotWithShape="0">
-                    <a:srgbClr val="000000">
-                      <a:alpha val="30000"/>
-                    </a:srgbClr>
-                  </a:outerShdw>
-                </a:effectLst>
-              </a:rPr>
-              <a:t>Third-party Libraries:</a:t>
-            </a:r>
-            <a:r>
-              <a:rPr lang="en-US" altLang="zh-CN" sz="1900" b="1">
-                <a:ln w="10160">
-                  <a:solidFill>
-                    <a:schemeClr val="accent5"/>
-                  </a:solidFill>
-                  <a:prstDash val="solid"/>
-                </a:ln>
-                <a:solidFill>
-                  <a:schemeClr val="bg1"/>
-                </a:solidFill>
-                <a:effectLst>
-                  <a:outerShdw blurRad="38100" dist="22860" dir="5400000" algn="tl" rotWithShape="0">
-                    <a:srgbClr val="000000">
-                      <a:alpha val="30000"/>
-                    </a:srgbClr>
-                  </a:outerShdw>
-                </a:effectLst>
-              </a:rPr>
-              <a:t> </a:t>
-            </a:r>
-            <a:r>
-              <a:rPr lang="zh-CN" altLang="en-US" sz="1900">
-                <a:ln w="10160">
-                  <a:solidFill>
-                    <a:schemeClr val="accent5"/>
-                  </a:solidFill>
-                  <a:prstDash val="solid"/>
-                </a:ln>
-                <a:solidFill>
-                  <a:schemeClr val="bg1"/>
-                </a:solidFill>
-                <a:effectLst>
-                  <a:outerShdw blurRad="38100" dist="22860" dir="5400000" algn="tl" rotWithShape="0">
-                    <a:srgbClr val="000000">
-                      <a:alpha val="30000"/>
-                    </a:srgbClr>
-                  </a:outerShdw>
-                </a:effectLst>
-              </a:rPr>
-              <a:t>ExoPlayer</a:t>
-            </a:r>
-            <a:r>
-              <a:rPr lang="en-US" altLang="zh-CN" sz="1900">
-                <a:ln w="10160">
-                  <a:solidFill>
-                    <a:schemeClr val="accent5"/>
-                  </a:solidFill>
-                  <a:prstDash val="solid"/>
-                </a:ln>
-                <a:solidFill>
-                  <a:schemeClr val="bg1"/>
-                </a:solidFill>
-                <a:effectLst>
-                  <a:outerShdw blurRad="38100" dist="22860" dir="5400000" algn="tl" rotWithShape="0">
-                    <a:srgbClr val="000000">
-                      <a:alpha val="30000"/>
-                    </a:srgbClr>
-                  </a:outerShdw>
-                </a:effectLst>
-              </a:rPr>
-              <a:t>, </a:t>
-            </a:r>
-            <a:r>
-              <a:rPr lang="zh-CN" altLang="en-US" sz="1900">
-                <a:ln w="10160">
-                  <a:solidFill>
-                    <a:schemeClr val="accent5"/>
-                  </a:solidFill>
-                  <a:prstDash val="solid"/>
-                </a:ln>
-                <a:solidFill>
-                  <a:schemeClr val="bg1"/>
-                </a:solidFill>
-                <a:effectLst>
-                  <a:outerShdw blurRad="38100" dist="22860" dir="5400000" algn="tl" rotWithShape="0">
-                    <a:srgbClr val="000000">
-                      <a:alpha val="30000"/>
-                    </a:srgbClr>
-                  </a:outerShdw>
-                </a:effectLst>
-              </a:rPr>
-              <a:t>Glide</a:t>
-            </a:r>
-            <a:endParaRPr lang="zh-CN" altLang="en-US" sz="1900">
-              <a:ln w="10160">
-                <a:solidFill>
-                  <a:schemeClr val="accent5"/>
-                </a:solidFill>
-                <a:prstDash val="solid"/>
-              </a:ln>
-              <a:solidFill>
-                <a:schemeClr val="bg1"/>
-              </a:solidFill>
-              <a:effectLst>
-                <a:outerShdw blurRad="38100" dist="22860" dir="5400000" algn="tl" rotWithShape="0">
-                  <a:srgbClr val="000000">
-                    <a:alpha val="30000"/>
-                  </a:srgbClr>
-                </a:outerShdw>
-              </a:effectLst>
-            </a:endParaRPr>
-          </a:p>
-          <a:p>
-            <a:pPr marL="0" indent="0">
-              <a:buNone/>
-            </a:pPr>
-            <a:r>
-              <a:rPr lang="zh-CN" altLang="en-US" sz="1900" b="1">
-                <a:ln w="10160">
-                  <a:solidFill>
-                    <a:schemeClr val="accent5"/>
-                  </a:solidFill>
-                  <a:prstDash val="solid"/>
-                </a:ln>
-                <a:solidFill>
-                  <a:schemeClr val="bg1"/>
-                </a:solidFill>
-                <a:effectLst>
-                  <a:outerShdw blurRad="38100" dist="22860" dir="5400000" algn="tl" rotWithShape="0">
-                    <a:srgbClr val="000000">
-                      <a:alpha val="30000"/>
-                    </a:srgbClr>
-                  </a:outerShdw>
-                </a:effectLst>
-              </a:rPr>
-              <a:t>Mobility Attributes:</a:t>
-            </a:r>
-            <a:endParaRPr lang="zh-CN" altLang="en-US" sz="1900">
-              <a:ln w="10160">
-                <a:solidFill>
-                  <a:schemeClr val="accent5"/>
-                </a:solidFill>
-                <a:prstDash val="solid"/>
-              </a:ln>
-              <a:solidFill>
-                <a:schemeClr val="bg1"/>
-              </a:solidFill>
-              <a:effectLst>
-                <a:outerShdw blurRad="38100" dist="22860" dir="5400000" algn="tl" rotWithShape="0">
-                  <a:srgbClr val="000000">
-                    <a:alpha val="30000"/>
-                  </a:srgbClr>
-                </a:outerShdw>
-              </a:effectLst>
-            </a:endParaRPr>
-          </a:p>
-          <a:p>
-            <a:pPr marL="0" indent="0">
-              <a:buNone/>
-            </a:pPr>
-            <a:r>
-              <a:rPr lang="zh-CN" altLang="en-US" sz="1900">
-                <a:ln w="10160">
-                  <a:solidFill>
-                    <a:schemeClr val="accent5"/>
-                  </a:solidFill>
-                  <a:prstDash val="solid"/>
-                </a:ln>
-                <a:solidFill>
-                  <a:schemeClr val="bg1"/>
-                </a:solidFill>
-                <a:effectLst>
-                  <a:outerShdw blurRad="38100" dist="22860" dir="5400000" algn="tl" rotWithShape="0">
-                    <a:srgbClr val="000000">
-                      <a:alpha val="30000"/>
-                    </a:srgbClr>
-                  </a:outerShdw>
-                </a:effectLst>
-              </a:rPr>
-              <a:t>Sensors: Use accelerometer for gestures like shaking the phone to shuffle songs.</a:t>
-            </a:r>
-            <a:endParaRPr lang="zh-CN" altLang="en-US" sz="1900">
-              <a:ln w="10160">
-                <a:solidFill>
-                  <a:schemeClr val="accent5"/>
-                </a:solidFill>
-                <a:prstDash val="solid"/>
-              </a:ln>
-              <a:solidFill>
-                <a:schemeClr val="bg1"/>
-              </a:solidFill>
-              <a:effectLst>
-                <a:outerShdw blurRad="38100" dist="22860" dir="5400000" algn="tl" rotWithShape="0">
-                  <a:srgbClr val="000000">
-                    <a:alpha val="30000"/>
-                  </a:srgbClr>
-                </a:outerShdw>
-              </a:effectLst>
-            </a:endParaRPr>
-          </a:p>
-          <a:p>
-            <a:pPr marL="0" indent="0">
-              <a:buNone/>
-            </a:pPr>
-            <a:r>
-              <a:rPr lang="zh-CN" altLang="en-US" sz="1900">
-                <a:ln w="10160">
-                  <a:solidFill>
-                    <a:schemeClr val="accent5"/>
-                  </a:solidFill>
-                  <a:prstDash val="solid"/>
-                </a:ln>
-                <a:solidFill>
-                  <a:schemeClr val="bg1"/>
-                </a:solidFill>
-                <a:effectLst>
-                  <a:outerShdw blurRad="38100" dist="22860" dir="5400000" algn="tl" rotWithShape="0">
-                    <a:srgbClr val="000000">
-                      <a:alpha val="30000"/>
-                    </a:srgbClr>
-                  </a:outerShdw>
-                </a:effectLst>
-              </a:rPr>
-              <a:t>Personalization: Remember user's favorite tracks, most-played songs, and preferred settings.</a:t>
-            </a:r>
-            <a:endParaRPr lang="zh-CN" altLang="en-US" sz="1900">
-              <a:ln w="10160">
-                <a:solidFill>
-                  <a:schemeClr val="accent5"/>
-                </a:solidFill>
-                <a:prstDash val="solid"/>
-              </a:ln>
-              <a:solidFill>
-                <a:schemeClr val="bg1"/>
-              </a:solidFill>
-              <a:effectLst>
-                <a:outerShdw blurRad="38100" dist="22860" dir="5400000" algn="tl" rotWithShape="0">
-                  <a:srgbClr val="000000">
-                    <a:alpha val="30000"/>
-                  </a:srgbClr>
-                </a:outerShdw>
-              </a:effectLst>
-            </a:endParaRPr>
-          </a:p>
-          <a:p>
-            <a:pPr marL="0" indent="0">
-              <a:buNone/>
-            </a:pPr>
-            <a:r>
-              <a:rPr lang="zh-CN" altLang="en-US" sz="1900" b="1">
-                <a:ln w="10160">
-                  <a:solidFill>
-                    <a:schemeClr val="accent5"/>
-                  </a:solidFill>
-                  <a:prstDash val="solid"/>
-                </a:ln>
-                <a:solidFill>
-                  <a:schemeClr val="bg1"/>
-                </a:solidFill>
-                <a:effectLst>
-                  <a:outerShdw blurRad="38100" dist="22860" dir="5400000" algn="tl" rotWithShape="0">
-                    <a:srgbClr val="000000">
-                      <a:alpha val="30000"/>
-                    </a:srgbClr>
-                  </a:outerShdw>
-                </a:effectLst>
-              </a:rPr>
-              <a:t>Why Mobile?:</a:t>
-            </a:r>
-            <a:r>
-              <a:rPr lang="zh-CN" altLang="en-US" sz="1900">
-                <a:ln w="10160">
-                  <a:solidFill>
-                    <a:schemeClr val="accent5"/>
-                  </a:solidFill>
-                  <a:prstDash val="solid"/>
-                </a:ln>
-                <a:solidFill>
-                  <a:schemeClr val="bg1"/>
-                </a:solidFill>
-                <a:effectLst>
-                  <a:outerShdw blurRad="38100" dist="22860" dir="5400000" algn="tl" rotWithShape="0">
-                    <a:srgbClr val="000000">
-                      <a:alpha val="30000"/>
-                    </a:srgbClr>
-                  </a:outerShdw>
-                </a:effectLst>
-              </a:rPr>
-              <a:t> Mobility allows users to have their music collection on-the-go, listening anywhere, anytime without needing an internet connection.</a:t>
-            </a:r>
-            <a:endParaRPr lang="zh-CN" altLang="en-US" sz="1900">
-              <a:ln w="10160">
-                <a:solidFill>
-                  <a:schemeClr val="accent5"/>
-                </a:solidFill>
-                <a:prstDash val="solid"/>
-              </a:ln>
-              <a:solidFill>
-                <a:schemeClr val="bg1"/>
-              </a:solidFill>
-              <a:effectLst>
-                <a:outerShdw blurRad="38100" dist="22860" dir="5400000" algn="tl" rotWithShape="0">
-                  <a:srgbClr val="000000">
-                    <a:alpha val="30000"/>
-                  </a:srgbClr>
-                </a:outerShdw>
-              </a:effectLst>
-            </a:endParaRPr>
-          </a:p>
-          <a:p>
-            <a:pPr marL="0" indent="0">
-              <a:buNone/>
-            </a:pPr>
-            <a:endParaRPr lang="zh-CN" altLang="en-US" sz="1900">
-              <a:ln w="10160">
-                <a:solidFill>
-                  <a:schemeClr val="accent5"/>
-                </a:solidFill>
-                <a:prstDash val="solid"/>
-              </a:ln>
-              <a:solidFill>
-                <a:schemeClr val="bg1"/>
-              </a:solidFill>
-              <a:effectLst>
-                <a:outerShdw blurRad="38100" dist="22860" dir="5400000" algn="tl" rotWithShape="0">
-                  <a:srgbClr val="000000">
-                    <a:alpha val="30000"/>
-                  </a:srgbClr>
-                </a:outerShdw>
-              </a:effectLst>
-            </a:endParaRPr>
-          </a:p>
-          <a:p>
-            <a:pPr marL="0" indent="0">
-              <a:buNone/>
-            </a:pPr>
-            <a:r>
-              <a:rPr lang="zh-CN" altLang="en-US" sz="1900" b="1">
-                <a:ln w="10160">
-                  <a:solidFill>
-                    <a:schemeClr val="accent5"/>
-                  </a:solidFill>
-                  <a:prstDash val="solid"/>
-                </a:ln>
-                <a:solidFill>
-                  <a:schemeClr val="bg1"/>
-                </a:solidFill>
-                <a:effectLst>
-                  <a:outerShdw blurRad="38100" dist="22860" dir="5400000" algn="tl" rotWithShape="0">
-                    <a:srgbClr val="000000">
-                      <a:alpha val="30000"/>
-                    </a:srgbClr>
-                  </a:outerShdw>
-                </a:effectLst>
-              </a:rPr>
-              <a:t>Pinch Points:</a:t>
-            </a:r>
-            <a:endParaRPr lang="zh-CN" altLang="en-US" sz="1900">
-              <a:ln w="10160">
-                <a:solidFill>
-                  <a:schemeClr val="accent5"/>
-                </a:solidFill>
-                <a:prstDash val="solid"/>
-              </a:ln>
-              <a:solidFill>
-                <a:schemeClr val="bg1"/>
-              </a:solidFill>
-              <a:effectLst>
-                <a:outerShdw blurRad="38100" dist="22860" dir="5400000" algn="tl" rotWithShape="0">
-                  <a:srgbClr val="000000">
-                    <a:alpha val="30000"/>
-                  </a:srgbClr>
-                </a:outerShdw>
-              </a:effectLst>
-            </a:endParaRPr>
-          </a:p>
-          <a:p>
-            <a:pPr marL="0" indent="0">
-              <a:buNone/>
-            </a:pPr>
-            <a:r>
-              <a:rPr lang="zh-CN" altLang="en-US" sz="1900">
-                <a:ln w="10160">
-                  <a:solidFill>
-                    <a:schemeClr val="accent5"/>
-                  </a:solidFill>
-                  <a:prstDash val="solid"/>
-                </a:ln>
-                <a:solidFill>
-                  <a:schemeClr val="bg1"/>
-                </a:solidFill>
-                <a:effectLst>
-                  <a:outerShdw blurRad="38100" dist="22860" dir="5400000" algn="tl" rotWithShape="0">
-                    <a:srgbClr val="000000">
-                      <a:alpha val="30000"/>
-                    </a:srgbClr>
-                  </a:outerShdw>
-                </a:effectLst>
-              </a:rPr>
-              <a:t>Music File Access: Ensuring efficient and swift access to large music libraries.</a:t>
-            </a:r>
-            <a:endParaRPr lang="zh-CN" altLang="en-US" sz="1900">
-              <a:ln w="10160">
-                <a:solidFill>
-                  <a:schemeClr val="accent5"/>
-                </a:solidFill>
-                <a:prstDash val="solid"/>
-              </a:ln>
-              <a:solidFill>
-                <a:schemeClr val="bg1"/>
-              </a:solidFill>
-              <a:effectLst>
-                <a:outerShdw blurRad="38100" dist="22860" dir="5400000" algn="tl" rotWithShape="0">
-                  <a:srgbClr val="000000">
-                    <a:alpha val="30000"/>
-                  </a:srgbClr>
-                </a:outerShdw>
-              </a:effectLst>
-            </a:endParaRPr>
-          </a:p>
-          <a:p>
-            <a:pPr marL="0" indent="0">
-              <a:buNone/>
-            </a:pPr>
-            <a:r>
-              <a:rPr lang="zh-CN" altLang="en-US" sz="1900">
-                <a:ln w="10160">
-                  <a:solidFill>
-                    <a:schemeClr val="accent5"/>
-                  </a:solidFill>
-                  <a:prstDash val="solid"/>
-                </a:ln>
-                <a:solidFill>
-                  <a:schemeClr val="bg1"/>
-                </a:solidFill>
-                <a:effectLst>
-                  <a:outerShdw blurRad="38100" dist="22860" dir="5400000" algn="tl" rotWithShape="0">
-                    <a:srgbClr val="000000">
-                      <a:alpha val="30000"/>
-                    </a:srgbClr>
-                  </a:outerShdw>
-                </a:effectLst>
-              </a:rPr>
-              <a:t>UI Responsiveness: Smooth scrolling and fast loading of album art.</a:t>
-            </a:r>
-            <a:endParaRPr lang="zh-CN" altLang="en-US" sz="1900">
-              <a:ln w="10160">
-                <a:solidFill>
-                  <a:schemeClr val="accent5"/>
-                </a:solidFill>
-                <a:prstDash val="solid"/>
-              </a:ln>
-              <a:solidFill>
-                <a:schemeClr val="bg1"/>
-              </a:solidFill>
-              <a:effectLst>
-                <a:outerShdw blurRad="38100" dist="22860" dir="5400000" algn="tl" rotWithShape="0">
-                  <a:srgbClr val="000000">
-                    <a:alpha val="30000"/>
-                  </a:srgbClr>
-                </a:outerShdw>
-              </a:effectLst>
-            </a:endParaRPr>
-          </a:p>
-          <a:p>
-            <a:pPr marL="0" indent="0">
-              <a:buNone/>
-            </a:pPr>
-            <a:r>
-              <a:rPr lang="zh-CN" altLang="en-US" sz="1900">
-                <a:ln w="10160">
-                  <a:solidFill>
-                    <a:schemeClr val="accent5"/>
-                  </a:solidFill>
-                  <a:prstDash val="solid"/>
-                </a:ln>
-                <a:solidFill>
-                  <a:schemeClr val="bg1"/>
-                </a:solidFill>
-                <a:effectLst>
-                  <a:outerShdw blurRad="38100" dist="22860" dir="5400000" algn="tl" rotWithShape="0">
-                    <a:srgbClr val="000000">
-                      <a:alpha val="30000"/>
-                    </a:srgbClr>
-                  </a:outerShdw>
-                </a:effectLst>
-              </a:rPr>
-              <a:t>Learning Needs: Dive deeper into ExoPlayer's advanced features, understand media session controls, and potentially learn about background services for continuous playback.</a:t>
-            </a:r>
-            <a:endParaRPr lang="zh-CN" altLang="en-US" sz="1900">
-              <a:ln w="10160">
-                <a:solidFill>
-                  <a:schemeClr val="accent5"/>
-                </a:solidFill>
-                <a:prstDash val="solid"/>
-              </a:ln>
-              <a:solidFill>
-                <a:schemeClr val="bg1"/>
-              </a:solidFill>
-              <a:effectLst>
-                <a:outerShdw blurRad="38100" dist="22860" dir="5400000" algn="tl" rotWithShape="0">
-                  <a:srgbClr val="000000">
-                    <a:alpha val="30000"/>
-                  </a:srgbClr>
-                </a:outerShdw>
-              </a:effectLst>
-            </a:endParaRPr>
+              <a:rPr lang="en-US" altLang="zh-CN" sz="1700" dirty="0"/>
+              <a:t>Challenge point:  API learning, data process</a:t>
+            </a:r>
+            <a:endParaRPr lang="zh-CN" altLang="en-US" sz="1700" dirty="0"/>
           </a:p>
         </p:txBody>
       </p:sp>
     </p:spTree>
+    <p:extLst>
+      <p:ext uri="{BB962C8B-B14F-4D97-AF65-F5344CB8AC3E}">
+        <p14:creationId xmlns:p14="http://schemas.microsoft.com/office/powerpoint/2010/main" val="1891869333"/>
+      </p:ext>
+    </p:extLst>
   </p:cSld>
   <p:clrMapOvr>
     <a:masterClrMapping/>
@@ -5421,7 +7796,14 @@
         <p:cNvGrpSpPr/>
         <p:nvPr/>
       </p:nvGrpSpPr>
-      <p:grpSpPr/>
+      <p:grpSpPr>
+        <a:xfrm>
+          <a:off x="0" y="0"/>
+          <a:ext cx="0" cy="0"/>
+          <a:chOff x="0" y="0"/>
+          <a:chExt cx="0" cy="0"/>
+        </a:xfrm>
+      </p:grpSpPr>
       <p:sp>
         <p:nvSpPr>
           <p:cNvPr id="2" name="标题 1"/>
@@ -5435,6 +7817,7 @@
         <p:spPr/>
         <p:txBody>
           <a:bodyPr/>
+          <a:lstStyle/>
           <a:p>
             <a:endParaRPr lang="zh-CN" altLang="en-US"/>
           </a:p>
@@ -5453,6 +7836,7 @@
         <p:spPr/>
         <p:txBody>
           <a:bodyPr/>
+          <a:lstStyle/>
           <a:p>
             <a:endParaRPr lang="zh-CN" altLang="en-US"/>
           </a:p>
@@ -5469,7 +7853,7 @@
           </p:nvPr>
         </p:nvPicPr>
         <p:blipFill>
-          <a:blip r:embed="rId2"/>
+          <a:blip r:embed="rId3"/>
           <a:stretch>
             <a:fillRect/>
           </a:stretch>
@@ -5508,6 +7892,7 @@
           <a:bodyPr wrap="square" rtlCol="0">
             <a:noAutofit/>
           </a:bodyPr>
+          <a:lstStyle/>
           <a:p>
             <a:r>
               <a:rPr lang="en-US" altLang="zh-CN" sz="4800" b="1">
@@ -5532,26 +7917,6 @@
               </a:rPr>
               <a:t>Weather Helper</a:t>
             </a:r>
-            <a:endParaRPr lang="en-US" altLang="zh-CN" sz="4800" b="1">
-              <a:ln w="9525" cmpd="sng">
-                <a:solidFill>
-                  <a:schemeClr val="accent1"/>
-                </a:solidFill>
-                <a:prstDash val="solid"/>
-              </a:ln>
-              <a:solidFill>
-                <a:srgbClr val="70AD47">
-                  <a:tint val="1000"/>
-                </a:srgbClr>
-              </a:solidFill>
-              <a:effectLst>
-                <a:glow rad="38100">
-                  <a:schemeClr val="accent1">
-                    <a:alpha val="40000"/>
-                  </a:schemeClr>
-                </a:glow>
-              </a:effectLst>
-            </a:endParaRPr>
           </a:p>
         </p:txBody>
       </p:sp>
@@ -5569,7 +7934,7 @@
     <p:bg>
       <p:bgPr>
         <a:blipFill>
-          <a:blip r:embed="rId1"/>
+          <a:blip r:embed="rId3"/>
           <a:stretch>
             <a:fillRect/>
           </a:stretch>
@@ -5583,7 +7948,14 @@
         <p:cNvGrpSpPr/>
         <p:nvPr/>
       </p:nvGrpSpPr>
-      <p:grpSpPr/>
+      <p:grpSpPr>
+        <a:xfrm>
+          <a:off x="0" y="0"/>
+          <a:ext cx="0" cy="0"/>
+          <a:chOff x="0" y="0"/>
+          <a:chExt cx="0" cy="0"/>
+        </a:xfrm>
+      </p:grpSpPr>
       <p:sp>
         <p:nvSpPr>
           <p:cNvPr id="5" name="文本框 4"/>
@@ -5604,9 +7976,10 @@
           <a:bodyPr wrap="square" rtlCol="0">
             <a:noAutofit/>
           </a:bodyPr>
-          <a:p>
-            <a:r>
-              <a:rPr lang="zh-CN" altLang="en-US" b="1">
+          <a:lstStyle/>
+          <a:p>
+            <a:r>
+              <a:rPr lang="zh-CN" altLang="en-US" b="1" dirty="0">
                 <a:ln w="9525" cmpd="sng">
                   <a:solidFill>
                     <a:schemeClr val="accent1"/>
@@ -5628,30 +8001,10 @@
               </a:rPr>
               <a:t>App Description:</a:t>
             </a:r>
-            <a:endParaRPr lang="zh-CN" altLang="en-US" b="1">
-              <a:ln w="9525" cmpd="sng">
-                <a:solidFill>
-                  <a:schemeClr val="accent1"/>
-                </a:solidFill>
-                <a:prstDash val="solid"/>
-              </a:ln>
-              <a:solidFill>
-                <a:srgbClr val="70AD47">
-                  <a:tint val="1000"/>
-                </a:srgbClr>
-              </a:solidFill>
-              <a:effectLst>
-                <a:glow rad="38100">
-                  <a:schemeClr val="accent1">
-                    <a:alpha val="40000"/>
-                  </a:schemeClr>
-                </a:glow>
-              </a:effectLst>
-            </a:endParaRPr>
-          </a:p>
-          <a:p>
-            <a:r>
-              <a:rPr lang="zh-CN" altLang="en-US" b="1">
+          </a:p>
+          <a:p>
+            <a:r>
+              <a:rPr lang="zh-CN" altLang="en-US" b="1" dirty="0">
                 <a:ln w="9525" cmpd="sng">
                   <a:solidFill>
                     <a:schemeClr val="accent1"/>
@@ -5673,7 +8026,9 @@
               </a:rPr>
               <a:t>The weather forecast app provides current weather conditions and forecasts for the next few days. It allows users to search for locations, view detailed weather stats, and receive alerts for severe weather conditions.</a:t>
             </a:r>
-            <a:endParaRPr lang="zh-CN" altLang="en-US" b="1">
+          </a:p>
+          <a:p>
+            <a:endParaRPr lang="zh-CN" altLang="en-US" b="1" dirty="0">
               <a:ln w="9525" cmpd="sng">
                 <a:solidFill>
                   <a:schemeClr val="accent1"/>
@@ -5695,30 +8050,8 @@
             </a:endParaRPr>
           </a:p>
           <a:p>
-            <a:endParaRPr lang="zh-CN" altLang="en-US" b="1">
-              <a:ln w="9525" cmpd="sng">
-                <a:solidFill>
-                  <a:schemeClr val="accent1"/>
-                </a:solidFill>
-                <a:prstDash val="solid"/>
-              </a:ln>
-              <a:solidFill>
-                <a:srgbClr val="70AD47">
-                  <a:tint val="1000"/>
-                </a:srgbClr>
-              </a:solidFill>
-              <a:effectLst>
-                <a:glow rad="38100">
-                  <a:schemeClr val="accent1">
-                    <a:alpha val="40000"/>
-                  </a:schemeClr>
-                </a:glow>
-              </a:effectLst>
-            </a:endParaRPr>
-          </a:p>
-          <a:p>
-            <a:r>
-              <a:rPr lang="zh-CN" altLang="en-US" b="1">
+            <a:r>
+              <a:rPr lang="zh-CN" altLang="en-US" b="1" dirty="0">
                 <a:ln w="9525" cmpd="sng">
                   <a:solidFill>
                     <a:schemeClr val="accent1"/>
@@ -5740,30 +8073,10 @@
               </a:rPr>
               <a:t>Third-party Libraries:</a:t>
             </a:r>
-            <a:endParaRPr lang="zh-CN" altLang="en-US" b="1">
-              <a:ln w="9525" cmpd="sng">
-                <a:solidFill>
-                  <a:schemeClr val="accent1"/>
-                </a:solidFill>
-                <a:prstDash val="solid"/>
-              </a:ln>
-              <a:solidFill>
-                <a:srgbClr val="70AD47">
-                  <a:tint val="1000"/>
-                </a:srgbClr>
-              </a:solidFill>
-              <a:effectLst>
-                <a:glow rad="38100">
-                  <a:schemeClr val="accent1">
-                    <a:alpha val="40000"/>
-                  </a:schemeClr>
-                </a:glow>
-              </a:effectLst>
-            </a:endParaRPr>
-          </a:p>
-          <a:p>
-            <a:r>
-              <a:rPr lang="zh-CN" altLang="en-US" b="1">
+          </a:p>
+          <a:p>
+            <a:r>
+              <a:rPr lang="zh-CN" altLang="en-US" b="1" dirty="0">
                 <a:ln w="9525" cmpd="sng">
                   <a:solidFill>
                     <a:schemeClr val="accent1"/>
@@ -5786,7 +8099,7 @@
               <a:t>Retrofit</a:t>
             </a:r>
             <a:r>
-              <a:rPr lang="en-US" altLang="zh-CN" b="1">
+              <a:rPr lang="en-US" altLang="zh-CN" b="1" dirty="0">
                 <a:ln w="9525" cmpd="sng">
                   <a:solidFill>
                     <a:schemeClr val="accent1"/>
@@ -5809,7 +8122,7 @@
               <a:t>, </a:t>
             </a:r>
             <a:r>
-              <a:rPr lang="zh-CN" altLang="en-US" b="1">
+              <a:rPr lang="zh-CN" altLang="en-US" b="1" dirty="0">
                 <a:ln w="9525" cmpd="sng">
                   <a:solidFill>
                     <a:schemeClr val="accent1"/>
@@ -5832,7 +8145,7 @@
               <a:t>Glide or Picasso</a:t>
             </a:r>
             <a:r>
-              <a:rPr lang="en-US" altLang="zh-CN" b="1">
+              <a:rPr lang="en-US" altLang="zh-CN" b="1" dirty="0">
                 <a:ln w="9525" cmpd="sng">
                   <a:solidFill>
                     <a:schemeClr val="accent1"/>
@@ -5855,7 +8168,7 @@
               <a:t>,</a:t>
             </a:r>
             <a:r>
-              <a:rPr lang="zh-CN" altLang="en-US" b="1">
+              <a:rPr lang="zh-CN" altLang="en-US" b="1" dirty="0">
                 <a:ln w="9525" cmpd="sng">
                   <a:solidFill>
                     <a:schemeClr val="accent1"/>
@@ -5877,7 +8190,9 @@
               </a:rPr>
               <a:t> Moshi or Gson</a:t>
             </a:r>
-            <a:endParaRPr lang="zh-CN" altLang="en-US" b="1">
+          </a:p>
+          <a:p>
+            <a:endParaRPr lang="zh-CN" altLang="en-US" b="1" dirty="0">
               <a:ln w="9525" cmpd="sng">
                 <a:solidFill>
                   <a:schemeClr val="accent1"/>
@@ -5899,30 +8214,8 @@
             </a:endParaRPr>
           </a:p>
           <a:p>
-            <a:endParaRPr lang="zh-CN" altLang="en-US" b="1">
-              <a:ln w="9525" cmpd="sng">
-                <a:solidFill>
-                  <a:schemeClr val="accent1"/>
-                </a:solidFill>
-                <a:prstDash val="solid"/>
-              </a:ln>
-              <a:solidFill>
-                <a:srgbClr val="70AD47">
-                  <a:tint val="1000"/>
-                </a:srgbClr>
-              </a:solidFill>
-              <a:effectLst>
-                <a:glow rad="38100">
-                  <a:schemeClr val="accent1">
-                    <a:alpha val="40000"/>
-                  </a:schemeClr>
-                </a:glow>
-              </a:effectLst>
-            </a:endParaRPr>
-          </a:p>
-          <a:p>
-            <a:r>
-              <a:rPr lang="zh-CN" altLang="en-US" b="1">
+            <a:r>
+              <a:rPr lang="en-US" altLang="zh-CN" b="1" dirty="0">
                 <a:ln w="9525" cmpd="sng">
                   <a:solidFill>
                     <a:schemeClr val="accent1"/>
@@ -5942,32 +8235,35 @@
                   </a:glow>
                 </a:effectLst>
               </a:rPr>
-              <a:t>Mobility Attributes:</a:t>
-            </a:r>
-            <a:endParaRPr lang="zh-CN" altLang="en-US" b="1">
-              <a:ln w="9525" cmpd="sng">
+              <a:t>Why Mobile</a:t>
+            </a:r>
+            <a:r>
+              <a:rPr lang="zh-CN" altLang="en-US" b="1" dirty="0">
+                <a:ln w="9525" cmpd="sng">
+                  <a:solidFill>
+                    <a:schemeClr val="accent1"/>
+                  </a:solidFill>
+                  <a:prstDash val="solid"/>
+                </a:ln>
                 <a:solidFill>
-                  <a:schemeClr val="accent1"/>
+                  <a:srgbClr val="70AD47">
+                    <a:tint val="1000"/>
+                  </a:srgbClr>
                 </a:solidFill>
-                <a:prstDash val="solid"/>
-              </a:ln>
-              <a:solidFill>
-                <a:srgbClr val="70AD47">
-                  <a:tint val="1000"/>
-                </a:srgbClr>
-              </a:solidFill>
-              <a:effectLst>
-                <a:glow rad="38100">
-                  <a:schemeClr val="accent1">
-                    <a:alpha val="40000"/>
-                  </a:schemeClr>
-                </a:glow>
-              </a:effectLst>
-            </a:endParaRPr>
-          </a:p>
-          <a:p>
-            <a:r>
-              <a:rPr lang="zh-CN" altLang="en-US" b="1">
+                <a:effectLst>
+                  <a:glow rad="38100">
+                    <a:schemeClr val="accent1">
+                      <a:alpha val="40000"/>
+                    </a:schemeClr>
+                  </a:glow>
+                </a:effectLst>
+              </a:rPr>
+              <a:t>:</a:t>
+            </a:r>
+          </a:p>
+          <a:p>
+            <a:r>
+              <a:rPr lang="zh-CN" altLang="en-US" b="1" dirty="0">
                 <a:ln w="9525" cmpd="sng">
                   <a:solidFill>
                     <a:schemeClr val="accent1"/>
@@ -5989,30 +8285,10 @@
               </a:rPr>
               <a:t>Sensors: Use GPS to automatically detect the user's current location for relevant weather updates.</a:t>
             </a:r>
-            <a:endParaRPr lang="zh-CN" altLang="en-US" b="1">
-              <a:ln w="9525" cmpd="sng">
-                <a:solidFill>
-                  <a:schemeClr val="accent1"/>
-                </a:solidFill>
-                <a:prstDash val="solid"/>
-              </a:ln>
-              <a:solidFill>
-                <a:srgbClr val="70AD47">
-                  <a:tint val="1000"/>
-                </a:srgbClr>
-              </a:solidFill>
-              <a:effectLst>
-                <a:glow rad="38100">
-                  <a:schemeClr val="accent1">
-                    <a:alpha val="40000"/>
-                  </a:schemeClr>
-                </a:glow>
-              </a:effectLst>
-            </a:endParaRPr>
-          </a:p>
-          <a:p>
-            <a:r>
-              <a:rPr lang="zh-CN" altLang="en-US" b="1">
+          </a:p>
+          <a:p>
+            <a:r>
+              <a:rPr lang="zh-CN" altLang="en-US" b="1" dirty="0">
                 <a:ln w="9525" cmpd="sng">
                   <a:solidFill>
                     <a:schemeClr val="accent1"/>
@@ -6034,30 +8310,10 @@
               </a:rPr>
               <a:t>Personalization: Remember user's preferred locations and display customized weather alerts.</a:t>
             </a:r>
-            <a:endParaRPr lang="zh-CN" altLang="en-US" b="1">
-              <a:ln w="9525" cmpd="sng">
-                <a:solidFill>
-                  <a:schemeClr val="accent1"/>
-                </a:solidFill>
-                <a:prstDash val="solid"/>
-              </a:ln>
-              <a:solidFill>
-                <a:srgbClr val="70AD47">
-                  <a:tint val="1000"/>
-                </a:srgbClr>
-              </a:solidFill>
-              <a:effectLst>
-                <a:glow rad="38100">
-                  <a:schemeClr val="accent1">
-                    <a:alpha val="40000"/>
-                  </a:schemeClr>
-                </a:glow>
-              </a:effectLst>
-            </a:endParaRPr>
-          </a:p>
-          <a:p>
-            <a:r>
-              <a:rPr lang="zh-CN" altLang="en-US" b="1">
+          </a:p>
+          <a:p>
+            <a:r>
+              <a:rPr lang="zh-CN" altLang="en-US" b="1" dirty="0">
                 <a:ln w="9525" cmpd="sng">
                   <a:solidFill>
                     <a:schemeClr val="accent1"/>
@@ -6079,7 +8335,9 @@
               </a:rPr>
               <a:t>Why Mobile?: A mobile app offers on-the-go access to weather updates, ensuring users are always informed, especially during travel or outdoor activities.</a:t>
             </a:r>
-            <a:endParaRPr lang="zh-CN" altLang="en-US" b="1">
+          </a:p>
+          <a:p>
+            <a:endParaRPr lang="zh-CN" altLang="en-US" b="1" dirty="0">
               <a:ln w="9525" cmpd="sng">
                 <a:solidFill>
                   <a:schemeClr val="accent1"/>
@@ -6101,7 +8359,55 @@
             </a:endParaRPr>
           </a:p>
           <a:p>
-            <a:endParaRPr lang="zh-CN" altLang="en-US" b="1">
+            <a:r>
+              <a:rPr lang="en-US" altLang="zh-CN" b="1" dirty="0">
+                <a:ln w="9525" cmpd="sng">
+                  <a:solidFill>
+                    <a:schemeClr val="accent1"/>
+                  </a:solidFill>
+                  <a:prstDash val="solid"/>
+                </a:ln>
+                <a:solidFill>
+                  <a:srgbClr val="70AD47">
+                    <a:tint val="1000"/>
+                  </a:srgbClr>
+                </a:solidFill>
+                <a:effectLst>
+                  <a:glow rad="38100">
+                    <a:schemeClr val="accent1">
+                      <a:alpha val="40000"/>
+                    </a:schemeClr>
+                  </a:glow>
+                </a:effectLst>
+              </a:rPr>
+              <a:t>Challenges</a:t>
+            </a:r>
+            <a:r>
+              <a:rPr lang="zh-CN" altLang="en-US" b="1" dirty="0">
+                <a:ln w="9525" cmpd="sng">
+                  <a:solidFill>
+                    <a:schemeClr val="accent1"/>
+                  </a:solidFill>
+                  <a:prstDash val="solid"/>
+                </a:ln>
+                <a:solidFill>
+                  <a:srgbClr val="70AD47">
+                    <a:tint val="1000"/>
+                  </a:srgbClr>
+                </a:solidFill>
+                <a:effectLst>
+                  <a:glow rad="38100">
+                    <a:schemeClr val="accent1">
+                      <a:alpha val="40000"/>
+                    </a:schemeClr>
+                  </a:glow>
+                </a:effectLst>
+              </a:rPr>
+              <a:t>:</a:t>
+            </a:r>
+          </a:p>
+          <a:p>
+            <a:endParaRPr lang="zh-CN" altLang="en-US" b="1" dirty="0">
               <a:ln w="9525" cmpd="sng">
                 <a:solidFill>
                   <a:schemeClr val="accent1"/>
@@ -6124,74 +8430,7 @@
           </a:p>
           <a:p>
             <a:r>
-              <a:rPr lang="zh-CN" altLang="en-US" b="1">
-                <a:ln w="9525" cmpd="sng">
-                  <a:solidFill>
-                    <a:schemeClr val="accent1"/>
-                  </a:solidFill>
-                  <a:prstDash val="solid"/>
-                </a:ln>
-                <a:solidFill>
-                  <a:srgbClr val="70AD47">
-                    <a:tint val="1000"/>
-                  </a:srgbClr>
-                </a:solidFill>
-                <a:effectLst>
-                  <a:glow rad="38100">
-                    <a:schemeClr val="accent1">
-                      <a:alpha val="40000"/>
-                    </a:schemeClr>
-                  </a:glow>
-                </a:effectLst>
-              </a:rPr>
-              <a:t>Pinch Points:</a:t>
-            </a:r>
-            <a:endParaRPr lang="zh-CN" altLang="en-US" b="1">
-              <a:ln w="9525" cmpd="sng">
-                <a:solidFill>
-                  <a:schemeClr val="accent1"/>
-                </a:solidFill>
-                <a:prstDash val="solid"/>
-              </a:ln>
-              <a:solidFill>
-                <a:srgbClr val="70AD47">
-                  <a:tint val="1000"/>
-                </a:srgbClr>
-              </a:solidFill>
-              <a:effectLst>
-                <a:glow rad="38100">
-                  <a:schemeClr val="accent1">
-                    <a:alpha val="40000"/>
-                  </a:schemeClr>
-                </a:glow>
-              </a:effectLst>
-            </a:endParaRPr>
-          </a:p>
-          <a:p>
-            <a:endParaRPr lang="zh-CN" altLang="en-US" b="1">
-              <a:ln w="9525" cmpd="sng">
-                <a:solidFill>
-                  <a:schemeClr val="accent1"/>
-                </a:solidFill>
-                <a:prstDash val="solid"/>
-              </a:ln>
-              <a:solidFill>
-                <a:srgbClr val="70AD47">
-                  <a:tint val="1000"/>
-                </a:srgbClr>
-              </a:solidFill>
-              <a:effectLst>
-                <a:glow rad="38100">
-                  <a:schemeClr val="accent1">
-                    <a:alpha val="40000"/>
-                  </a:schemeClr>
-                </a:glow>
-              </a:effectLst>
-            </a:endParaRPr>
-          </a:p>
-          <a:p>
-            <a:r>
-              <a:rPr lang="zh-CN" altLang="en-US" b="1">
+              <a:rPr lang="zh-CN" altLang="en-US" b="1" dirty="0">
                 <a:ln w="9525" cmpd="sng">
                   <a:solidFill>
                     <a:schemeClr val="accent1"/>
@@ -6213,30 +8452,10 @@
               </a:rPr>
               <a:t>API Limitations: Handling rate limits or changes in third-party weather APIs.</a:t>
             </a:r>
-            <a:endParaRPr lang="zh-CN" altLang="en-US" b="1">
-              <a:ln w="9525" cmpd="sng">
-                <a:solidFill>
-                  <a:schemeClr val="accent1"/>
-                </a:solidFill>
-                <a:prstDash val="solid"/>
-              </a:ln>
-              <a:solidFill>
-                <a:srgbClr val="70AD47">
-                  <a:tint val="1000"/>
-                </a:srgbClr>
-              </a:solidFill>
-              <a:effectLst>
-                <a:glow rad="38100">
-                  <a:schemeClr val="accent1">
-                    <a:alpha val="40000"/>
-                  </a:schemeClr>
-                </a:glow>
-              </a:effectLst>
-            </a:endParaRPr>
-          </a:p>
-          <a:p>
-            <a:r>
-              <a:rPr lang="zh-CN" altLang="en-US" b="1">
+          </a:p>
+          <a:p>
+            <a:r>
+              <a:rPr lang="zh-CN" altLang="en-US" b="1" dirty="0">
                 <a:ln w="9525" cmpd="sng">
                   <a:solidFill>
                     <a:schemeClr val="accent1"/>
@@ -6258,30 +8477,10 @@
               </a:rPr>
               <a:t>Data Accuracy: Ensuring reliable and precise weather data.</a:t>
             </a:r>
-            <a:endParaRPr lang="zh-CN" altLang="en-US" b="1">
-              <a:ln w="9525" cmpd="sng">
-                <a:solidFill>
-                  <a:schemeClr val="accent1"/>
-                </a:solidFill>
-                <a:prstDash val="solid"/>
-              </a:ln>
-              <a:solidFill>
-                <a:srgbClr val="70AD47">
-                  <a:tint val="1000"/>
-                </a:srgbClr>
-              </a:solidFill>
-              <a:effectLst>
-                <a:glow rad="38100">
-                  <a:schemeClr val="accent1">
-                    <a:alpha val="40000"/>
-                  </a:schemeClr>
-                </a:glow>
-              </a:effectLst>
-            </a:endParaRPr>
-          </a:p>
-          <a:p>
-            <a:r>
-              <a:rPr lang="zh-CN" altLang="en-US" b="1">
+          </a:p>
+          <a:p>
+            <a:r>
+              <a:rPr lang="zh-CN" altLang="en-US" b="1" dirty="0">
                 <a:ln w="9525" cmpd="sng">
                   <a:solidFill>
                     <a:schemeClr val="accent1"/>
@@ -6303,26 +8502,6 @@
               </a:rPr>
               <a:t>Learning Needs: Understand the intricacies of the chosen weather API, optimize location-based queries, and potentially learn about push notifications for weather alerts.</a:t>
             </a:r>
-            <a:endParaRPr lang="zh-CN" altLang="en-US" b="1">
-              <a:ln w="9525" cmpd="sng">
-                <a:solidFill>
-                  <a:schemeClr val="accent1"/>
-                </a:solidFill>
-                <a:prstDash val="solid"/>
-              </a:ln>
-              <a:solidFill>
-                <a:srgbClr val="70AD47">
-                  <a:tint val="1000"/>
-                </a:srgbClr>
-              </a:solidFill>
-              <a:effectLst>
-                <a:glow rad="38100">
-                  <a:schemeClr val="accent1">
-                    <a:alpha val="40000"/>
-                  </a:schemeClr>
-                </a:glow>
-              </a:effectLst>
-            </a:endParaRPr>
           </a:p>
         </p:txBody>
       </p:sp>
@@ -6335,28 +8514,22 @@
 </file>
 
 <file path=ppt/tags/tag1.xml><?xml version="1.0" encoding="utf-8"?>
-<p:tagLst xmlns:p="http://schemas.openxmlformats.org/presentationml/2006/main">
-  <p:tag name="KSO_WM_BEAUTIFY_FLAG" val=""/>
-</p:tagLst>
-</file>
-
-<file path=ppt/tags/tag2.xml><?xml version="1.0" encoding="utf-8"?>
-<p:tagLst xmlns:p="http://schemas.openxmlformats.org/presentationml/2006/main">
-  <p:tag name="KSO_WM_BEAUTIFY_FLAG" val=""/>
-</p:tagLst>
-</file>
-
-<file path=ppt/tags/tag3.xml><?xml version="1.0" encoding="utf-8"?>
-<p:tagLst xmlns:p="http://schemas.openxmlformats.org/presentationml/2006/main">
+<p:tagLst xmlns:a="http://schemas.openxmlformats.org/drawingml/2006/main" xmlns:r="http://schemas.openxmlformats.org/officeDocument/2006/relationships" xmlns:p="http://schemas.openxmlformats.org/presentationml/2006/main">
   <p:tag name="KSO_WPP_MARK_KEY" val="5dac2bd6-ca3c-4877-9736-e75705d1ca12"/>
   <p:tag name="COMMONDATA" val="eyJoZGlkIjoiMGI4YTY2NzNjYzhhMDBjYjhiZDFjNDRhZjk5ZjcyM2MifQ=="/>
 </p:tagLst>
 </file>
 
+<file path=ppt/tags/tag2.xml><?xml version="1.0" encoding="utf-8"?>
+<p:tagLst xmlns:a="http://schemas.openxmlformats.org/drawingml/2006/main" xmlns:r="http://schemas.openxmlformats.org/officeDocument/2006/relationships" xmlns:p="http://schemas.openxmlformats.org/presentationml/2006/main">
+  <p:tag name="KSO_WM_BEAUTIFY_FLAG" val=""/>
+</p:tagLst>
+</file>
+
 <file path=ppt/theme/theme1.xml><?xml version="1.0" encoding="utf-8"?>
-<a:theme xmlns:a="http://schemas.openxmlformats.org/drawingml/2006/main" name="Office 主题​​">
+<a:theme xmlns:a="http://schemas.openxmlformats.org/drawingml/2006/main" name="深度">
   <a:themeElements>
-    <a:clrScheme name="Office">
+    <a:clrScheme name="深度">
       <a:dk1>
         <a:sysClr val="windowText" lastClr="000000"/>
       </a:dk1>
@@ -6364,52 +8537,52 @@
         <a:sysClr val="window" lastClr="FFFFFF"/>
       </a:lt1>
       <a:dk2>
-        <a:srgbClr val="44546A"/>
+        <a:srgbClr val="455F51"/>
       </a:dk2>
       <a:lt2>
-        <a:srgbClr val="E7E6E6"/>
+        <a:srgbClr val="94D7E4"/>
       </a:lt2>
       <a:accent1>
-        <a:srgbClr val="4472C4"/>
+        <a:srgbClr val="41AEBD"/>
       </a:accent1>
       <a:accent2>
-        <a:srgbClr val="ED7D31"/>
+        <a:srgbClr val="97E9D5"/>
       </a:accent2>
       <a:accent3>
-        <a:srgbClr val="A5A5A5"/>
+        <a:srgbClr val="A2CF49"/>
       </a:accent3>
       <a:accent4>
-        <a:srgbClr val="FFC000"/>
+        <a:srgbClr val="608F3D"/>
       </a:accent4>
       <a:accent5>
-        <a:srgbClr val="5B9BD5"/>
+        <a:srgbClr val="F4DE3A"/>
       </a:accent5>
       <a:accent6>
-        <a:srgbClr val="70AD47"/>
+        <a:srgbClr val="FCB11C"/>
       </a:accent6>
       <a:hlink>
-        <a:srgbClr val="0563C1"/>
+        <a:srgbClr val="FBCA98"/>
       </a:hlink>
       <a:folHlink>
-        <a:srgbClr val="954F72"/>
+        <a:srgbClr val="D3B86D"/>
       </a:folHlink>
     </a:clrScheme>
-    <a:fontScheme name="Office">
+    <a:fontScheme name="深度">
       <a:majorFont>
-        <a:latin typeface="等线 Light"/>
+        <a:latin typeface="Corbel" panose="020B0503020204020204"/>
         <a:ea typeface=""/>
         <a:cs typeface=""/>
-        <a:font script="Jpan" typeface="游ゴシック Light"/>
-        <a:font script="Hang" typeface="맑은 고딕"/>
-        <a:font script="Hans" typeface="等线 Light"/>
+        <a:font script="Jpan" typeface="メイリオ"/>
+        <a:font script="Hang" typeface="HY엽서L"/>
+        <a:font script="Hans" typeface="华文楷体"/>
         <a:font script="Hant" typeface="新細明體"/>
-        <a:font script="Arab" typeface="Times New Roman"/>
-        <a:font script="Hebr" typeface="Times New Roman"/>
-        <a:font script="Thai" typeface="Angsana New"/>
+        <a:font script="Arab" typeface="Tahoma"/>
+        <a:font script="Hebr" typeface="Miriam"/>
+        <a:font script="Thai" typeface="DilleniaUPC"/>
         <a:font script="Ethi" typeface="Nyala"/>
         <a:font script="Beng" typeface="Vrinda"/>
         <a:font script="Gujr" typeface="Shruti"/>
-        <a:font script="Khmr" typeface="MoolBoran"/>
+        <a:font script="Khmr" typeface="DaunPenh"/>
         <a:font script="Knda" typeface="Tunga"/>
         <a:font script="Guru" typeface="Raavi"/>
         <a:font script="Cans" typeface="Euphemia"/>
@@ -6426,21 +8599,21 @@
         <a:font script="Laoo" typeface="DokChampa"/>
         <a:font script="Sinh" typeface="Iskoola Pota"/>
         <a:font script="Mong" typeface="Mongolian Baiti"/>
-        <a:font script="Viet" typeface="Times New Roman"/>
+        <a:font script="Viet" typeface="Arial"/>
         <a:font script="Uigh" typeface="Microsoft Uighur"/>
         <a:font script="Geor" typeface="Sylfaen"/>
       </a:majorFont>
       <a:minorFont>
-        <a:latin typeface="等线"/>
+        <a:latin typeface="Corbel" panose="020B0503020204020204"/>
         <a:ea typeface=""/>
         <a:cs typeface=""/>
-        <a:font script="Jpan" typeface="游ゴシック"/>
-        <a:font script="Hang" typeface="맑은 고딕"/>
-        <a:font script="Hans" typeface="等线"/>
+        <a:font script="Jpan" typeface="メイリオ"/>
+        <a:font script="Hang" typeface="HY엽서L"/>
+        <a:font script="Hans" typeface="华文楷体"/>
         <a:font script="Hant" typeface="新細明體"/>
-        <a:font script="Arab" typeface="Arial"/>
-        <a:font script="Hebr" typeface="Arial"/>
-        <a:font script="Thai" typeface="Cordia New"/>
+        <a:font script="Arab" typeface="Tahoma"/>
+        <a:font script="Hebr" typeface="Miriam"/>
+        <a:font script="Thai" typeface="DilleniaUPC"/>
         <a:font script="Ethi" typeface="Nyala"/>
         <a:font script="Beng" typeface="Vrinda"/>
         <a:font script="Gujr" typeface="Shruti"/>
@@ -6466,7 +8639,7 @@
         <a:font script="Geor" typeface="Sylfaen"/>
       </a:minorFont>
     </a:fontScheme>
-    <a:fmtScheme name="Office">
+    <a:fmtScheme name="深度">
       <a:fillStyleLst>
         <a:solidFill>
           <a:schemeClr val="phClr"/>
@@ -6604,9 +8777,11 @@
       </a:bgFillStyleLst>
     </a:fmtScheme>
   </a:themeElements>
+  <a:objectDefaults/>
+  <a:extraClrSchemeLst/>
   <a:extLst>
     <a:ext uri="{05A4C25C-085E-4340-85A3-A5531E510DB2}">
-      <thm15:themeFamily xmlns:thm15="http://schemas.microsoft.com/office/thememl/2012/main" name="Office Theme" id="{62F939B6-93AF-4DB8-9C6B-D6C7DFDC589F}" vid="{4A3C46E8-61CC-4603-A589-7422A47A8E4A}"/>
+      <thm15:themeFamily xmlns:thm15="http://schemas.microsoft.com/office/thememl/2012/main" name="Depth" id="{7BEAFC2A-325C-49C4-AC08-2B765DA903F9}" vid="{1735E755-43E6-43AA-ABA2-C989ECC79AF5}"/>
     </a:ext>
   </a:extLst>
 </a:theme>
@@ -6863,6 +9038,8 @@
       </a:bgFillStyleLst>
     </a:fmtScheme>
   </a:themeElements>
+  <a:objectDefaults/>
+  <a:extraClrSchemeLst/>
   <a:extLst>
     <a:ext uri="{05A4C25C-085E-4340-85A3-A5531E510DB2}">
       <thm15:themeFamily xmlns:thm15="http://schemas.microsoft.com/office/thememl/2012/main" name="Office Theme" id="{62F939B6-93AF-4DB8-9C6B-D6C7DFDC589F}" vid="{4A3C46E8-61CC-4603-A589-7422A47A8E4A}"/>
